--- a/説明文 - コピー.pptx
+++ b/説明文 - コピー.pptx
@@ -3723,7 +3723,7 @@
           <p:cNvPr id="4" name="図 3" descr="スクリーンショット が含まれている画像&#10;&#10;自動的に生成された説明">
             <a:extLst>
               <a:ext uri="{FF2B5EF4-FFF2-40B4-BE49-F238E27FC236}">
-                <a16:creationId xmlns="" xmlns:a16="http://schemas.microsoft.com/office/drawing/2014/main" id="{48282D74-7C89-4D68-8F6E-D62AC9485402}"/>
+                <a16:creationId xmlns:a16="http://schemas.microsoft.com/office/drawing/2014/main" xmlns="" id="{48282D74-7C89-4D68-8F6E-D62AC9485402}"/>
               </a:ext>
             </a:extLst>
           </p:cNvPr>
@@ -4058,7 +4058,7 @@
           <p:cNvPr id="6" name="正方形/長方形 5">
             <a:extLst>
               <a:ext uri="{FF2B5EF4-FFF2-40B4-BE49-F238E27FC236}">
-                <a16:creationId xmlns="" xmlns:a16="http://schemas.microsoft.com/office/drawing/2014/main" id="{E239D52D-8A0E-45C2-9D76-49681F4F3023}"/>
+                <a16:creationId xmlns:a16="http://schemas.microsoft.com/office/drawing/2014/main" xmlns="" id="{E239D52D-8A0E-45C2-9D76-49681F4F3023}"/>
               </a:ext>
             </a:extLst>
           </p:cNvPr>
@@ -4110,7 +4110,7 @@
           <p:cNvPr id="12" name="正方形/長方形 11">
             <a:extLst>
               <a:ext uri="{FF2B5EF4-FFF2-40B4-BE49-F238E27FC236}">
-                <a16:creationId xmlns="" xmlns:a16="http://schemas.microsoft.com/office/drawing/2014/main" id="{44B16076-58F3-411C-BA21-CC2F6BFDF2CA}"/>
+                <a16:creationId xmlns:a16="http://schemas.microsoft.com/office/drawing/2014/main" xmlns="" id="{44B16076-58F3-411C-BA21-CC2F6BFDF2CA}"/>
               </a:ext>
             </a:extLst>
           </p:cNvPr>
@@ -4162,7 +4162,7 @@
           <p:cNvPr id="13" name="正方形/長方形 12">
             <a:extLst>
               <a:ext uri="{FF2B5EF4-FFF2-40B4-BE49-F238E27FC236}">
-                <a16:creationId xmlns="" xmlns:a16="http://schemas.microsoft.com/office/drawing/2014/main" id="{48971A5D-F76B-4813-83D2-2D825B6A3202}"/>
+                <a16:creationId xmlns:a16="http://schemas.microsoft.com/office/drawing/2014/main" xmlns="" id="{48971A5D-F76B-4813-83D2-2D825B6A3202}"/>
               </a:ext>
             </a:extLst>
           </p:cNvPr>
@@ -4251,7 +4251,7 @@
           <p:cNvPr id="4" name="テキスト ボックス 3">
             <a:extLst>
               <a:ext uri="{FF2B5EF4-FFF2-40B4-BE49-F238E27FC236}">
-                <a16:creationId xmlns="" xmlns:a16="http://schemas.microsoft.com/office/drawing/2014/main" id="{C41C563A-40AB-403A-8661-FE9944DE17B5}"/>
+                <a16:creationId xmlns:a16="http://schemas.microsoft.com/office/drawing/2014/main" xmlns="" id="{C41C563A-40AB-403A-8661-FE9944DE17B5}"/>
               </a:ext>
             </a:extLst>
           </p:cNvPr>
@@ -4296,7 +4296,7 @@
           <p:cNvPr id="5" name="テキスト ボックス 4">
             <a:extLst>
               <a:ext uri="{FF2B5EF4-FFF2-40B4-BE49-F238E27FC236}">
-                <a16:creationId xmlns="" xmlns:a16="http://schemas.microsoft.com/office/drawing/2014/main" id="{4942987D-E9F9-4BC9-8090-7DA7D48916EF}"/>
+                <a16:creationId xmlns:a16="http://schemas.microsoft.com/office/drawing/2014/main" xmlns="" id="{4942987D-E9F9-4BC9-8090-7DA7D48916EF}"/>
               </a:ext>
             </a:extLst>
           </p:cNvPr>
@@ -4348,7 +4348,7 @@
           <p:cNvPr id="40" name="テキスト ボックス 39">
             <a:extLst>
               <a:ext uri="{FF2B5EF4-FFF2-40B4-BE49-F238E27FC236}">
-                <a16:creationId xmlns="" xmlns:a16="http://schemas.microsoft.com/office/drawing/2014/main" id="{F1EA6A6B-D4D0-463A-A599-CE219946A74B}"/>
+                <a16:creationId xmlns:a16="http://schemas.microsoft.com/office/drawing/2014/main" xmlns="" id="{F1EA6A6B-D4D0-463A-A599-CE219946A74B}"/>
               </a:ext>
             </a:extLst>
           </p:cNvPr>
@@ -4742,7 +4742,7 @@
               <p:cNvPr id="22" name="グループ化 21">
                 <a:extLst>
                   <a:ext uri="{FF2B5EF4-FFF2-40B4-BE49-F238E27FC236}">
-                    <a16:creationId xmlns="" xmlns:a16="http://schemas.microsoft.com/office/drawing/2014/main" id="{2B78E3B8-6F86-4761-8FD3-82445D0604CC}"/>
+                    <a16:creationId xmlns:a16="http://schemas.microsoft.com/office/drawing/2014/main" xmlns="" id="{2B78E3B8-6F86-4761-8FD3-82445D0604CC}"/>
                   </a:ext>
                 </a:extLst>
               </p:cNvPr>
@@ -4762,7 +4762,7 @@
                 <p:cNvPr id="38" name="図 37" descr="物体 が含まれている画像&#10;&#10;自動的に生成された説明">
                   <a:extLst>
                     <a:ext uri="{FF2B5EF4-FFF2-40B4-BE49-F238E27FC236}">
-                      <a16:creationId xmlns="" xmlns:a16="http://schemas.microsoft.com/office/drawing/2014/main" id="{479B4DDF-7427-437E-87B7-7994E26E728C}"/>
+                      <a16:creationId xmlns:a16="http://schemas.microsoft.com/office/drawing/2014/main" xmlns="" id="{479B4DDF-7427-437E-87B7-7994E26E728C}"/>
                     </a:ext>
                   </a:extLst>
                 </p:cNvPr>
@@ -4798,7 +4798,7 @@
                 <p:cNvPr id="39" name="テキスト ボックス 38">
                   <a:extLst>
                     <a:ext uri="{FF2B5EF4-FFF2-40B4-BE49-F238E27FC236}">
-                      <a16:creationId xmlns="" xmlns:a16="http://schemas.microsoft.com/office/drawing/2014/main" id="{9774E31A-0063-4CE0-A9A1-D45BBB05A9C8}"/>
+                      <a16:creationId xmlns:a16="http://schemas.microsoft.com/office/drawing/2014/main" xmlns="" id="{9774E31A-0063-4CE0-A9A1-D45BBB05A9C8}"/>
                     </a:ext>
                   </a:extLst>
                 </p:cNvPr>
@@ -4838,7 +4838,7 @@
               <p:cNvPr id="23" name="グループ化 22">
                 <a:extLst>
                   <a:ext uri="{FF2B5EF4-FFF2-40B4-BE49-F238E27FC236}">
-                    <a16:creationId xmlns="" xmlns:a16="http://schemas.microsoft.com/office/drawing/2014/main" id="{8CEB5C1D-B949-4327-B495-5272910D5F87}"/>
+                    <a16:creationId xmlns:a16="http://schemas.microsoft.com/office/drawing/2014/main" xmlns="" id="{8CEB5C1D-B949-4327-B495-5272910D5F87}"/>
                   </a:ext>
                 </a:extLst>
               </p:cNvPr>
@@ -4858,7 +4858,7 @@
                 <p:cNvPr id="36" name="図 35" descr="物体 が含まれている画像&#10;&#10;自動的に生成された説明">
                   <a:extLst>
                     <a:ext uri="{FF2B5EF4-FFF2-40B4-BE49-F238E27FC236}">
-                      <a16:creationId xmlns="" xmlns:a16="http://schemas.microsoft.com/office/drawing/2014/main" id="{FB1C4056-473E-4E06-A623-40D4081C4EAC}"/>
+                      <a16:creationId xmlns:a16="http://schemas.microsoft.com/office/drawing/2014/main" xmlns="" id="{FB1C4056-473E-4E06-A623-40D4081C4EAC}"/>
                     </a:ext>
                   </a:extLst>
                 </p:cNvPr>
@@ -4894,7 +4894,7 @@
                 <p:cNvPr id="37" name="テキスト ボックス 36">
                   <a:extLst>
                     <a:ext uri="{FF2B5EF4-FFF2-40B4-BE49-F238E27FC236}">
-                      <a16:creationId xmlns="" xmlns:a16="http://schemas.microsoft.com/office/drawing/2014/main" id="{A9417AE6-E050-4A1B-991F-46A51E57761E}"/>
+                      <a16:creationId xmlns:a16="http://schemas.microsoft.com/office/drawing/2014/main" xmlns="" id="{A9417AE6-E050-4A1B-991F-46A51E57761E}"/>
                     </a:ext>
                   </a:extLst>
                 </p:cNvPr>
@@ -4934,7 +4934,7 @@
               <p:cNvPr id="24" name="グループ化 23">
                 <a:extLst>
                   <a:ext uri="{FF2B5EF4-FFF2-40B4-BE49-F238E27FC236}">
-                    <a16:creationId xmlns="" xmlns:a16="http://schemas.microsoft.com/office/drawing/2014/main" id="{9400590E-D727-4D03-98FF-0ACD12EBC352}"/>
+                    <a16:creationId xmlns:a16="http://schemas.microsoft.com/office/drawing/2014/main" xmlns="" id="{9400590E-D727-4D03-98FF-0ACD12EBC352}"/>
                   </a:ext>
                 </a:extLst>
               </p:cNvPr>
@@ -4954,7 +4954,7 @@
                 <p:cNvPr id="34" name="図 33" descr="物体, 腕時計 が含まれている画像&#10;&#10;自動的に生成された説明">
                   <a:extLst>
                     <a:ext uri="{FF2B5EF4-FFF2-40B4-BE49-F238E27FC236}">
-                      <a16:creationId xmlns="" xmlns:a16="http://schemas.microsoft.com/office/drawing/2014/main" id="{734930D0-5E47-475F-948D-174F652567D0}"/>
+                      <a16:creationId xmlns:a16="http://schemas.microsoft.com/office/drawing/2014/main" xmlns="" id="{734930D0-5E47-475F-948D-174F652567D0}"/>
                     </a:ext>
                   </a:extLst>
                 </p:cNvPr>
@@ -4990,7 +4990,7 @@
                 <p:cNvPr id="35" name="テキスト ボックス 34">
                   <a:extLst>
                     <a:ext uri="{FF2B5EF4-FFF2-40B4-BE49-F238E27FC236}">
-                      <a16:creationId xmlns="" xmlns:a16="http://schemas.microsoft.com/office/drawing/2014/main" id="{99360FF1-7996-43C2-A24E-1DB68F403FE0}"/>
+                      <a16:creationId xmlns:a16="http://schemas.microsoft.com/office/drawing/2014/main" xmlns="" id="{99360FF1-7996-43C2-A24E-1DB68F403FE0}"/>
                     </a:ext>
                   </a:extLst>
                 </p:cNvPr>
@@ -5030,7 +5030,7 @@
               <p:cNvPr id="25" name="グループ化 24">
                 <a:extLst>
                   <a:ext uri="{FF2B5EF4-FFF2-40B4-BE49-F238E27FC236}">
-                    <a16:creationId xmlns="" xmlns:a16="http://schemas.microsoft.com/office/drawing/2014/main" id="{2DC9847F-77D2-4405-8121-1FE5585768EA}"/>
+                    <a16:creationId xmlns:a16="http://schemas.microsoft.com/office/drawing/2014/main" xmlns="" id="{2DC9847F-77D2-4405-8121-1FE5585768EA}"/>
                   </a:ext>
                 </a:extLst>
               </p:cNvPr>
@@ -5050,7 +5050,7 @@
                 <p:cNvPr id="32" name="図 31" descr="物体 が含まれている画像&#10;&#10;自動的に生成された説明">
                   <a:extLst>
                     <a:ext uri="{FF2B5EF4-FFF2-40B4-BE49-F238E27FC236}">
-                      <a16:creationId xmlns="" xmlns:a16="http://schemas.microsoft.com/office/drawing/2014/main" id="{275FE74A-218C-4A15-9492-6A63781312F0}"/>
+                      <a16:creationId xmlns:a16="http://schemas.microsoft.com/office/drawing/2014/main" xmlns="" id="{275FE74A-218C-4A15-9492-6A63781312F0}"/>
                     </a:ext>
                   </a:extLst>
                 </p:cNvPr>
@@ -5086,7 +5086,7 @@
                 <p:cNvPr id="33" name="テキスト ボックス 32">
                   <a:extLst>
                     <a:ext uri="{FF2B5EF4-FFF2-40B4-BE49-F238E27FC236}">
-                      <a16:creationId xmlns="" xmlns:a16="http://schemas.microsoft.com/office/drawing/2014/main" id="{7FEA8835-C677-4EFC-9624-2596C7E0A572}"/>
+                      <a16:creationId xmlns:a16="http://schemas.microsoft.com/office/drawing/2014/main" xmlns="" id="{7FEA8835-C677-4EFC-9624-2596C7E0A572}"/>
                     </a:ext>
                   </a:extLst>
                 </p:cNvPr>
@@ -5130,7 +5130,7 @@
               <p:cNvPr id="11" name="図 10">
                 <a:extLst>
                   <a:ext uri="{FF2B5EF4-FFF2-40B4-BE49-F238E27FC236}">
-                    <a16:creationId xmlns="" xmlns:a16="http://schemas.microsoft.com/office/drawing/2014/main" id="{49264E83-2EAE-4079-9AD2-AC2D699F0D1F}"/>
+                    <a16:creationId xmlns:a16="http://schemas.microsoft.com/office/drawing/2014/main" xmlns="" id="{49264E83-2EAE-4079-9AD2-AC2D699F0D1F}"/>
                   </a:ext>
                 </a:extLst>
               </p:cNvPr>
@@ -5166,7 +5166,7 @@
               <p:cNvPr id="46" name="テキスト ボックス 45">
                 <a:extLst>
                   <a:ext uri="{FF2B5EF4-FFF2-40B4-BE49-F238E27FC236}">
-                    <a16:creationId xmlns="" xmlns:a16="http://schemas.microsoft.com/office/drawing/2014/main" id="{B4B7A388-F763-4A3C-B6C2-124C99BC6F42}"/>
+                    <a16:creationId xmlns:a16="http://schemas.microsoft.com/office/drawing/2014/main" xmlns="" id="{B4B7A388-F763-4A3C-B6C2-124C99BC6F42}"/>
                   </a:ext>
                 </a:extLst>
               </p:cNvPr>
@@ -5393,7 +5393,7 @@
           <p:cNvPr id="2" name="図 1">
             <a:extLst>
               <a:ext uri="{FF2B5EF4-FFF2-40B4-BE49-F238E27FC236}">
-                <a16:creationId xmlns="" xmlns:a16="http://schemas.microsoft.com/office/drawing/2014/main" id="{EE855DBA-71F3-4B0A-AD5F-4DC4FD57AF5C}"/>
+                <a16:creationId xmlns:a16="http://schemas.microsoft.com/office/drawing/2014/main" xmlns="" id="{EE855DBA-71F3-4B0A-AD5F-4DC4FD57AF5C}"/>
               </a:ext>
             </a:extLst>
           </p:cNvPr>
@@ -5422,7 +5422,7 @@
           <p:cNvPr id="17" name="楕円 16">
             <a:extLst>
               <a:ext uri="{FF2B5EF4-FFF2-40B4-BE49-F238E27FC236}">
-                <a16:creationId xmlns="" xmlns:a16="http://schemas.microsoft.com/office/drawing/2014/main" id="{787DCF27-FE5D-4F5F-93D9-6E5E3F66733B}"/>
+                <a16:creationId xmlns:a16="http://schemas.microsoft.com/office/drawing/2014/main" xmlns="" id="{787DCF27-FE5D-4F5F-93D9-6E5E3F66733B}"/>
               </a:ext>
             </a:extLst>
           </p:cNvPr>
@@ -5474,7 +5474,7 @@
           <p:cNvPr id="15" name="正方形/長方形 14">
             <a:extLst>
               <a:ext uri="{FF2B5EF4-FFF2-40B4-BE49-F238E27FC236}">
-                <a16:creationId xmlns="" xmlns:a16="http://schemas.microsoft.com/office/drawing/2014/main" id="{3833953A-B36A-4C17-AEC3-8ED45F7CC897}"/>
+                <a16:creationId xmlns:a16="http://schemas.microsoft.com/office/drawing/2014/main" xmlns="" id="{3833953A-B36A-4C17-AEC3-8ED45F7CC897}"/>
               </a:ext>
             </a:extLst>
           </p:cNvPr>
@@ -5526,7 +5526,7 @@
           <p:cNvPr id="16" name="正方形/長方形 15">
             <a:extLst>
               <a:ext uri="{FF2B5EF4-FFF2-40B4-BE49-F238E27FC236}">
-                <a16:creationId xmlns="" xmlns:a16="http://schemas.microsoft.com/office/drawing/2014/main" id="{0A0216B0-C84D-4309-9EC4-75086643960C}"/>
+                <a16:creationId xmlns:a16="http://schemas.microsoft.com/office/drawing/2014/main" xmlns="" id="{0A0216B0-C84D-4309-9EC4-75086643960C}"/>
               </a:ext>
             </a:extLst>
           </p:cNvPr>
@@ -5578,7 +5578,7 @@
           <p:cNvPr id="14" name="正方形/長方形 13">
             <a:extLst>
               <a:ext uri="{FF2B5EF4-FFF2-40B4-BE49-F238E27FC236}">
-                <a16:creationId xmlns="" xmlns:a16="http://schemas.microsoft.com/office/drawing/2014/main" id="{EAC81C78-DEAA-491D-B85A-42AB767010AE}"/>
+                <a16:creationId xmlns:a16="http://schemas.microsoft.com/office/drawing/2014/main" xmlns="" id="{EAC81C78-DEAA-491D-B85A-42AB767010AE}"/>
               </a:ext>
             </a:extLst>
           </p:cNvPr>
@@ -5630,7 +5630,7 @@
           <p:cNvPr id="6" name="テキスト ボックス 5">
             <a:extLst>
               <a:ext uri="{FF2B5EF4-FFF2-40B4-BE49-F238E27FC236}">
-                <a16:creationId xmlns="" xmlns:a16="http://schemas.microsoft.com/office/drawing/2014/main" id="{B35D99F0-6DC1-4BC2-88F1-81631344B7F9}"/>
+                <a16:creationId xmlns:a16="http://schemas.microsoft.com/office/drawing/2014/main" xmlns="" id="{B35D99F0-6DC1-4BC2-88F1-81631344B7F9}"/>
               </a:ext>
             </a:extLst>
           </p:cNvPr>
@@ -5675,7 +5675,7 @@
           <p:cNvPr id="7" name="吹き出し: 四角形 6">
             <a:extLst>
               <a:ext uri="{FF2B5EF4-FFF2-40B4-BE49-F238E27FC236}">
-                <a16:creationId xmlns="" xmlns:a16="http://schemas.microsoft.com/office/drawing/2014/main" id="{BA75D2B1-3296-4A6C-97CF-CD76A284141D}"/>
+                <a16:creationId xmlns:a16="http://schemas.microsoft.com/office/drawing/2014/main" xmlns="" id="{BA75D2B1-3296-4A6C-97CF-CD76A284141D}"/>
               </a:ext>
             </a:extLst>
           </p:cNvPr>
@@ -5741,7 +5741,7 @@
           <p:cNvPr id="8" name="吹き出し: 四角形 7">
             <a:extLst>
               <a:ext uri="{FF2B5EF4-FFF2-40B4-BE49-F238E27FC236}">
-                <a16:creationId xmlns="" xmlns:a16="http://schemas.microsoft.com/office/drawing/2014/main" id="{88AD402C-D557-4604-82F7-689D61968750}"/>
+                <a16:creationId xmlns:a16="http://schemas.microsoft.com/office/drawing/2014/main" xmlns="" id="{88AD402C-D557-4604-82F7-689D61968750}"/>
               </a:ext>
             </a:extLst>
           </p:cNvPr>
@@ -5817,7 +5817,7 @@
           <p:cNvPr id="9" name="吹き出し: 四角形 8">
             <a:extLst>
               <a:ext uri="{FF2B5EF4-FFF2-40B4-BE49-F238E27FC236}">
-                <a16:creationId xmlns="" xmlns:a16="http://schemas.microsoft.com/office/drawing/2014/main" id="{BF8E2C7C-205C-42CA-B382-A5D5630D39B2}"/>
+                <a16:creationId xmlns:a16="http://schemas.microsoft.com/office/drawing/2014/main" xmlns="" id="{BF8E2C7C-205C-42CA-B382-A5D5630D39B2}"/>
               </a:ext>
             </a:extLst>
           </p:cNvPr>
@@ -5890,7 +5890,7 @@
           <p:cNvPr id="10" name="吹き出し: 四角形 9">
             <a:extLst>
               <a:ext uri="{FF2B5EF4-FFF2-40B4-BE49-F238E27FC236}">
-                <a16:creationId xmlns="" xmlns:a16="http://schemas.microsoft.com/office/drawing/2014/main" id="{1E8E5AAD-2EFF-40AE-87B5-A62E3863DB06}"/>
+                <a16:creationId xmlns:a16="http://schemas.microsoft.com/office/drawing/2014/main" xmlns="" id="{1E8E5AAD-2EFF-40AE-87B5-A62E3863DB06}"/>
               </a:ext>
             </a:extLst>
           </p:cNvPr>
@@ -6026,7 +6026,7 @@
           <p:cNvPr id="11" name="吹き出し: 四角形 10">
             <a:extLst>
               <a:ext uri="{FF2B5EF4-FFF2-40B4-BE49-F238E27FC236}">
-                <a16:creationId xmlns="" xmlns:a16="http://schemas.microsoft.com/office/drawing/2014/main" id="{0876C132-70D4-4EE9-A059-2EE9BBCFA5AC}"/>
+                <a16:creationId xmlns:a16="http://schemas.microsoft.com/office/drawing/2014/main" xmlns="" id="{0876C132-70D4-4EE9-A059-2EE9BBCFA5AC}"/>
               </a:ext>
             </a:extLst>
           </p:cNvPr>
@@ -6092,7 +6092,7 @@
           <p:cNvPr id="12" name="吹き出し: 四角形 11">
             <a:extLst>
               <a:ext uri="{FF2B5EF4-FFF2-40B4-BE49-F238E27FC236}">
-                <a16:creationId xmlns="" xmlns:a16="http://schemas.microsoft.com/office/drawing/2014/main" id="{30266963-E240-4012-99DE-6906E5DDC8E7}"/>
+                <a16:creationId xmlns:a16="http://schemas.microsoft.com/office/drawing/2014/main" xmlns="" id="{30266963-E240-4012-99DE-6906E5DDC8E7}"/>
               </a:ext>
             </a:extLst>
           </p:cNvPr>
@@ -6215,7 +6215,7 @@
           <p:cNvPr id="13" name="正方形/長方形 12">
             <a:extLst>
               <a:ext uri="{FF2B5EF4-FFF2-40B4-BE49-F238E27FC236}">
-                <a16:creationId xmlns="" xmlns:a16="http://schemas.microsoft.com/office/drawing/2014/main" id="{C5B52C5E-840D-45E5-8E3C-3E2AD99D4E85}"/>
+                <a16:creationId xmlns:a16="http://schemas.microsoft.com/office/drawing/2014/main" xmlns="" id="{C5B52C5E-840D-45E5-8E3C-3E2AD99D4E85}"/>
               </a:ext>
             </a:extLst>
           </p:cNvPr>
@@ -6267,7 +6267,7 @@
           <p:cNvPr id="18" name="正方形/長方形 17">
             <a:extLst>
               <a:ext uri="{FF2B5EF4-FFF2-40B4-BE49-F238E27FC236}">
-                <a16:creationId xmlns="" xmlns:a16="http://schemas.microsoft.com/office/drawing/2014/main" id="{85B86C3D-1D0B-4CA9-A09E-F9104FAC8E9A}"/>
+                <a16:creationId xmlns:a16="http://schemas.microsoft.com/office/drawing/2014/main" xmlns="" id="{85B86C3D-1D0B-4CA9-A09E-F9104FAC8E9A}"/>
               </a:ext>
             </a:extLst>
           </p:cNvPr>
@@ -6319,7 +6319,7 @@
           <p:cNvPr id="3" name="L 字 2">
             <a:extLst>
               <a:ext uri="{FF2B5EF4-FFF2-40B4-BE49-F238E27FC236}">
-                <a16:creationId xmlns="" xmlns:a16="http://schemas.microsoft.com/office/drawing/2014/main" id="{CA56987B-B7BB-455B-A3DC-57F7BCD43222}"/>
+                <a16:creationId xmlns:a16="http://schemas.microsoft.com/office/drawing/2014/main" xmlns="" id="{CA56987B-B7BB-455B-A3DC-57F7BCD43222}"/>
               </a:ext>
             </a:extLst>
           </p:cNvPr>
@@ -6374,7 +6374,7 @@
           <p:cNvPr id="19" name="吹き出し: 四角形 18">
             <a:extLst>
               <a:ext uri="{FF2B5EF4-FFF2-40B4-BE49-F238E27FC236}">
-                <a16:creationId xmlns="" xmlns:a16="http://schemas.microsoft.com/office/drawing/2014/main" id="{D2673875-651C-40E4-8256-1F77677989CB}"/>
+                <a16:creationId xmlns:a16="http://schemas.microsoft.com/office/drawing/2014/main" xmlns="" id="{D2673875-651C-40E4-8256-1F77677989CB}"/>
               </a:ext>
             </a:extLst>
           </p:cNvPr>
@@ -6457,7 +6457,7 @@
           <p:cNvPr id="20" name="吹き出し: 四角形 19">
             <a:extLst>
               <a:ext uri="{FF2B5EF4-FFF2-40B4-BE49-F238E27FC236}">
-                <a16:creationId xmlns="" xmlns:a16="http://schemas.microsoft.com/office/drawing/2014/main" id="{F0A11592-BD25-49D2-8C1D-7500E79B7ADA}"/>
+                <a16:creationId xmlns:a16="http://schemas.microsoft.com/office/drawing/2014/main" xmlns="" id="{F0A11592-BD25-49D2-8C1D-7500E79B7ADA}"/>
               </a:ext>
             </a:extLst>
           </p:cNvPr>
@@ -6630,7 +6630,7 @@
           <p:cNvPr id="6" name="テキスト ボックス 5">
             <a:extLst>
               <a:ext uri="{FF2B5EF4-FFF2-40B4-BE49-F238E27FC236}">
-                <a16:creationId xmlns="" xmlns:a16="http://schemas.microsoft.com/office/drawing/2014/main" id="{83D9254C-066B-4A30-984B-189E5281BB91}"/>
+                <a16:creationId xmlns:a16="http://schemas.microsoft.com/office/drawing/2014/main" xmlns="" id="{83D9254C-066B-4A30-984B-189E5281BB91}"/>
               </a:ext>
             </a:extLst>
           </p:cNvPr>
@@ -6675,7 +6675,7 @@
           <p:cNvPr id="7" name="テキスト ボックス 6">
             <a:extLst>
               <a:ext uri="{FF2B5EF4-FFF2-40B4-BE49-F238E27FC236}">
-                <a16:creationId xmlns="" xmlns:a16="http://schemas.microsoft.com/office/drawing/2014/main" id="{A3B678AB-5F6D-47A2-AC3D-C9904D8B3FE5}"/>
+                <a16:creationId xmlns:a16="http://schemas.microsoft.com/office/drawing/2014/main" xmlns="" id="{A3B678AB-5F6D-47A2-AC3D-C9904D8B3FE5}"/>
               </a:ext>
             </a:extLst>
           </p:cNvPr>
@@ -6717,7 +6717,7 @@
           <p:cNvPr id="8" name="テキスト ボックス 7">
             <a:extLst>
               <a:ext uri="{FF2B5EF4-FFF2-40B4-BE49-F238E27FC236}">
-                <a16:creationId xmlns="" xmlns:a16="http://schemas.microsoft.com/office/drawing/2014/main" id="{81F92070-255F-4692-ABB1-F5486542D8FF}"/>
+                <a16:creationId xmlns:a16="http://schemas.microsoft.com/office/drawing/2014/main" xmlns="" id="{81F92070-255F-4692-ABB1-F5486542D8FF}"/>
               </a:ext>
             </a:extLst>
           </p:cNvPr>
@@ -6839,7 +6839,7 @@
           <p:cNvPr id="10" name="テキスト ボックス 9">
             <a:extLst>
               <a:ext uri="{FF2B5EF4-FFF2-40B4-BE49-F238E27FC236}">
-                <a16:creationId xmlns="" xmlns:a16="http://schemas.microsoft.com/office/drawing/2014/main" id="{946FF0DF-B758-41C2-85D3-67DA048E99B2}"/>
+                <a16:creationId xmlns:a16="http://schemas.microsoft.com/office/drawing/2014/main" xmlns="" id="{946FF0DF-B758-41C2-85D3-67DA048E99B2}"/>
               </a:ext>
             </a:extLst>
           </p:cNvPr>
@@ -6848,7 +6848,7 @@
         </p:nvSpPr>
         <p:spPr>
           <a:xfrm>
-            <a:off x="1992573" y="3998200"/>
+            <a:off x="187523" y="3641940"/>
             <a:ext cx="7921840" cy="923330"/>
           </a:xfrm>
           <a:prstGeom prst="rect">
@@ -6890,6 +6890,68 @@
               </a:rPr>
               <a:t>一定数ほかのレーンでポッドを出撃させることにより回復していきます。</a:t>
             </a:r>
+          </a:p>
+        </p:txBody>
+      </p:sp>
+      <p:sp>
+        <p:nvSpPr>
+          <p:cNvPr id="3" name="テキスト ボックス 2"/>
+          <p:cNvSpPr txBox="1"/>
+          <p:nvPr/>
+        </p:nvSpPr>
+        <p:spPr>
+          <a:xfrm>
+            <a:off x="5070763" y="4928260"/>
+            <a:ext cx="5783283" cy="923330"/>
+          </a:xfrm>
+          <a:prstGeom prst="rect">
+            <a:avLst/>
+          </a:prstGeom>
+          <a:noFill/>
+        </p:spPr>
+        <p:txBody>
+          <a:bodyPr wrap="square" rtlCol="0">
+            <a:spAutoFit/>
+          </a:bodyPr>
+          <a:lstStyle/>
+          <a:p>
+            <a:r>
+              <a:rPr kumimoji="1" lang="ja-JP" altLang="en-US" dirty="0" smtClean="0">
+                <a:latin typeface="チェックポイント．（ピリオド）" panose="02000600000000000000" pitchFamily="50" charset="-128"/>
+                <a:ea typeface="チェックポイント．（ピリオド）" panose="02000600000000000000" pitchFamily="50" charset="-128"/>
+              </a:rPr>
+              <a:t>このアイコンが出ているときは</a:t>
+            </a:r>
+            <a:endParaRPr kumimoji="1" lang="en-US" altLang="ja-JP" dirty="0" smtClean="0">
+              <a:latin typeface="チェックポイント．（ピリオド）" panose="02000600000000000000" pitchFamily="50" charset="-128"/>
+              <a:ea typeface="チェックポイント．（ピリオド）" panose="02000600000000000000" pitchFamily="50" charset="-128"/>
+            </a:endParaRPr>
+          </a:p>
+          <a:p>
+            <a:r>
+              <a:rPr lang="ja-JP" altLang="en-US" dirty="0" smtClean="0">
+                <a:latin typeface="チェックポイント．（ピリオド）" panose="02000600000000000000" pitchFamily="50" charset="-128"/>
+                <a:ea typeface="チェックポイント．（ピリオド）" panose="02000600000000000000" pitchFamily="50" charset="-128"/>
+              </a:rPr>
+              <a:t>防御力が下がっています。</a:t>
+            </a:r>
+            <a:endParaRPr lang="en-US" altLang="ja-JP" dirty="0" smtClean="0">
+              <a:latin typeface="チェックポイント．（ピリオド）" panose="02000600000000000000" pitchFamily="50" charset="-128"/>
+              <a:ea typeface="チェックポイント．（ピリオド）" panose="02000600000000000000" pitchFamily="50" charset="-128"/>
+            </a:endParaRPr>
+          </a:p>
+          <a:p>
+            <a:r>
+              <a:rPr kumimoji="1" lang="ja-JP" altLang="en-US" dirty="0" smtClean="0">
+                <a:latin typeface="チェックポイント．（ピリオド）" panose="02000600000000000000" pitchFamily="50" charset="-128"/>
+                <a:ea typeface="チェックポイント．（ピリオド）" panose="02000600000000000000" pitchFamily="50" charset="-128"/>
+              </a:rPr>
+              <a:t>アイコンの色によって防御力の下がり具合が違います。</a:t>
+            </a:r>
+            <a:endParaRPr kumimoji="1" lang="ja-JP" altLang="en-US" dirty="0">
+              <a:latin typeface="チェックポイント．（ピリオド）" panose="02000600000000000000" pitchFamily="50" charset="-128"/>
+              <a:ea typeface="チェックポイント．（ピリオド）" panose="02000600000000000000" pitchFamily="50" charset="-128"/>
+            </a:endParaRPr>
           </a:p>
         </p:txBody>
       </p:sp>
@@ -6935,7 +6997,7 @@
           <p:cNvPr id="4" name="テキスト ボックス 3">
             <a:extLst>
               <a:ext uri="{FF2B5EF4-FFF2-40B4-BE49-F238E27FC236}">
-                <a16:creationId xmlns="" xmlns:a16="http://schemas.microsoft.com/office/drawing/2014/main" id="{83D9254C-066B-4A30-984B-189E5281BB91}"/>
+                <a16:creationId xmlns:a16="http://schemas.microsoft.com/office/drawing/2014/main" xmlns="" id="{83D9254C-066B-4A30-984B-189E5281BB91}"/>
               </a:ext>
             </a:extLst>
           </p:cNvPr>
@@ -7381,7 +7443,7 @@
           <p:cNvPr id="5" name="テキスト ボックス 4">
             <a:extLst>
               <a:ext uri="{FF2B5EF4-FFF2-40B4-BE49-F238E27FC236}">
-                <a16:creationId xmlns="" xmlns:a16="http://schemas.microsoft.com/office/drawing/2014/main" id="{E7DA8156-9232-45DF-BDAB-F8BFA4989BF6}"/>
+                <a16:creationId xmlns:a16="http://schemas.microsoft.com/office/drawing/2014/main" xmlns="" id="{E7DA8156-9232-45DF-BDAB-F8BFA4989BF6}"/>
               </a:ext>
             </a:extLst>
           </p:cNvPr>
@@ -7425,7 +7487,7 @@
           <p:cNvPr id="7" name="テキスト ボックス 6">
             <a:extLst>
               <a:ext uri="{FF2B5EF4-FFF2-40B4-BE49-F238E27FC236}">
-                <a16:creationId xmlns="" xmlns:a16="http://schemas.microsoft.com/office/drawing/2014/main" id="{86562B00-1D31-41BF-8D0A-F3A64C35FA2F}"/>
+                <a16:creationId xmlns:a16="http://schemas.microsoft.com/office/drawing/2014/main" xmlns="" id="{86562B00-1D31-41BF-8D0A-F3A64C35FA2F}"/>
               </a:ext>
             </a:extLst>
           </p:cNvPr>
@@ -7477,7 +7539,7 @@
           <p:cNvPr id="8" name="テキスト ボックス 7">
             <a:extLst>
               <a:ext uri="{FF2B5EF4-FFF2-40B4-BE49-F238E27FC236}">
-                <a16:creationId xmlns="" xmlns:a16="http://schemas.microsoft.com/office/drawing/2014/main" id="{4B1A7519-3AB7-4FFE-8DC1-5D58D39C3087}"/>
+                <a16:creationId xmlns:a16="http://schemas.microsoft.com/office/drawing/2014/main" xmlns="" id="{4B1A7519-3AB7-4FFE-8DC1-5D58D39C3087}"/>
               </a:ext>
             </a:extLst>
           </p:cNvPr>
@@ -7526,7 +7588,7 @@
           <p:cNvPr id="16" name="テキスト ボックス 15">
             <a:extLst>
               <a:ext uri="{FF2B5EF4-FFF2-40B4-BE49-F238E27FC236}">
-                <a16:creationId xmlns="" xmlns:a16="http://schemas.microsoft.com/office/drawing/2014/main" id="{EAD140C4-19B0-40CF-8A7F-5B444A6FB643}"/>
+                <a16:creationId xmlns:a16="http://schemas.microsoft.com/office/drawing/2014/main" xmlns="" id="{EAD140C4-19B0-40CF-8A7F-5B444A6FB643}"/>
               </a:ext>
             </a:extLst>
           </p:cNvPr>
@@ -7564,7 +7626,7 @@
           <p:cNvPr id="17" name="テキスト ボックス 16">
             <a:extLst>
               <a:ext uri="{FF2B5EF4-FFF2-40B4-BE49-F238E27FC236}">
-                <a16:creationId xmlns="" xmlns:a16="http://schemas.microsoft.com/office/drawing/2014/main" id="{35A6466D-48F7-44F6-AA87-CA2E29ED1A92}"/>
+                <a16:creationId xmlns:a16="http://schemas.microsoft.com/office/drawing/2014/main" xmlns="" id="{35A6466D-48F7-44F6-AA87-CA2E29ED1A92}"/>
               </a:ext>
             </a:extLst>
           </p:cNvPr>
@@ -7602,7 +7664,7 @@
           <p:cNvPr id="20" name="グループ化 19">
             <a:extLst>
               <a:ext uri="{FF2B5EF4-FFF2-40B4-BE49-F238E27FC236}">
-                <a16:creationId xmlns="" xmlns:a16="http://schemas.microsoft.com/office/drawing/2014/main" id="{F2B7319D-4B0F-4E88-BF97-C6858CA42543}"/>
+                <a16:creationId xmlns:a16="http://schemas.microsoft.com/office/drawing/2014/main" xmlns="" id="{F2B7319D-4B0F-4E88-BF97-C6858CA42543}"/>
               </a:ext>
             </a:extLst>
           </p:cNvPr>
@@ -7622,7 +7684,7 @@
             <p:cNvPr id="10" name="図 9">
               <a:extLst>
                 <a:ext uri="{FF2B5EF4-FFF2-40B4-BE49-F238E27FC236}">
-                  <a16:creationId xmlns="" xmlns:a16="http://schemas.microsoft.com/office/drawing/2014/main" id="{CC45E600-B2B8-4EEF-9509-45C7FC593D21}"/>
+                  <a16:creationId xmlns:a16="http://schemas.microsoft.com/office/drawing/2014/main" xmlns="" id="{CC45E600-B2B8-4EEF-9509-45C7FC593D21}"/>
                 </a:ext>
               </a:extLst>
             </p:cNvPr>
@@ -7657,7 +7719,7 @@
             <p:cNvPr id="3" name="図 2">
               <a:extLst>
                 <a:ext uri="{FF2B5EF4-FFF2-40B4-BE49-F238E27FC236}">
-                  <a16:creationId xmlns="" xmlns:a16="http://schemas.microsoft.com/office/drawing/2014/main" id="{76874239-A564-450E-95B6-FA50B49D3D17}"/>
+                  <a16:creationId xmlns:a16="http://schemas.microsoft.com/office/drawing/2014/main" xmlns="" id="{76874239-A564-450E-95B6-FA50B49D3D17}"/>
                 </a:ext>
               </a:extLst>
             </p:cNvPr>
@@ -7693,7 +7755,7 @@
             <p:cNvPr id="18" name="図 17">
               <a:extLst>
                 <a:ext uri="{FF2B5EF4-FFF2-40B4-BE49-F238E27FC236}">
-                  <a16:creationId xmlns="" xmlns:a16="http://schemas.microsoft.com/office/drawing/2014/main" id="{0AB0B9E4-14DF-45A3-A28A-92DB7B5FED7E}"/>
+                  <a16:creationId xmlns:a16="http://schemas.microsoft.com/office/drawing/2014/main" xmlns="" id="{0AB0B9E4-14DF-45A3-A28A-92DB7B5FED7E}"/>
                 </a:ext>
               </a:extLst>
             </p:cNvPr>
@@ -7729,7 +7791,7 @@
             <p:cNvPr id="6" name="図 5" descr="歯車, 車輪 が含まれている画像&#10;&#10;自動的に生成された説明">
               <a:extLst>
                 <a:ext uri="{FF2B5EF4-FFF2-40B4-BE49-F238E27FC236}">
-                  <a16:creationId xmlns="" xmlns:a16="http://schemas.microsoft.com/office/drawing/2014/main" id="{719E7009-8045-4D66-A55A-5EE8D48EF64A}"/>
+                  <a16:creationId xmlns:a16="http://schemas.microsoft.com/office/drawing/2014/main" xmlns="" id="{719E7009-8045-4D66-A55A-5EE8D48EF64A}"/>
                 </a:ext>
               </a:extLst>
             </p:cNvPr>
@@ -7765,7 +7827,7 @@
             <p:cNvPr id="19" name="図 18" descr="車輪 が含まれている画像&#10;&#10;自動的に生成された説明">
               <a:extLst>
                 <a:ext uri="{FF2B5EF4-FFF2-40B4-BE49-F238E27FC236}">
-                  <a16:creationId xmlns="" xmlns:a16="http://schemas.microsoft.com/office/drawing/2014/main" id="{E345A25F-5D95-4CBD-ADD0-087829B4C775}"/>
+                  <a16:creationId xmlns:a16="http://schemas.microsoft.com/office/drawing/2014/main" xmlns="" id="{E345A25F-5D95-4CBD-ADD0-087829B4C775}"/>
                 </a:ext>
               </a:extLst>
             </p:cNvPr>
@@ -7839,7 +7901,7 @@
           <p:cNvPr id="7" name="テキスト ボックス 6">
             <a:extLst>
               <a:ext uri="{FF2B5EF4-FFF2-40B4-BE49-F238E27FC236}">
-                <a16:creationId xmlns="" xmlns:a16="http://schemas.microsoft.com/office/drawing/2014/main" id="{C41C563A-40AB-403A-8661-FE9944DE17B5}"/>
+                <a16:creationId xmlns:a16="http://schemas.microsoft.com/office/drawing/2014/main" xmlns="" id="{C41C563A-40AB-403A-8661-FE9944DE17B5}"/>
               </a:ext>
             </a:extLst>
           </p:cNvPr>
@@ -7932,10 +7994,20 @@
             <a:pPr algn="ctr"/>
             <a:r>
               <a:rPr kumimoji="1" lang="ja-JP" altLang="en-US" sz="2400" dirty="0" smtClean="0">
-                <a:latin typeface="チェックポイント．（ピリオド）" panose="02000600000000000000" pitchFamily="50" charset="-128"/>
-                <a:ea typeface="チェックポイント．（ピリオド）" panose="02000600000000000000" pitchFamily="50" charset="-128"/>
-              </a:rPr>
-              <a:t>ホーム画面を介さずに戦闘準備画面と育成画面を行き来することが可能です。</a:t>
+                <a:solidFill>
+                  <a:srgbClr val="FF0000"/>
+                </a:solidFill>
+                <a:latin typeface="チェックポイント．（ピリオド）" panose="02000600000000000000" pitchFamily="50" charset="-128"/>
+                <a:ea typeface="チェックポイント．（ピリオド）" panose="02000600000000000000" pitchFamily="50" charset="-128"/>
+              </a:rPr>
+              <a:t>ホーム画面を介さずに戦闘準備画面と育成画面を行き来することが可能です</a:t>
+            </a:r>
+            <a:r>
+              <a:rPr kumimoji="1" lang="ja-JP" altLang="en-US" sz="2400" dirty="0" smtClean="0">
+                <a:latin typeface="チェックポイント．（ピリオド）" panose="02000600000000000000" pitchFamily="50" charset="-128"/>
+                <a:ea typeface="チェックポイント．（ピリオド）" panose="02000600000000000000" pitchFamily="50" charset="-128"/>
+              </a:rPr>
+              <a:t>。</a:t>
             </a:r>
             <a:endParaRPr kumimoji="1" lang="ja-JP" altLang="en-US" sz="2400" dirty="0">
               <a:latin typeface="チェックポイント．（ピリオド）" panose="02000600000000000000" pitchFamily="50" charset="-128"/>
@@ -8283,7 +8355,7 @@
           <p:cNvPr id="2" name="図 1">
             <a:extLst>
               <a:ext uri="{FF2B5EF4-FFF2-40B4-BE49-F238E27FC236}">
-                <a16:creationId xmlns="" xmlns:a16="http://schemas.microsoft.com/office/drawing/2014/main" id="{ABA9EEB5-CD54-4299-B4B2-40DB1CEF4FD2}"/>
+                <a16:creationId xmlns:a16="http://schemas.microsoft.com/office/drawing/2014/main" xmlns="" id="{ABA9EEB5-CD54-4299-B4B2-40DB1CEF4FD2}"/>
               </a:ext>
             </a:extLst>
           </p:cNvPr>
@@ -8835,7 +8907,7 @@
           <p:cNvPr id="13" name="正方形/長方形 12">
             <a:extLst>
               <a:ext uri="{FF2B5EF4-FFF2-40B4-BE49-F238E27FC236}">
-                <a16:creationId xmlns="" xmlns:a16="http://schemas.microsoft.com/office/drawing/2014/main" id="{A37BEE43-2066-46D6-8830-D8556B22304D}"/>
+                <a16:creationId xmlns:a16="http://schemas.microsoft.com/office/drawing/2014/main" xmlns="" id="{A37BEE43-2066-46D6-8830-D8556B22304D}"/>
               </a:ext>
             </a:extLst>
           </p:cNvPr>
@@ -8887,7 +8959,7 @@
           <p:cNvPr id="14" name="正方形/長方形 13">
             <a:extLst>
               <a:ext uri="{FF2B5EF4-FFF2-40B4-BE49-F238E27FC236}">
-                <a16:creationId xmlns="" xmlns:a16="http://schemas.microsoft.com/office/drawing/2014/main" id="{BA56A8B8-81E8-409C-8A37-384626294E40}"/>
+                <a16:creationId xmlns:a16="http://schemas.microsoft.com/office/drawing/2014/main" xmlns="" id="{BA56A8B8-81E8-409C-8A37-384626294E40}"/>
               </a:ext>
             </a:extLst>
           </p:cNvPr>
@@ -8939,7 +9011,7 @@
           <p:cNvPr id="15" name="正方形/長方形 14">
             <a:extLst>
               <a:ext uri="{FF2B5EF4-FFF2-40B4-BE49-F238E27FC236}">
-                <a16:creationId xmlns="" xmlns:a16="http://schemas.microsoft.com/office/drawing/2014/main" id="{AF0DEFD2-0EA7-416C-9349-A86003C1114B}"/>
+                <a16:creationId xmlns:a16="http://schemas.microsoft.com/office/drawing/2014/main" xmlns="" id="{AF0DEFD2-0EA7-416C-9349-A86003C1114B}"/>
               </a:ext>
             </a:extLst>
           </p:cNvPr>
@@ -8991,7 +9063,7 @@
           <p:cNvPr id="18" name="正方形/長方形 17">
             <a:extLst>
               <a:ext uri="{FF2B5EF4-FFF2-40B4-BE49-F238E27FC236}">
-                <a16:creationId xmlns="" xmlns:a16="http://schemas.microsoft.com/office/drawing/2014/main" id="{DFCE669F-B98A-49D5-9CD8-578BB88718CC}"/>
+                <a16:creationId xmlns:a16="http://schemas.microsoft.com/office/drawing/2014/main" xmlns="" id="{DFCE669F-B98A-49D5-9CD8-578BB88718CC}"/>
               </a:ext>
             </a:extLst>
           </p:cNvPr>
@@ -9080,7 +9152,7 @@
           <p:cNvPr id="2" name="図 1">
             <a:extLst>
               <a:ext uri="{FF2B5EF4-FFF2-40B4-BE49-F238E27FC236}">
-                <a16:creationId xmlns="" xmlns:a16="http://schemas.microsoft.com/office/drawing/2014/main" id="{FACDA18E-C9A9-4595-A67B-3D09A78991DE}"/>
+                <a16:creationId xmlns:a16="http://schemas.microsoft.com/office/drawing/2014/main" xmlns="" id="{FACDA18E-C9A9-4595-A67B-3D09A78991DE}"/>
               </a:ext>
             </a:extLst>
           </p:cNvPr>
@@ -9599,7 +9671,7 @@
           <p:cNvPr id="10" name="正方形/長方形 9">
             <a:extLst>
               <a:ext uri="{FF2B5EF4-FFF2-40B4-BE49-F238E27FC236}">
-                <a16:creationId xmlns="" xmlns:a16="http://schemas.microsoft.com/office/drawing/2014/main" id="{6FFE011D-710D-4A4F-9825-141048483DC9}"/>
+                <a16:creationId xmlns:a16="http://schemas.microsoft.com/office/drawing/2014/main" xmlns="" id="{6FFE011D-710D-4A4F-9825-141048483DC9}"/>
               </a:ext>
             </a:extLst>
           </p:cNvPr>
@@ -9651,7 +9723,7 @@
           <p:cNvPr id="11" name="正方形/長方形 10">
             <a:extLst>
               <a:ext uri="{FF2B5EF4-FFF2-40B4-BE49-F238E27FC236}">
-                <a16:creationId xmlns="" xmlns:a16="http://schemas.microsoft.com/office/drawing/2014/main" id="{E20945F6-E8A3-4843-8AA8-C3CA375AAF01}"/>
+                <a16:creationId xmlns:a16="http://schemas.microsoft.com/office/drawing/2014/main" xmlns="" id="{E20945F6-E8A3-4843-8AA8-C3CA375AAF01}"/>
               </a:ext>
             </a:extLst>
           </p:cNvPr>
@@ -9703,7 +9775,7 @@
           <p:cNvPr id="12" name="正方形/長方形 11">
             <a:extLst>
               <a:ext uri="{FF2B5EF4-FFF2-40B4-BE49-F238E27FC236}">
-                <a16:creationId xmlns="" xmlns:a16="http://schemas.microsoft.com/office/drawing/2014/main" id="{7A027602-FE49-443B-B979-695A16DF3603}"/>
+                <a16:creationId xmlns:a16="http://schemas.microsoft.com/office/drawing/2014/main" xmlns="" id="{7A027602-FE49-443B-B979-695A16DF3603}"/>
               </a:ext>
             </a:extLst>
           </p:cNvPr>
@@ -9755,7 +9827,7 @@
           <p:cNvPr id="13" name="正方形/長方形 12">
             <a:extLst>
               <a:ext uri="{FF2B5EF4-FFF2-40B4-BE49-F238E27FC236}">
-                <a16:creationId xmlns="" xmlns:a16="http://schemas.microsoft.com/office/drawing/2014/main" id="{6D5653B2-A431-4E41-A84C-D2D0A59D8FFF}"/>
+                <a16:creationId xmlns:a16="http://schemas.microsoft.com/office/drawing/2014/main" xmlns="" id="{6D5653B2-A431-4E41-A84C-D2D0A59D8FFF}"/>
               </a:ext>
             </a:extLst>
           </p:cNvPr>
@@ -9807,7 +9879,7 @@
           <p:cNvPr id="15" name="正方形/長方形 14">
             <a:extLst>
               <a:ext uri="{FF2B5EF4-FFF2-40B4-BE49-F238E27FC236}">
-                <a16:creationId xmlns="" xmlns:a16="http://schemas.microsoft.com/office/drawing/2014/main" id="{E0E6CB0D-AD4F-4358-8DF1-ECAD7B65F9F5}"/>
+                <a16:creationId xmlns:a16="http://schemas.microsoft.com/office/drawing/2014/main" xmlns="" id="{E0E6CB0D-AD4F-4358-8DF1-ECAD7B65F9F5}"/>
               </a:ext>
             </a:extLst>
           </p:cNvPr>
@@ -9859,7 +9931,7 @@
           <p:cNvPr id="16" name="四角形吹き出し 4">
             <a:extLst>
               <a:ext uri="{FF2B5EF4-FFF2-40B4-BE49-F238E27FC236}">
-                <a16:creationId xmlns="" xmlns:a16="http://schemas.microsoft.com/office/drawing/2014/main" id="{63DDAF72-AE4E-4AAC-AC6F-2CCD1ADC7265}"/>
+                <a16:creationId xmlns:a16="http://schemas.microsoft.com/office/drawing/2014/main" xmlns="" id="{63DDAF72-AE4E-4AAC-AC6F-2CCD1ADC7265}"/>
               </a:ext>
             </a:extLst>
           </p:cNvPr>
@@ -9962,7 +10034,7 @@
           <p:cNvPr id="2" name="図 1">
             <a:extLst>
               <a:ext uri="{FF2B5EF4-FFF2-40B4-BE49-F238E27FC236}">
-                <a16:creationId xmlns="" xmlns:a16="http://schemas.microsoft.com/office/drawing/2014/main" id="{6D8FB80E-219E-48B7-8A76-83136658BD39}"/>
+                <a16:creationId xmlns:a16="http://schemas.microsoft.com/office/drawing/2014/main" xmlns="" id="{6D8FB80E-219E-48B7-8A76-83136658BD39}"/>
               </a:ext>
             </a:extLst>
           </p:cNvPr>
@@ -10364,7 +10436,7 @@
           <p:cNvPr id="8" name="正方形/長方形 7">
             <a:extLst>
               <a:ext uri="{FF2B5EF4-FFF2-40B4-BE49-F238E27FC236}">
-                <a16:creationId xmlns="" xmlns:a16="http://schemas.microsoft.com/office/drawing/2014/main" id="{F7BE2C32-C21E-4467-87D2-8052D2B5FDA7}"/>
+                <a16:creationId xmlns:a16="http://schemas.microsoft.com/office/drawing/2014/main" xmlns="" id="{F7BE2C32-C21E-4467-87D2-8052D2B5FDA7}"/>
               </a:ext>
             </a:extLst>
           </p:cNvPr>
@@ -10416,7 +10488,7 @@
           <p:cNvPr id="12" name="正方形/長方形 11">
             <a:extLst>
               <a:ext uri="{FF2B5EF4-FFF2-40B4-BE49-F238E27FC236}">
-                <a16:creationId xmlns="" xmlns:a16="http://schemas.microsoft.com/office/drawing/2014/main" id="{40ABF9C2-DF54-4877-A01A-A46FE482F6B4}"/>
+                <a16:creationId xmlns:a16="http://schemas.microsoft.com/office/drawing/2014/main" xmlns="" id="{40ABF9C2-DF54-4877-A01A-A46FE482F6B4}"/>
               </a:ext>
             </a:extLst>
           </p:cNvPr>
@@ -10468,7 +10540,7 @@
           <p:cNvPr id="14" name="正方形/長方形 13">
             <a:extLst>
               <a:ext uri="{FF2B5EF4-FFF2-40B4-BE49-F238E27FC236}">
-                <a16:creationId xmlns="" xmlns:a16="http://schemas.microsoft.com/office/drawing/2014/main" id="{04C836FE-EE43-45CD-B4BE-F7E0ABEE0088}"/>
+                <a16:creationId xmlns:a16="http://schemas.microsoft.com/office/drawing/2014/main" xmlns="" id="{04C836FE-EE43-45CD-B4BE-F7E0ABEE0088}"/>
               </a:ext>
             </a:extLst>
           </p:cNvPr>
@@ -10520,7 +10592,7 @@
           <p:cNvPr id="16" name="吹き出し: 四角形 15">
             <a:extLst>
               <a:ext uri="{FF2B5EF4-FFF2-40B4-BE49-F238E27FC236}">
-                <a16:creationId xmlns="" xmlns:a16="http://schemas.microsoft.com/office/drawing/2014/main" id="{3ECE61CD-6BC4-463C-897C-903CC3F098F0}"/>
+                <a16:creationId xmlns:a16="http://schemas.microsoft.com/office/drawing/2014/main" xmlns="" id="{3ECE61CD-6BC4-463C-897C-903CC3F098F0}"/>
               </a:ext>
             </a:extLst>
           </p:cNvPr>
@@ -10623,7 +10695,7 @@
           <p:cNvPr id="5" name="図 4">
             <a:extLst>
               <a:ext uri="{FF2B5EF4-FFF2-40B4-BE49-F238E27FC236}">
-                <a16:creationId xmlns="" xmlns:a16="http://schemas.microsoft.com/office/drawing/2014/main" id="{165CE0B9-374D-46A3-97C1-E7AFAFB5DEDF}"/>
+                <a16:creationId xmlns:a16="http://schemas.microsoft.com/office/drawing/2014/main" xmlns="" id="{165CE0B9-374D-46A3-97C1-E7AFAFB5DEDF}"/>
               </a:ext>
             </a:extLst>
           </p:cNvPr>
@@ -10658,7 +10730,7 @@
           <p:cNvPr id="6" name="テキスト ボックス 5">
             <a:extLst>
               <a:ext uri="{FF2B5EF4-FFF2-40B4-BE49-F238E27FC236}">
-                <a16:creationId xmlns="" xmlns:a16="http://schemas.microsoft.com/office/drawing/2014/main" id="{EEBBDC81-60E0-49FD-9EFB-874F038CCD29}"/>
+                <a16:creationId xmlns:a16="http://schemas.microsoft.com/office/drawing/2014/main" xmlns="" id="{EEBBDC81-60E0-49FD-9EFB-874F038CCD29}"/>
               </a:ext>
             </a:extLst>
           </p:cNvPr>
@@ -10710,7 +10782,7 @@
           <p:cNvPr id="12" name="グループ化 11">
             <a:extLst>
               <a:ext uri="{FF2B5EF4-FFF2-40B4-BE49-F238E27FC236}">
-                <a16:creationId xmlns="" xmlns:a16="http://schemas.microsoft.com/office/drawing/2014/main" id="{797C4648-EAB3-4303-9BBE-4050E32CDCAC}"/>
+                <a16:creationId xmlns:a16="http://schemas.microsoft.com/office/drawing/2014/main" xmlns="" id="{797C4648-EAB3-4303-9BBE-4050E32CDCAC}"/>
               </a:ext>
             </a:extLst>
           </p:cNvPr>
@@ -10730,7 +10802,7 @@
             <p:cNvPr id="8" name="テキスト ボックス 7">
               <a:extLst>
                 <a:ext uri="{FF2B5EF4-FFF2-40B4-BE49-F238E27FC236}">
-                  <a16:creationId xmlns="" xmlns:a16="http://schemas.microsoft.com/office/drawing/2014/main" id="{732F859C-017C-4DF8-8D5C-BAFB7C322941}"/>
+                  <a16:creationId xmlns:a16="http://schemas.microsoft.com/office/drawing/2014/main" xmlns="" id="{732F859C-017C-4DF8-8D5C-BAFB7C322941}"/>
                 </a:ext>
               </a:extLst>
             </p:cNvPr>
@@ -10771,7 +10843,7 @@
             <p:cNvPr id="9" name="テキスト ボックス 8">
               <a:extLst>
                 <a:ext uri="{FF2B5EF4-FFF2-40B4-BE49-F238E27FC236}">
-                  <a16:creationId xmlns="" xmlns:a16="http://schemas.microsoft.com/office/drawing/2014/main" id="{8712CBD0-DD3F-4A86-9652-7FFA75AD120B}"/>
+                  <a16:creationId xmlns:a16="http://schemas.microsoft.com/office/drawing/2014/main" xmlns="" id="{8712CBD0-DD3F-4A86-9652-7FFA75AD120B}"/>
                 </a:ext>
               </a:extLst>
             </p:cNvPr>
@@ -10834,7 +10906,7 @@
           <p:cNvPr id="13" name="グループ化 12">
             <a:extLst>
               <a:ext uri="{FF2B5EF4-FFF2-40B4-BE49-F238E27FC236}">
-                <a16:creationId xmlns="" xmlns:a16="http://schemas.microsoft.com/office/drawing/2014/main" id="{DED0F105-29CA-4D82-BF68-6B4A196F19AA}"/>
+                <a16:creationId xmlns:a16="http://schemas.microsoft.com/office/drawing/2014/main" xmlns="" id="{DED0F105-29CA-4D82-BF68-6B4A196F19AA}"/>
               </a:ext>
             </a:extLst>
           </p:cNvPr>
@@ -10854,7 +10926,7 @@
             <p:cNvPr id="7" name="テキスト ボックス 6">
               <a:extLst>
                 <a:ext uri="{FF2B5EF4-FFF2-40B4-BE49-F238E27FC236}">
-                  <a16:creationId xmlns="" xmlns:a16="http://schemas.microsoft.com/office/drawing/2014/main" id="{54618E3D-3C8D-4D29-8362-5B6918855191}"/>
+                  <a16:creationId xmlns:a16="http://schemas.microsoft.com/office/drawing/2014/main" xmlns="" id="{54618E3D-3C8D-4D29-8362-5B6918855191}"/>
                 </a:ext>
               </a:extLst>
             </p:cNvPr>
@@ -10895,7 +10967,7 @@
             <p:cNvPr id="11" name="テキスト ボックス 10">
               <a:extLst>
                 <a:ext uri="{FF2B5EF4-FFF2-40B4-BE49-F238E27FC236}">
-                  <a16:creationId xmlns="" xmlns:a16="http://schemas.microsoft.com/office/drawing/2014/main" id="{6825228E-EBCE-401A-B0BC-7661792A6F00}"/>
+                  <a16:creationId xmlns:a16="http://schemas.microsoft.com/office/drawing/2014/main" xmlns="" id="{6825228E-EBCE-401A-B0BC-7661792A6F00}"/>
                 </a:ext>
               </a:extLst>
             </p:cNvPr>
@@ -11044,7 +11116,7 @@
           <p:cNvPr id="5" name="テキスト ボックス 4">
             <a:extLst>
               <a:ext uri="{FF2B5EF4-FFF2-40B4-BE49-F238E27FC236}">
-                <a16:creationId xmlns="" xmlns:a16="http://schemas.microsoft.com/office/drawing/2014/main" id="{3EEDA683-E7C7-4A3A-9045-88BF1220584E}"/>
+                <a16:creationId xmlns:a16="http://schemas.microsoft.com/office/drawing/2014/main" xmlns="" id="{3EEDA683-E7C7-4A3A-9045-88BF1220584E}"/>
               </a:ext>
             </a:extLst>
           </p:cNvPr>
@@ -11096,7 +11168,7 @@
           <p:cNvPr id="6" name="テキスト ボックス 5">
             <a:extLst>
               <a:ext uri="{FF2B5EF4-FFF2-40B4-BE49-F238E27FC236}">
-                <a16:creationId xmlns="" xmlns:a16="http://schemas.microsoft.com/office/drawing/2014/main" id="{C9FCE914-94E5-4B3F-B2D2-96FDE0E6E9D8}"/>
+                <a16:creationId xmlns:a16="http://schemas.microsoft.com/office/drawing/2014/main" xmlns="" id="{C9FCE914-94E5-4B3F-B2D2-96FDE0E6E9D8}"/>
               </a:ext>
             </a:extLst>
           </p:cNvPr>
@@ -11137,7 +11209,7 @@
           <p:cNvPr id="7" name="テキスト ボックス 6">
             <a:extLst>
               <a:ext uri="{FF2B5EF4-FFF2-40B4-BE49-F238E27FC236}">
-                <a16:creationId xmlns="" xmlns:a16="http://schemas.microsoft.com/office/drawing/2014/main" id="{1A509F0D-124D-47C4-B5CD-4B9B8064082C}"/>
+                <a16:creationId xmlns:a16="http://schemas.microsoft.com/office/drawing/2014/main" xmlns="" id="{1A509F0D-124D-47C4-B5CD-4B9B8064082C}"/>
               </a:ext>
             </a:extLst>
           </p:cNvPr>
@@ -11188,7 +11260,7 @@
           <p:cNvPr id="8" name="テキスト ボックス 7">
             <a:extLst>
               <a:ext uri="{FF2B5EF4-FFF2-40B4-BE49-F238E27FC236}">
-                <a16:creationId xmlns="" xmlns:a16="http://schemas.microsoft.com/office/drawing/2014/main" id="{5F463387-8D23-460A-80ED-50E81FAAF3D9}"/>
+                <a16:creationId xmlns:a16="http://schemas.microsoft.com/office/drawing/2014/main" xmlns="" id="{5F463387-8D23-460A-80ED-50E81FAAF3D9}"/>
               </a:ext>
             </a:extLst>
           </p:cNvPr>
@@ -11249,7 +11321,7 @@
           <p:cNvPr id="9" name="テキスト ボックス 8">
             <a:extLst>
               <a:ext uri="{FF2B5EF4-FFF2-40B4-BE49-F238E27FC236}">
-                <a16:creationId xmlns="" xmlns:a16="http://schemas.microsoft.com/office/drawing/2014/main" id="{3E1D3977-A1EE-4011-94E0-9B60C81CA553}"/>
+                <a16:creationId xmlns:a16="http://schemas.microsoft.com/office/drawing/2014/main" xmlns="" id="{3E1D3977-A1EE-4011-94E0-9B60C81CA553}"/>
               </a:ext>
             </a:extLst>
           </p:cNvPr>
@@ -11338,7 +11410,7 @@
           <p:cNvPr id="41" name="グループ化 40">
             <a:extLst>
               <a:ext uri="{FF2B5EF4-FFF2-40B4-BE49-F238E27FC236}">
-                <a16:creationId xmlns="" xmlns:a16="http://schemas.microsoft.com/office/drawing/2014/main" id="{C42471E9-CEF7-4DD0-B2B9-A37027252951}"/>
+                <a16:creationId xmlns:a16="http://schemas.microsoft.com/office/drawing/2014/main" xmlns="" id="{C42471E9-CEF7-4DD0-B2B9-A37027252951}"/>
               </a:ext>
             </a:extLst>
           </p:cNvPr>
@@ -11358,7 +11430,7 @@
             <p:cNvPr id="22" name="グループ化 21">
               <a:extLst>
                 <a:ext uri="{FF2B5EF4-FFF2-40B4-BE49-F238E27FC236}">
-                  <a16:creationId xmlns="" xmlns:a16="http://schemas.microsoft.com/office/drawing/2014/main" id="{7D6E456E-2E26-4492-9279-169842641548}"/>
+                  <a16:creationId xmlns:a16="http://schemas.microsoft.com/office/drawing/2014/main" xmlns="" id="{7D6E456E-2E26-4492-9279-169842641548}"/>
                 </a:ext>
               </a:extLst>
             </p:cNvPr>
@@ -11378,7 +11450,7 @@
               <p:cNvPr id="11" name="図 10" descr="物体 が含まれている画像&#10;&#10;自動的に生成された説明">
                 <a:extLst>
                   <a:ext uri="{FF2B5EF4-FFF2-40B4-BE49-F238E27FC236}">
-                    <a16:creationId xmlns="" xmlns:a16="http://schemas.microsoft.com/office/drawing/2014/main" id="{9E2F2156-5A3C-4670-A7BB-42FF8EF7E4F0}"/>
+                    <a16:creationId xmlns:a16="http://schemas.microsoft.com/office/drawing/2014/main" xmlns="" id="{9E2F2156-5A3C-4670-A7BB-42FF8EF7E4F0}"/>
                   </a:ext>
                 </a:extLst>
               </p:cNvPr>
@@ -11414,7 +11486,7 @@
               <p:cNvPr id="18" name="テキスト ボックス 17">
                 <a:extLst>
                   <a:ext uri="{FF2B5EF4-FFF2-40B4-BE49-F238E27FC236}">
-                    <a16:creationId xmlns="" xmlns:a16="http://schemas.microsoft.com/office/drawing/2014/main" id="{85DB17C7-0CA8-4460-8B6A-1BBCF3C5CA75}"/>
+                    <a16:creationId xmlns:a16="http://schemas.microsoft.com/office/drawing/2014/main" xmlns="" id="{85DB17C7-0CA8-4460-8B6A-1BBCF3C5CA75}"/>
                   </a:ext>
                 </a:extLst>
               </p:cNvPr>
@@ -11453,7 +11525,7 @@
             <p:cNvPr id="23" name="グループ化 22">
               <a:extLst>
                 <a:ext uri="{FF2B5EF4-FFF2-40B4-BE49-F238E27FC236}">
-                  <a16:creationId xmlns="" xmlns:a16="http://schemas.microsoft.com/office/drawing/2014/main" id="{8FA97864-B0AC-4C37-AB57-3F511EE9B20A}"/>
+                  <a16:creationId xmlns:a16="http://schemas.microsoft.com/office/drawing/2014/main" xmlns="" id="{8FA97864-B0AC-4C37-AB57-3F511EE9B20A}"/>
                 </a:ext>
               </a:extLst>
             </p:cNvPr>
@@ -11473,7 +11545,7 @@
               <p:cNvPr id="13" name="図 12" descr="物体 が含まれている画像&#10;&#10;自動的に生成された説明">
                 <a:extLst>
                   <a:ext uri="{FF2B5EF4-FFF2-40B4-BE49-F238E27FC236}">
-                    <a16:creationId xmlns="" xmlns:a16="http://schemas.microsoft.com/office/drawing/2014/main" id="{539F0BC8-41E3-4ADD-9459-BE0E2D7ABA27}"/>
+                    <a16:creationId xmlns:a16="http://schemas.microsoft.com/office/drawing/2014/main" xmlns="" id="{539F0BC8-41E3-4ADD-9459-BE0E2D7ABA27}"/>
                   </a:ext>
                 </a:extLst>
               </p:cNvPr>
@@ -11509,7 +11581,7 @@
               <p:cNvPr id="19" name="テキスト ボックス 18">
                 <a:extLst>
                   <a:ext uri="{FF2B5EF4-FFF2-40B4-BE49-F238E27FC236}">
-                    <a16:creationId xmlns="" xmlns:a16="http://schemas.microsoft.com/office/drawing/2014/main" id="{9D08D78F-597A-41C6-9E61-E721135C20D1}"/>
+                    <a16:creationId xmlns:a16="http://schemas.microsoft.com/office/drawing/2014/main" xmlns="" id="{9D08D78F-597A-41C6-9E61-E721135C20D1}"/>
                   </a:ext>
                 </a:extLst>
               </p:cNvPr>
@@ -11548,7 +11620,7 @@
             <p:cNvPr id="25" name="グループ化 24">
               <a:extLst>
                 <a:ext uri="{FF2B5EF4-FFF2-40B4-BE49-F238E27FC236}">
-                  <a16:creationId xmlns="" xmlns:a16="http://schemas.microsoft.com/office/drawing/2014/main" id="{8F6624A7-F895-493A-8055-873B48C8C19C}"/>
+                  <a16:creationId xmlns:a16="http://schemas.microsoft.com/office/drawing/2014/main" xmlns="" id="{8F6624A7-F895-493A-8055-873B48C8C19C}"/>
                 </a:ext>
               </a:extLst>
             </p:cNvPr>
@@ -11568,7 +11640,7 @@
               <p:cNvPr id="15" name="図 14" descr="物体, 腕時計 が含まれている画像&#10;&#10;自動的に生成された説明">
                 <a:extLst>
                   <a:ext uri="{FF2B5EF4-FFF2-40B4-BE49-F238E27FC236}">
-                    <a16:creationId xmlns="" xmlns:a16="http://schemas.microsoft.com/office/drawing/2014/main" id="{53299244-26D0-4173-ACC6-BD241C768849}"/>
+                    <a16:creationId xmlns:a16="http://schemas.microsoft.com/office/drawing/2014/main" xmlns="" id="{53299244-26D0-4173-ACC6-BD241C768849}"/>
                   </a:ext>
                 </a:extLst>
               </p:cNvPr>
@@ -11604,7 +11676,7 @@
               <p:cNvPr id="20" name="テキスト ボックス 19">
                 <a:extLst>
                   <a:ext uri="{FF2B5EF4-FFF2-40B4-BE49-F238E27FC236}">
-                    <a16:creationId xmlns="" xmlns:a16="http://schemas.microsoft.com/office/drawing/2014/main" id="{BF9D5B9B-9876-443A-BE29-B4828D0A5D74}"/>
+                    <a16:creationId xmlns:a16="http://schemas.microsoft.com/office/drawing/2014/main" xmlns="" id="{BF9D5B9B-9876-443A-BE29-B4828D0A5D74}"/>
                   </a:ext>
                 </a:extLst>
               </p:cNvPr>
@@ -11643,7 +11715,7 @@
             <p:cNvPr id="26" name="グループ化 25">
               <a:extLst>
                 <a:ext uri="{FF2B5EF4-FFF2-40B4-BE49-F238E27FC236}">
-                  <a16:creationId xmlns="" xmlns:a16="http://schemas.microsoft.com/office/drawing/2014/main" id="{D317981A-38A9-4594-9159-8C77F7F6D8B4}"/>
+                  <a16:creationId xmlns:a16="http://schemas.microsoft.com/office/drawing/2014/main" xmlns="" id="{D317981A-38A9-4594-9159-8C77F7F6D8B4}"/>
                 </a:ext>
               </a:extLst>
             </p:cNvPr>
@@ -11663,7 +11735,7 @@
               <p:cNvPr id="17" name="図 16" descr="物体 が含まれている画像&#10;&#10;自動的に生成された説明">
                 <a:extLst>
                   <a:ext uri="{FF2B5EF4-FFF2-40B4-BE49-F238E27FC236}">
-                    <a16:creationId xmlns="" xmlns:a16="http://schemas.microsoft.com/office/drawing/2014/main" id="{93CD3867-4A7C-4138-9F28-8B9071FCE1AF}"/>
+                    <a16:creationId xmlns:a16="http://schemas.microsoft.com/office/drawing/2014/main" xmlns="" id="{93CD3867-4A7C-4138-9F28-8B9071FCE1AF}"/>
                   </a:ext>
                 </a:extLst>
               </p:cNvPr>
@@ -11699,7 +11771,7 @@
               <p:cNvPr id="21" name="テキスト ボックス 20">
                 <a:extLst>
                   <a:ext uri="{FF2B5EF4-FFF2-40B4-BE49-F238E27FC236}">
-                    <a16:creationId xmlns="" xmlns:a16="http://schemas.microsoft.com/office/drawing/2014/main" id="{C3C71671-55D6-4E40-BC27-288FCF91D2BB}"/>
+                    <a16:creationId xmlns:a16="http://schemas.microsoft.com/office/drawing/2014/main" xmlns="" id="{C3C71671-55D6-4E40-BC27-288FCF91D2BB}"/>
                   </a:ext>
                 </a:extLst>
               </p:cNvPr>
@@ -11742,7 +11814,7 @@
             <p:cNvPr id="28" name="直線矢印コネクタ 27">
               <a:extLst>
                 <a:ext uri="{FF2B5EF4-FFF2-40B4-BE49-F238E27FC236}">
-                  <a16:creationId xmlns="" xmlns:a16="http://schemas.microsoft.com/office/drawing/2014/main" id="{A84A16DD-57C4-4761-A446-249187106E51}"/>
+                  <a16:creationId xmlns:a16="http://schemas.microsoft.com/office/drawing/2014/main" xmlns="" id="{A84A16DD-57C4-4761-A446-249187106E51}"/>
                 </a:ext>
               </a:extLst>
             </p:cNvPr>
@@ -11786,7 +11858,7 @@
             <p:cNvPr id="29" name="直線矢印コネクタ 28">
               <a:extLst>
                 <a:ext uri="{FF2B5EF4-FFF2-40B4-BE49-F238E27FC236}">
-                  <a16:creationId xmlns="" xmlns:a16="http://schemas.microsoft.com/office/drawing/2014/main" id="{CE867472-33BD-4771-A53A-412FDCEAB859}"/>
+                  <a16:creationId xmlns:a16="http://schemas.microsoft.com/office/drawing/2014/main" xmlns="" id="{CE867472-33BD-4771-A53A-412FDCEAB859}"/>
                 </a:ext>
               </a:extLst>
             </p:cNvPr>
@@ -11830,7 +11902,7 @@
             <p:cNvPr id="32" name="直線矢印コネクタ 31">
               <a:extLst>
                 <a:ext uri="{FF2B5EF4-FFF2-40B4-BE49-F238E27FC236}">
-                  <a16:creationId xmlns="" xmlns:a16="http://schemas.microsoft.com/office/drawing/2014/main" id="{2F760955-CE29-4903-BDF0-C0EF1A34CD6F}"/>
+                  <a16:creationId xmlns:a16="http://schemas.microsoft.com/office/drawing/2014/main" xmlns="" id="{2F760955-CE29-4903-BDF0-C0EF1A34CD6F}"/>
                 </a:ext>
               </a:extLst>
             </p:cNvPr>
@@ -11874,7 +11946,7 @@
             <p:cNvPr id="33" name="直線矢印コネクタ 32">
               <a:extLst>
                 <a:ext uri="{FF2B5EF4-FFF2-40B4-BE49-F238E27FC236}">
-                  <a16:creationId xmlns="" xmlns:a16="http://schemas.microsoft.com/office/drawing/2014/main" id="{96E14F16-9B67-48C7-9985-746717E7D2CE}"/>
+                  <a16:creationId xmlns:a16="http://schemas.microsoft.com/office/drawing/2014/main" xmlns="" id="{96E14F16-9B67-48C7-9985-746717E7D2CE}"/>
                 </a:ext>
               </a:extLst>
             </p:cNvPr>
@@ -11918,7 +11990,7 @@
             <p:cNvPr id="34" name="正方形/長方形 33">
               <a:extLst>
                 <a:ext uri="{FF2B5EF4-FFF2-40B4-BE49-F238E27FC236}">
-                  <a16:creationId xmlns="" xmlns:a16="http://schemas.microsoft.com/office/drawing/2014/main" id="{6ADAFCEE-C028-416D-B257-90B41E02042A}"/>
+                  <a16:creationId xmlns:a16="http://schemas.microsoft.com/office/drawing/2014/main" xmlns="" id="{6ADAFCEE-C028-416D-B257-90B41E02042A}"/>
                 </a:ext>
               </a:extLst>
             </p:cNvPr>
@@ -11973,7 +12045,7 @@
             <p:cNvPr id="35" name="直線矢印コネクタ 34">
               <a:extLst>
                 <a:ext uri="{FF2B5EF4-FFF2-40B4-BE49-F238E27FC236}">
-                  <a16:creationId xmlns="" xmlns:a16="http://schemas.microsoft.com/office/drawing/2014/main" id="{A2A6B62C-1E0E-432C-9BEC-393C34A1C94C}"/>
+                  <a16:creationId xmlns:a16="http://schemas.microsoft.com/office/drawing/2014/main" xmlns="" id="{A2A6B62C-1E0E-432C-9BEC-393C34A1C94C}"/>
                 </a:ext>
               </a:extLst>
             </p:cNvPr>
@@ -12018,7 +12090,7 @@
           <p:cNvPr id="44" name="グループ化 43">
             <a:extLst>
               <a:ext uri="{FF2B5EF4-FFF2-40B4-BE49-F238E27FC236}">
-                <a16:creationId xmlns="" xmlns:a16="http://schemas.microsoft.com/office/drawing/2014/main" id="{7EEE5686-B5B9-4B20-8993-381AFDACF9AB}"/>
+                <a16:creationId xmlns:a16="http://schemas.microsoft.com/office/drawing/2014/main" xmlns="" id="{7EEE5686-B5B9-4B20-8993-381AFDACF9AB}"/>
               </a:ext>
             </a:extLst>
           </p:cNvPr>
@@ -12038,7 +12110,7 @@
             <p:cNvPr id="40" name="グループ化 39">
               <a:extLst>
                 <a:ext uri="{FF2B5EF4-FFF2-40B4-BE49-F238E27FC236}">
-                  <a16:creationId xmlns="" xmlns:a16="http://schemas.microsoft.com/office/drawing/2014/main" id="{80B432E5-1E61-4A1C-BB38-CE56CD67DAEC}"/>
+                  <a16:creationId xmlns:a16="http://schemas.microsoft.com/office/drawing/2014/main" xmlns="" id="{80B432E5-1E61-4A1C-BB38-CE56CD67DAEC}"/>
                 </a:ext>
               </a:extLst>
             </p:cNvPr>
@@ -12058,7 +12130,7 @@
               <p:cNvPr id="36" name="直線矢印コネクタ 35">
                 <a:extLst>
                   <a:ext uri="{FF2B5EF4-FFF2-40B4-BE49-F238E27FC236}">
-                    <a16:creationId xmlns="" xmlns:a16="http://schemas.microsoft.com/office/drawing/2014/main" id="{555429FE-F091-46AD-84F7-1B4256D762AB}"/>
+                    <a16:creationId xmlns:a16="http://schemas.microsoft.com/office/drawing/2014/main" xmlns="" id="{555429FE-F091-46AD-84F7-1B4256D762AB}"/>
                   </a:ext>
                 </a:extLst>
               </p:cNvPr>
@@ -12102,7 +12174,7 @@
               <p:cNvPr id="37" name="直線矢印コネクタ 36">
                 <a:extLst>
                   <a:ext uri="{FF2B5EF4-FFF2-40B4-BE49-F238E27FC236}">
-                    <a16:creationId xmlns="" xmlns:a16="http://schemas.microsoft.com/office/drawing/2014/main" id="{5030B8C7-7BED-40F6-B6D5-A7CD124D67A9}"/>
+                    <a16:creationId xmlns:a16="http://schemas.microsoft.com/office/drawing/2014/main" xmlns="" id="{5030B8C7-7BED-40F6-B6D5-A7CD124D67A9}"/>
                   </a:ext>
                 </a:extLst>
               </p:cNvPr>
@@ -12146,7 +12218,7 @@
               <p:cNvPr id="38" name="テキスト ボックス 37">
                 <a:extLst>
                   <a:ext uri="{FF2B5EF4-FFF2-40B4-BE49-F238E27FC236}">
-                    <a16:creationId xmlns="" xmlns:a16="http://schemas.microsoft.com/office/drawing/2014/main" id="{1BB9FF26-C1AD-43FF-B1A3-3D220E4BC3AA}"/>
+                    <a16:creationId xmlns:a16="http://schemas.microsoft.com/office/drawing/2014/main" xmlns="" id="{1BB9FF26-C1AD-43FF-B1A3-3D220E4BC3AA}"/>
                   </a:ext>
                 </a:extLst>
               </p:cNvPr>
@@ -12184,7 +12256,7 @@
               <p:cNvPr id="39" name="テキスト ボックス 38">
                 <a:extLst>
                   <a:ext uri="{FF2B5EF4-FFF2-40B4-BE49-F238E27FC236}">
-                    <a16:creationId xmlns="" xmlns:a16="http://schemas.microsoft.com/office/drawing/2014/main" id="{127090C9-FA03-47A3-B8E5-5AC843148C0C}"/>
+                    <a16:creationId xmlns:a16="http://schemas.microsoft.com/office/drawing/2014/main" xmlns="" id="{127090C9-FA03-47A3-B8E5-5AC843148C0C}"/>
                   </a:ext>
                 </a:extLst>
               </p:cNvPr>
@@ -12227,7 +12299,7 @@
             <p:cNvPr id="42" name="正方形/長方形 41">
               <a:extLst>
                 <a:ext uri="{FF2B5EF4-FFF2-40B4-BE49-F238E27FC236}">
-                  <a16:creationId xmlns="" xmlns:a16="http://schemas.microsoft.com/office/drawing/2014/main" id="{974D7591-C374-4FE7-98C6-F63D715B2F46}"/>
+                  <a16:creationId xmlns:a16="http://schemas.microsoft.com/office/drawing/2014/main" xmlns="" id="{974D7591-C374-4FE7-98C6-F63D715B2F46}"/>
                 </a:ext>
               </a:extLst>
             </p:cNvPr>
@@ -12283,7 +12355,7 @@
           <p:cNvPr id="43" name="正方形/長方形 42">
             <a:extLst>
               <a:ext uri="{FF2B5EF4-FFF2-40B4-BE49-F238E27FC236}">
-                <a16:creationId xmlns="" xmlns:a16="http://schemas.microsoft.com/office/drawing/2014/main" id="{A98ECFFF-731C-4C54-95F1-02A8CC15EA71}"/>
+                <a16:creationId xmlns:a16="http://schemas.microsoft.com/office/drawing/2014/main" xmlns="" id="{A98ECFFF-731C-4C54-95F1-02A8CC15EA71}"/>
               </a:ext>
             </a:extLst>
           </p:cNvPr>
@@ -12349,7 +12421,7 @@
             <p:cNvPr id="4" name="図 3">
               <a:extLst>
                 <a:ext uri="{FF2B5EF4-FFF2-40B4-BE49-F238E27FC236}">
-                  <a16:creationId xmlns="" xmlns:a16="http://schemas.microsoft.com/office/drawing/2014/main" id="{84E4BD2B-BD98-4D0D-BD92-46FAC62B133A}"/>
+                  <a16:creationId xmlns:a16="http://schemas.microsoft.com/office/drawing/2014/main" xmlns="" id="{84E4BD2B-BD98-4D0D-BD92-46FAC62B133A}"/>
                 </a:ext>
               </a:extLst>
             </p:cNvPr>
@@ -12384,7 +12456,7 @@
             <p:cNvPr id="45" name="図 44">
               <a:extLst>
                 <a:ext uri="{FF2B5EF4-FFF2-40B4-BE49-F238E27FC236}">
-                  <a16:creationId xmlns="" xmlns:a16="http://schemas.microsoft.com/office/drawing/2014/main" id="{84E4BD2B-BD98-4D0D-BD92-46FAC62B133A}"/>
+                  <a16:creationId xmlns:a16="http://schemas.microsoft.com/office/drawing/2014/main" xmlns="" id="{84E4BD2B-BD98-4D0D-BD92-46FAC62B133A}"/>
                 </a:ext>
               </a:extLst>
             </p:cNvPr>
@@ -12457,7 +12529,7 @@
           <p:cNvPr id="3" name="図 2">
             <a:extLst>
               <a:ext uri="{FF2B5EF4-FFF2-40B4-BE49-F238E27FC236}">
-                <a16:creationId xmlns="" xmlns:a16="http://schemas.microsoft.com/office/drawing/2014/main" id="{8EBC7496-D4A5-4E2C-9D16-11A12608F074}"/>
+                <a16:creationId xmlns:a16="http://schemas.microsoft.com/office/drawing/2014/main" xmlns="" id="{8EBC7496-D4A5-4E2C-9D16-11A12608F074}"/>
               </a:ext>
             </a:extLst>
           </p:cNvPr>
@@ -12486,7 +12558,7 @@
           <p:cNvPr id="10" name="テキスト ボックス 9">
             <a:extLst>
               <a:ext uri="{FF2B5EF4-FFF2-40B4-BE49-F238E27FC236}">
-                <a16:creationId xmlns="" xmlns:a16="http://schemas.microsoft.com/office/drawing/2014/main" id="{D5807289-5F94-4ABF-BB19-A244DE39AAB7}"/>
+                <a16:creationId xmlns:a16="http://schemas.microsoft.com/office/drawing/2014/main" xmlns="" id="{D5807289-5F94-4ABF-BB19-A244DE39AAB7}"/>
               </a:ext>
             </a:extLst>
           </p:cNvPr>
@@ -12531,7 +12603,7 @@
           <p:cNvPr id="11" name="テキスト ボックス 10">
             <a:extLst>
               <a:ext uri="{FF2B5EF4-FFF2-40B4-BE49-F238E27FC236}">
-                <a16:creationId xmlns="" xmlns:a16="http://schemas.microsoft.com/office/drawing/2014/main" id="{6D354EB7-7F73-4490-964D-300A57A3D0C5}"/>
+                <a16:creationId xmlns:a16="http://schemas.microsoft.com/office/drawing/2014/main" xmlns="" id="{6D354EB7-7F73-4490-964D-300A57A3D0C5}"/>
               </a:ext>
             </a:extLst>
           </p:cNvPr>
@@ -12569,7 +12641,7 @@
           <p:cNvPr id="12" name="楕円 11">
             <a:extLst>
               <a:ext uri="{FF2B5EF4-FFF2-40B4-BE49-F238E27FC236}">
-                <a16:creationId xmlns="" xmlns:a16="http://schemas.microsoft.com/office/drawing/2014/main" id="{27BE146F-8491-400F-AB07-2E26102463F2}"/>
+                <a16:creationId xmlns:a16="http://schemas.microsoft.com/office/drawing/2014/main" xmlns="" id="{27BE146F-8491-400F-AB07-2E26102463F2}"/>
               </a:ext>
             </a:extLst>
           </p:cNvPr>
@@ -12621,7 +12693,7 @@
           <p:cNvPr id="13" name="楕円 12">
             <a:extLst>
               <a:ext uri="{FF2B5EF4-FFF2-40B4-BE49-F238E27FC236}">
-                <a16:creationId xmlns="" xmlns:a16="http://schemas.microsoft.com/office/drawing/2014/main" id="{AC13EDC5-A927-451C-A8C6-2F68A75D9DB9}"/>
+                <a16:creationId xmlns:a16="http://schemas.microsoft.com/office/drawing/2014/main" xmlns="" id="{AC13EDC5-A927-451C-A8C6-2F68A75D9DB9}"/>
               </a:ext>
             </a:extLst>
           </p:cNvPr>
@@ -12673,7 +12745,7 @@
           <p:cNvPr id="14" name="楕円 13">
             <a:extLst>
               <a:ext uri="{FF2B5EF4-FFF2-40B4-BE49-F238E27FC236}">
-                <a16:creationId xmlns="" xmlns:a16="http://schemas.microsoft.com/office/drawing/2014/main" id="{A70D7407-0728-49A8-BDE2-7434759F1455}"/>
+                <a16:creationId xmlns:a16="http://schemas.microsoft.com/office/drawing/2014/main" xmlns="" id="{A70D7407-0728-49A8-BDE2-7434759F1455}"/>
               </a:ext>
             </a:extLst>
           </p:cNvPr>
@@ -12725,7 +12797,7 @@
           <p:cNvPr id="15" name="楕円 14">
             <a:extLst>
               <a:ext uri="{FF2B5EF4-FFF2-40B4-BE49-F238E27FC236}">
-                <a16:creationId xmlns="" xmlns:a16="http://schemas.microsoft.com/office/drawing/2014/main" id="{BA8A41E3-4961-4217-9C31-D8A81A9809A9}"/>
+                <a16:creationId xmlns:a16="http://schemas.microsoft.com/office/drawing/2014/main" xmlns="" id="{BA8A41E3-4961-4217-9C31-D8A81A9809A9}"/>
               </a:ext>
             </a:extLst>
           </p:cNvPr>
@@ -12777,7 +12849,7 @@
           <p:cNvPr id="16" name="テキスト ボックス 15">
             <a:extLst>
               <a:ext uri="{FF2B5EF4-FFF2-40B4-BE49-F238E27FC236}">
-                <a16:creationId xmlns="" xmlns:a16="http://schemas.microsoft.com/office/drawing/2014/main" id="{FBBAA09C-4BEB-47EA-BC7F-480BCC2226F1}"/>
+                <a16:creationId xmlns:a16="http://schemas.microsoft.com/office/drawing/2014/main" xmlns="" id="{FBBAA09C-4BEB-47EA-BC7F-480BCC2226F1}"/>
               </a:ext>
             </a:extLst>
           </p:cNvPr>
@@ -12895,7 +12967,7 @@
           <p:cNvPr id="17" name="正方形/長方形 16">
             <a:extLst>
               <a:ext uri="{FF2B5EF4-FFF2-40B4-BE49-F238E27FC236}">
-                <a16:creationId xmlns="" xmlns:a16="http://schemas.microsoft.com/office/drawing/2014/main" id="{A2CF4C31-1025-4708-B374-7F8887320A14}"/>
+                <a16:creationId xmlns:a16="http://schemas.microsoft.com/office/drawing/2014/main" xmlns="" id="{A2CF4C31-1025-4708-B374-7F8887320A14}"/>
               </a:ext>
             </a:extLst>
           </p:cNvPr>
@@ -12947,7 +13019,7 @@
           <p:cNvPr id="18" name="テキスト ボックス 17">
             <a:extLst>
               <a:ext uri="{FF2B5EF4-FFF2-40B4-BE49-F238E27FC236}">
-                <a16:creationId xmlns="" xmlns:a16="http://schemas.microsoft.com/office/drawing/2014/main" id="{594DFF38-A0BF-4052-92A8-115900A7F03B}"/>
+                <a16:creationId xmlns:a16="http://schemas.microsoft.com/office/drawing/2014/main" xmlns="" id="{594DFF38-A0BF-4052-92A8-115900A7F03B}"/>
               </a:ext>
             </a:extLst>
           </p:cNvPr>
@@ -13050,7 +13122,7 @@
           <p:cNvPr id="19" name="正方形/長方形 18">
             <a:extLst>
               <a:ext uri="{FF2B5EF4-FFF2-40B4-BE49-F238E27FC236}">
-                <a16:creationId xmlns="" xmlns:a16="http://schemas.microsoft.com/office/drawing/2014/main" id="{41DDEDAD-B76F-42FC-BD36-C4B4086365F3}"/>
+                <a16:creationId xmlns:a16="http://schemas.microsoft.com/office/drawing/2014/main" xmlns="" id="{41DDEDAD-B76F-42FC-BD36-C4B4086365F3}"/>
               </a:ext>
             </a:extLst>
           </p:cNvPr>
@@ -13102,7 +13174,7 @@
           <p:cNvPr id="21" name="正方形/長方形 20">
             <a:extLst>
               <a:ext uri="{FF2B5EF4-FFF2-40B4-BE49-F238E27FC236}">
-                <a16:creationId xmlns="" xmlns:a16="http://schemas.microsoft.com/office/drawing/2014/main" id="{B89D4E7D-0660-4D0D-912D-DF225C66A1D6}"/>
+                <a16:creationId xmlns:a16="http://schemas.microsoft.com/office/drawing/2014/main" xmlns="" id="{B89D4E7D-0660-4D0D-912D-DF225C66A1D6}"/>
               </a:ext>
             </a:extLst>
           </p:cNvPr>
@@ -13156,7 +13228,7 @@
           <p:cNvPr id="20" name="テキスト ボックス 19">
             <a:extLst>
               <a:ext uri="{FF2B5EF4-FFF2-40B4-BE49-F238E27FC236}">
-                <a16:creationId xmlns="" xmlns:a16="http://schemas.microsoft.com/office/drawing/2014/main" id="{4588D88C-0F6C-4A95-9191-7AC444B35B14}"/>
+                <a16:creationId xmlns:a16="http://schemas.microsoft.com/office/drawing/2014/main" xmlns="" id="{4588D88C-0F6C-4A95-9191-7AC444B35B14}"/>
               </a:ext>
             </a:extLst>
           </p:cNvPr>
@@ -13306,7 +13378,7 @@
           <p:cNvPr id="2" name="図 1">
             <a:extLst>
               <a:ext uri="{FF2B5EF4-FFF2-40B4-BE49-F238E27FC236}">
-                <a16:creationId xmlns="" xmlns:a16="http://schemas.microsoft.com/office/drawing/2014/main" id="{7FF69D48-0150-4CC7-838D-4781E53348B1}"/>
+                <a16:creationId xmlns:a16="http://schemas.microsoft.com/office/drawing/2014/main" xmlns="" id="{7FF69D48-0150-4CC7-838D-4781E53348B1}"/>
               </a:ext>
             </a:extLst>
           </p:cNvPr>
@@ -13335,7 +13407,7 @@
           <p:cNvPr id="6" name="テキスト ボックス 5">
             <a:extLst>
               <a:ext uri="{FF2B5EF4-FFF2-40B4-BE49-F238E27FC236}">
-                <a16:creationId xmlns="" xmlns:a16="http://schemas.microsoft.com/office/drawing/2014/main" id="{8305E55F-CE22-4A88-A8D4-3E4958510FE7}"/>
+                <a16:creationId xmlns:a16="http://schemas.microsoft.com/office/drawing/2014/main" xmlns="" id="{8305E55F-CE22-4A88-A8D4-3E4958510FE7}"/>
               </a:ext>
             </a:extLst>
           </p:cNvPr>
@@ -13380,7 +13452,7 @@
           <p:cNvPr id="7" name="吹き出し: 四角形 6">
             <a:extLst>
               <a:ext uri="{FF2B5EF4-FFF2-40B4-BE49-F238E27FC236}">
-                <a16:creationId xmlns="" xmlns:a16="http://schemas.microsoft.com/office/drawing/2014/main" id="{EC8402AE-3480-4CC7-905A-0776A28352DA}"/>
+                <a16:creationId xmlns:a16="http://schemas.microsoft.com/office/drawing/2014/main" xmlns="" id="{EC8402AE-3480-4CC7-905A-0776A28352DA}"/>
               </a:ext>
             </a:extLst>
           </p:cNvPr>
@@ -13473,7 +13545,7 @@
           <p:cNvPr id="8" name="吹き出し: 四角形 7">
             <a:extLst>
               <a:ext uri="{FF2B5EF4-FFF2-40B4-BE49-F238E27FC236}">
-                <a16:creationId xmlns="" xmlns:a16="http://schemas.microsoft.com/office/drawing/2014/main" id="{12F0A826-4C99-48A7-B36D-03DBE2118E07}"/>
+                <a16:creationId xmlns:a16="http://schemas.microsoft.com/office/drawing/2014/main" xmlns="" id="{12F0A826-4C99-48A7-B36D-03DBE2118E07}"/>
               </a:ext>
             </a:extLst>
           </p:cNvPr>
@@ -13569,7 +13641,7 @@
           <p:cNvPr id="9" name="吹き出し: 四角形 8">
             <a:extLst>
               <a:ext uri="{FF2B5EF4-FFF2-40B4-BE49-F238E27FC236}">
-                <a16:creationId xmlns="" xmlns:a16="http://schemas.microsoft.com/office/drawing/2014/main" id="{B25F11CC-0810-44FB-85E5-6AFA2E713B6D}"/>
+                <a16:creationId xmlns:a16="http://schemas.microsoft.com/office/drawing/2014/main" xmlns="" id="{B25F11CC-0810-44FB-85E5-6AFA2E713B6D}"/>
               </a:ext>
             </a:extLst>
           </p:cNvPr>
@@ -13692,7 +13764,7 @@
           <p:cNvPr id="3" name="正方形/長方形 2">
             <a:extLst>
               <a:ext uri="{FF2B5EF4-FFF2-40B4-BE49-F238E27FC236}">
-                <a16:creationId xmlns="" xmlns:a16="http://schemas.microsoft.com/office/drawing/2014/main" id="{A491271B-A222-4F11-B100-4D7A1B81E98A}"/>
+                <a16:creationId xmlns:a16="http://schemas.microsoft.com/office/drawing/2014/main" xmlns="" id="{A491271B-A222-4F11-B100-4D7A1B81E98A}"/>
               </a:ext>
             </a:extLst>
           </p:cNvPr>
@@ -13744,7 +13816,7 @@
           <p:cNvPr id="10" name="正方形/長方形 9">
             <a:extLst>
               <a:ext uri="{FF2B5EF4-FFF2-40B4-BE49-F238E27FC236}">
-                <a16:creationId xmlns="" xmlns:a16="http://schemas.microsoft.com/office/drawing/2014/main" id="{016D0004-D188-4E81-A1DB-65759A9B7E86}"/>
+                <a16:creationId xmlns:a16="http://schemas.microsoft.com/office/drawing/2014/main" xmlns="" id="{016D0004-D188-4E81-A1DB-65759A9B7E86}"/>
               </a:ext>
             </a:extLst>
           </p:cNvPr>
@@ -13796,7 +13868,7 @@
           <p:cNvPr id="11" name="正方形/長方形 10">
             <a:extLst>
               <a:ext uri="{FF2B5EF4-FFF2-40B4-BE49-F238E27FC236}">
-                <a16:creationId xmlns="" xmlns:a16="http://schemas.microsoft.com/office/drawing/2014/main" id="{CCF67B37-F0BC-41F6-A1E9-02DA2EAC5911}"/>
+                <a16:creationId xmlns:a16="http://schemas.microsoft.com/office/drawing/2014/main" xmlns="" id="{CCF67B37-F0BC-41F6-A1E9-02DA2EAC5911}"/>
               </a:ext>
             </a:extLst>
           </p:cNvPr>
@@ -13885,7 +13957,7 @@
           <p:cNvPr id="5" name="テキスト ボックス 4">
             <a:extLst>
               <a:ext uri="{FF2B5EF4-FFF2-40B4-BE49-F238E27FC236}">
-                <a16:creationId xmlns="" xmlns:a16="http://schemas.microsoft.com/office/drawing/2014/main" id="{D5807289-5F94-4ABF-BB19-A244DE39AAB7}"/>
+                <a16:creationId xmlns:a16="http://schemas.microsoft.com/office/drawing/2014/main" xmlns="" id="{D5807289-5F94-4ABF-BB19-A244DE39AAB7}"/>
               </a:ext>
             </a:extLst>
           </p:cNvPr>

--- a/説明文 - コピー.pptx
+++ b/説明文 - コピー.pptx
@@ -5,7 +5,7 @@
     <p:sldMasterId id="2147483648" r:id="rId1"/>
   </p:sldMasterIdLst>
   <p:notesMasterIdLst>
-    <p:notesMasterId r:id="rId17"/>
+    <p:notesMasterId r:id="rId18"/>
   </p:notesMasterIdLst>
   <p:sldIdLst>
     <p:sldId id="257" r:id="rId2"/>
@@ -23,6 +23,7 @@
     <p:sldId id="269" r:id="rId14"/>
     <p:sldId id="270" r:id="rId15"/>
     <p:sldId id="271" r:id="rId16"/>
+    <p:sldId id="272" r:id="rId17"/>
   </p:sldIdLst>
   <p:sldSz cx="12192000" cy="6858000"/>
   <p:notesSz cx="6858000" cy="9144000"/>
@@ -211,7 +212,7 @@
           <a:p>
             <a:fld id="{D3517757-E664-4BB3-B78C-0CBDD076F206}" type="datetimeFigureOut">
               <a:rPr kumimoji="1" lang="ja-JP" altLang="en-US" smtClean="0"/>
-              <a:t>2019/9/2</a:t>
+              <a:t>2019/9/5</a:t>
             </a:fld>
             <a:endParaRPr kumimoji="1" lang="ja-JP" altLang="en-US"/>
           </a:p>
@@ -723,7 +724,7 @@
           <a:p>
             <a:fld id="{8F2BA968-46FA-4915-82D5-53748CAAB103}" type="datetimeFigureOut">
               <a:rPr kumimoji="1" lang="ja-JP" altLang="en-US" smtClean="0"/>
-              <a:t>2019/9/2</a:t>
+              <a:t>2019/9/5</a:t>
             </a:fld>
             <a:endParaRPr kumimoji="1" lang="ja-JP" altLang="en-US" dirty="0"/>
           </a:p>
@@ -923,7 +924,7 @@
           <a:p>
             <a:fld id="{8F2BA968-46FA-4915-82D5-53748CAAB103}" type="datetimeFigureOut">
               <a:rPr kumimoji="1" lang="ja-JP" altLang="en-US" smtClean="0"/>
-              <a:t>2019/9/2</a:t>
+              <a:t>2019/9/5</a:t>
             </a:fld>
             <a:endParaRPr kumimoji="1" lang="ja-JP" altLang="en-US" dirty="0"/>
           </a:p>
@@ -1133,7 +1134,7 @@
           <a:p>
             <a:fld id="{8F2BA968-46FA-4915-82D5-53748CAAB103}" type="datetimeFigureOut">
               <a:rPr kumimoji="1" lang="ja-JP" altLang="en-US" smtClean="0"/>
-              <a:t>2019/9/2</a:t>
+              <a:t>2019/9/5</a:t>
             </a:fld>
             <a:endParaRPr kumimoji="1" lang="ja-JP" altLang="en-US" dirty="0"/>
           </a:p>
@@ -1333,7 +1334,7 @@
           <a:p>
             <a:fld id="{8F2BA968-46FA-4915-82D5-53748CAAB103}" type="datetimeFigureOut">
               <a:rPr kumimoji="1" lang="ja-JP" altLang="en-US" smtClean="0"/>
-              <a:t>2019/9/2</a:t>
+              <a:t>2019/9/5</a:t>
             </a:fld>
             <a:endParaRPr kumimoji="1" lang="ja-JP" altLang="en-US" dirty="0"/>
           </a:p>
@@ -1578,7 +1579,7 @@
           <a:p>
             <a:fld id="{8F2BA968-46FA-4915-82D5-53748CAAB103}" type="datetimeFigureOut">
               <a:rPr kumimoji="1" lang="ja-JP" altLang="en-US" smtClean="0"/>
-              <a:t>2019/9/2</a:t>
+              <a:t>2019/9/5</a:t>
             </a:fld>
             <a:endParaRPr kumimoji="1" lang="ja-JP" altLang="en-US" dirty="0"/>
           </a:p>
@@ -1871,7 +1872,7 @@
           <a:p>
             <a:fld id="{8F2BA968-46FA-4915-82D5-53748CAAB103}" type="datetimeFigureOut">
               <a:rPr kumimoji="1" lang="ja-JP" altLang="en-US" smtClean="0"/>
-              <a:t>2019/9/2</a:t>
+              <a:t>2019/9/5</a:t>
             </a:fld>
             <a:endParaRPr kumimoji="1" lang="ja-JP" altLang="en-US" dirty="0"/>
           </a:p>
@@ -2299,7 +2300,7 @@
           <a:p>
             <a:fld id="{8F2BA968-46FA-4915-82D5-53748CAAB103}" type="datetimeFigureOut">
               <a:rPr kumimoji="1" lang="ja-JP" altLang="en-US" smtClean="0"/>
-              <a:t>2019/9/2</a:t>
+              <a:t>2019/9/5</a:t>
             </a:fld>
             <a:endParaRPr kumimoji="1" lang="ja-JP" altLang="en-US" dirty="0"/>
           </a:p>
@@ -2416,7 +2417,7 @@
           <a:p>
             <a:fld id="{8F2BA968-46FA-4915-82D5-53748CAAB103}" type="datetimeFigureOut">
               <a:rPr kumimoji="1" lang="ja-JP" altLang="en-US" smtClean="0"/>
-              <a:t>2019/9/2</a:t>
+              <a:t>2019/9/5</a:t>
             </a:fld>
             <a:endParaRPr kumimoji="1" lang="ja-JP" altLang="en-US" dirty="0"/>
           </a:p>
@@ -2511,7 +2512,7 @@
           <a:p>
             <a:fld id="{8F2BA968-46FA-4915-82D5-53748CAAB103}" type="datetimeFigureOut">
               <a:rPr kumimoji="1" lang="ja-JP" altLang="en-US" smtClean="0"/>
-              <a:t>2019/9/2</a:t>
+              <a:t>2019/9/5</a:t>
             </a:fld>
             <a:endParaRPr kumimoji="1" lang="ja-JP" altLang="en-US" dirty="0"/>
           </a:p>
@@ -2818,7 +2819,7 @@
           <a:p>
             <a:fld id="{8F2BA968-46FA-4915-82D5-53748CAAB103}" type="datetimeFigureOut">
               <a:rPr kumimoji="1" lang="ja-JP" altLang="en-US" smtClean="0"/>
-              <a:t>2019/9/2</a:t>
+              <a:t>2019/9/5</a:t>
             </a:fld>
             <a:endParaRPr kumimoji="1" lang="ja-JP" altLang="en-US" dirty="0"/>
           </a:p>
@@ -3070,7 +3071,7 @@
           <a:p>
             <a:fld id="{8F2BA968-46FA-4915-82D5-53748CAAB103}" type="datetimeFigureOut">
               <a:rPr kumimoji="1" lang="ja-JP" altLang="en-US" smtClean="0"/>
-              <a:t>2019/9/2</a:t>
+              <a:t>2019/9/5</a:t>
             </a:fld>
             <a:endParaRPr kumimoji="1" lang="ja-JP" altLang="en-US" dirty="0"/>
           </a:p>
@@ -3313,7 +3314,7 @@
           <a:p>
             <a:fld id="{8F2BA968-46FA-4915-82D5-53748CAAB103}" type="datetimeFigureOut">
               <a:rPr kumimoji="1" lang="ja-JP" altLang="en-US" smtClean="0"/>
-              <a:t>2019/9/2</a:t>
+              <a:t>2019/9/5</a:t>
             </a:fld>
             <a:endParaRPr kumimoji="1" lang="ja-JP" altLang="en-US" dirty="0"/>
           </a:p>
@@ -3723,7 +3724,7 @@
           <p:cNvPr id="4" name="図 3" descr="スクリーンショット が含まれている画像&#10;&#10;自動的に生成された説明">
             <a:extLst>
               <a:ext uri="{FF2B5EF4-FFF2-40B4-BE49-F238E27FC236}">
-                <a16:creationId xmlns:a16="http://schemas.microsoft.com/office/drawing/2014/main" xmlns="" id="{48282D74-7C89-4D68-8F6E-D62AC9485402}"/>
+                <a16:creationId xmlns="" xmlns:a16="http://schemas.microsoft.com/office/drawing/2014/main" id="{48282D74-7C89-4D68-8F6E-D62AC9485402}"/>
               </a:ext>
             </a:extLst>
           </p:cNvPr>
@@ -4058,7 +4059,7 @@
           <p:cNvPr id="6" name="正方形/長方形 5">
             <a:extLst>
               <a:ext uri="{FF2B5EF4-FFF2-40B4-BE49-F238E27FC236}">
-                <a16:creationId xmlns:a16="http://schemas.microsoft.com/office/drawing/2014/main" xmlns="" id="{E239D52D-8A0E-45C2-9D76-49681F4F3023}"/>
+                <a16:creationId xmlns="" xmlns:a16="http://schemas.microsoft.com/office/drawing/2014/main" id="{E239D52D-8A0E-45C2-9D76-49681F4F3023}"/>
               </a:ext>
             </a:extLst>
           </p:cNvPr>
@@ -4110,7 +4111,7 @@
           <p:cNvPr id="12" name="正方形/長方形 11">
             <a:extLst>
               <a:ext uri="{FF2B5EF4-FFF2-40B4-BE49-F238E27FC236}">
-                <a16:creationId xmlns:a16="http://schemas.microsoft.com/office/drawing/2014/main" xmlns="" id="{44B16076-58F3-411C-BA21-CC2F6BFDF2CA}"/>
+                <a16:creationId xmlns="" xmlns:a16="http://schemas.microsoft.com/office/drawing/2014/main" id="{44B16076-58F3-411C-BA21-CC2F6BFDF2CA}"/>
               </a:ext>
             </a:extLst>
           </p:cNvPr>
@@ -4162,7 +4163,7 @@
           <p:cNvPr id="13" name="正方形/長方形 12">
             <a:extLst>
               <a:ext uri="{FF2B5EF4-FFF2-40B4-BE49-F238E27FC236}">
-                <a16:creationId xmlns:a16="http://schemas.microsoft.com/office/drawing/2014/main" xmlns="" id="{48971A5D-F76B-4813-83D2-2D825B6A3202}"/>
+                <a16:creationId xmlns="" xmlns:a16="http://schemas.microsoft.com/office/drawing/2014/main" id="{48971A5D-F76B-4813-83D2-2D825B6A3202}"/>
               </a:ext>
             </a:extLst>
           </p:cNvPr>
@@ -4251,7 +4252,7 @@
           <p:cNvPr id="4" name="テキスト ボックス 3">
             <a:extLst>
               <a:ext uri="{FF2B5EF4-FFF2-40B4-BE49-F238E27FC236}">
-                <a16:creationId xmlns:a16="http://schemas.microsoft.com/office/drawing/2014/main" xmlns="" id="{C41C563A-40AB-403A-8661-FE9944DE17B5}"/>
+                <a16:creationId xmlns="" xmlns:a16="http://schemas.microsoft.com/office/drawing/2014/main" id="{C41C563A-40AB-403A-8661-FE9944DE17B5}"/>
               </a:ext>
             </a:extLst>
           </p:cNvPr>
@@ -4296,7 +4297,7 @@
           <p:cNvPr id="5" name="テキスト ボックス 4">
             <a:extLst>
               <a:ext uri="{FF2B5EF4-FFF2-40B4-BE49-F238E27FC236}">
-                <a16:creationId xmlns:a16="http://schemas.microsoft.com/office/drawing/2014/main" xmlns="" id="{4942987D-E9F9-4BC9-8090-7DA7D48916EF}"/>
+                <a16:creationId xmlns="" xmlns:a16="http://schemas.microsoft.com/office/drawing/2014/main" id="{4942987D-E9F9-4BC9-8090-7DA7D48916EF}"/>
               </a:ext>
             </a:extLst>
           </p:cNvPr>
@@ -4348,7 +4349,7 @@
           <p:cNvPr id="40" name="テキスト ボックス 39">
             <a:extLst>
               <a:ext uri="{FF2B5EF4-FFF2-40B4-BE49-F238E27FC236}">
-                <a16:creationId xmlns:a16="http://schemas.microsoft.com/office/drawing/2014/main" xmlns="" id="{F1EA6A6B-D4D0-463A-A599-CE219946A74B}"/>
+                <a16:creationId xmlns="" xmlns:a16="http://schemas.microsoft.com/office/drawing/2014/main" id="{F1EA6A6B-D4D0-463A-A599-CE219946A74B}"/>
               </a:ext>
             </a:extLst>
           </p:cNvPr>
@@ -4742,7 +4743,7 @@
               <p:cNvPr id="22" name="グループ化 21">
                 <a:extLst>
                   <a:ext uri="{FF2B5EF4-FFF2-40B4-BE49-F238E27FC236}">
-                    <a16:creationId xmlns:a16="http://schemas.microsoft.com/office/drawing/2014/main" xmlns="" id="{2B78E3B8-6F86-4761-8FD3-82445D0604CC}"/>
+                    <a16:creationId xmlns="" xmlns:a16="http://schemas.microsoft.com/office/drawing/2014/main" id="{2B78E3B8-6F86-4761-8FD3-82445D0604CC}"/>
                   </a:ext>
                 </a:extLst>
               </p:cNvPr>
@@ -4762,7 +4763,7 @@
                 <p:cNvPr id="38" name="図 37" descr="物体 が含まれている画像&#10;&#10;自動的に生成された説明">
                   <a:extLst>
                     <a:ext uri="{FF2B5EF4-FFF2-40B4-BE49-F238E27FC236}">
-                      <a16:creationId xmlns:a16="http://schemas.microsoft.com/office/drawing/2014/main" xmlns="" id="{479B4DDF-7427-437E-87B7-7994E26E728C}"/>
+                      <a16:creationId xmlns="" xmlns:a16="http://schemas.microsoft.com/office/drawing/2014/main" id="{479B4DDF-7427-437E-87B7-7994E26E728C}"/>
                     </a:ext>
                   </a:extLst>
                 </p:cNvPr>
@@ -4798,7 +4799,7 @@
                 <p:cNvPr id="39" name="テキスト ボックス 38">
                   <a:extLst>
                     <a:ext uri="{FF2B5EF4-FFF2-40B4-BE49-F238E27FC236}">
-                      <a16:creationId xmlns:a16="http://schemas.microsoft.com/office/drawing/2014/main" xmlns="" id="{9774E31A-0063-4CE0-A9A1-D45BBB05A9C8}"/>
+                      <a16:creationId xmlns="" xmlns:a16="http://schemas.microsoft.com/office/drawing/2014/main" id="{9774E31A-0063-4CE0-A9A1-D45BBB05A9C8}"/>
                     </a:ext>
                   </a:extLst>
                 </p:cNvPr>
@@ -4838,7 +4839,7 @@
               <p:cNvPr id="23" name="グループ化 22">
                 <a:extLst>
                   <a:ext uri="{FF2B5EF4-FFF2-40B4-BE49-F238E27FC236}">
-                    <a16:creationId xmlns:a16="http://schemas.microsoft.com/office/drawing/2014/main" xmlns="" id="{8CEB5C1D-B949-4327-B495-5272910D5F87}"/>
+                    <a16:creationId xmlns="" xmlns:a16="http://schemas.microsoft.com/office/drawing/2014/main" id="{8CEB5C1D-B949-4327-B495-5272910D5F87}"/>
                   </a:ext>
                 </a:extLst>
               </p:cNvPr>
@@ -4858,7 +4859,7 @@
                 <p:cNvPr id="36" name="図 35" descr="物体 が含まれている画像&#10;&#10;自動的に生成された説明">
                   <a:extLst>
                     <a:ext uri="{FF2B5EF4-FFF2-40B4-BE49-F238E27FC236}">
-                      <a16:creationId xmlns:a16="http://schemas.microsoft.com/office/drawing/2014/main" xmlns="" id="{FB1C4056-473E-4E06-A623-40D4081C4EAC}"/>
+                      <a16:creationId xmlns="" xmlns:a16="http://schemas.microsoft.com/office/drawing/2014/main" id="{FB1C4056-473E-4E06-A623-40D4081C4EAC}"/>
                     </a:ext>
                   </a:extLst>
                 </p:cNvPr>
@@ -4894,7 +4895,7 @@
                 <p:cNvPr id="37" name="テキスト ボックス 36">
                   <a:extLst>
                     <a:ext uri="{FF2B5EF4-FFF2-40B4-BE49-F238E27FC236}">
-                      <a16:creationId xmlns:a16="http://schemas.microsoft.com/office/drawing/2014/main" xmlns="" id="{A9417AE6-E050-4A1B-991F-46A51E57761E}"/>
+                      <a16:creationId xmlns="" xmlns:a16="http://schemas.microsoft.com/office/drawing/2014/main" id="{A9417AE6-E050-4A1B-991F-46A51E57761E}"/>
                     </a:ext>
                   </a:extLst>
                 </p:cNvPr>
@@ -4934,7 +4935,7 @@
               <p:cNvPr id="24" name="グループ化 23">
                 <a:extLst>
                   <a:ext uri="{FF2B5EF4-FFF2-40B4-BE49-F238E27FC236}">
-                    <a16:creationId xmlns:a16="http://schemas.microsoft.com/office/drawing/2014/main" xmlns="" id="{9400590E-D727-4D03-98FF-0ACD12EBC352}"/>
+                    <a16:creationId xmlns="" xmlns:a16="http://schemas.microsoft.com/office/drawing/2014/main" id="{9400590E-D727-4D03-98FF-0ACD12EBC352}"/>
                   </a:ext>
                 </a:extLst>
               </p:cNvPr>
@@ -4954,7 +4955,7 @@
                 <p:cNvPr id="34" name="図 33" descr="物体, 腕時計 が含まれている画像&#10;&#10;自動的に生成された説明">
                   <a:extLst>
                     <a:ext uri="{FF2B5EF4-FFF2-40B4-BE49-F238E27FC236}">
-                      <a16:creationId xmlns:a16="http://schemas.microsoft.com/office/drawing/2014/main" xmlns="" id="{734930D0-5E47-475F-948D-174F652567D0}"/>
+                      <a16:creationId xmlns="" xmlns:a16="http://schemas.microsoft.com/office/drawing/2014/main" id="{734930D0-5E47-475F-948D-174F652567D0}"/>
                     </a:ext>
                   </a:extLst>
                 </p:cNvPr>
@@ -4990,7 +4991,7 @@
                 <p:cNvPr id="35" name="テキスト ボックス 34">
                   <a:extLst>
                     <a:ext uri="{FF2B5EF4-FFF2-40B4-BE49-F238E27FC236}">
-                      <a16:creationId xmlns:a16="http://schemas.microsoft.com/office/drawing/2014/main" xmlns="" id="{99360FF1-7996-43C2-A24E-1DB68F403FE0}"/>
+                      <a16:creationId xmlns="" xmlns:a16="http://schemas.microsoft.com/office/drawing/2014/main" id="{99360FF1-7996-43C2-A24E-1DB68F403FE0}"/>
                     </a:ext>
                   </a:extLst>
                 </p:cNvPr>
@@ -5030,7 +5031,7 @@
               <p:cNvPr id="25" name="グループ化 24">
                 <a:extLst>
                   <a:ext uri="{FF2B5EF4-FFF2-40B4-BE49-F238E27FC236}">
-                    <a16:creationId xmlns:a16="http://schemas.microsoft.com/office/drawing/2014/main" xmlns="" id="{2DC9847F-77D2-4405-8121-1FE5585768EA}"/>
+                    <a16:creationId xmlns="" xmlns:a16="http://schemas.microsoft.com/office/drawing/2014/main" id="{2DC9847F-77D2-4405-8121-1FE5585768EA}"/>
                   </a:ext>
                 </a:extLst>
               </p:cNvPr>
@@ -5050,7 +5051,7 @@
                 <p:cNvPr id="32" name="図 31" descr="物体 が含まれている画像&#10;&#10;自動的に生成された説明">
                   <a:extLst>
                     <a:ext uri="{FF2B5EF4-FFF2-40B4-BE49-F238E27FC236}">
-                      <a16:creationId xmlns:a16="http://schemas.microsoft.com/office/drawing/2014/main" xmlns="" id="{275FE74A-218C-4A15-9492-6A63781312F0}"/>
+                      <a16:creationId xmlns="" xmlns:a16="http://schemas.microsoft.com/office/drawing/2014/main" id="{275FE74A-218C-4A15-9492-6A63781312F0}"/>
                     </a:ext>
                   </a:extLst>
                 </p:cNvPr>
@@ -5086,7 +5087,7 @@
                 <p:cNvPr id="33" name="テキスト ボックス 32">
                   <a:extLst>
                     <a:ext uri="{FF2B5EF4-FFF2-40B4-BE49-F238E27FC236}">
-                      <a16:creationId xmlns:a16="http://schemas.microsoft.com/office/drawing/2014/main" xmlns="" id="{7FEA8835-C677-4EFC-9624-2596C7E0A572}"/>
+                      <a16:creationId xmlns="" xmlns:a16="http://schemas.microsoft.com/office/drawing/2014/main" id="{7FEA8835-C677-4EFC-9624-2596C7E0A572}"/>
                     </a:ext>
                   </a:extLst>
                 </p:cNvPr>
@@ -5130,7 +5131,7 @@
               <p:cNvPr id="11" name="図 10">
                 <a:extLst>
                   <a:ext uri="{FF2B5EF4-FFF2-40B4-BE49-F238E27FC236}">
-                    <a16:creationId xmlns:a16="http://schemas.microsoft.com/office/drawing/2014/main" xmlns="" id="{49264E83-2EAE-4079-9AD2-AC2D699F0D1F}"/>
+                    <a16:creationId xmlns="" xmlns:a16="http://schemas.microsoft.com/office/drawing/2014/main" id="{49264E83-2EAE-4079-9AD2-AC2D699F0D1F}"/>
                   </a:ext>
                 </a:extLst>
               </p:cNvPr>
@@ -5166,7 +5167,7 @@
               <p:cNvPr id="46" name="テキスト ボックス 45">
                 <a:extLst>
                   <a:ext uri="{FF2B5EF4-FFF2-40B4-BE49-F238E27FC236}">
-                    <a16:creationId xmlns:a16="http://schemas.microsoft.com/office/drawing/2014/main" xmlns="" id="{B4B7A388-F763-4A3C-B6C2-124C99BC6F42}"/>
+                    <a16:creationId xmlns="" xmlns:a16="http://schemas.microsoft.com/office/drawing/2014/main" id="{B4B7A388-F763-4A3C-B6C2-124C99BC6F42}"/>
                   </a:ext>
                 </a:extLst>
               </p:cNvPr>
@@ -5393,7 +5394,7 @@
           <p:cNvPr id="2" name="図 1">
             <a:extLst>
               <a:ext uri="{FF2B5EF4-FFF2-40B4-BE49-F238E27FC236}">
-                <a16:creationId xmlns:a16="http://schemas.microsoft.com/office/drawing/2014/main" xmlns="" id="{EE855DBA-71F3-4B0A-AD5F-4DC4FD57AF5C}"/>
+                <a16:creationId xmlns="" xmlns:a16="http://schemas.microsoft.com/office/drawing/2014/main" id="{EE855DBA-71F3-4B0A-AD5F-4DC4FD57AF5C}"/>
               </a:ext>
             </a:extLst>
           </p:cNvPr>
@@ -5422,7 +5423,7 @@
           <p:cNvPr id="17" name="楕円 16">
             <a:extLst>
               <a:ext uri="{FF2B5EF4-FFF2-40B4-BE49-F238E27FC236}">
-                <a16:creationId xmlns:a16="http://schemas.microsoft.com/office/drawing/2014/main" xmlns="" id="{787DCF27-FE5D-4F5F-93D9-6E5E3F66733B}"/>
+                <a16:creationId xmlns="" xmlns:a16="http://schemas.microsoft.com/office/drawing/2014/main" id="{787DCF27-FE5D-4F5F-93D9-6E5E3F66733B}"/>
               </a:ext>
             </a:extLst>
           </p:cNvPr>
@@ -5474,7 +5475,7 @@
           <p:cNvPr id="15" name="正方形/長方形 14">
             <a:extLst>
               <a:ext uri="{FF2B5EF4-FFF2-40B4-BE49-F238E27FC236}">
-                <a16:creationId xmlns:a16="http://schemas.microsoft.com/office/drawing/2014/main" xmlns="" id="{3833953A-B36A-4C17-AEC3-8ED45F7CC897}"/>
+                <a16:creationId xmlns="" xmlns:a16="http://schemas.microsoft.com/office/drawing/2014/main" id="{3833953A-B36A-4C17-AEC3-8ED45F7CC897}"/>
               </a:ext>
             </a:extLst>
           </p:cNvPr>
@@ -5526,7 +5527,7 @@
           <p:cNvPr id="16" name="正方形/長方形 15">
             <a:extLst>
               <a:ext uri="{FF2B5EF4-FFF2-40B4-BE49-F238E27FC236}">
-                <a16:creationId xmlns:a16="http://schemas.microsoft.com/office/drawing/2014/main" xmlns="" id="{0A0216B0-C84D-4309-9EC4-75086643960C}"/>
+                <a16:creationId xmlns="" xmlns:a16="http://schemas.microsoft.com/office/drawing/2014/main" id="{0A0216B0-C84D-4309-9EC4-75086643960C}"/>
               </a:ext>
             </a:extLst>
           </p:cNvPr>
@@ -5578,7 +5579,7 @@
           <p:cNvPr id="14" name="正方形/長方形 13">
             <a:extLst>
               <a:ext uri="{FF2B5EF4-FFF2-40B4-BE49-F238E27FC236}">
-                <a16:creationId xmlns:a16="http://schemas.microsoft.com/office/drawing/2014/main" xmlns="" id="{EAC81C78-DEAA-491D-B85A-42AB767010AE}"/>
+                <a16:creationId xmlns="" xmlns:a16="http://schemas.microsoft.com/office/drawing/2014/main" id="{EAC81C78-DEAA-491D-B85A-42AB767010AE}"/>
               </a:ext>
             </a:extLst>
           </p:cNvPr>
@@ -5630,7 +5631,7 @@
           <p:cNvPr id="6" name="テキスト ボックス 5">
             <a:extLst>
               <a:ext uri="{FF2B5EF4-FFF2-40B4-BE49-F238E27FC236}">
-                <a16:creationId xmlns:a16="http://schemas.microsoft.com/office/drawing/2014/main" xmlns="" id="{B35D99F0-6DC1-4BC2-88F1-81631344B7F9}"/>
+                <a16:creationId xmlns="" xmlns:a16="http://schemas.microsoft.com/office/drawing/2014/main" id="{B35D99F0-6DC1-4BC2-88F1-81631344B7F9}"/>
               </a:ext>
             </a:extLst>
           </p:cNvPr>
@@ -5675,7 +5676,7 @@
           <p:cNvPr id="7" name="吹き出し: 四角形 6">
             <a:extLst>
               <a:ext uri="{FF2B5EF4-FFF2-40B4-BE49-F238E27FC236}">
-                <a16:creationId xmlns:a16="http://schemas.microsoft.com/office/drawing/2014/main" xmlns="" id="{BA75D2B1-3296-4A6C-97CF-CD76A284141D}"/>
+                <a16:creationId xmlns="" xmlns:a16="http://schemas.microsoft.com/office/drawing/2014/main" id="{BA75D2B1-3296-4A6C-97CF-CD76A284141D}"/>
               </a:ext>
             </a:extLst>
           </p:cNvPr>
@@ -5741,7 +5742,7 @@
           <p:cNvPr id="8" name="吹き出し: 四角形 7">
             <a:extLst>
               <a:ext uri="{FF2B5EF4-FFF2-40B4-BE49-F238E27FC236}">
-                <a16:creationId xmlns:a16="http://schemas.microsoft.com/office/drawing/2014/main" xmlns="" id="{88AD402C-D557-4604-82F7-689D61968750}"/>
+                <a16:creationId xmlns="" xmlns:a16="http://schemas.microsoft.com/office/drawing/2014/main" id="{88AD402C-D557-4604-82F7-689D61968750}"/>
               </a:ext>
             </a:extLst>
           </p:cNvPr>
@@ -5817,7 +5818,7 @@
           <p:cNvPr id="9" name="吹き出し: 四角形 8">
             <a:extLst>
               <a:ext uri="{FF2B5EF4-FFF2-40B4-BE49-F238E27FC236}">
-                <a16:creationId xmlns:a16="http://schemas.microsoft.com/office/drawing/2014/main" xmlns="" id="{BF8E2C7C-205C-42CA-B382-A5D5630D39B2}"/>
+                <a16:creationId xmlns="" xmlns:a16="http://schemas.microsoft.com/office/drawing/2014/main" id="{BF8E2C7C-205C-42CA-B382-A5D5630D39B2}"/>
               </a:ext>
             </a:extLst>
           </p:cNvPr>
@@ -5890,7 +5891,7 @@
           <p:cNvPr id="10" name="吹き出し: 四角形 9">
             <a:extLst>
               <a:ext uri="{FF2B5EF4-FFF2-40B4-BE49-F238E27FC236}">
-                <a16:creationId xmlns:a16="http://schemas.microsoft.com/office/drawing/2014/main" xmlns="" id="{1E8E5AAD-2EFF-40AE-87B5-A62E3863DB06}"/>
+                <a16:creationId xmlns="" xmlns:a16="http://schemas.microsoft.com/office/drawing/2014/main" id="{1E8E5AAD-2EFF-40AE-87B5-A62E3863DB06}"/>
               </a:ext>
             </a:extLst>
           </p:cNvPr>
@@ -6026,7 +6027,7 @@
           <p:cNvPr id="11" name="吹き出し: 四角形 10">
             <a:extLst>
               <a:ext uri="{FF2B5EF4-FFF2-40B4-BE49-F238E27FC236}">
-                <a16:creationId xmlns:a16="http://schemas.microsoft.com/office/drawing/2014/main" xmlns="" id="{0876C132-70D4-4EE9-A059-2EE9BBCFA5AC}"/>
+                <a16:creationId xmlns="" xmlns:a16="http://schemas.microsoft.com/office/drawing/2014/main" id="{0876C132-70D4-4EE9-A059-2EE9BBCFA5AC}"/>
               </a:ext>
             </a:extLst>
           </p:cNvPr>
@@ -6092,7 +6093,7 @@
           <p:cNvPr id="12" name="吹き出し: 四角形 11">
             <a:extLst>
               <a:ext uri="{FF2B5EF4-FFF2-40B4-BE49-F238E27FC236}">
-                <a16:creationId xmlns:a16="http://schemas.microsoft.com/office/drawing/2014/main" xmlns="" id="{30266963-E240-4012-99DE-6906E5DDC8E7}"/>
+                <a16:creationId xmlns="" xmlns:a16="http://schemas.microsoft.com/office/drawing/2014/main" id="{30266963-E240-4012-99DE-6906E5DDC8E7}"/>
               </a:ext>
             </a:extLst>
           </p:cNvPr>
@@ -6215,7 +6216,7 @@
           <p:cNvPr id="13" name="正方形/長方形 12">
             <a:extLst>
               <a:ext uri="{FF2B5EF4-FFF2-40B4-BE49-F238E27FC236}">
-                <a16:creationId xmlns:a16="http://schemas.microsoft.com/office/drawing/2014/main" xmlns="" id="{C5B52C5E-840D-45E5-8E3C-3E2AD99D4E85}"/>
+                <a16:creationId xmlns="" xmlns:a16="http://schemas.microsoft.com/office/drawing/2014/main" id="{C5B52C5E-840D-45E5-8E3C-3E2AD99D4E85}"/>
               </a:ext>
             </a:extLst>
           </p:cNvPr>
@@ -6267,7 +6268,7 @@
           <p:cNvPr id="18" name="正方形/長方形 17">
             <a:extLst>
               <a:ext uri="{FF2B5EF4-FFF2-40B4-BE49-F238E27FC236}">
-                <a16:creationId xmlns:a16="http://schemas.microsoft.com/office/drawing/2014/main" xmlns="" id="{85B86C3D-1D0B-4CA9-A09E-F9104FAC8E9A}"/>
+                <a16:creationId xmlns="" xmlns:a16="http://schemas.microsoft.com/office/drawing/2014/main" id="{85B86C3D-1D0B-4CA9-A09E-F9104FAC8E9A}"/>
               </a:ext>
             </a:extLst>
           </p:cNvPr>
@@ -6319,7 +6320,7 @@
           <p:cNvPr id="3" name="L 字 2">
             <a:extLst>
               <a:ext uri="{FF2B5EF4-FFF2-40B4-BE49-F238E27FC236}">
-                <a16:creationId xmlns:a16="http://schemas.microsoft.com/office/drawing/2014/main" xmlns="" id="{CA56987B-B7BB-455B-A3DC-57F7BCD43222}"/>
+                <a16:creationId xmlns="" xmlns:a16="http://schemas.microsoft.com/office/drawing/2014/main" id="{CA56987B-B7BB-455B-A3DC-57F7BCD43222}"/>
               </a:ext>
             </a:extLst>
           </p:cNvPr>
@@ -6374,7 +6375,7 @@
           <p:cNvPr id="19" name="吹き出し: 四角形 18">
             <a:extLst>
               <a:ext uri="{FF2B5EF4-FFF2-40B4-BE49-F238E27FC236}">
-                <a16:creationId xmlns:a16="http://schemas.microsoft.com/office/drawing/2014/main" xmlns="" id="{D2673875-651C-40E4-8256-1F77677989CB}"/>
+                <a16:creationId xmlns="" xmlns:a16="http://schemas.microsoft.com/office/drawing/2014/main" id="{D2673875-651C-40E4-8256-1F77677989CB}"/>
               </a:ext>
             </a:extLst>
           </p:cNvPr>
@@ -6457,7 +6458,7 @@
           <p:cNvPr id="20" name="吹き出し: 四角形 19">
             <a:extLst>
               <a:ext uri="{FF2B5EF4-FFF2-40B4-BE49-F238E27FC236}">
-                <a16:creationId xmlns:a16="http://schemas.microsoft.com/office/drawing/2014/main" xmlns="" id="{F0A11592-BD25-49D2-8C1D-7500E79B7ADA}"/>
+                <a16:creationId xmlns="" xmlns:a16="http://schemas.microsoft.com/office/drawing/2014/main" id="{F0A11592-BD25-49D2-8C1D-7500E79B7ADA}"/>
               </a:ext>
             </a:extLst>
           </p:cNvPr>
@@ -6630,7 +6631,7 @@
           <p:cNvPr id="6" name="テキスト ボックス 5">
             <a:extLst>
               <a:ext uri="{FF2B5EF4-FFF2-40B4-BE49-F238E27FC236}">
-                <a16:creationId xmlns:a16="http://schemas.microsoft.com/office/drawing/2014/main" xmlns="" id="{83D9254C-066B-4A30-984B-189E5281BB91}"/>
+                <a16:creationId xmlns="" xmlns:a16="http://schemas.microsoft.com/office/drawing/2014/main" id="{83D9254C-066B-4A30-984B-189E5281BB91}"/>
               </a:ext>
             </a:extLst>
           </p:cNvPr>
@@ -6675,7 +6676,7 @@
           <p:cNvPr id="7" name="テキスト ボックス 6">
             <a:extLst>
               <a:ext uri="{FF2B5EF4-FFF2-40B4-BE49-F238E27FC236}">
-                <a16:creationId xmlns:a16="http://schemas.microsoft.com/office/drawing/2014/main" xmlns="" id="{A3B678AB-5F6D-47A2-AC3D-C9904D8B3FE5}"/>
+                <a16:creationId xmlns="" xmlns:a16="http://schemas.microsoft.com/office/drawing/2014/main" id="{A3B678AB-5F6D-47A2-AC3D-C9904D8B3FE5}"/>
               </a:ext>
             </a:extLst>
           </p:cNvPr>
@@ -6717,7 +6718,7 @@
           <p:cNvPr id="8" name="テキスト ボックス 7">
             <a:extLst>
               <a:ext uri="{FF2B5EF4-FFF2-40B4-BE49-F238E27FC236}">
-                <a16:creationId xmlns:a16="http://schemas.microsoft.com/office/drawing/2014/main" xmlns="" id="{81F92070-255F-4692-ABB1-F5486542D8FF}"/>
+                <a16:creationId xmlns="" xmlns:a16="http://schemas.microsoft.com/office/drawing/2014/main" id="{81F92070-255F-4692-ABB1-F5486542D8FF}"/>
               </a:ext>
             </a:extLst>
           </p:cNvPr>
@@ -6839,7 +6840,7 @@
           <p:cNvPr id="10" name="テキスト ボックス 9">
             <a:extLst>
               <a:ext uri="{FF2B5EF4-FFF2-40B4-BE49-F238E27FC236}">
-                <a16:creationId xmlns:a16="http://schemas.microsoft.com/office/drawing/2014/main" xmlns="" id="{946FF0DF-B758-41C2-85D3-67DA048E99B2}"/>
+                <a16:creationId xmlns="" xmlns:a16="http://schemas.microsoft.com/office/drawing/2014/main" id="{946FF0DF-B758-41C2-85D3-67DA048E99B2}"/>
               </a:ext>
             </a:extLst>
           </p:cNvPr>
@@ -6848,7 +6849,7 @@
         </p:nvSpPr>
         <p:spPr>
           <a:xfrm>
-            <a:off x="187523" y="3641940"/>
+            <a:off x="1951919" y="3553770"/>
             <a:ext cx="7921840" cy="923330"/>
           </a:xfrm>
           <a:prstGeom prst="rect">
@@ -6901,8 +6902,8 @@
         </p:nvSpPr>
         <p:spPr>
           <a:xfrm>
-            <a:off x="5070763" y="4928260"/>
-            <a:ext cx="5783283" cy="923330"/>
+            <a:off x="5912839" y="5116575"/>
+            <a:ext cx="7897090" cy="1200329"/>
           </a:xfrm>
           <a:prstGeom prst="rect">
             <a:avLst/>
@@ -6916,11 +6917,35 @@
           <a:lstStyle/>
           <a:p>
             <a:r>
-              <a:rPr kumimoji="1" lang="ja-JP" altLang="en-US" dirty="0" smtClean="0">
-                <a:latin typeface="チェックポイント．（ピリオド）" panose="02000600000000000000" pitchFamily="50" charset="-128"/>
-                <a:ea typeface="チェックポイント．（ピリオド）" panose="02000600000000000000" pitchFamily="50" charset="-128"/>
-              </a:rPr>
-              <a:t>このアイコンが出ているときは</a:t>
+              <a:rPr lang="ja-JP" altLang="en-US" dirty="0" smtClean="0">
+                <a:solidFill>
+                  <a:srgbClr val="FF0000"/>
+                </a:solidFill>
+                <a:latin typeface="チェックポイント．（ピリオド）" panose="02000600000000000000" pitchFamily="50" charset="-128"/>
+                <a:ea typeface="チェックポイント．（ピリオド）" panose="02000600000000000000" pitchFamily="50" charset="-128"/>
+              </a:rPr>
+              <a:t>矢印が白色</a:t>
+            </a:r>
+            <a:r>
+              <a:rPr lang="ja-JP" altLang="en-US" dirty="0" smtClean="0">
+                <a:latin typeface="チェックポイント．（ピリオド）" panose="02000600000000000000" pitchFamily="50" charset="-128"/>
+                <a:ea typeface="チェックポイント．（ピリオド）" panose="02000600000000000000" pitchFamily="50" charset="-128"/>
+              </a:rPr>
+              <a:t>のアイコン</a:t>
+            </a:r>
+            <a:r>
+              <a:rPr lang="ja-JP" altLang="en-US" dirty="0">
+                <a:latin typeface="チェックポイント．（ピリオド）" panose="02000600000000000000" pitchFamily="50" charset="-128"/>
+                <a:ea typeface="チェックポイント．（ピリオド）" panose="02000600000000000000" pitchFamily="50" charset="-128"/>
+              </a:rPr>
+              <a:t>以外</a:t>
+            </a:r>
+            <a:r>
+              <a:rPr lang="ja-JP" altLang="en-US" dirty="0" smtClean="0">
+                <a:latin typeface="チェックポイント．（ピリオド）" panose="02000600000000000000" pitchFamily="50" charset="-128"/>
+                <a:ea typeface="チェックポイント．（ピリオド）" panose="02000600000000000000" pitchFamily="50" charset="-128"/>
+              </a:rPr>
+              <a:t>が</a:t>
             </a:r>
             <a:endParaRPr kumimoji="1" lang="en-US" altLang="ja-JP" dirty="0" smtClean="0">
               <a:latin typeface="チェックポイント．（ピリオド）" panose="02000600000000000000" pitchFamily="50" charset="-128"/>
@@ -6929,11 +6954,52 @@
           </a:p>
           <a:p>
             <a:r>
+              <a:rPr kumimoji="1" lang="ja-JP" altLang="en-US" dirty="0" smtClean="0">
+                <a:latin typeface="チェックポイント．（ピリオド）" panose="02000600000000000000" pitchFamily="50" charset="-128"/>
+                <a:ea typeface="チェックポイント．（ピリオド）" panose="02000600000000000000" pitchFamily="50" charset="-128"/>
+              </a:rPr>
+              <a:t>出て</a:t>
+            </a:r>
+            <a:r>
+              <a:rPr kumimoji="1" lang="ja-JP" altLang="en-US" dirty="0" smtClean="0">
+                <a:latin typeface="チェックポイント．（ピリオド）" panose="02000600000000000000" pitchFamily="50" charset="-128"/>
+                <a:ea typeface="チェックポイント．（ピリオド）" panose="02000600000000000000" pitchFamily="50" charset="-128"/>
+              </a:rPr>
+              <a:t>いるとき</a:t>
+            </a:r>
+            <a:r>
+              <a:rPr kumimoji="1" lang="ja-JP" altLang="en-US" dirty="0" smtClean="0">
+                <a:latin typeface="チェックポイント．（ピリオド）" panose="02000600000000000000" pitchFamily="50" charset="-128"/>
+                <a:ea typeface="チェックポイント．（ピリオド）" panose="02000600000000000000" pitchFamily="50" charset="-128"/>
+              </a:rPr>
+              <a:t>は</a:t>
+            </a:r>
+            <a:r>
               <a:rPr lang="ja-JP" altLang="en-US" dirty="0" smtClean="0">
-                <a:latin typeface="チェックポイント．（ピリオド）" panose="02000600000000000000" pitchFamily="50" charset="-128"/>
-                <a:ea typeface="チェックポイント．（ピリオド）" panose="02000600000000000000" pitchFamily="50" charset="-128"/>
-              </a:rPr>
-              <a:t>防御力が下がっています。</a:t>
+                <a:solidFill>
+                  <a:srgbClr val="FF0000"/>
+                </a:solidFill>
+                <a:latin typeface="チェックポイント．（ピリオド）" panose="02000600000000000000" pitchFamily="50" charset="-128"/>
+                <a:ea typeface="チェックポイント．（ピリオド）" panose="02000600000000000000" pitchFamily="50" charset="-128"/>
+              </a:rPr>
+              <a:t>防御力</a:t>
+            </a:r>
+            <a:r>
+              <a:rPr lang="ja-JP" altLang="en-US" dirty="0" smtClean="0">
+                <a:solidFill>
+                  <a:srgbClr val="FF0000"/>
+                </a:solidFill>
+                <a:latin typeface="チェックポイント．（ピリオド）" panose="02000600000000000000" pitchFamily="50" charset="-128"/>
+                <a:ea typeface="チェックポイント．（ピリオド）" panose="02000600000000000000" pitchFamily="50" charset="-128"/>
+              </a:rPr>
+              <a:t>が下がっています</a:t>
+            </a:r>
+            <a:r>
+              <a:rPr lang="ja-JP" altLang="en-US" dirty="0" smtClean="0">
+                <a:latin typeface="チェックポイント．（ピリオド）" panose="02000600000000000000" pitchFamily="50" charset="-128"/>
+                <a:ea typeface="チェックポイント．（ピリオド）" panose="02000600000000000000" pitchFamily="50" charset="-128"/>
+              </a:rPr>
+              <a:t>。</a:t>
             </a:r>
             <a:endParaRPr lang="en-US" altLang="ja-JP" dirty="0" smtClean="0">
               <a:latin typeface="チェックポイント．（ピリオド）" panose="02000600000000000000" pitchFamily="50" charset="-128"/>
@@ -6943,10 +7009,94 @@
           <a:p>
             <a:r>
               <a:rPr kumimoji="1" lang="ja-JP" altLang="en-US" dirty="0" smtClean="0">
-                <a:latin typeface="チェックポイント．（ピリオド）" panose="02000600000000000000" pitchFamily="50" charset="-128"/>
-                <a:ea typeface="チェックポイント．（ピリオド）" panose="02000600000000000000" pitchFamily="50" charset="-128"/>
-              </a:rPr>
-              <a:t>アイコンの色によって防御力の下がり具合が違います。</a:t>
+                <a:solidFill>
+                  <a:srgbClr val="FF0000"/>
+                </a:solidFill>
+                <a:latin typeface="チェックポイント．（ピリオド）" panose="02000600000000000000" pitchFamily="50" charset="-128"/>
+                <a:ea typeface="チェックポイント．（ピリオド）" panose="02000600000000000000" pitchFamily="50" charset="-128"/>
+              </a:rPr>
+              <a:t>アイコンの色</a:t>
+            </a:r>
+            <a:r>
+              <a:rPr kumimoji="1" lang="ja-JP" altLang="en-US" dirty="0" smtClean="0">
+                <a:latin typeface="チェックポイント．（ピリオド）" panose="02000600000000000000" pitchFamily="50" charset="-128"/>
+                <a:ea typeface="チェックポイント．（ピリオド）" panose="02000600000000000000" pitchFamily="50" charset="-128"/>
+              </a:rPr>
+              <a:t>によって</a:t>
+            </a:r>
+            <a:r>
+              <a:rPr kumimoji="1" lang="ja-JP" altLang="en-US" dirty="0" smtClean="0">
+                <a:solidFill>
+                  <a:srgbClr val="FF0000"/>
+                </a:solidFill>
+                <a:latin typeface="チェックポイント．（ピリオド）" panose="02000600000000000000" pitchFamily="50" charset="-128"/>
+                <a:ea typeface="チェックポイント．（ピリオド）" panose="02000600000000000000" pitchFamily="50" charset="-128"/>
+              </a:rPr>
+              <a:t>防御力の下がり具合</a:t>
+            </a:r>
+            <a:r>
+              <a:rPr kumimoji="1" lang="ja-JP" altLang="en-US" dirty="0" smtClean="0">
+                <a:latin typeface="チェックポイント．（ピリオド）" panose="02000600000000000000" pitchFamily="50" charset="-128"/>
+                <a:ea typeface="チェックポイント．（ピリオド）" panose="02000600000000000000" pitchFamily="50" charset="-128"/>
+              </a:rPr>
+              <a:t>が違います</a:t>
+            </a:r>
+            <a:r>
+              <a:rPr kumimoji="1" lang="ja-JP" altLang="en-US" dirty="0" smtClean="0">
+                <a:latin typeface="チェックポイント．（ピリオド）" panose="02000600000000000000" pitchFamily="50" charset="-128"/>
+                <a:ea typeface="チェックポイント．（ピリオド）" panose="02000600000000000000" pitchFamily="50" charset="-128"/>
+              </a:rPr>
+              <a:t>。</a:t>
+            </a:r>
+            <a:endParaRPr kumimoji="1" lang="en-US" altLang="ja-JP" dirty="0" smtClean="0">
+              <a:latin typeface="チェックポイント．（ピリオド）" panose="02000600000000000000" pitchFamily="50" charset="-128"/>
+              <a:ea typeface="チェックポイント．（ピリオド）" panose="02000600000000000000" pitchFamily="50" charset="-128"/>
+            </a:endParaRPr>
+          </a:p>
+          <a:p>
+            <a:r>
+              <a:rPr lang="ja-JP" altLang="en-US" dirty="0">
+                <a:solidFill>
+                  <a:srgbClr val="FF0000"/>
+                </a:solidFill>
+                <a:latin typeface="チェックポイント．（ピリオド）" panose="02000600000000000000" pitchFamily="50" charset="-128"/>
+                <a:ea typeface="チェックポイント．（ピリオド）" panose="02000600000000000000" pitchFamily="50" charset="-128"/>
+              </a:rPr>
+              <a:t>赤</a:t>
+            </a:r>
+            <a:r>
+              <a:rPr lang="ja-JP" altLang="en-US" dirty="0" smtClean="0">
+                <a:solidFill>
+                  <a:srgbClr val="FF0000"/>
+                </a:solidFill>
+                <a:latin typeface="チェックポイント．（ピリオド）" panose="02000600000000000000" pitchFamily="50" charset="-128"/>
+                <a:ea typeface="チェックポイント．（ピリオド）" panose="02000600000000000000" pitchFamily="50" charset="-128"/>
+              </a:rPr>
+              <a:t>みが深いほど</a:t>
+            </a:r>
+            <a:r>
+              <a:rPr lang="ja-JP" altLang="en-US" dirty="0" smtClean="0">
+                <a:latin typeface="チェックポイント．（ピリオド）" panose="02000600000000000000" pitchFamily="50" charset="-128"/>
+                <a:ea typeface="チェックポイント．（ピリオド）" panose="02000600000000000000" pitchFamily="50" charset="-128"/>
+              </a:rPr>
+              <a:t>受けるダメージが</a:t>
+            </a:r>
+            <a:r>
+              <a:rPr lang="ja-JP" altLang="en-US" dirty="0" smtClean="0">
+                <a:solidFill>
+                  <a:srgbClr val="FF0000"/>
+                </a:solidFill>
+                <a:latin typeface="チェックポイント．（ピリオド）" panose="02000600000000000000" pitchFamily="50" charset="-128"/>
+                <a:ea typeface="チェックポイント．（ピリオド）" panose="02000600000000000000" pitchFamily="50" charset="-128"/>
+              </a:rPr>
+              <a:t>増えてしまいます</a:t>
+            </a:r>
+            <a:r>
+              <a:rPr lang="ja-JP" altLang="en-US" dirty="0" smtClean="0">
+                <a:latin typeface="チェックポイント．（ピリオド）" panose="02000600000000000000" pitchFamily="50" charset="-128"/>
+                <a:ea typeface="チェックポイント．（ピリオド）" panose="02000600000000000000" pitchFamily="50" charset="-128"/>
+              </a:rPr>
+              <a:t>。</a:t>
             </a:r>
             <a:endParaRPr kumimoji="1" lang="ja-JP" altLang="en-US" dirty="0">
               <a:latin typeface="チェックポイント．（ピリオド）" panose="02000600000000000000" pitchFamily="50" charset="-128"/>
@@ -6955,6 +7105,453 @@
           </a:p>
         </p:txBody>
       </p:sp>
+      <p:grpSp>
+        <p:nvGrpSpPr>
+          <p:cNvPr id="5" name="グループ化 4"/>
+          <p:cNvGrpSpPr/>
+          <p:nvPr/>
+        </p:nvGrpSpPr>
+        <p:grpSpPr>
+          <a:xfrm>
+            <a:off x="468499" y="4998776"/>
+            <a:ext cx="4811655" cy="1392141"/>
+            <a:chOff x="135990" y="4928260"/>
+            <a:chExt cx="4811655" cy="1392141"/>
+          </a:xfrm>
+        </p:grpSpPr>
+        <p:pic>
+          <p:nvPicPr>
+            <p:cNvPr id="2" name="図 1"/>
+            <p:cNvPicPr>
+              <a:picLocks noChangeAspect="1"/>
+            </p:cNvPicPr>
+            <p:nvPr/>
+          </p:nvPicPr>
+          <p:blipFill rotWithShape="1">
+            <a:blip r:embed="rId2">
+              <a:extLst>
+                <a:ext uri="{28A0092B-C50C-407E-A947-70E740481C1C}">
+                  <a14:useLocalDpi xmlns:a14="http://schemas.microsoft.com/office/drawing/2010/main" val="0"/>
+                </a:ext>
+              </a:extLst>
+            </a:blip>
+            <a:srcRect r="83541"/>
+            <a:stretch/>
+          </p:blipFill>
+          <p:spPr>
+            <a:xfrm>
+              <a:off x="135990" y="4928260"/>
+              <a:ext cx="602243" cy="609846"/>
+            </a:xfrm>
+            <a:prstGeom prst="rect">
+              <a:avLst/>
+            </a:prstGeom>
+          </p:spPr>
+        </p:pic>
+        <p:pic>
+          <p:nvPicPr>
+            <p:cNvPr id="11" name="図 10"/>
+            <p:cNvPicPr>
+              <a:picLocks noChangeAspect="1"/>
+            </p:cNvPicPr>
+            <p:nvPr/>
+          </p:nvPicPr>
+          <p:blipFill rotWithShape="1">
+            <a:blip r:embed="rId2">
+              <a:extLst>
+                <a:ext uri="{28A0092B-C50C-407E-A947-70E740481C1C}">
+                  <a14:useLocalDpi xmlns:a14="http://schemas.microsoft.com/office/drawing/2010/main" val="0"/>
+                </a:ext>
+              </a:extLst>
+            </a:blip>
+            <a:srcRect l="16654" r="66859"/>
+            <a:stretch/>
+          </p:blipFill>
+          <p:spPr>
+            <a:xfrm>
+              <a:off x="151594" y="5710555"/>
+              <a:ext cx="603250" cy="609846"/>
+            </a:xfrm>
+            <a:prstGeom prst="rect">
+              <a:avLst/>
+            </a:prstGeom>
+          </p:spPr>
+        </p:pic>
+        <p:pic>
+          <p:nvPicPr>
+            <p:cNvPr id="12" name="図 11"/>
+            <p:cNvPicPr>
+              <a:picLocks noChangeAspect="1"/>
+            </p:cNvPicPr>
+            <p:nvPr/>
+          </p:nvPicPr>
+          <p:blipFill rotWithShape="1">
+            <a:blip r:embed="rId2">
+              <a:extLst>
+                <a:ext uri="{28A0092B-C50C-407E-A947-70E740481C1C}">
+                  <a14:useLocalDpi xmlns:a14="http://schemas.microsoft.com/office/drawing/2010/main" val="0"/>
+                </a:ext>
+              </a:extLst>
+            </a:blip>
+            <a:srcRect l="33271" r="50069"/>
+            <a:stretch/>
+          </p:blipFill>
+          <p:spPr>
+            <a:xfrm>
+              <a:off x="1754313" y="4928260"/>
+              <a:ext cx="609601" cy="609846"/>
+            </a:xfrm>
+            <a:prstGeom prst="rect">
+              <a:avLst/>
+            </a:prstGeom>
+          </p:spPr>
+        </p:pic>
+        <p:pic>
+          <p:nvPicPr>
+            <p:cNvPr id="14" name="図 13"/>
+            <p:cNvPicPr>
+              <a:picLocks noChangeAspect="1"/>
+            </p:cNvPicPr>
+            <p:nvPr/>
+          </p:nvPicPr>
+          <p:blipFill rotWithShape="1">
+            <a:blip r:embed="rId2">
+              <a:extLst>
+                <a:ext uri="{28A0092B-C50C-407E-A947-70E740481C1C}">
+                  <a14:useLocalDpi xmlns:a14="http://schemas.microsoft.com/office/drawing/2010/main" val="0"/>
+                </a:ext>
+              </a:extLst>
+            </a:blip>
+            <a:srcRect l="49584" r="33583"/>
+            <a:stretch/>
+          </p:blipFill>
+          <p:spPr>
+            <a:xfrm>
+              <a:off x="1747964" y="5694848"/>
+              <a:ext cx="615950" cy="609846"/>
+            </a:xfrm>
+            <a:prstGeom prst="rect">
+              <a:avLst/>
+            </a:prstGeom>
+          </p:spPr>
+        </p:pic>
+        <p:pic>
+          <p:nvPicPr>
+            <p:cNvPr id="15" name="図 14"/>
+            <p:cNvPicPr>
+              <a:picLocks noChangeAspect="1"/>
+            </p:cNvPicPr>
+            <p:nvPr/>
+          </p:nvPicPr>
+          <p:blipFill rotWithShape="1">
+            <a:blip r:embed="rId2">
+              <a:extLst>
+                <a:ext uri="{28A0092B-C50C-407E-A947-70E740481C1C}">
+                  <a14:useLocalDpi xmlns:a14="http://schemas.microsoft.com/office/drawing/2010/main" val="0"/>
+                </a:ext>
+              </a:extLst>
+            </a:blip>
+            <a:srcRect l="66938" r="16923"/>
+            <a:stretch/>
+          </p:blipFill>
+          <p:spPr>
+            <a:xfrm>
+              <a:off x="3277486" y="4928260"/>
+              <a:ext cx="590550" cy="609846"/>
+            </a:xfrm>
+            <a:prstGeom prst="rect">
+              <a:avLst/>
+            </a:prstGeom>
+          </p:spPr>
+        </p:pic>
+        <p:pic>
+          <p:nvPicPr>
+            <p:cNvPr id="16" name="図 15"/>
+            <p:cNvPicPr>
+              <a:picLocks noChangeAspect="1"/>
+            </p:cNvPicPr>
+            <p:nvPr/>
+          </p:nvPicPr>
+          <p:blipFill rotWithShape="1">
+            <a:blip r:embed="rId2">
+              <a:extLst>
+                <a:ext uri="{28A0092B-C50C-407E-A947-70E740481C1C}">
+                  <a14:useLocalDpi xmlns:a14="http://schemas.microsoft.com/office/drawing/2010/main" val="0"/>
+                </a:ext>
+              </a:extLst>
+            </a:blip>
+            <a:srcRect l="83077"/>
+            <a:stretch/>
+          </p:blipFill>
+          <p:spPr>
+            <a:xfrm>
+              <a:off x="3277486" y="5710555"/>
+              <a:ext cx="619229" cy="609846"/>
+            </a:xfrm>
+            <a:prstGeom prst="rect">
+              <a:avLst/>
+            </a:prstGeom>
+          </p:spPr>
+        </p:pic>
+        <p:sp>
+          <p:nvSpPr>
+            <p:cNvPr id="4" name="テキスト ボックス 3"/>
+            <p:cNvSpPr txBox="1"/>
+            <p:nvPr/>
+          </p:nvSpPr>
+          <p:spPr>
+            <a:xfrm>
+              <a:off x="719064" y="5048517"/>
+              <a:ext cx="1079609" cy="369332"/>
+            </a:xfrm>
+            <a:prstGeom prst="rect">
+              <a:avLst/>
+            </a:prstGeom>
+            <a:noFill/>
+          </p:spPr>
+          <p:txBody>
+            <a:bodyPr wrap="square" rtlCol="0">
+              <a:spAutoFit/>
+            </a:bodyPr>
+            <a:lstStyle/>
+            <a:p>
+              <a:r>
+                <a:rPr lang="en-US" altLang="ja-JP" dirty="0">
+                  <a:latin typeface="チェックポイント．（ピリオド）" panose="02000600000000000000" pitchFamily="50" charset="-128"/>
+                  <a:ea typeface="チェックポイント．（ピリオド）" panose="02000600000000000000" pitchFamily="50" charset="-128"/>
+                </a:rPr>
+                <a:t>1</a:t>
+              </a:r>
+              <a:r>
+                <a:rPr kumimoji="1" lang="ja-JP" altLang="en-US" dirty="0" smtClean="0">
+                  <a:latin typeface="チェックポイント．（ピリオド）" panose="02000600000000000000" pitchFamily="50" charset="-128"/>
+                  <a:ea typeface="チェックポイント．（ピリオド）" panose="02000600000000000000" pitchFamily="50" charset="-128"/>
+                </a:rPr>
+                <a:t>段階目</a:t>
+              </a:r>
+              <a:endParaRPr kumimoji="1" lang="ja-JP" altLang="en-US" dirty="0">
+                <a:latin typeface="チェックポイント．（ピリオド）" panose="02000600000000000000" pitchFamily="50" charset="-128"/>
+                <a:ea typeface="チェックポイント．（ピリオド）" panose="02000600000000000000" pitchFamily="50" charset="-128"/>
+              </a:endParaRPr>
+            </a:p>
+          </p:txBody>
+        </p:sp>
+        <p:sp>
+          <p:nvSpPr>
+            <p:cNvPr id="17" name="テキスト ボックス 16"/>
+            <p:cNvSpPr txBox="1"/>
+            <p:nvPr/>
+          </p:nvSpPr>
+          <p:spPr>
+            <a:xfrm>
+              <a:off x="705235" y="5801323"/>
+              <a:ext cx="1079609" cy="369332"/>
+            </a:xfrm>
+            <a:prstGeom prst="rect">
+              <a:avLst/>
+            </a:prstGeom>
+            <a:noFill/>
+          </p:spPr>
+          <p:txBody>
+            <a:bodyPr wrap="square" rtlCol="0">
+              <a:spAutoFit/>
+            </a:bodyPr>
+            <a:lstStyle/>
+            <a:p>
+              <a:r>
+                <a:rPr lang="en-US" altLang="ja-JP" dirty="0" smtClean="0">
+                  <a:latin typeface="チェックポイント．（ピリオド）" panose="02000600000000000000" pitchFamily="50" charset="-128"/>
+                  <a:ea typeface="チェックポイント．（ピリオド）" panose="02000600000000000000" pitchFamily="50" charset="-128"/>
+                </a:rPr>
+                <a:t>2</a:t>
+              </a:r>
+              <a:r>
+                <a:rPr kumimoji="1" lang="ja-JP" altLang="en-US" dirty="0" smtClean="0">
+                  <a:latin typeface="チェックポイント．（ピリオド）" panose="02000600000000000000" pitchFamily="50" charset="-128"/>
+                  <a:ea typeface="チェックポイント．（ピリオド）" panose="02000600000000000000" pitchFamily="50" charset="-128"/>
+                </a:rPr>
+                <a:t>段階目</a:t>
+              </a:r>
+              <a:endParaRPr kumimoji="1" lang="ja-JP" altLang="en-US" dirty="0">
+                <a:latin typeface="チェックポイント．（ピリオド）" panose="02000600000000000000" pitchFamily="50" charset="-128"/>
+                <a:ea typeface="チェックポイント．（ピリオド）" panose="02000600000000000000" pitchFamily="50" charset="-128"/>
+              </a:endParaRPr>
+            </a:p>
+          </p:txBody>
+        </p:sp>
+        <p:sp>
+          <p:nvSpPr>
+            <p:cNvPr id="18" name="テキスト ボックス 17"/>
+            <p:cNvSpPr txBox="1"/>
+            <p:nvPr/>
+          </p:nvSpPr>
+          <p:spPr>
+            <a:xfrm>
+              <a:off x="2274948" y="5046059"/>
+              <a:ext cx="1079609" cy="369332"/>
+            </a:xfrm>
+            <a:prstGeom prst="rect">
+              <a:avLst/>
+            </a:prstGeom>
+            <a:noFill/>
+          </p:spPr>
+          <p:txBody>
+            <a:bodyPr wrap="square" rtlCol="0">
+              <a:spAutoFit/>
+            </a:bodyPr>
+            <a:lstStyle/>
+            <a:p>
+              <a:r>
+                <a:rPr lang="en-US" altLang="ja-JP" dirty="0" smtClean="0">
+                  <a:latin typeface="チェックポイント．（ピリオド）" panose="02000600000000000000" pitchFamily="50" charset="-128"/>
+                  <a:ea typeface="チェックポイント．（ピリオド）" panose="02000600000000000000" pitchFamily="50" charset="-128"/>
+                </a:rPr>
+                <a:t>3</a:t>
+              </a:r>
+              <a:r>
+                <a:rPr kumimoji="1" lang="ja-JP" altLang="en-US" dirty="0" smtClean="0">
+                  <a:latin typeface="チェックポイント．（ピリオド）" panose="02000600000000000000" pitchFamily="50" charset="-128"/>
+                  <a:ea typeface="チェックポイント．（ピリオド）" panose="02000600000000000000" pitchFamily="50" charset="-128"/>
+                </a:rPr>
+                <a:t>段階目</a:t>
+              </a:r>
+              <a:endParaRPr kumimoji="1" lang="ja-JP" altLang="en-US" dirty="0">
+                <a:latin typeface="チェックポイント．（ピリオド）" panose="02000600000000000000" pitchFamily="50" charset="-128"/>
+                <a:ea typeface="チェックポイント．（ピリオド）" panose="02000600000000000000" pitchFamily="50" charset="-128"/>
+              </a:endParaRPr>
+            </a:p>
+          </p:txBody>
+        </p:sp>
+        <p:sp>
+          <p:nvSpPr>
+            <p:cNvPr id="19" name="テキスト ボックス 18"/>
+            <p:cNvSpPr txBox="1"/>
+            <p:nvPr/>
+          </p:nvSpPr>
+          <p:spPr>
+            <a:xfrm>
+              <a:off x="2280896" y="5801323"/>
+              <a:ext cx="1079609" cy="369332"/>
+            </a:xfrm>
+            <a:prstGeom prst="rect">
+              <a:avLst/>
+            </a:prstGeom>
+            <a:noFill/>
+          </p:spPr>
+          <p:txBody>
+            <a:bodyPr wrap="square" rtlCol="0">
+              <a:spAutoFit/>
+            </a:bodyPr>
+            <a:lstStyle/>
+            <a:p>
+              <a:r>
+                <a:rPr lang="en-US" altLang="ja-JP" dirty="0" smtClean="0">
+                  <a:latin typeface="チェックポイント．（ピリオド）" panose="02000600000000000000" pitchFamily="50" charset="-128"/>
+                  <a:ea typeface="チェックポイント．（ピリオド）" panose="02000600000000000000" pitchFamily="50" charset="-128"/>
+                </a:rPr>
+                <a:t>4</a:t>
+              </a:r>
+              <a:r>
+                <a:rPr kumimoji="1" lang="ja-JP" altLang="en-US" dirty="0" smtClean="0">
+                  <a:latin typeface="チェックポイント．（ピリオド）" panose="02000600000000000000" pitchFamily="50" charset="-128"/>
+                  <a:ea typeface="チェックポイント．（ピリオド）" panose="02000600000000000000" pitchFamily="50" charset="-128"/>
+                </a:rPr>
+                <a:t>段階目</a:t>
+              </a:r>
+              <a:endParaRPr kumimoji="1" lang="ja-JP" altLang="en-US" dirty="0">
+                <a:latin typeface="チェックポイント．（ピリオド）" panose="02000600000000000000" pitchFamily="50" charset="-128"/>
+                <a:ea typeface="チェックポイント．（ピリオド）" panose="02000600000000000000" pitchFamily="50" charset="-128"/>
+              </a:endParaRPr>
+            </a:p>
+          </p:txBody>
+        </p:sp>
+        <p:sp>
+          <p:nvSpPr>
+            <p:cNvPr id="20" name="テキスト ボックス 19"/>
+            <p:cNvSpPr txBox="1"/>
+            <p:nvPr/>
+          </p:nvSpPr>
+          <p:spPr>
+            <a:xfrm>
+              <a:off x="3868035" y="5046059"/>
+              <a:ext cx="1079609" cy="369332"/>
+            </a:xfrm>
+            <a:prstGeom prst="rect">
+              <a:avLst/>
+            </a:prstGeom>
+            <a:noFill/>
+          </p:spPr>
+          <p:txBody>
+            <a:bodyPr wrap="square" rtlCol="0">
+              <a:spAutoFit/>
+            </a:bodyPr>
+            <a:lstStyle/>
+            <a:p>
+              <a:r>
+                <a:rPr lang="en-US" altLang="ja-JP" dirty="0" smtClean="0">
+                  <a:latin typeface="チェックポイント．（ピリオド）" panose="02000600000000000000" pitchFamily="50" charset="-128"/>
+                  <a:ea typeface="チェックポイント．（ピリオド）" panose="02000600000000000000" pitchFamily="50" charset="-128"/>
+                </a:rPr>
+                <a:t>5</a:t>
+              </a:r>
+              <a:r>
+                <a:rPr kumimoji="1" lang="ja-JP" altLang="en-US" dirty="0" smtClean="0">
+                  <a:latin typeface="チェックポイント．（ピリオド）" panose="02000600000000000000" pitchFamily="50" charset="-128"/>
+                  <a:ea typeface="チェックポイント．（ピリオド）" panose="02000600000000000000" pitchFamily="50" charset="-128"/>
+                </a:rPr>
+                <a:t>段階目</a:t>
+              </a:r>
+              <a:endParaRPr kumimoji="1" lang="ja-JP" altLang="en-US" dirty="0">
+                <a:latin typeface="チェックポイント．（ピリオド）" panose="02000600000000000000" pitchFamily="50" charset="-128"/>
+                <a:ea typeface="チェックポイント．（ピリオド）" panose="02000600000000000000" pitchFamily="50" charset="-128"/>
+              </a:endParaRPr>
+            </a:p>
+          </p:txBody>
+        </p:sp>
+        <p:sp>
+          <p:nvSpPr>
+            <p:cNvPr id="21" name="テキスト ボックス 20"/>
+            <p:cNvSpPr txBox="1"/>
+            <p:nvPr/>
+          </p:nvSpPr>
+          <p:spPr>
+            <a:xfrm>
+              <a:off x="3868036" y="5801323"/>
+              <a:ext cx="1079609" cy="369332"/>
+            </a:xfrm>
+            <a:prstGeom prst="rect">
+              <a:avLst/>
+            </a:prstGeom>
+            <a:noFill/>
+          </p:spPr>
+          <p:txBody>
+            <a:bodyPr wrap="square" rtlCol="0">
+              <a:spAutoFit/>
+            </a:bodyPr>
+            <a:lstStyle/>
+            <a:p>
+              <a:r>
+                <a:rPr lang="en-US" altLang="ja-JP" dirty="0" smtClean="0">
+                  <a:latin typeface="チェックポイント．（ピリオド）" panose="02000600000000000000" pitchFamily="50" charset="-128"/>
+                  <a:ea typeface="チェックポイント．（ピリオド）" panose="02000600000000000000" pitchFamily="50" charset="-128"/>
+                </a:rPr>
+                <a:t>6</a:t>
+              </a:r>
+              <a:r>
+                <a:rPr kumimoji="1" lang="ja-JP" altLang="en-US" dirty="0" smtClean="0">
+                  <a:latin typeface="チェックポイント．（ピリオド）" panose="02000600000000000000" pitchFamily="50" charset="-128"/>
+                  <a:ea typeface="チェックポイント．（ピリオド）" panose="02000600000000000000" pitchFamily="50" charset="-128"/>
+                </a:rPr>
+                <a:t>段階目</a:t>
+              </a:r>
+              <a:endParaRPr kumimoji="1" lang="ja-JP" altLang="en-US" dirty="0">
+                <a:latin typeface="チェックポイント．（ピリオド）" panose="02000600000000000000" pitchFamily="50" charset="-128"/>
+                <a:ea typeface="チェックポイント．（ピリオド）" panose="02000600000000000000" pitchFamily="50" charset="-128"/>
+              </a:endParaRPr>
+            </a:p>
+          </p:txBody>
+        </p:sp>
+      </p:grpSp>
     </p:spTree>
     <p:extLst>
       <p:ext uri="{BB962C8B-B14F-4D97-AF65-F5344CB8AC3E}">
@@ -6997,7 +7594,7 @@
           <p:cNvPr id="4" name="テキスト ボックス 3">
             <a:extLst>
               <a:ext uri="{FF2B5EF4-FFF2-40B4-BE49-F238E27FC236}">
-                <a16:creationId xmlns:a16="http://schemas.microsoft.com/office/drawing/2014/main" xmlns="" id="{83D9254C-066B-4A30-984B-189E5281BB91}"/>
+                <a16:creationId xmlns="" xmlns:a16="http://schemas.microsoft.com/office/drawing/2014/main" id="{83D9254C-066B-4A30-984B-189E5281BB91}"/>
               </a:ext>
             </a:extLst>
           </p:cNvPr>
@@ -7443,7 +8040,7 @@
           <p:cNvPr id="5" name="テキスト ボックス 4">
             <a:extLst>
               <a:ext uri="{FF2B5EF4-FFF2-40B4-BE49-F238E27FC236}">
-                <a16:creationId xmlns:a16="http://schemas.microsoft.com/office/drawing/2014/main" xmlns="" id="{E7DA8156-9232-45DF-BDAB-F8BFA4989BF6}"/>
+                <a16:creationId xmlns="" xmlns:a16="http://schemas.microsoft.com/office/drawing/2014/main" id="{E7DA8156-9232-45DF-BDAB-F8BFA4989BF6}"/>
               </a:ext>
             </a:extLst>
           </p:cNvPr>
@@ -7487,7 +8084,7 @@
           <p:cNvPr id="7" name="テキスト ボックス 6">
             <a:extLst>
               <a:ext uri="{FF2B5EF4-FFF2-40B4-BE49-F238E27FC236}">
-                <a16:creationId xmlns:a16="http://schemas.microsoft.com/office/drawing/2014/main" xmlns="" id="{86562B00-1D31-41BF-8D0A-F3A64C35FA2F}"/>
+                <a16:creationId xmlns="" xmlns:a16="http://schemas.microsoft.com/office/drawing/2014/main" id="{86562B00-1D31-41BF-8D0A-F3A64C35FA2F}"/>
               </a:ext>
             </a:extLst>
           </p:cNvPr>
@@ -7539,7 +8136,7 @@
           <p:cNvPr id="8" name="テキスト ボックス 7">
             <a:extLst>
               <a:ext uri="{FF2B5EF4-FFF2-40B4-BE49-F238E27FC236}">
-                <a16:creationId xmlns:a16="http://schemas.microsoft.com/office/drawing/2014/main" xmlns="" id="{4B1A7519-3AB7-4FFE-8DC1-5D58D39C3087}"/>
+                <a16:creationId xmlns="" xmlns:a16="http://schemas.microsoft.com/office/drawing/2014/main" id="{4B1A7519-3AB7-4FFE-8DC1-5D58D39C3087}"/>
               </a:ext>
             </a:extLst>
           </p:cNvPr>
@@ -7588,7 +8185,7 @@
           <p:cNvPr id="16" name="テキスト ボックス 15">
             <a:extLst>
               <a:ext uri="{FF2B5EF4-FFF2-40B4-BE49-F238E27FC236}">
-                <a16:creationId xmlns:a16="http://schemas.microsoft.com/office/drawing/2014/main" xmlns="" id="{EAD140C4-19B0-40CF-8A7F-5B444A6FB643}"/>
+                <a16:creationId xmlns="" xmlns:a16="http://schemas.microsoft.com/office/drawing/2014/main" id="{EAD140C4-19B0-40CF-8A7F-5B444A6FB643}"/>
               </a:ext>
             </a:extLst>
           </p:cNvPr>
@@ -7626,7 +8223,7 @@
           <p:cNvPr id="17" name="テキスト ボックス 16">
             <a:extLst>
               <a:ext uri="{FF2B5EF4-FFF2-40B4-BE49-F238E27FC236}">
-                <a16:creationId xmlns:a16="http://schemas.microsoft.com/office/drawing/2014/main" xmlns="" id="{35A6466D-48F7-44F6-AA87-CA2E29ED1A92}"/>
+                <a16:creationId xmlns="" xmlns:a16="http://schemas.microsoft.com/office/drawing/2014/main" id="{35A6466D-48F7-44F6-AA87-CA2E29ED1A92}"/>
               </a:ext>
             </a:extLst>
           </p:cNvPr>
@@ -7664,7 +8261,7 @@
           <p:cNvPr id="20" name="グループ化 19">
             <a:extLst>
               <a:ext uri="{FF2B5EF4-FFF2-40B4-BE49-F238E27FC236}">
-                <a16:creationId xmlns:a16="http://schemas.microsoft.com/office/drawing/2014/main" xmlns="" id="{F2B7319D-4B0F-4E88-BF97-C6858CA42543}"/>
+                <a16:creationId xmlns="" xmlns:a16="http://schemas.microsoft.com/office/drawing/2014/main" id="{F2B7319D-4B0F-4E88-BF97-C6858CA42543}"/>
               </a:ext>
             </a:extLst>
           </p:cNvPr>
@@ -7684,7 +8281,7 @@
             <p:cNvPr id="10" name="図 9">
               <a:extLst>
                 <a:ext uri="{FF2B5EF4-FFF2-40B4-BE49-F238E27FC236}">
-                  <a16:creationId xmlns:a16="http://schemas.microsoft.com/office/drawing/2014/main" xmlns="" id="{CC45E600-B2B8-4EEF-9509-45C7FC593D21}"/>
+                  <a16:creationId xmlns="" xmlns:a16="http://schemas.microsoft.com/office/drawing/2014/main" id="{CC45E600-B2B8-4EEF-9509-45C7FC593D21}"/>
                 </a:ext>
               </a:extLst>
             </p:cNvPr>
@@ -7719,7 +8316,7 @@
             <p:cNvPr id="3" name="図 2">
               <a:extLst>
                 <a:ext uri="{FF2B5EF4-FFF2-40B4-BE49-F238E27FC236}">
-                  <a16:creationId xmlns:a16="http://schemas.microsoft.com/office/drawing/2014/main" xmlns="" id="{76874239-A564-450E-95B6-FA50B49D3D17}"/>
+                  <a16:creationId xmlns="" xmlns:a16="http://schemas.microsoft.com/office/drawing/2014/main" id="{76874239-A564-450E-95B6-FA50B49D3D17}"/>
                 </a:ext>
               </a:extLst>
             </p:cNvPr>
@@ -7755,7 +8352,7 @@
             <p:cNvPr id="18" name="図 17">
               <a:extLst>
                 <a:ext uri="{FF2B5EF4-FFF2-40B4-BE49-F238E27FC236}">
-                  <a16:creationId xmlns:a16="http://schemas.microsoft.com/office/drawing/2014/main" xmlns="" id="{0AB0B9E4-14DF-45A3-A28A-92DB7B5FED7E}"/>
+                  <a16:creationId xmlns="" xmlns:a16="http://schemas.microsoft.com/office/drawing/2014/main" id="{0AB0B9E4-14DF-45A3-A28A-92DB7B5FED7E}"/>
                 </a:ext>
               </a:extLst>
             </p:cNvPr>
@@ -7791,7 +8388,7 @@
             <p:cNvPr id="6" name="図 5" descr="歯車, 車輪 が含まれている画像&#10;&#10;自動的に生成された説明">
               <a:extLst>
                 <a:ext uri="{FF2B5EF4-FFF2-40B4-BE49-F238E27FC236}">
-                  <a16:creationId xmlns:a16="http://schemas.microsoft.com/office/drawing/2014/main" xmlns="" id="{719E7009-8045-4D66-A55A-5EE8D48EF64A}"/>
+                  <a16:creationId xmlns="" xmlns:a16="http://schemas.microsoft.com/office/drawing/2014/main" id="{719E7009-8045-4D66-A55A-5EE8D48EF64A}"/>
                 </a:ext>
               </a:extLst>
             </p:cNvPr>
@@ -7827,7 +8424,7 @@
             <p:cNvPr id="19" name="図 18" descr="車輪 が含まれている画像&#10;&#10;自動的に生成された説明">
               <a:extLst>
                 <a:ext uri="{FF2B5EF4-FFF2-40B4-BE49-F238E27FC236}">
-                  <a16:creationId xmlns:a16="http://schemas.microsoft.com/office/drawing/2014/main" xmlns="" id="{E345A25F-5D95-4CBD-ADD0-087829B4C775}"/>
+                  <a16:creationId xmlns="" xmlns:a16="http://schemas.microsoft.com/office/drawing/2014/main" id="{E345A25F-5D95-4CBD-ADD0-087829B4C775}"/>
                 </a:ext>
               </a:extLst>
             </p:cNvPr>
@@ -7901,7 +8498,7 @@
           <p:cNvPr id="7" name="テキスト ボックス 6">
             <a:extLst>
               <a:ext uri="{FF2B5EF4-FFF2-40B4-BE49-F238E27FC236}">
-                <a16:creationId xmlns:a16="http://schemas.microsoft.com/office/drawing/2014/main" xmlns="" id="{C41C563A-40AB-403A-8661-FE9944DE17B5}"/>
+                <a16:creationId xmlns="" xmlns:a16="http://schemas.microsoft.com/office/drawing/2014/main" id="{C41C563A-40AB-403A-8661-FE9944DE17B5}"/>
               </a:ext>
             </a:extLst>
           </p:cNvPr>
@@ -8325,6 +8922,418 @@
 </p:sld>
 </file>
 
+<file path=ppt/slides/slide16.xml><?xml version="1.0" encoding="utf-8"?>
+<p:sld xmlns:a="http://schemas.openxmlformats.org/drawingml/2006/main" xmlns:r="http://schemas.openxmlformats.org/officeDocument/2006/relationships" xmlns:p="http://schemas.openxmlformats.org/presentationml/2006/main">
+  <p:cSld>
+    <p:spTree>
+      <p:nvGrpSpPr>
+        <p:cNvPr id="1" name=""/>
+        <p:cNvGrpSpPr/>
+        <p:nvPr/>
+      </p:nvGrpSpPr>
+      <p:grpSpPr>
+        <a:xfrm>
+          <a:off x="0" y="0"/>
+          <a:ext cx="0" cy="0"/>
+          <a:chOff x="0" y="0"/>
+          <a:chExt cx="0" cy="0"/>
+        </a:xfrm>
+      </p:grpSpPr>
+      <p:sp>
+        <p:nvSpPr>
+          <p:cNvPr id="4" name="テキスト ボックス 3">
+            <a:extLst>
+              <a:ext uri="{FF2B5EF4-FFF2-40B4-BE49-F238E27FC236}">
+                <a16:creationId xmlns="" xmlns:a16="http://schemas.microsoft.com/office/drawing/2014/main" id="{C41C563A-40AB-403A-8661-FE9944DE17B5}"/>
+              </a:ext>
+            </a:extLst>
+          </p:cNvPr>
+          <p:cNvSpPr txBox="1"/>
+          <p:nvPr/>
+        </p:nvSpPr>
+        <p:spPr>
+          <a:xfrm>
+            <a:off x="2627332" y="58003"/>
+            <a:ext cx="6937335" cy="830997"/>
+          </a:xfrm>
+          <a:prstGeom prst="rect">
+            <a:avLst/>
+          </a:prstGeom>
+          <a:solidFill>
+            <a:schemeClr val="accent4"/>
+          </a:solidFill>
+        </p:spPr>
+        <p:txBody>
+          <a:bodyPr wrap="square" rtlCol="0">
+            <a:spAutoFit/>
+          </a:bodyPr>
+          <a:lstStyle/>
+          <a:p>
+            <a:pPr algn="ctr"/>
+            <a:r>
+              <a:rPr kumimoji="1" lang="ja-JP" altLang="en-US" sz="4800" dirty="0">
+                <a:latin typeface="チェックポイント．（ピリオド）" panose="02000600000000000000" pitchFamily="50" charset="-128"/>
+                <a:ea typeface="チェックポイント．（ピリオド）" panose="02000600000000000000" pitchFamily="50" charset="-128"/>
+              </a:rPr>
+              <a:t>ヘルプ</a:t>
+            </a:r>
+            <a:r>
+              <a:rPr kumimoji="1" lang="ja-JP" altLang="en-US" sz="4800" dirty="0" smtClean="0">
+                <a:latin typeface="チェックポイント．（ピリオド）" panose="02000600000000000000" pitchFamily="50" charset="-128"/>
+                <a:ea typeface="チェックポイント．（ピリオド）" panose="02000600000000000000" pitchFamily="50" charset="-128"/>
+              </a:rPr>
+              <a:t>：惑星</a:t>
+            </a:r>
+            <a:r>
+              <a:rPr kumimoji="1" lang="en-US" altLang="ja-JP" sz="4800" dirty="0" smtClean="0">
+                <a:latin typeface="チェックポイント．（ピリオド）" panose="02000600000000000000" pitchFamily="50" charset="-128"/>
+                <a:ea typeface="チェックポイント．（ピリオド）" panose="02000600000000000000" pitchFamily="50" charset="-128"/>
+              </a:rPr>
+              <a:t>HP</a:t>
+            </a:r>
+            <a:endParaRPr kumimoji="1" lang="ja-JP" altLang="en-US" dirty="0">
+              <a:latin typeface="チェックポイント．（ピリオド）" panose="02000600000000000000" pitchFamily="50" charset="-128"/>
+              <a:ea typeface="チェックポイント．（ピリオド）" panose="02000600000000000000" pitchFamily="50" charset="-128"/>
+            </a:endParaRPr>
+          </a:p>
+        </p:txBody>
+      </p:sp>
+      <p:sp>
+        <p:nvSpPr>
+          <p:cNvPr id="5" name="テキスト ボックス 4"/>
+          <p:cNvSpPr txBox="1"/>
+          <p:nvPr/>
+        </p:nvSpPr>
+        <p:spPr>
+          <a:xfrm>
+            <a:off x="2671946" y="1686296"/>
+            <a:ext cx="6848106" cy="461665"/>
+          </a:xfrm>
+          <a:prstGeom prst="rect">
+            <a:avLst/>
+          </a:prstGeom>
+          <a:noFill/>
+        </p:spPr>
+        <p:txBody>
+          <a:bodyPr wrap="square" rtlCol="0">
+            <a:spAutoFit/>
+          </a:bodyPr>
+          <a:lstStyle/>
+          <a:p>
+            <a:pPr algn="ctr"/>
+            <a:r>
+              <a:rPr kumimoji="1" lang="ja-JP" altLang="en-US" sz="2400" dirty="0" smtClean="0">
+                <a:latin typeface="チェックポイント．（ピリオド）" panose="02000600000000000000" pitchFamily="50" charset="-128"/>
+                <a:ea typeface="チェックポイント．（ピリオド）" panose="02000600000000000000" pitchFamily="50" charset="-128"/>
+              </a:rPr>
+              <a:t>惑星の</a:t>
+            </a:r>
+            <a:r>
+              <a:rPr kumimoji="1" lang="en-US" altLang="ja-JP" sz="2400" dirty="0" smtClean="0">
+                <a:latin typeface="チェックポイント．（ピリオド）" panose="02000600000000000000" pitchFamily="50" charset="-128"/>
+                <a:ea typeface="チェックポイント．（ピリオド）" panose="02000600000000000000" pitchFamily="50" charset="-128"/>
+              </a:rPr>
+              <a:t>HP</a:t>
+            </a:r>
+            <a:r>
+              <a:rPr kumimoji="1" lang="ja-JP" altLang="en-US" sz="2400" dirty="0" smtClean="0">
+                <a:latin typeface="チェックポイント．（ピリオド）" panose="02000600000000000000" pitchFamily="50" charset="-128"/>
+                <a:ea typeface="チェックポイント．（ピリオド）" panose="02000600000000000000" pitchFamily="50" charset="-128"/>
+              </a:rPr>
+              <a:t>は、戦闘に勝利後</a:t>
+            </a:r>
+            <a:r>
+              <a:rPr kumimoji="1" lang="en-US" altLang="ja-JP" sz="2400" dirty="0" smtClean="0">
+                <a:solidFill>
+                  <a:srgbClr val="FF0000"/>
+                </a:solidFill>
+                <a:latin typeface="チェックポイント．（ピリオド）" panose="02000600000000000000" pitchFamily="50" charset="-128"/>
+                <a:ea typeface="チェックポイント．（ピリオド）" panose="02000600000000000000" pitchFamily="50" charset="-128"/>
+              </a:rPr>
+              <a:t>HP</a:t>
+            </a:r>
+            <a:r>
+              <a:rPr kumimoji="1" lang="ja-JP" altLang="en-US" sz="2400" dirty="0" smtClean="0">
+                <a:solidFill>
+                  <a:srgbClr val="FF0000"/>
+                </a:solidFill>
+                <a:latin typeface="チェックポイント．（ピリオド）" panose="02000600000000000000" pitchFamily="50" charset="-128"/>
+                <a:ea typeface="チェックポイント．（ピリオド）" panose="02000600000000000000" pitchFamily="50" charset="-128"/>
+              </a:rPr>
+              <a:t>が全快</a:t>
+            </a:r>
+            <a:r>
+              <a:rPr kumimoji="1" lang="ja-JP" altLang="en-US" sz="2400" dirty="0" smtClean="0">
+                <a:latin typeface="チェックポイント．（ピリオド）" panose="02000600000000000000" pitchFamily="50" charset="-128"/>
+                <a:ea typeface="チェックポイント．（ピリオド）" panose="02000600000000000000" pitchFamily="50" charset="-128"/>
+              </a:rPr>
+              <a:t>します。</a:t>
+            </a:r>
+            <a:endParaRPr kumimoji="1" lang="ja-JP" altLang="en-US" sz="2400" dirty="0">
+              <a:latin typeface="チェックポイント．（ピリオド）" panose="02000600000000000000" pitchFamily="50" charset="-128"/>
+              <a:ea typeface="チェックポイント．（ピリオド）" panose="02000600000000000000" pitchFamily="50" charset="-128"/>
+            </a:endParaRPr>
+          </a:p>
+        </p:txBody>
+      </p:sp>
+      <p:sp>
+        <p:nvSpPr>
+          <p:cNvPr id="6" name="テキスト ボックス 5"/>
+          <p:cNvSpPr txBox="1"/>
+          <p:nvPr/>
+        </p:nvSpPr>
+        <p:spPr>
+          <a:xfrm>
+            <a:off x="1763484" y="2554775"/>
+            <a:ext cx="8665030" cy="707886"/>
+          </a:xfrm>
+          <a:prstGeom prst="rect">
+            <a:avLst/>
+          </a:prstGeom>
+          <a:noFill/>
+        </p:spPr>
+        <p:txBody>
+          <a:bodyPr wrap="square" rtlCol="0">
+            <a:spAutoFit/>
+          </a:bodyPr>
+          <a:lstStyle/>
+          <a:p>
+            <a:pPr algn="ctr"/>
+            <a:r>
+              <a:rPr kumimoji="1" lang="ja-JP" altLang="en-US" sz="2000" dirty="0" smtClean="0">
+                <a:latin typeface="チェックポイント．（ピリオド）" panose="02000600000000000000" pitchFamily="50" charset="-128"/>
+                <a:ea typeface="チェックポイント．（ピリオド）" panose="02000600000000000000" pitchFamily="50" charset="-128"/>
+              </a:rPr>
+              <a:t>戦闘に</a:t>
+            </a:r>
+            <a:r>
+              <a:rPr kumimoji="1" lang="ja-JP" altLang="en-US" sz="2000" dirty="0" smtClean="0">
+                <a:solidFill>
+                  <a:srgbClr val="FF0000"/>
+                </a:solidFill>
+                <a:latin typeface="チェックポイント．（ピリオド）" panose="02000600000000000000" pitchFamily="50" charset="-128"/>
+                <a:ea typeface="チェックポイント．（ピリオド）" panose="02000600000000000000" pitchFamily="50" charset="-128"/>
+              </a:rPr>
+              <a:t>勝利することによって</a:t>
+            </a:r>
+            <a:r>
+              <a:rPr kumimoji="1" lang="en-US" altLang="ja-JP" sz="2000" dirty="0" smtClean="0">
+                <a:solidFill>
+                  <a:srgbClr val="FF0000"/>
+                </a:solidFill>
+                <a:latin typeface="チェックポイント．（ピリオド）" panose="02000600000000000000" pitchFamily="50" charset="-128"/>
+                <a:ea typeface="チェックポイント．（ピリオド）" panose="02000600000000000000" pitchFamily="50" charset="-128"/>
+              </a:rPr>
+              <a:t>HP</a:t>
+            </a:r>
+            <a:r>
+              <a:rPr kumimoji="1" lang="ja-JP" altLang="en-US" sz="2000" dirty="0" smtClean="0">
+                <a:solidFill>
+                  <a:srgbClr val="FF0000"/>
+                </a:solidFill>
+                <a:latin typeface="チェックポイント．（ピリオド）" panose="02000600000000000000" pitchFamily="50" charset="-128"/>
+                <a:ea typeface="チェックポイント．（ピリオド）" panose="02000600000000000000" pitchFamily="50" charset="-128"/>
+              </a:rPr>
+              <a:t>は全回復</a:t>
+            </a:r>
+            <a:r>
+              <a:rPr kumimoji="1" lang="ja-JP" altLang="en-US" sz="2000" dirty="0" smtClean="0">
+                <a:latin typeface="チェックポイント．（ピリオド）" panose="02000600000000000000" pitchFamily="50" charset="-128"/>
+                <a:ea typeface="チェックポイント．（ピリオド）" panose="02000600000000000000" pitchFamily="50" charset="-128"/>
+              </a:rPr>
+              <a:t>しますが、研究所など、建物のレベルを上げることで最大</a:t>
+            </a:r>
+            <a:r>
+              <a:rPr kumimoji="1" lang="en-US" altLang="ja-JP" sz="2000" dirty="0" smtClean="0">
+                <a:latin typeface="チェックポイント．（ピリオド）" panose="02000600000000000000" pitchFamily="50" charset="-128"/>
+                <a:ea typeface="チェックポイント．（ピリオド）" panose="02000600000000000000" pitchFamily="50" charset="-128"/>
+              </a:rPr>
+              <a:t>HP</a:t>
+            </a:r>
+            <a:r>
+              <a:rPr kumimoji="1" lang="ja-JP" altLang="en-US" sz="2000" dirty="0" smtClean="0">
+                <a:latin typeface="チェックポイント．（ピリオド）" panose="02000600000000000000" pitchFamily="50" charset="-128"/>
+                <a:ea typeface="チェックポイント．（ピリオド）" panose="02000600000000000000" pitchFamily="50" charset="-128"/>
+              </a:rPr>
+              <a:t>が</a:t>
+            </a:r>
+            <a:r>
+              <a:rPr kumimoji="1" lang="ja-JP" altLang="en-US" sz="2000" dirty="0" smtClean="0">
+                <a:solidFill>
+                  <a:srgbClr val="FF0000"/>
+                </a:solidFill>
+                <a:latin typeface="チェックポイント．（ピリオド）" panose="02000600000000000000" pitchFamily="50" charset="-128"/>
+                <a:ea typeface="チェックポイント．（ピリオド）" panose="02000600000000000000" pitchFamily="50" charset="-128"/>
+              </a:rPr>
+              <a:t>下がってしまう</a:t>
+            </a:r>
+            <a:r>
+              <a:rPr kumimoji="1" lang="ja-JP" altLang="en-US" sz="2000" dirty="0" smtClean="0">
+                <a:latin typeface="チェックポイント．（ピリオド）" panose="02000600000000000000" pitchFamily="50" charset="-128"/>
+                <a:ea typeface="チェックポイント．（ピリオド）" panose="02000600000000000000" pitchFamily="50" charset="-128"/>
+              </a:rPr>
+              <a:t>ので注意してください。</a:t>
+            </a:r>
+            <a:endParaRPr kumimoji="1" lang="ja-JP" altLang="en-US" sz="2000" dirty="0">
+              <a:latin typeface="チェックポイント．（ピリオド）" panose="02000600000000000000" pitchFamily="50" charset="-128"/>
+              <a:ea typeface="チェックポイント．（ピリオド）" panose="02000600000000000000" pitchFamily="50" charset="-128"/>
+            </a:endParaRPr>
+          </a:p>
+        </p:txBody>
+      </p:sp>
+      <p:sp>
+        <p:nvSpPr>
+          <p:cNvPr id="7" name="テキスト ボックス 6"/>
+          <p:cNvSpPr txBox="1"/>
+          <p:nvPr/>
+        </p:nvSpPr>
+        <p:spPr>
+          <a:xfrm>
+            <a:off x="1553687" y="5961412"/>
+            <a:ext cx="9084623" cy="707886"/>
+          </a:xfrm>
+          <a:prstGeom prst="rect">
+            <a:avLst/>
+          </a:prstGeom>
+          <a:noFill/>
+        </p:spPr>
+        <p:txBody>
+          <a:bodyPr wrap="square" rtlCol="0">
+            <a:spAutoFit/>
+          </a:bodyPr>
+          <a:lstStyle/>
+          <a:p>
+            <a:pPr algn="ctr"/>
+            <a:r>
+              <a:rPr kumimoji="1" lang="ja-JP" altLang="en-US" sz="2000" dirty="0" smtClean="0">
+                <a:latin typeface="チェックポイント．（ピリオド）" panose="02000600000000000000" pitchFamily="50" charset="-128"/>
+                <a:ea typeface="チェックポイント．（ピリオド）" panose="02000600000000000000" pitchFamily="50" charset="-128"/>
+              </a:rPr>
+              <a:t>惑星の現在</a:t>
+            </a:r>
+            <a:r>
+              <a:rPr kumimoji="1" lang="en-US" altLang="ja-JP" sz="2000" dirty="0" smtClean="0">
+                <a:latin typeface="チェックポイント．（ピリオド）" panose="02000600000000000000" pitchFamily="50" charset="-128"/>
+                <a:ea typeface="チェックポイント．（ピリオド）" panose="02000600000000000000" pitchFamily="50" charset="-128"/>
+              </a:rPr>
+              <a:t>HP</a:t>
+            </a:r>
+            <a:r>
+              <a:rPr kumimoji="1" lang="ja-JP" altLang="en-US" sz="2000" dirty="0" smtClean="0">
+                <a:latin typeface="チェックポイント．（ピリオド）" panose="02000600000000000000" pitchFamily="50" charset="-128"/>
+                <a:ea typeface="チェックポイント．（ピリオド）" panose="02000600000000000000" pitchFamily="50" charset="-128"/>
+              </a:rPr>
+              <a:t>を確認したい場合は、ホーム画面の惑星にマウスカーソルを</a:t>
+            </a:r>
+            <a:endParaRPr kumimoji="1" lang="en-US" altLang="ja-JP" sz="2000" dirty="0" smtClean="0">
+              <a:latin typeface="チェックポイント．（ピリオド）" panose="02000600000000000000" pitchFamily="50" charset="-128"/>
+              <a:ea typeface="チェックポイント．（ピリオド）" panose="02000600000000000000" pitchFamily="50" charset="-128"/>
+            </a:endParaRPr>
+          </a:p>
+          <a:p>
+            <a:pPr algn="ctr"/>
+            <a:r>
+              <a:rPr kumimoji="1" lang="ja-JP" altLang="en-US" sz="2000" dirty="0" smtClean="0">
+                <a:latin typeface="チェックポイント．（ピリオド）" panose="02000600000000000000" pitchFamily="50" charset="-128"/>
+                <a:ea typeface="チェックポイント．（ピリオド）" panose="02000600000000000000" pitchFamily="50" charset="-128"/>
+              </a:rPr>
+              <a:t>合わすことで確認することができます。</a:t>
+            </a:r>
+            <a:endParaRPr kumimoji="1" lang="ja-JP" altLang="en-US" sz="2000" dirty="0">
+              <a:latin typeface="チェックポイント．（ピリオド）" panose="02000600000000000000" pitchFamily="50" charset="-128"/>
+              <a:ea typeface="チェックポイント．（ピリオド）" panose="02000600000000000000" pitchFamily="50" charset="-128"/>
+            </a:endParaRPr>
+          </a:p>
+        </p:txBody>
+      </p:sp>
+      <p:pic>
+        <p:nvPicPr>
+          <p:cNvPr id="9" name="図 8"/>
+          <p:cNvPicPr>
+            <a:picLocks noChangeAspect="1"/>
+          </p:cNvPicPr>
+          <p:nvPr/>
+        </p:nvPicPr>
+        <p:blipFill rotWithShape="1">
+          <a:blip r:embed="rId2">
+            <a:extLst>
+              <a:ext uri="{28A0092B-C50C-407E-A947-70E740481C1C}">
+                <a14:useLocalDpi xmlns:a14="http://schemas.microsoft.com/office/drawing/2010/main" val="0"/>
+              </a:ext>
+            </a:extLst>
+          </a:blip>
+          <a:srcRect l="-129" t="23002"/>
+          <a:stretch/>
+        </p:blipFill>
+        <p:spPr>
+          <a:xfrm>
+            <a:off x="3028209" y="3490006"/>
+            <a:ext cx="5379522" cy="2398626"/>
+          </a:xfrm>
+          <a:prstGeom prst="rect">
+            <a:avLst/>
+          </a:prstGeom>
+        </p:spPr>
+      </p:pic>
+      <p:sp>
+        <p:nvSpPr>
+          <p:cNvPr id="10" name="正方形/長方形 9"/>
+          <p:cNvSpPr/>
+          <p:nvPr/>
+        </p:nvSpPr>
+        <p:spPr>
+          <a:xfrm>
+            <a:off x="5605153" y="4154836"/>
+            <a:ext cx="1615044" cy="914400"/>
+          </a:xfrm>
+          <a:prstGeom prst="rect">
+            <a:avLst/>
+          </a:prstGeom>
+          <a:noFill/>
+          <a:ln w="38100">
+            <a:solidFill>
+              <a:srgbClr val="FF0000"/>
+            </a:solidFill>
+          </a:ln>
+        </p:spPr>
+        <p:style>
+          <a:lnRef idx="2">
+            <a:schemeClr val="accent1">
+              <a:shade val="50000"/>
+            </a:schemeClr>
+          </a:lnRef>
+          <a:fillRef idx="1">
+            <a:schemeClr val="accent1"/>
+          </a:fillRef>
+          <a:effectRef idx="0">
+            <a:schemeClr val="accent1"/>
+          </a:effectRef>
+          <a:fontRef idx="minor">
+            <a:schemeClr val="lt1"/>
+          </a:fontRef>
+        </p:style>
+        <p:txBody>
+          <a:bodyPr rtlCol="0" anchor="ctr"/>
+          <a:lstStyle/>
+          <a:p>
+            <a:pPr algn="ctr"/>
+            <a:endParaRPr kumimoji="1" lang="ja-JP" altLang="en-US"/>
+          </a:p>
+        </p:txBody>
+      </p:sp>
+    </p:spTree>
+    <p:extLst>
+      <p:ext uri="{BB962C8B-B14F-4D97-AF65-F5344CB8AC3E}">
+        <p14:creationId xmlns:p14="http://schemas.microsoft.com/office/powerpoint/2010/main" val="87908465"/>
+      </p:ext>
+    </p:extLst>
+  </p:cSld>
+  <p:clrMapOvr>
+    <a:masterClrMapping/>
+  </p:clrMapOvr>
+</p:sld>
+</file>
+
 <file path=ppt/slides/slide2.xml><?xml version="1.0" encoding="utf-8"?>
 <p:sld xmlns:a="http://schemas.openxmlformats.org/drawingml/2006/main" xmlns:r="http://schemas.openxmlformats.org/officeDocument/2006/relationships" xmlns:p="http://schemas.openxmlformats.org/presentationml/2006/main">
   <p:cSld>
@@ -8355,7 +9364,7 @@
           <p:cNvPr id="2" name="図 1">
             <a:extLst>
               <a:ext uri="{FF2B5EF4-FFF2-40B4-BE49-F238E27FC236}">
-                <a16:creationId xmlns:a16="http://schemas.microsoft.com/office/drawing/2014/main" xmlns="" id="{ABA9EEB5-CD54-4299-B4B2-40DB1CEF4FD2}"/>
+                <a16:creationId xmlns="" xmlns:a16="http://schemas.microsoft.com/office/drawing/2014/main" id="{ABA9EEB5-CD54-4299-B4B2-40DB1CEF4FD2}"/>
               </a:ext>
             </a:extLst>
           </p:cNvPr>
@@ -8907,7 +9916,7 @@
           <p:cNvPr id="13" name="正方形/長方形 12">
             <a:extLst>
               <a:ext uri="{FF2B5EF4-FFF2-40B4-BE49-F238E27FC236}">
-                <a16:creationId xmlns:a16="http://schemas.microsoft.com/office/drawing/2014/main" xmlns="" id="{A37BEE43-2066-46D6-8830-D8556B22304D}"/>
+                <a16:creationId xmlns="" xmlns:a16="http://schemas.microsoft.com/office/drawing/2014/main" id="{A37BEE43-2066-46D6-8830-D8556B22304D}"/>
               </a:ext>
             </a:extLst>
           </p:cNvPr>
@@ -8959,7 +9968,7 @@
           <p:cNvPr id="14" name="正方形/長方形 13">
             <a:extLst>
               <a:ext uri="{FF2B5EF4-FFF2-40B4-BE49-F238E27FC236}">
-                <a16:creationId xmlns:a16="http://schemas.microsoft.com/office/drawing/2014/main" xmlns="" id="{BA56A8B8-81E8-409C-8A37-384626294E40}"/>
+                <a16:creationId xmlns="" xmlns:a16="http://schemas.microsoft.com/office/drawing/2014/main" id="{BA56A8B8-81E8-409C-8A37-384626294E40}"/>
               </a:ext>
             </a:extLst>
           </p:cNvPr>
@@ -9011,7 +10020,7 @@
           <p:cNvPr id="15" name="正方形/長方形 14">
             <a:extLst>
               <a:ext uri="{FF2B5EF4-FFF2-40B4-BE49-F238E27FC236}">
-                <a16:creationId xmlns:a16="http://schemas.microsoft.com/office/drawing/2014/main" xmlns="" id="{AF0DEFD2-0EA7-416C-9349-A86003C1114B}"/>
+                <a16:creationId xmlns="" xmlns:a16="http://schemas.microsoft.com/office/drawing/2014/main" id="{AF0DEFD2-0EA7-416C-9349-A86003C1114B}"/>
               </a:ext>
             </a:extLst>
           </p:cNvPr>
@@ -9063,7 +10072,7 @@
           <p:cNvPr id="18" name="正方形/長方形 17">
             <a:extLst>
               <a:ext uri="{FF2B5EF4-FFF2-40B4-BE49-F238E27FC236}">
-                <a16:creationId xmlns:a16="http://schemas.microsoft.com/office/drawing/2014/main" xmlns="" id="{DFCE669F-B98A-49D5-9CD8-578BB88718CC}"/>
+                <a16:creationId xmlns="" xmlns:a16="http://schemas.microsoft.com/office/drawing/2014/main" id="{DFCE669F-B98A-49D5-9CD8-578BB88718CC}"/>
               </a:ext>
             </a:extLst>
           </p:cNvPr>
@@ -9152,7 +10161,7 @@
           <p:cNvPr id="2" name="図 1">
             <a:extLst>
               <a:ext uri="{FF2B5EF4-FFF2-40B4-BE49-F238E27FC236}">
-                <a16:creationId xmlns:a16="http://schemas.microsoft.com/office/drawing/2014/main" xmlns="" id="{FACDA18E-C9A9-4595-A67B-3D09A78991DE}"/>
+                <a16:creationId xmlns="" xmlns:a16="http://schemas.microsoft.com/office/drawing/2014/main" id="{FACDA18E-C9A9-4595-A67B-3D09A78991DE}"/>
               </a:ext>
             </a:extLst>
           </p:cNvPr>
@@ -9671,7 +10680,7 @@
           <p:cNvPr id="10" name="正方形/長方形 9">
             <a:extLst>
               <a:ext uri="{FF2B5EF4-FFF2-40B4-BE49-F238E27FC236}">
-                <a16:creationId xmlns:a16="http://schemas.microsoft.com/office/drawing/2014/main" xmlns="" id="{6FFE011D-710D-4A4F-9825-141048483DC9}"/>
+                <a16:creationId xmlns="" xmlns:a16="http://schemas.microsoft.com/office/drawing/2014/main" id="{6FFE011D-710D-4A4F-9825-141048483DC9}"/>
               </a:ext>
             </a:extLst>
           </p:cNvPr>
@@ -9723,7 +10732,7 @@
           <p:cNvPr id="11" name="正方形/長方形 10">
             <a:extLst>
               <a:ext uri="{FF2B5EF4-FFF2-40B4-BE49-F238E27FC236}">
-                <a16:creationId xmlns:a16="http://schemas.microsoft.com/office/drawing/2014/main" xmlns="" id="{E20945F6-E8A3-4843-8AA8-C3CA375AAF01}"/>
+                <a16:creationId xmlns="" xmlns:a16="http://schemas.microsoft.com/office/drawing/2014/main" id="{E20945F6-E8A3-4843-8AA8-C3CA375AAF01}"/>
               </a:ext>
             </a:extLst>
           </p:cNvPr>
@@ -9775,7 +10784,7 @@
           <p:cNvPr id="12" name="正方形/長方形 11">
             <a:extLst>
               <a:ext uri="{FF2B5EF4-FFF2-40B4-BE49-F238E27FC236}">
-                <a16:creationId xmlns:a16="http://schemas.microsoft.com/office/drawing/2014/main" xmlns="" id="{7A027602-FE49-443B-B979-695A16DF3603}"/>
+                <a16:creationId xmlns="" xmlns:a16="http://schemas.microsoft.com/office/drawing/2014/main" id="{7A027602-FE49-443B-B979-695A16DF3603}"/>
               </a:ext>
             </a:extLst>
           </p:cNvPr>
@@ -9827,7 +10836,7 @@
           <p:cNvPr id="13" name="正方形/長方形 12">
             <a:extLst>
               <a:ext uri="{FF2B5EF4-FFF2-40B4-BE49-F238E27FC236}">
-                <a16:creationId xmlns:a16="http://schemas.microsoft.com/office/drawing/2014/main" xmlns="" id="{6D5653B2-A431-4E41-A84C-D2D0A59D8FFF}"/>
+                <a16:creationId xmlns="" xmlns:a16="http://schemas.microsoft.com/office/drawing/2014/main" id="{6D5653B2-A431-4E41-A84C-D2D0A59D8FFF}"/>
               </a:ext>
             </a:extLst>
           </p:cNvPr>
@@ -9879,7 +10888,7 @@
           <p:cNvPr id="15" name="正方形/長方形 14">
             <a:extLst>
               <a:ext uri="{FF2B5EF4-FFF2-40B4-BE49-F238E27FC236}">
-                <a16:creationId xmlns:a16="http://schemas.microsoft.com/office/drawing/2014/main" xmlns="" id="{E0E6CB0D-AD4F-4358-8DF1-ECAD7B65F9F5}"/>
+                <a16:creationId xmlns="" xmlns:a16="http://schemas.microsoft.com/office/drawing/2014/main" id="{E0E6CB0D-AD4F-4358-8DF1-ECAD7B65F9F5}"/>
               </a:ext>
             </a:extLst>
           </p:cNvPr>
@@ -9931,7 +10940,7 @@
           <p:cNvPr id="16" name="四角形吹き出し 4">
             <a:extLst>
               <a:ext uri="{FF2B5EF4-FFF2-40B4-BE49-F238E27FC236}">
-                <a16:creationId xmlns:a16="http://schemas.microsoft.com/office/drawing/2014/main" xmlns="" id="{63DDAF72-AE4E-4AAC-AC6F-2CCD1ADC7265}"/>
+                <a16:creationId xmlns="" xmlns:a16="http://schemas.microsoft.com/office/drawing/2014/main" id="{63DDAF72-AE4E-4AAC-AC6F-2CCD1ADC7265}"/>
               </a:ext>
             </a:extLst>
           </p:cNvPr>
@@ -10034,7 +11043,7 @@
           <p:cNvPr id="2" name="図 1">
             <a:extLst>
               <a:ext uri="{FF2B5EF4-FFF2-40B4-BE49-F238E27FC236}">
-                <a16:creationId xmlns:a16="http://schemas.microsoft.com/office/drawing/2014/main" xmlns="" id="{6D8FB80E-219E-48B7-8A76-83136658BD39}"/>
+                <a16:creationId xmlns="" xmlns:a16="http://schemas.microsoft.com/office/drawing/2014/main" id="{6D8FB80E-219E-48B7-8A76-83136658BD39}"/>
               </a:ext>
             </a:extLst>
           </p:cNvPr>
@@ -10436,7 +11445,7 @@
           <p:cNvPr id="8" name="正方形/長方形 7">
             <a:extLst>
               <a:ext uri="{FF2B5EF4-FFF2-40B4-BE49-F238E27FC236}">
-                <a16:creationId xmlns:a16="http://schemas.microsoft.com/office/drawing/2014/main" xmlns="" id="{F7BE2C32-C21E-4467-87D2-8052D2B5FDA7}"/>
+                <a16:creationId xmlns="" xmlns:a16="http://schemas.microsoft.com/office/drawing/2014/main" id="{F7BE2C32-C21E-4467-87D2-8052D2B5FDA7}"/>
               </a:ext>
             </a:extLst>
           </p:cNvPr>
@@ -10488,7 +11497,7 @@
           <p:cNvPr id="12" name="正方形/長方形 11">
             <a:extLst>
               <a:ext uri="{FF2B5EF4-FFF2-40B4-BE49-F238E27FC236}">
-                <a16:creationId xmlns:a16="http://schemas.microsoft.com/office/drawing/2014/main" xmlns="" id="{40ABF9C2-DF54-4877-A01A-A46FE482F6B4}"/>
+                <a16:creationId xmlns="" xmlns:a16="http://schemas.microsoft.com/office/drawing/2014/main" id="{40ABF9C2-DF54-4877-A01A-A46FE482F6B4}"/>
               </a:ext>
             </a:extLst>
           </p:cNvPr>
@@ -10540,7 +11549,7 @@
           <p:cNvPr id="14" name="正方形/長方形 13">
             <a:extLst>
               <a:ext uri="{FF2B5EF4-FFF2-40B4-BE49-F238E27FC236}">
-                <a16:creationId xmlns:a16="http://schemas.microsoft.com/office/drawing/2014/main" xmlns="" id="{04C836FE-EE43-45CD-B4BE-F7E0ABEE0088}"/>
+                <a16:creationId xmlns="" xmlns:a16="http://schemas.microsoft.com/office/drawing/2014/main" id="{04C836FE-EE43-45CD-B4BE-F7E0ABEE0088}"/>
               </a:ext>
             </a:extLst>
           </p:cNvPr>
@@ -10592,7 +11601,7 @@
           <p:cNvPr id="16" name="吹き出し: 四角形 15">
             <a:extLst>
               <a:ext uri="{FF2B5EF4-FFF2-40B4-BE49-F238E27FC236}">
-                <a16:creationId xmlns:a16="http://schemas.microsoft.com/office/drawing/2014/main" xmlns="" id="{3ECE61CD-6BC4-463C-897C-903CC3F098F0}"/>
+                <a16:creationId xmlns="" xmlns:a16="http://schemas.microsoft.com/office/drawing/2014/main" id="{3ECE61CD-6BC4-463C-897C-903CC3F098F0}"/>
               </a:ext>
             </a:extLst>
           </p:cNvPr>
@@ -10695,7 +11704,7 @@
           <p:cNvPr id="5" name="図 4">
             <a:extLst>
               <a:ext uri="{FF2B5EF4-FFF2-40B4-BE49-F238E27FC236}">
-                <a16:creationId xmlns:a16="http://schemas.microsoft.com/office/drawing/2014/main" xmlns="" id="{165CE0B9-374D-46A3-97C1-E7AFAFB5DEDF}"/>
+                <a16:creationId xmlns="" xmlns:a16="http://schemas.microsoft.com/office/drawing/2014/main" id="{165CE0B9-374D-46A3-97C1-E7AFAFB5DEDF}"/>
               </a:ext>
             </a:extLst>
           </p:cNvPr>
@@ -10730,7 +11739,7 @@
           <p:cNvPr id="6" name="テキスト ボックス 5">
             <a:extLst>
               <a:ext uri="{FF2B5EF4-FFF2-40B4-BE49-F238E27FC236}">
-                <a16:creationId xmlns:a16="http://schemas.microsoft.com/office/drawing/2014/main" xmlns="" id="{EEBBDC81-60E0-49FD-9EFB-874F038CCD29}"/>
+                <a16:creationId xmlns="" xmlns:a16="http://schemas.microsoft.com/office/drawing/2014/main" id="{EEBBDC81-60E0-49FD-9EFB-874F038CCD29}"/>
               </a:ext>
             </a:extLst>
           </p:cNvPr>
@@ -10782,7 +11791,7 @@
           <p:cNvPr id="12" name="グループ化 11">
             <a:extLst>
               <a:ext uri="{FF2B5EF4-FFF2-40B4-BE49-F238E27FC236}">
-                <a16:creationId xmlns:a16="http://schemas.microsoft.com/office/drawing/2014/main" xmlns="" id="{797C4648-EAB3-4303-9BBE-4050E32CDCAC}"/>
+                <a16:creationId xmlns="" xmlns:a16="http://schemas.microsoft.com/office/drawing/2014/main" id="{797C4648-EAB3-4303-9BBE-4050E32CDCAC}"/>
               </a:ext>
             </a:extLst>
           </p:cNvPr>
@@ -10802,7 +11811,7 @@
             <p:cNvPr id="8" name="テキスト ボックス 7">
               <a:extLst>
                 <a:ext uri="{FF2B5EF4-FFF2-40B4-BE49-F238E27FC236}">
-                  <a16:creationId xmlns:a16="http://schemas.microsoft.com/office/drawing/2014/main" xmlns="" id="{732F859C-017C-4DF8-8D5C-BAFB7C322941}"/>
+                  <a16:creationId xmlns="" xmlns:a16="http://schemas.microsoft.com/office/drawing/2014/main" id="{732F859C-017C-4DF8-8D5C-BAFB7C322941}"/>
                 </a:ext>
               </a:extLst>
             </p:cNvPr>
@@ -10843,7 +11852,7 @@
             <p:cNvPr id="9" name="テキスト ボックス 8">
               <a:extLst>
                 <a:ext uri="{FF2B5EF4-FFF2-40B4-BE49-F238E27FC236}">
-                  <a16:creationId xmlns:a16="http://schemas.microsoft.com/office/drawing/2014/main" xmlns="" id="{8712CBD0-DD3F-4A86-9652-7FFA75AD120B}"/>
+                  <a16:creationId xmlns="" xmlns:a16="http://schemas.microsoft.com/office/drawing/2014/main" id="{8712CBD0-DD3F-4A86-9652-7FFA75AD120B}"/>
                 </a:ext>
               </a:extLst>
             </p:cNvPr>
@@ -10906,7 +11915,7 @@
           <p:cNvPr id="13" name="グループ化 12">
             <a:extLst>
               <a:ext uri="{FF2B5EF4-FFF2-40B4-BE49-F238E27FC236}">
-                <a16:creationId xmlns:a16="http://schemas.microsoft.com/office/drawing/2014/main" xmlns="" id="{DED0F105-29CA-4D82-BF68-6B4A196F19AA}"/>
+                <a16:creationId xmlns="" xmlns:a16="http://schemas.microsoft.com/office/drawing/2014/main" id="{DED0F105-29CA-4D82-BF68-6B4A196F19AA}"/>
               </a:ext>
             </a:extLst>
           </p:cNvPr>
@@ -10926,7 +11935,7 @@
             <p:cNvPr id="7" name="テキスト ボックス 6">
               <a:extLst>
                 <a:ext uri="{FF2B5EF4-FFF2-40B4-BE49-F238E27FC236}">
-                  <a16:creationId xmlns:a16="http://schemas.microsoft.com/office/drawing/2014/main" xmlns="" id="{54618E3D-3C8D-4D29-8362-5B6918855191}"/>
+                  <a16:creationId xmlns="" xmlns:a16="http://schemas.microsoft.com/office/drawing/2014/main" id="{54618E3D-3C8D-4D29-8362-5B6918855191}"/>
                 </a:ext>
               </a:extLst>
             </p:cNvPr>
@@ -10967,7 +11976,7 @@
             <p:cNvPr id="11" name="テキスト ボックス 10">
               <a:extLst>
                 <a:ext uri="{FF2B5EF4-FFF2-40B4-BE49-F238E27FC236}">
-                  <a16:creationId xmlns:a16="http://schemas.microsoft.com/office/drawing/2014/main" xmlns="" id="{6825228E-EBCE-401A-B0BC-7661792A6F00}"/>
+                  <a16:creationId xmlns="" xmlns:a16="http://schemas.microsoft.com/office/drawing/2014/main" id="{6825228E-EBCE-401A-B0BC-7661792A6F00}"/>
                 </a:ext>
               </a:extLst>
             </p:cNvPr>
@@ -11116,7 +12125,7 @@
           <p:cNvPr id="5" name="テキスト ボックス 4">
             <a:extLst>
               <a:ext uri="{FF2B5EF4-FFF2-40B4-BE49-F238E27FC236}">
-                <a16:creationId xmlns:a16="http://schemas.microsoft.com/office/drawing/2014/main" xmlns="" id="{3EEDA683-E7C7-4A3A-9045-88BF1220584E}"/>
+                <a16:creationId xmlns="" xmlns:a16="http://schemas.microsoft.com/office/drawing/2014/main" id="{3EEDA683-E7C7-4A3A-9045-88BF1220584E}"/>
               </a:ext>
             </a:extLst>
           </p:cNvPr>
@@ -11168,7 +12177,7 @@
           <p:cNvPr id="6" name="テキスト ボックス 5">
             <a:extLst>
               <a:ext uri="{FF2B5EF4-FFF2-40B4-BE49-F238E27FC236}">
-                <a16:creationId xmlns:a16="http://schemas.microsoft.com/office/drawing/2014/main" xmlns="" id="{C9FCE914-94E5-4B3F-B2D2-96FDE0E6E9D8}"/>
+                <a16:creationId xmlns="" xmlns:a16="http://schemas.microsoft.com/office/drawing/2014/main" id="{C9FCE914-94E5-4B3F-B2D2-96FDE0E6E9D8}"/>
               </a:ext>
             </a:extLst>
           </p:cNvPr>
@@ -11209,7 +12218,7 @@
           <p:cNvPr id="7" name="テキスト ボックス 6">
             <a:extLst>
               <a:ext uri="{FF2B5EF4-FFF2-40B4-BE49-F238E27FC236}">
-                <a16:creationId xmlns:a16="http://schemas.microsoft.com/office/drawing/2014/main" xmlns="" id="{1A509F0D-124D-47C4-B5CD-4B9B8064082C}"/>
+                <a16:creationId xmlns="" xmlns:a16="http://schemas.microsoft.com/office/drawing/2014/main" id="{1A509F0D-124D-47C4-B5CD-4B9B8064082C}"/>
               </a:ext>
             </a:extLst>
           </p:cNvPr>
@@ -11260,7 +12269,7 @@
           <p:cNvPr id="8" name="テキスト ボックス 7">
             <a:extLst>
               <a:ext uri="{FF2B5EF4-FFF2-40B4-BE49-F238E27FC236}">
-                <a16:creationId xmlns:a16="http://schemas.microsoft.com/office/drawing/2014/main" xmlns="" id="{5F463387-8D23-460A-80ED-50E81FAAF3D9}"/>
+                <a16:creationId xmlns="" xmlns:a16="http://schemas.microsoft.com/office/drawing/2014/main" id="{5F463387-8D23-460A-80ED-50E81FAAF3D9}"/>
               </a:ext>
             </a:extLst>
           </p:cNvPr>
@@ -11321,7 +12330,7 @@
           <p:cNvPr id="9" name="テキスト ボックス 8">
             <a:extLst>
               <a:ext uri="{FF2B5EF4-FFF2-40B4-BE49-F238E27FC236}">
-                <a16:creationId xmlns:a16="http://schemas.microsoft.com/office/drawing/2014/main" xmlns="" id="{3E1D3977-A1EE-4011-94E0-9B60C81CA553}"/>
+                <a16:creationId xmlns="" xmlns:a16="http://schemas.microsoft.com/office/drawing/2014/main" id="{3E1D3977-A1EE-4011-94E0-9B60C81CA553}"/>
               </a:ext>
             </a:extLst>
           </p:cNvPr>
@@ -11410,7 +12419,7 @@
           <p:cNvPr id="41" name="グループ化 40">
             <a:extLst>
               <a:ext uri="{FF2B5EF4-FFF2-40B4-BE49-F238E27FC236}">
-                <a16:creationId xmlns:a16="http://schemas.microsoft.com/office/drawing/2014/main" xmlns="" id="{C42471E9-CEF7-4DD0-B2B9-A37027252951}"/>
+                <a16:creationId xmlns="" xmlns:a16="http://schemas.microsoft.com/office/drawing/2014/main" id="{C42471E9-CEF7-4DD0-B2B9-A37027252951}"/>
               </a:ext>
             </a:extLst>
           </p:cNvPr>
@@ -11430,7 +12439,7 @@
             <p:cNvPr id="22" name="グループ化 21">
               <a:extLst>
                 <a:ext uri="{FF2B5EF4-FFF2-40B4-BE49-F238E27FC236}">
-                  <a16:creationId xmlns:a16="http://schemas.microsoft.com/office/drawing/2014/main" xmlns="" id="{7D6E456E-2E26-4492-9279-169842641548}"/>
+                  <a16:creationId xmlns="" xmlns:a16="http://schemas.microsoft.com/office/drawing/2014/main" id="{7D6E456E-2E26-4492-9279-169842641548}"/>
                 </a:ext>
               </a:extLst>
             </p:cNvPr>
@@ -11450,7 +12459,7 @@
               <p:cNvPr id="11" name="図 10" descr="物体 が含まれている画像&#10;&#10;自動的に生成された説明">
                 <a:extLst>
                   <a:ext uri="{FF2B5EF4-FFF2-40B4-BE49-F238E27FC236}">
-                    <a16:creationId xmlns:a16="http://schemas.microsoft.com/office/drawing/2014/main" xmlns="" id="{9E2F2156-5A3C-4670-A7BB-42FF8EF7E4F0}"/>
+                    <a16:creationId xmlns="" xmlns:a16="http://schemas.microsoft.com/office/drawing/2014/main" id="{9E2F2156-5A3C-4670-A7BB-42FF8EF7E4F0}"/>
                   </a:ext>
                 </a:extLst>
               </p:cNvPr>
@@ -11486,7 +12495,7 @@
               <p:cNvPr id="18" name="テキスト ボックス 17">
                 <a:extLst>
                   <a:ext uri="{FF2B5EF4-FFF2-40B4-BE49-F238E27FC236}">
-                    <a16:creationId xmlns:a16="http://schemas.microsoft.com/office/drawing/2014/main" xmlns="" id="{85DB17C7-0CA8-4460-8B6A-1BBCF3C5CA75}"/>
+                    <a16:creationId xmlns="" xmlns:a16="http://schemas.microsoft.com/office/drawing/2014/main" id="{85DB17C7-0CA8-4460-8B6A-1BBCF3C5CA75}"/>
                   </a:ext>
                 </a:extLst>
               </p:cNvPr>
@@ -11525,7 +12534,7 @@
             <p:cNvPr id="23" name="グループ化 22">
               <a:extLst>
                 <a:ext uri="{FF2B5EF4-FFF2-40B4-BE49-F238E27FC236}">
-                  <a16:creationId xmlns:a16="http://schemas.microsoft.com/office/drawing/2014/main" xmlns="" id="{8FA97864-B0AC-4C37-AB57-3F511EE9B20A}"/>
+                  <a16:creationId xmlns="" xmlns:a16="http://schemas.microsoft.com/office/drawing/2014/main" id="{8FA97864-B0AC-4C37-AB57-3F511EE9B20A}"/>
                 </a:ext>
               </a:extLst>
             </p:cNvPr>
@@ -11545,7 +12554,7 @@
               <p:cNvPr id="13" name="図 12" descr="物体 が含まれている画像&#10;&#10;自動的に生成された説明">
                 <a:extLst>
                   <a:ext uri="{FF2B5EF4-FFF2-40B4-BE49-F238E27FC236}">
-                    <a16:creationId xmlns:a16="http://schemas.microsoft.com/office/drawing/2014/main" xmlns="" id="{539F0BC8-41E3-4ADD-9459-BE0E2D7ABA27}"/>
+                    <a16:creationId xmlns="" xmlns:a16="http://schemas.microsoft.com/office/drawing/2014/main" id="{539F0BC8-41E3-4ADD-9459-BE0E2D7ABA27}"/>
                   </a:ext>
                 </a:extLst>
               </p:cNvPr>
@@ -11581,7 +12590,7 @@
               <p:cNvPr id="19" name="テキスト ボックス 18">
                 <a:extLst>
                   <a:ext uri="{FF2B5EF4-FFF2-40B4-BE49-F238E27FC236}">
-                    <a16:creationId xmlns:a16="http://schemas.microsoft.com/office/drawing/2014/main" xmlns="" id="{9D08D78F-597A-41C6-9E61-E721135C20D1}"/>
+                    <a16:creationId xmlns="" xmlns:a16="http://schemas.microsoft.com/office/drawing/2014/main" id="{9D08D78F-597A-41C6-9E61-E721135C20D1}"/>
                   </a:ext>
                 </a:extLst>
               </p:cNvPr>
@@ -11620,7 +12629,7 @@
             <p:cNvPr id="25" name="グループ化 24">
               <a:extLst>
                 <a:ext uri="{FF2B5EF4-FFF2-40B4-BE49-F238E27FC236}">
-                  <a16:creationId xmlns:a16="http://schemas.microsoft.com/office/drawing/2014/main" xmlns="" id="{8F6624A7-F895-493A-8055-873B48C8C19C}"/>
+                  <a16:creationId xmlns="" xmlns:a16="http://schemas.microsoft.com/office/drawing/2014/main" id="{8F6624A7-F895-493A-8055-873B48C8C19C}"/>
                 </a:ext>
               </a:extLst>
             </p:cNvPr>
@@ -11640,7 +12649,7 @@
               <p:cNvPr id="15" name="図 14" descr="物体, 腕時計 が含まれている画像&#10;&#10;自動的に生成された説明">
                 <a:extLst>
                   <a:ext uri="{FF2B5EF4-FFF2-40B4-BE49-F238E27FC236}">
-                    <a16:creationId xmlns:a16="http://schemas.microsoft.com/office/drawing/2014/main" xmlns="" id="{53299244-26D0-4173-ACC6-BD241C768849}"/>
+                    <a16:creationId xmlns="" xmlns:a16="http://schemas.microsoft.com/office/drawing/2014/main" id="{53299244-26D0-4173-ACC6-BD241C768849}"/>
                   </a:ext>
                 </a:extLst>
               </p:cNvPr>
@@ -11676,7 +12685,7 @@
               <p:cNvPr id="20" name="テキスト ボックス 19">
                 <a:extLst>
                   <a:ext uri="{FF2B5EF4-FFF2-40B4-BE49-F238E27FC236}">
-                    <a16:creationId xmlns:a16="http://schemas.microsoft.com/office/drawing/2014/main" xmlns="" id="{BF9D5B9B-9876-443A-BE29-B4828D0A5D74}"/>
+                    <a16:creationId xmlns="" xmlns:a16="http://schemas.microsoft.com/office/drawing/2014/main" id="{BF9D5B9B-9876-443A-BE29-B4828D0A5D74}"/>
                   </a:ext>
                 </a:extLst>
               </p:cNvPr>
@@ -11715,7 +12724,7 @@
             <p:cNvPr id="26" name="グループ化 25">
               <a:extLst>
                 <a:ext uri="{FF2B5EF4-FFF2-40B4-BE49-F238E27FC236}">
-                  <a16:creationId xmlns:a16="http://schemas.microsoft.com/office/drawing/2014/main" xmlns="" id="{D317981A-38A9-4594-9159-8C77F7F6D8B4}"/>
+                  <a16:creationId xmlns="" xmlns:a16="http://schemas.microsoft.com/office/drawing/2014/main" id="{D317981A-38A9-4594-9159-8C77F7F6D8B4}"/>
                 </a:ext>
               </a:extLst>
             </p:cNvPr>
@@ -11735,7 +12744,7 @@
               <p:cNvPr id="17" name="図 16" descr="物体 が含まれている画像&#10;&#10;自動的に生成された説明">
                 <a:extLst>
                   <a:ext uri="{FF2B5EF4-FFF2-40B4-BE49-F238E27FC236}">
-                    <a16:creationId xmlns:a16="http://schemas.microsoft.com/office/drawing/2014/main" xmlns="" id="{93CD3867-4A7C-4138-9F28-8B9071FCE1AF}"/>
+                    <a16:creationId xmlns="" xmlns:a16="http://schemas.microsoft.com/office/drawing/2014/main" id="{93CD3867-4A7C-4138-9F28-8B9071FCE1AF}"/>
                   </a:ext>
                 </a:extLst>
               </p:cNvPr>
@@ -11771,7 +12780,7 @@
               <p:cNvPr id="21" name="テキスト ボックス 20">
                 <a:extLst>
                   <a:ext uri="{FF2B5EF4-FFF2-40B4-BE49-F238E27FC236}">
-                    <a16:creationId xmlns:a16="http://schemas.microsoft.com/office/drawing/2014/main" xmlns="" id="{C3C71671-55D6-4E40-BC27-288FCF91D2BB}"/>
+                    <a16:creationId xmlns="" xmlns:a16="http://schemas.microsoft.com/office/drawing/2014/main" id="{C3C71671-55D6-4E40-BC27-288FCF91D2BB}"/>
                   </a:ext>
                 </a:extLst>
               </p:cNvPr>
@@ -11814,7 +12823,7 @@
             <p:cNvPr id="28" name="直線矢印コネクタ 27">
               <a:extLst>
                 <a:ext uri="{FF2B5EF4-FFF2-40B4-BE49-F238E27FC236}">
-                  <a16:creationId xmlns:a16="http://schemas.microsoft.com/office/drawing/2014/main" xmlns="" id="{A84A16DD-57C4-4761-A446-249187106E51}"/>
+                  <a16:creationId xmlns="" xmlns:a16="http://schemas.microsoft.com/office/drawing/2014/main" id="{A84A16DD-57C4-4761-A446-249187106E51}"/>
                 </a:ext>
               </a:extLst>
             </p:cNvPr>
@@ -11858,7 +12867,7 @@
             <p:cNvPr id="29" name="直線矢印コネクタ 28">
               <a:extLst>
                 <a:ext uri="{FF2B5EF4-FFF2-40B4-BE49-F238E27FC236}">
-                  <a16:creationId xmlns:a16="http://schemas.microsoft.com/office/drawing/2014/main" xmlns="" id="{CE867472-33BD-4771-A53A-412FDCEAB859}"/>
+                  <a16:creationId xmlns="" xmlns:a16="http://schemas.microsoft.com/office/drawing/2014/main" id="{CE867472-33BD-4771-A53A-412FDCEAB859}"/>
                 </a:ext>
               </a:extLst>
             </p:cNvPr>
@@ -11902,7 +12911,7 @@
             <p:cNvPr id="32" name="直線矢印コネクタ 31">
               <a:extLst>
                 <a:ext uri="{FF2B5EF4-FFF2-40B4-BE49-F238E27FC236}">
-                  <a16:creationId xmlns:a16="http://schemas.microsoft.com/office/drawing/2014/main" xmlns="" id="{2F760955-CE29-4903-BDF0-C0EF1A34CD6F}"/>
+                  <a16:creationId xmlns="" xmlns:a16="http://schemas.microsoft.com/office/drawing/2014/main" id="{2F760955-CE29-4903-BDF0-C0EF1A34CD6F}"/>
                 </a:ext>
               </a:extLst>
             </p:cNvPr>
@@ -11946,7 +12955,7 @@
             <p:cNvPr id="33" name="直線矢印コネクタ 32">
               <a:extLst>
                 <a:ext uri="{FF2B5EF4-FFF2-40B4-BE49-F238E27FC236}">
-                  <a16:creationId xmlns:a16="http://schemas.microsoft.com/office/drawing/2014/main" xmlns="" id="{96E14F16-9B67-48C7-9985-746717E7D2CE}"/>
+                  <a16:creationId xmlns="" xmlns:a16="http://schemas.microsoft.com/office/drawing/2014/main" id="{96E14F16-9B67-48C7-9985-746717E7D2CE}"/>
                 </a:ext>
               </a:extLst>
             </p:cNvPr>
@@ -11990,7 +12999,7 @@
             <p:cNvPr id="34" name="正方形/長方形 33">
               <a:extLst>
                 <a:ext uri="{FF2B5EF4-FFF2-40B4-BE49-F238E27FC236}">
-                  <a16:creationId xmlns:a16="http://schemas.microsoft.com/office/drawing/2014/main" xmlns="" id="{6ADAFCEE-C028-416D-B257-90B41E02042A}"/>
+                  <a16:creationId xmlns="" xmlns:a16="http://schemas.microsoft.com/office/drawing/2014/main" id="{6ADAFCEE-C028-416D-B257-90B41E02042A}"/>
                 </a:ext>
               </a:extLst>
             </p:cNvPr>
@@ -12045,7 +13054,7 @@
             <p:cNvPr id="35" name="直線矢印コネクタ 34">
               <a:extLst>
                 <a:ext uri="{FF2B5EF4-FFF2-40B4-BE49-F238E27FC236}">
-                  <a16:creationId xmlns:a16="http://schemas.microsoft.com/office/drawing/2014/main" xmlns="" id="{A2A6B62C-1E0E-432C-9BEC-393C34A1C94C}"/>
+                  <a16:creationId xmlns="" xmlns:a16="http://schemas.microsoft.com/office/drawing/2014/main" id="{A2A6B62C-1E0E-432C-9BEC-393C34A1C94C}"/>
                 </a:ext>
               </a:extLst>
             </p:cNvPr>
@@ -12090,7 +13099,7 @@
           <p:cNvPr id="44" name="グループ化 43">
             <a:extLst>
               <a:ext uri="{FF2B5EF4-FFF2-40B4-BE49-F238E27FC236}">
-                <a16:creationId xmlns:a16="http://schemas.microsoft.com/office/drawing/2014/main" xmlns="" id="{7EEE5686-B5B9-4B20-8993-381AFDACF9AB}"/>
+                <a16:creationId xmlns="" xmlns:a16="http://schemas.microsoft.com/office/drawing/2014/main" id="{7EEE5686-B5B9-4B20-8993-381AFDACF9AB}"/>
               </a:ext>
             </a:extLst>
           </p:cNvPr>
@@ -12110,7 +13119,7 @@
             <p:cNvPr id="40" name="グループ化 39">
               <a:extLst>
                 <a:ext uri="{FF2B5EF4-FFF2-40B4-BE49-F238E27FC236}">
-                  <a16:creationId xmlns:a16="http://schemas.microsoft.com/office/drawing/2014/main" xmlns="" id="{80B432E5-1E61-4A1C-BB38-CE56CD67DAEC}"/>
+                  <a16:creationId xmlns="" xmlns:a16="http://schemas.microsoft.com/office/drawing/2014/main" id="{80B432E5-1E61-4A1C-BB38-CE56CD67DAEC}"/>
                 </a:ext>
               </a:extLst>
             </p:cNvPr>
@@ -12130,7 +13139,7 @@
               <p:cNvPr id="36" name="直線矢印コネクタ 35">
                 <a:extLst>
                   <a:ext uri="{FF2B5EF4-FFF2-40B4-BE49-F238E27FC236}">
-                    <a16:creationId xmlns:a16="http://schemas.microsoft.com/office/drawing/2014/main" xmlns="" id="{555429FE-F091-46AD-84F7-1B4256D762AB}"/>
+                    <a16:creationId xmlns="" xmlns:a16="http://schemas.microsoft.com/office/drawing/2014/main" id="{555429FE-F091-46AD-84F7-1B4256D762AB}"/>
                   </a:ext>
                 </a:extLst>
               </p:cNvPr>
@@ -12174,7 +13183,7 @@
               <p:cNvPr id="37" name="直線矢印コネクタ 36">
                 <a:extLst>
                   <a:ext uri="{FF2B5EF4-FFF2-40B4-BE49-F238E27FC236}">
-                    <a16:creationId xmlns:a16="http://schemas.microsoft.com/office/drawing/2014/main" xmlns="" id="{5030B8C7-7BED-40F6-B6D5-A7CD124D67A9}"/>
+                    <a16:creationId xmlns="" xmlns:a16="http://schemas.microsoft.com/office/drawing/2014/main" id="{5030B8C7-7BED-40F6-B6D5-A7CD124D67A9}"/>
                   </a:ext>
                 </a:extLst>
               </p:cNvPr>
@@ -12218,7 +13227,7 @@
               <p:cNvPr id="38" name="テキスト ボックス 37">
                 <a:extLst>
                   <a:ext uri="{FF2B5EF4-FFF2-40B4-BE49-F238E27FC236}">
-                    <a16:creationId xmlns:a16="http://schemas.microsoft.com/office/drawing/2014/main" xmlns="" id="{1BB9FF26-C1AD-43FF-B1A3-3D220E4BC3AA}"/>
+                    <a16:creationId xmlns="" xmlns:a16="http://schemas.microsoft.com/office/drawing/2014/main" id="{1BB9FF26-C1AD-43FF-B1A3-3D220E4BC3AA}"/>
                   </a:ext>
                 </a:extLst>
               </p:cNvPr>
@@ -12256,7 +13265,7 @@
               <p:cNvPr id="39" name="テキスト ボックス 38">
                 <a:extLst>
                   <a:ext uri="{FF2B5EF4-FFF2-40B4-BE49-F238E27FC236}">
-                    <a16:creationId xmlns:a16="http://schemas.microsoft.com/office/drawing/2014/main" xmlns="" id="{127090C9-FA03-47A3-B8E5-5AC843148C0C}"/>
+                    <a16:creationId xmlns="" xmlns:a16="http://schemas.microsoft.com/office/drawing/2014/main" id="{127090C9-FA03-47A3-B8E5-5AC843148C0C}"/>
                   </a:ext>
                 </a:extLst>
               </p:cNvPr>
@@ -12299,7 +13308,7 @@
             <p:cNvPr id="42" name="正方形/長方形 41">
               <a:extLst>
                 <a:ext uri="{FF2B5EF4-FFF2-40B4-BE49-F238E27FC236}">
-                  <a16:creationId xmlns:a16="http://schemas.microsoft.com/office/drawing/2014/main" xmlns="" id="{974D7591-C374-4FE7-98C6-F63D715B2F46}"/>
+                  <a16:creationId xmlns="" xmlns:a16="http://schemas.microsoft.com/office/drawing/2014/main" id="{974D7591-C374-4FE7-98C6-F63D715B2F46}"/>
                 </a:ext>
               </a:extLst>
             </p:cNvPr>
@@ -12355,7 +13364,7 @@
           <p:cNvPr id="43" name="正方形/長方形 42">
             <a:extLst>
               <a:ext uri="{FF2B5EF4-FFF2-40B4-BE49-F238E27FC236}">
-                <a16:creationId xmlns:a16="http://schemas.microsoft.com/office/drawing/2014/main" xmlns="" id="{A98ECFFF-731C-4C54-95F1-02A8CC15EA71}"/>
+                <a16:creationId xmlns="" xmlns:a16="http://schemas.microsoft.com/office/drawing/2014/main" id="{A98ECFFF-731C-4C54-95F1-02A8CC15EA71}"/>
               </a:ext>
             </a:extLst>
           </p:cNvPr>
@@ -12421,7 +13430,7 @@
             <p:cNvPr id="4" name="図 3">
               <a:extLst>
                 <a:ext uri="{FF2B5EF4-FFF2-40B4-BE49-F238E27FC236}">
-                  <a16:creationId xmlns:a16="http://schemas.microsoft.com/office/drawing/2014/main" xmlns="" id="{84E4BD2B-BD98-4D0D-BD92-46FAC62B133A}"/>
+                  <a16:creationId xmlns="" xmlns:a16="http://schemas.microsoft.com/office/drawing/2014/main" id="{84E4BD2B-BD98-4D0D-BD92-46FAC62B133A}"/>
                 </a:ext>
               </a:extLst>
             </p:cNvPr>
@@ -12456,7 +13465,7 @@
             <p:cNvPr id="45" name="図 44">
               <a:extLst>
                 <a:ext uri="{FF2B5EF4-FFF2-40B4-BE49-F238E27FC236}">
-                  <a16:creationId xmlns:a16="http://schemas.microsoft.com/office/drawing/2014/main" xmlns="" id="{84E4BD2B-BD98-4D0D-BD92-46FAC62B133A}"/>
+                  <a16:creationId xmlns="" xmlns:a16="http://schemas.microsoft.com/office/drawing/2014/main" id="{84E4BD2B-BD98-4D0D-BD92-46FAC62B133A}"/>
                 </a:ext>
               </a:extLst>
             </p:cNvPr>
@@ -12529,7 +13538,7 @@
           <p:cNvPr id="3" name="図 2">
             <a:extLst>
               <a:ext uri="{FF2B5EF4-FFF2-40B4-BE49-F238E27FC236}">
-                <a16:creationId xmlns:a16="http://schemas.microsoft.com/office/drawing/2014/main" xmlns="" id="{8EBC7496-D4A5-4E2C-9D16-11A12608F074}"/>
+                <a16:creationId xmlns="" xmlns:a16="http://schemas.microsoft.com/office/drawing/2014/main" id="{8EBC7496-D4A5-4E2C-9D16-11A12608F074}"/>
               </a:ext>
             </a:extLst>
           </p:cNvPr>
@@ -12558,7 +13567,7 @@
           <p:cNvPr id="10" name="テキスト ボックス 9">
             <a:extLst>
               <a:ext uri="{FF2B5EF4-FFF2-40B4-BE49-F238E27FC236}">
-                <a16:creationId xmlns:a16="http://schemas.microsoft.com/office/drawing/2014/main" xmlns="" id="{D5807289-5F94-4ABF-BB19-A244DE39AAB7}"/>
+                <a16:creationId xmlns="" xmlns:a16="http://schemas.microsoft.com/office/drawing/2014/main" id="{D5807289-5F94-4ABF-BB19-A244DE39AAB7}"/>
               </a:ext>
             </a:extLst>
           </p:cNvPr>
@@ -12603,7 +13612,7 @@
           <p:cNvPr id="11" name="テキスト ボックス 10">
             <a:extLst>
               <a:ext uri="{FF2B5EF4-FFF2-40B4-BE49-F238E27FC236}">
-                <a16:creationId xmlns:a16="http://schemas.microsoft.com/office/drawing/2014/main" xmlns="" id="{6D354EB7-7F73-4490-964D-300A57A3D0C5}"/>
+                <a16:creationId xmlns="" xmlns:a16="http://schemas.microsoft.com/office/drawing/2014/main" id="{6D354EB7-7F73-4490-964D-300A57A3D0C5}"/>
               </a:ext>
             </a:extLst>
           </p:cNvPr>
@@ -12641,7 +13650,7 @@
           <p:cNvPr id="12" name="楕円 11">
             <a:extLst>
               <a:ext uri="{FF2B5EF4-FFF2-40B4-BE49-F238E27FC236}">
-                <a16:creationId xmlns:a16="http://schemas.microsoft.com/office/drawing/2014/main" xmlns="" id="{27BE146F-8491-400F-AB07-2E26102463F2}"/>
+                <a16:creationId xmlns="" xmlns:a16="http://schemas.microsoft.com/office/drawing/2014/main" id="{27BE146F-8491-400F-AB07-2E26102463F2}"/>
               </a:ext>
             </a:extLst>
           </p:cNvPr>
@@ -12693,7 +13702,7 @@
           <p:cNvPr id="13" name="楕円 12">
             <a:extLst>
               <a:ext uri="{FF2B5EF4-FFF2-40B4-BE49-F238E27FC236}">
-                <a16:creationId xmlns:a16="http://schemas.microsoft.com/office/drawing/2014/main" xmlns="" id="{AC13EDC5-A927-451C-A8C6-2F68A75D9DB9}"/>
+                <a16:creationId xmlns="" xmlns:a16="http://schemas.microsoft.com/office/drawing/2014/main" id="{AC13EDC5-A927-451C-A8C6-2F68A75D9DB9}"/>
               </a:ext>
             </a:extLst>
           </p:cNvPr>
@@ -12745,7 +13754,7 @@
           <p:cNvPr id="14" name="楕円 13">
             <a:extLst>
               <a:ext uri="{FF2B5EF4-FFF2-40B4-BE49-F238E27FC236}">
-                <a16:creationId xmlns:a16="http://schemas.microsoft.com/office/drawing/2014/main" xmlns="" id="{A70D7407-0728-49A8-BDE2-7434759F1455}"/>
+                <a16:creationId xmlns="" xmlns:a16="http://schemas.microsoft.com/office/drawing/2014/main" id="{A70D7407-0728-49A8-BDE2-7434759F1455}"/>
               </a:ext>
             </a:extLst>
           </p:cNvPr>
@@ -12797,7 +13806,7 @@
           <p:cNvPr id="15" name="楕円 14">
             <a:extLst>
               <a:ext uri="{FF2B5EF4-FFF2-40B4-BE49-F238E27FC236}">
-                <a16:creationId xmlns:a16="http://schemas.microsoft.com/office/drawing/2014/main" xmlns="" id="{BA8A41E3-4961-4217-9C31-D8A81A9809A9}"/>
+                <a16:creationId xmlns="" xmlns:a16="http://schemas.microsoft.com/office/drawing/2014/main" id="{BA8A41E3-4961-4217-9C31-D8A81A9809A9}"/>
               </a:ext>
             </a:extLst>
           </p:cNvPr>
@@ -12849,7 +13858,7 @@
           <p:cNvPr id="16" name="テキスト ボックス 15">
             <a:extLst>
               <a:ext uri="{FF2B5EF4-FFF2-40B4-BE49-F238E27FC236}">
-                <a16:creationId xmlns:a16="http://schemas.microsoft.com/office/drawing/2014/main" xmlns="" id="{FBBAA09C-4BEB-47EA-BC7F-480BCC2226F1}"/>
+                <a16:creationId xmlns="" xmlns:a16="http://schemas.microsoft.com/office/drawing/2014/main" id="{FBBAA09C-4BEB-47EA-BC7F-480BCC2226F1}"/>
               </a:ext>
             </a:extLst>
           </p:cNvPr>
@@ -12967,7 +13976,7 @@
           <p:cNvPr id="17" name="正方形/長方形 16">
             <a:extLst>
               <a:ext uri="{FF2B5EF4-FFF2-40B4-BE49-F238E27FC236}">
-                <a16:creationId xmlns:a16="http://schemas.microsoft.com/office/drawing/2014/main" xmlns="" id="{A2CF4C31-1025-4708-B374-7F8887320A14}"/>
+                <a16:creationId xmlns="" xmlns:a16="http://schemas.microsoft.com/office/drawing/2014/main" id="{A2CF4C31-1025-4708-B374-7F8887320A14}"/>
               </a:ext>
             </a:extLst>
           </p:cNvPr>
@@ -13019,7 +14028,7 @@
           <p:cNvPr id="18" name="テキスト ボックス 17">
             <a:extLst>
               <a:ext uri="{FF2B5EF4-FFF2-40B4-BE49-F238E27FC236}">
-                <a16:creationId xmlns:a16="http://schemas.microsoft.com/office/drawing/2014/main" xmlns="" id="{594DFF38-A0BF-4052-92A8-115900A7F03B}"/>
+                <a16:creationId xmlns="" xmlns:a16="http://schemas.microsoft.com/office/drawing/2014/main" id="{594DFF38-A0BF-4052-92A8-115900A7F03B}"/>
               </a:ext>
             </a:extLst>
           </p:cNvPr>
@@ -13122,7 +14131,7 @@
           <p:cNvPr id="19" name="正方形/長方形 18">
             <a:extLst>
               <a:ext uri="{FF2B5EF4-FFF2-40B4-BE49-F238E27FC236}">
-                <a16:creationId xmlns:a16="http://schemas.microsoft.com/office/drawing/2014/main" xmlns="" id="{41DDEDAD-B76F-42FC-BD36-C4B4086365F3}"/>
+                <a16:creationId xmlns="" xmlns:a16="http://schemas.microsoft.com/office/drawing/2014/main" id="{41DDEDAD-B76F-42FC-BD36-C4B4086365F3}"/>
               </a:ext>
             </a:extLst>
           </p:cNvPr>
@@ -13174,7 +14183,7 @@
           <p:cNvPr id="21" name="正方形/長方形 20">
             <a:extLst>
               <a:ext uri="{FF2B5EF4-FFF2-40B4-BE49-F238E27FC236}">
-                <a16:creationId xmlns:a16="http://schemas.microsoft.com/office/drawing/2014/main" xmlns="" id="{B89D4E7D-0660-4D0D-912D-DF225C66A1D6}"/>
+                <a16:creationId xmlns="" xmlns:a16="http://schemas.microsoft.com/office/drawing/2014/main" id="{B89D4E7D-0660-4D0D-912D-DF225C66A1D6}"/>
               </a:ext>
             </a:extLst>
           </p:cNvPr>
@@ -13228,7 +14237,7 @@
           <p:cNvPr id="20" name="テキスト ボックス 19">
             <a:extLst>
               <a:ext uri="{FF2B5EF4-FFF2-40B4-BE49-F238E27FC236}">
-                <a16:creationId xmlns:a16="http://schemas.microsoft.com/office/drawing/2014/main" xmlns="" id="{4588D88C-0F6C-4A95-9191-7AC444B35B14}"/>
+                <a16:creationId xmlns="" xmlns:a16="http://schemas.microsoft.com/office/drawing/2014/main" id="{4588D88C-0F6C-4A95-9191-7AC444B35B14}"/>
               </a:ext>
             </a:extLst>
           </p:cNvPr>
@@ -13378,7 +14387,7 @@
           <p:cNvPr id="2" name="図 1">
             <a:extLst>
               <a:ext uri="{FF2B5EF4-FFF2-40B4-BE49-F238E27FC236}">
-                <a16:creationId xmlns:a16="http://schemas.microsoft.com/office/drawing/2014/main" xmlns="" id="{7FF69D48-0150-4CC7-838D-4781E53348B1}"/>
+                <a16:creationId xmlns="" xmlns:a16="http://schemas.microsoft.com/office/drawing/2014/main" id="{7FF69D48-0150-4CC7-838D-4781E53348B1}"/>
               </a:ext>
             </a:extLst>
           </p:cNvPr>
@@ -13407,7 +14416,7 @@
           <p:cNvPr id="6" name="テキスト ボックス 5">
             <a:extLst>
               <a:ext uri="{FF2B5EF4-FFF2-40B4-BE49-F238E27FC236}">
-                <a16:creationId xmlns:a16="http://schemas.microsoft.com/office/drawing/2014/main" xmlns="" id="{8305E55F-CE22-4A88-A8D4-3E4958510FE7}"/>
+                <a16:creationId xmlns="" xmlns:a16="http://schemas.microsoft.com/office/drawing/2014/main" id="{8305E55F-CE22-4A88-A8D4-3E4958510FE7}"/>
               </a:ext>
             </a:extLst>
           </p:cNvPr>
@@ -13452,7 +14461,7 @@
           <p:cNvPr id="7" name="吹き出し: 四角形 6">
             <a:extLst>
               <a:ext uri="{FF2B5EF4-FFF2-40B4-BE49-F238E27FC236}">
-                <a16:creationId xmlns:a16="http://schemas.microsoft.com/office/drawing/2014/main" xmlns="" id="{EC8402AE-3480-4CC7-905A-0776A28352DA}"/>
+                <a16:creationId xmlns="" xmlns:a16="http://schemas.microsoft.com/office/drawing/2014/main" id="{EC8402AE-3480-4CC7-905A-0776A28352DA}"/>
               </a:ext>
             </a:extLst>
           </p:cNvPr>
@@ -13545,7 +14554,7 @@
           <p:cNvPr id="8" name="吹き出し: 四角形 7">
             <a:extLst>
               <a:ext uri="{FF2B5EF4-FFF2-40B4-BE49-F238E27FC236}">
-                <a16:creationId xmlns:a16="http://schemas.microsoft.com/office/drawing/2014/main" xmlns="" id="{12F0A826-4C99-48A7-B36D-03DBE2118E07}"/>
+                <a16:creationId xmlns="" xmlns:a16="http://schemas.microsoft.com/office/drawing/2014/main" id="{12F0A826-4C99-48A7-B36D-03DBE2118E07}"/>
               </a:ext>
             </a:extLst>
           </p:cNvPr>
@@ -13641,7 +14650,7 @@
           <p:cNvPr id="9" name="吹き出し: 四角形 8">
             <a:extLst>
               <a:ext uri="{FF2B5EF4-FFF2-40B4-BE49-F238E27FC236}">
-                <a16:creationId xmlns:a16="http://schemas.microsoft.com/office/drawing/2014/main" xmlns="" id="{B25F11CC-0810-44FB-85E5-6AFA2E713B6D}"/>
+                <a16:creationId xmlns="" xmlns:a16="http://schemas.microsoft.com/office/drawing/2014/main" id="{B25F11CC-0810-44FB-85E5-6AFA2E713B6D}"/>
               </a:ext>
             </a:extLst>
           </p:cNvPr>
@@ -13764,7 +14773,7 @@
           <p:cNvPr id="3" name="正方形/長方形 2">
             <a:extLst>
               <a:ext uri="{FF2B5EF4-FFF2-40B4-BE49-F238E27FC236}">
-                <a16:creationId xmlns:a16="http://schemas.microsoft.com/office/drawing/2014/main" xmlns="" id="{A491271B-A222-4F11-B100-4D7A1B81E98A}"/>
+                <a16:creationId xmlns="" xmlns:a16="http://schemas.microsoft.com/office/drawing/2014/main" id="{A491271B-A222-4F11-B100-4D7A1B81E98A}"/>
               </a:ext>
             </a:extLst>
           </p:cNvPr>
@@ -13816,7 +14825,7 @@
           <p:cNvPr id="10" name="正方形/長方形 9">
             <a:extLst>
               <a:ext uri="{FF2B5EF4-FFF2-40B4-BE49-F238E27FC236}">
-                <a16:creationId xmlns:a16="http://schemas.microsoft.com/office/drawing/2014/main" xmlns="" id="{016D0004-D188-4E81-A1DB-65759A9B7E86}"/>
+                <a16:creationId xmlns="" xmlns:a16="http://schemas.microsoft.com/office/drawing/2014/main" id="{016D0004-D188-4E81-A1DB-65759A9B7E86}"/>
               </a:ext>
             </a:extLst>
           </p:cNvPr>
@@ -13868,7 +14877,7 @@
           <p:cNvPr id="11" name="正方形/長方形 10">
             <a:extLst>
               <a:ext uri="{FF2B5EF4-FFF2-40B4-BE49-F238E27FC236}">
-                <a16:creationId xmlns:a16="http://schemas.microsoft.com/office/drawing/2014/main" xmlns="" id="{CCF67B37-F0BC-41F6-A1E9-02DA2EAC5911}"/>
+                <a16:creationId xmlns="" xmlns:a16="http://schemas.microsoft.com/office/drawing/2014/main" id="{CCF67B37-F0BC-41F6-A1E9-02DA2EAC5911}"/>
               </a:ext>
             </a:extLst>
           </p:cNvPr>
@@ -13957,7 +14966,7 @@
           <p:cNvPr id="5" name="テキスト ボックス 4">
             <a:extLst>
               <a:ext uri="{FF2B5EF4-FFF2-40B4-BE49-F238E27FC236}">
-                <a16:creationId xmlns:a16="http://schemas.microsoft.com/office/drawing/2014/main" xmlns="" id="{D5807289-5F94-4ABF-BB19-A244DE39AAB7}"/>
+                <a16:creationId xmlns="" xmlns:a16="http://schemas.microsoft.com/office/drawing/2014/main" id="{D5807289-5F94-4ABF-BB19-A244DE39AAB7}"/>
               </a:ext>
             </a:extLst>
           </p:cNvPr>

--- a/説明文 - コピー.pptx
+++ b/説明文 - コピー.pptx
@@ -212,7 +212,7 @@
           <a:p>
             <a:fld id="{D3517757-E664-4BB3-B78C-0CBDD076F206}" type="datetimeFigureOut">
               <a:rPr kumimoji="1" lang="ja-JP" altLang="en-US" smtClean="0"/>
-              <a:t>2019/9/5</a:t>
+              <a:t>2019/9/6</a:t>
             </a:fld>
             <a:endParaRPr kumimoji="1" lang="ja-JP" altLang="en-US"/>
           </a:p>
@@ -595,6 +595,90 @@
 </p:notes>
 </file>
 
+<file path=ppt/notesSlides/notesSlide2.xml><?xml version="1.0" encoding="utf-8"?>
+<p:notes xmlns:a="http://schemas.openxmlformats.org/drawingml/2006/main" xmlns:r="http://schemas.openxmlformats.org/officeDocument/2006/relationships" xmlns:p="http://schemas.openxmlformats.org/presentationml/2006/main">
+  <p:cSld>
+    <p:spTree>
+      <p:nvGrpSpPr>
+        <p:cNvPr id="1" name=""/>
+        <p:cNvGrpSpPr/>
+        <p:nvPr/>
+      </p:nvGrpSpPr>
+      <p:grpSpPr>
+        <a:xfrm>
+          <a:off x="0" y="0"/>
+          <a:ext cx="0" cy="0"/>
+          <a:chOff x="0" y="0"/>
+          <a:chExt cx="0" cy="0"/>
+        </a:xfrm>
+      </p:grpSpPr>
+      <p:sp>
+        <p:nvSpPr>
+          <p:cNvPr id="2" name="スライド イメージ プレースホルダー 1"/>
+          <p:cNvSpPr>
+            <a:spLocks noGrp="1" noRot="1" noChangeAspect="1"/>
+          </p:cNvSpPr>
+          <p:nvPr>
+            <p:ph type="sldImg"/>
+          </p:nvPr>
+        </p:nvSpPr>
+        <p:spPr/>
+      </p:sp>
+      <p:sp>
+        <p:nvSpPr>
+          <p:cNvPr id="3" name="ノート プレースホルダー 2"/>
+          <p:cNvSpPr>
+            <a:spLocks noGrp="1"/>
+          </p:cNvSpPr>
+          <p:nvPr>
+            <p:ph type="body" idx="1"/>
+          </p:nvPr>
+        </p:nvSpPr>
+        <p:spPr/>
+        <p:txBody>
+          <a:bodyPr/>
+          <a:lstStyle/>
+          <a:p>
+            <a:endParaRPr kumimoji="1" lang="ja-JP" altLang="en-US" dirty="0"/>
+          </a:p>
+        </p:txBody>
+      </p:sp>
+      <p:sp>
+        <p:nvSpPr>
+          <p:cNvPr id="4" name="スライド番号プレースホルダー 3"/>
+          <p:cNvSpPr>
+            <a:spLocks noGrp="1"/>
+          </p:cNvSpPr>
+          <p:nvPr>
+            <p:ph type="sldNum" sz="quarter" idx="10"/>
+          </p:nvPr>
+        </p:nvSpPr>
+        <p:spPr/>
+        <p:txBody>
+          <a:bodyPr/>
+          <a:lstStyle/>
+          <a:p>
+            <a:fld id="{C2725F18-E9C8-4CF5-AEFE-8868BD40D51E}" type="slidenum">
+              <a:rPr kumimoji="1" lang="ja-JP" altLang="en-US" smtClean="0"/>
+              <a:t>12</a:t>
+            </a:fld>
+            <a:endParaRPr kumimoji="1" lang="ja-JP" altLang="en-US"/>
+          </a:p>
+        </p:txBody>
+      </p:sp>
+    </p:spTree>
+    <p:extLst>
+      <p:ext uri="{BB962C8B-B14F-4D97-AF65-F5344CB8AC3E}">
+        <p14:creationId xmlns:p14="http://schemas.microsoft.com/office/powerpoint/2010/main" val="2173292157"/>
+      </p:ext>
+    </p:extLst>
+  </p:cSld>
+  <p:clrMapOvr>
+    <a:masterClrMapping/>
+  </p:clrMapOvr>
+</p:notes>
+</file>
+
 <file path=ppt/slideLayouts/slideLayout1.xml><?xml version="1.0" encoding="utf-8"?>
 <p:sldLayout xmlns:a="http://schemas.openxmlformats.org/drawingml/2006/main" xmlns:r="http://schemas.openxmlformats.org/officeDocument/2006/relationships" xmlns:p="http://schemas.openxmlformats.org/presentationml/2006/main" type="title" preserve="1">
   <p:cSld name="タイトル スライド">
@@ -724,7 +808,7 @@
           <a:p>
             <a:fld id="{8F2BA968-46FA-4915-82D5-53748CAAB103}" type="datetimeFigureOut">
               <a:rPr kumimoji="1" lang="ja-JP" altLang="en-US" smtClean="0"/>
-              <a:t>2019/9/5</a:t>
+              <a:t>2019/9/6</a:t>
             </a:fld>
             <a:endParaRPr kumimoji="1" lang="ja-JP" altLang="en-US" dirty="0"/>
           </a:p>
@@ -924,7 +1008,7 @@
           <a:p>
             <a:fld id="{8F2BA968-46FA-4915-82D5-53748CAAB103}" type="datetimeFigureOut">
               <a:rPr kumimoji="1" lang="ja-JP" altLang="en-US" smtClean="0"/>
-              <a:t>2019/9/5</a:t>
+              <a:t>2019/9/6</a:t>
             </a:fld>
             <a:endParaRPr kumimoji="1" lang="ja-JP" altLang="en-US" dirty="0"/>
           </a:p>
@@ -1134,7 +1218,7 @@
           <a:p>
             <a:fld id="{8F2BA968-46FA-4915-82D5-53748CAAB103}" type="datetimeFigureOut">
               <a:rPr kumimoji="1" lang="ja-JP" altLang="en-US" smtClean="0"/>
-              <a:t>2019/9/5</a:t>
+              <a:t>2019/9/6</a:t>
             </a:fld>
             <a:endParaRPr kumimoji="1" lang="ja-JP" altLang="en-US" dirty="0"/>
           </a:p>
@@ -1334,7 +1418,7 @@
           <a:p>
             <a:fld id="{8F2BA968-46FA-4915-82D5-53748CAAB103}" type="datetimeFigureOut">
               <a:rPr kumimoji="1" lang="ja-JP" altLang="en-US" smtClean="0"/>
-              <a:t>2019/9/5</a:t>
+              <a:t>2019/9/6</a:t>
             </a:fld>
             <a:endParaRPr kumimoji="1" lang="ja-JP" altLang="en-US" dirty="0"/>
           </a:p>
@@ -1579,7 +1663,7 @@
           <a:p>
             <a:fld id="{8F2BA968-46FA-4915-82D5-53748CAAB103}" type="datetimeFigureOut">
               <a:rPr kumimoji="1" lang="ja-JP" altLang="en-US" smtClean="0"/>
-              <a:t>2019/9/5</a:t>
+              <a:t>2019/9/6</a:t>
             </a:fld>
             <a:endParaRPr kumimoji="1" lang="ja-JP" altLang="en-US" dirty="0"/>
           </a:p>
@@ -1872,7 +1956,7 @@
           <a:p>
             <a:fld id="{8F2BA968-46FA-4915-82D5-53748CAAB103}" type="datetimeFigureOut">
               <a:rPr kumimoji="1" lang="ja-JP" altLang="en-US" smtClean="0"/>
-              <a:t>2019/9/5</a:t>
+              <a:t>2019/9/6</a:t>
             </a:fld>
             <a:endParaRPr kumimoji="1" lang="ja-JP" altLang="en-US" dirty="0"/>
           </a:p>
@@ -2300,7 +2384,7 @@
           <a:p>
             <a:fld id="{8F2BA968-46FA-4915-82D5-53748CAAB103}" type="datetimeFigureOut">
               <a:rPr kumimoji="1" lang="ja-JP" altLang="en-US" smtClean="0"/>
-              <a:t>2019/9/5</a:t>
+              <a:t>2019/9/6</a:t>
             </a:fld>
             <a:endParaRPr kumimoji="1" lang="ja-JP" altLang="en-US" dirty="0"/>
           </a:p>
@@ -2417,7 +2501,7 @@
           <a:p>
             <a:fld id="{8F2BA968-46FA-4915-82D5-53748CAAB103}" type="datetimeFigureOut">
               <a:rPr kumimoji="1" lang="ja-JP" altLang="en-US" smtClean="0"/>
-              <a:t>2019/9/5</a:t>
+              <a:t>2019/9/6</a:t>
             </a:fld>
             <a:endParaRPr kumimoji="1" lang="ja-JP" altLang="en-US" dirty="0"/>
           </a:p>
@@ -2512,7 +2596,7 @@
           <a:p>
             <a:fld id="{8F2BA968-46FA-4915-82D5-53748CAAB103}" type="datetimeFigureOut">
               <a:rPr kumimoji="1" lang="ja-JP" altLang="en-US" smtClean="0"/>
-              <a:t>2019/9/5</a:t>
+              <a:t>2019/9/6</a:t>
             </a:fld>
             <a:endParaRPr kumimoji="1" lang="ja-JP" altLang="en-US" dirty="0"/>
           </a:p>
@@ -2819,7 +2903,7 @@
           <a:p>
             <a:fld id="{8F2BA968-46FA-4915-82D5-53748CAAB103}" type="datetimeFigureOut">
               <a:rPr kumimoji="1" lang="ja-JP" altLang="en-US" smtClean="0"/>
-              <a:t>2019/9/5</a:t>
+              <a:t>2019/9/6</a:t>
             </a:fld>
             <a:endParaRPr kumimoji="1" lang="ja-JP" altLang="en-US" dirty="0"/>
           </a:p>
@@ -3071,7 +3155,7 @@
           <a:p>
             <a:fld id="{8F2BA968-46FA-4915-82D5-53748CAAB103}" type="datetimeFigureOut">
               <a:rPr kumimoji="1" lang="ja-JP" altLang="en-US" smtClean="0"/>
-              <a:t>2019/9/5</a:t>
+              <a:t>2019/9/6</a:t>
             </a:fld>
             <a:endParaRPr kumimoji="1" lang="ja-JP" altLang="en-US" dirty="0"/>
           </a:p>
@@ -3314,7 +3398,7 @@
           <a:p>
             <a:fld id="{8F2BA968-46FA-4915-82D5-53748CAAB103}" type="datetimeFigureOut">
               <a:rPr kumimoji="1" lang="ja-JP" altLang="en-US" smtClean="0"/>
-              <a:t>2019/9/5</a:t>
+              <a:t>2019/9/6</a:t>
             </a:fld>
             <a:endParaRPr kumimoji="1" lang="ja-JP" altLang="en-US" dirty="0"/>
           </a:p>
@@ -3724,7 +3808,7 @@
           <p:cNvPr id="4" name="図 3" descr="スクリーンショット が含まれている画像&#10;&#10;自動的に生成された説明">
             <a:extLst>
               <a:ext uri="{FF2B5EF4-FFF2-40B4-BE49-F238E27FC236}">
-                <a16:creationId xmlns="" xmlns:a16="http://schemas.microsoft.com/office/drawing/2014/main" id="{48282D74-7C89-4D68-8F6E-D62AC9485402}"/>
+                <a16:creationId xmlns:a16="http://schemas.microsoft.com/office/drawing/2014/main" xmlns="" id="{48282D74-7C89-4D68-8F6E-D62AC9485402}"/>
               </a:ext>
             </a:extLst>
           </p:cNvPr>
@@ -4059,7 +4143,7 @@
           <p:cNvPr id="6" name="正方形/長方形 5">
             <a:extLst>
               <a:ext uri="{FF2B5EF4-FFF2-40B4-BE49-F238E27FC236}">
-                <a16:creationId xmlns="" xmlns:a16="http://schemas.microsoft.com/office/drawing/2014/main" id="{E239D52D-8A0E-45C2-9D76-49681F4F3023}"/>
+                <a16:creationId xmlns:a16="http://schemas.microsoft.com/office/drawing/2014/main" xmlns="" id="{E239D52D-8A0E-45C2-9D76-49681F4F3023}"/>
               </a:ext>
             </a:extLst>
           </p:cNvPr>
@@ -4111,7 +4195,7 @@
           <p:cNvPr id="12" name="正方形/長方形 11">
             <a:extLst>
               <a:ext uri="{FF2B5EF4-FFF2-40B4-BE49-F238E27FC236}">
-                <a16:creationId xmlns="" xmlns:a16="http://schemas.microsoft.com/office/drawing/2014/main" id="{44B16076-58F3-411C-BA21-CC2F6BFDF2CA}"/>
+                <a16:creationId xmlns:a16="http://schemas.microsoft.com/office/drawing/2014/main" xmlns="" id="{44B16076-58F3-411C-BA21-CC2F6BFDF2CA}"/>
               </a:ext>
             </a:extLst>
           </p:cNvPr>
@@ -4163,7 +4247,7 @@
           <p:cNvPr id="13" name="正方形/長方形 12">
             <a:extLst>
               <a:ext uri="{FF2B5EF4-FFF2-40B4-BE49-F238E27FC236}">
-                <a16:creationId xmlns="" xmlns:a16="http://schemas.microsoft.com/office/drawing/2014/main" id="{48971A5D-F76B-4813-83D2-2D825B6A3202}"/>
+                <a16:creationId xmlns:a16="http://schemas.microsoft.com/office/drawing/2014/main" xmlns="" id="{48971A5D-F76B-4813-83D2-2D825B6A3202}"/>
               </a:ext>
             </a:extLst>
           </p:cNvPr>
@@ -4252,7 +4336,7 @@
           <p:cNvPr id="4" name="テキスト ボックス 3">
             <a:extLst>
               <a:ext uri="{FF2B5EF4-FFF2-40B4-BE49-F238E27FC236}">
-                <a16:creationId xmlns="" xmlns:a16="http://schemas.microsoft.com/office/drawing/2014/main" id="{C41C563A-40AB-403A-8661-FE9944DE17B5}"/>
+                <a16:creationId xmlns:a16="http://schemas.microsoft.com/office/drawing/2014/main" xmlns="" id="{C41C563A-40AB-403A-8661-FE9944DE17B5}"/>
               </a:ext>
             </a:extLst>
           </p:cNvPr>
@@ -4297,7 +4381,7 @@
           <p:cNvPr id="5" name="テキスト ボックス 4">
             <a:extLst>
               <a:ext uri="{FF2B5EF4-FFF2-40B4-BE49-F238E27FC236}">
-                <a16:creationId xmlns="" xmlns:a16="http://schemas.microsoft.com/office/drawing/2014/main" id="{4942987D-E9F9-4BC9-8090-7DA7D48916EF}"/>
+                <a16:creationId xmlns:a16="http://schemas.microsoft.com/office/drawing/2014/main" xmlns="" id="{4942987D-E9F9-4BC9-8090-7DA7D48916EF}"/>
               </a:ext>
             </a:extLst>
           </p:cNvPr>
@@ -4349,7 +4433,7 @@
           <p:cNvPr id="40" name="テキスト ボックス 39">
             <a:extLst>
               <a:ext uri="{FF2B5EF4-FFF2-40B4-BE49-F238E27FC236}">
-                <a16:creationId xmlns="" xmlns:a16="http://schemas.microsoft.com/office/drawing/2014/main" id="{F1EA6A6B-D4D0-463A-A599-CE219946A74B}"/>
+                <a16:creationId xmlns:a16="http://schemas.microsoft.com/office/drawing/2014/main" xmlns="" id="{F1EA6A6B-D4D0-463A-A599-CE219946A74B}"/>
               </a:ext>
             </a:extLst>
           </p:cNvPr>
@@ -4743,7 +4827,7 @@
               <p:cNvPr id="22" name="グループ化 21">
                 <a:extLst>
                   <a:ext uri="{FF2B5EF4-FFF2-40B4-BE49-F238E27FC236}">
-                    <a16:creationId xmlns="" xmlns:a16="http://schemas.microsoft.com/office/drawing/2014/main" id="{2B78E3B8-6F86-4761-8FD3-82445D0604CC}"/>
+                    <a16:creationId xmlns:a16="http://schemas.microsoft.com/office/drawing/2014/main" xmlns="" id="{2B78E3B8-6F86-4761-8FD3-82445D0604CC}"/>
                   </a:ext>
                 </a:extLst>
               </p:cNvPr>
@@ -4763,7 +4847,7 @@
                 <p:cNvPr id="38" name="図 37" descr="物体 が含まれている画像&#10;&#10;自動的に生成された説明">
                   <a:extLst>
                     <a:ext uri="{FF2B5EF4-FFF2-40B4-BE49-F238E27FC236}">
-                      <a16:creationId xmlns="" xmlns:a16="http://schemas.microsoft.com/office/drawing/2014/main" id="{479B4DDF-7427-437E-87B7-7994E26E728C}"/>
+                      <a16:creationId xmlns:a16="http://schemas.microsoft.com/office/drawing/2014/main" xmlns="" id="{479B4DDF-7427-437E-87B7-7994E26E728C}"/>
                     </a:ext>
                   </a:extLst>
                 </p:cNvPr>
@@ -4799,7 +4883,7 @@
                 <p:cNvPr id="39" name="テキスト ボックス 38">
                   <a:extLst>
                     <a:ext uri="{FF2B5EF4-FFF2-40B4-BE49-F238E27FC236}">
-                      <a16:creationId xmlns="" xmlns:a16="http://schemas.microsoft.com/office/drawing/2014/main" id="{9774E31A-0063-4CE0-A9A1-D45BBB05A9C8}"/>
+                      <a16:creationId xmlns:a16="http://schemas.microsoft.com/office/drawing/2014/main" xmlns="" id="{9774E31A-0063-4CE0-A9A1-D45BBB05A9C8}"/>
                     </a:ext>
                   </a:extLst>
                 </p:cNvPr>
@@ -4839,7 +4923,7 @@
               <p:cNvPr id="23" name="グループ化 22">
                 <a:extLst>
                   <a:ext uri="{FF2B5EF4-FFF2-40B4-BE49-F238E27FC236}">
-                    <a16:creationId xmlns="" xmlns:a16="http://schemas.microsoft.com/office/drawing/2014/main" id="{8CEB5C1D-B949-4327-B495-5272910D5F87}"/>
+                    <a16:creationId xmlns:a16="http://schemas.microsoft.com/office/drawing/2014/main" xmlns="" id="{8CEB5C1D-B949-4327-B495-5272910D5F87}"/>
                   </a:ext>
                 </a:extLst>
               </p:cNvPr>
@@ -4859,7 +4943,7 @@
                 <p:cNvPr id="36" name="図 35" descr="物体 が含まれている画像&#10;&#10;自動的に生成された説明">
                   <a:extLst>
                     <a:ext uri="{FF2B5EF4-FFF2-40B4-BE49-F238E27FC236}">
-                      <a16:creationId xmlns="" xmlns:a16="http://schemas.microsoft.com/office/drawing/2014/main" id="{FB1C4056-473E-4E06-A623-40D4081C4EAC}"/>
+                      <a16:creationId xmlns:a16="http://schemas.microsoft.com/office/drawing/2014/main" xmlns="" id="{FB1C4056-473E-4E06-A623-40D4081C4EAC}"/>
                     </a:ext>
                   </a:extLst>
                 </p:cNvPr>
@@ -4895,7 +4979,7 @@
                 <p:cNvPr id="37" name="テキスト ボックス 36">
                   <a:extLst>
                     <a:ext uri="{FF2B5EF4-FFF2-40B4-BE49-F238E27FC236}">
-                      <a16:creationId xmlns="" xmlns:a16="http://schemas.microsoft.com/office/drawing/2014/main" id="{A9417AE6-E050-4A1B-991F-46A51E57761E}"/>
+                      <a16:creationId xmlns:a16="http://schemas.microsoft.com/office/drawing/2014/main" xmlns="" id="{A9417AE6-E050-4A1B-991F-46A51E57761E}"/>
                     </a:ext>
                   </a:extLst>
                 </p:cNvPr>
@@ -4935,7 +5019,7 @@
               <p:cNvPr id="24" name="グループ化 23">
                 <a:extLst>
                   <a:ext uri="{FF2B5EF4-FFF2-40B4-BE49-F238E27FC236}">
-                    <a16:creationId xmlns="" xmlns:a16="http://schemas.microsoft.com/office/drawing/2014/main" id="{9400590E-D727-4D03-98FF-0ACD12EBC352}"/>
+                    <a16:creationId xmlns:a16="http://schemas.microsoft.com/office/drawing/2014/main" xmlns="" id="{9400590E-D727-4D03-98FF-0ACD12EBC352}"/>
                   </a:ext>
                 </a:extLst>
               </p:cNvPr>
@@ -4955,7 +5039,7 @@
                 <p:cNvPr id="34" name="図 33" descr="物体, 腕時計 が含まれている画像&#10;&#10;自動的に生成された説明">
                   <a:extLst>
                     <a:ext uri="{FF2B5EF4-FFF2-40B4-BE49-F238E27FC236}">
-                      <a16:creationId xmlns="" xmlns:a16="http://schemas.microsoft.com/office/drawing/2014/main" id="{734930D0-5E47-475F-948D-174F652567D0}"/>
+                      <a16:creationId xmlns:a16="http://schemas.microsoft.com/office/drawing/2014/main" xmlns="" id="{734930D0-5E47-475F-948D-174F652567D0}"/>
                     </a:ext>
                   </a:extLst>
                 </p:cNvPr>
@@ -4991,7 +5075,7 @@
                 <p:cNvPr id="35" name="テキスト ボックス 34">
                   <a:extLst>
                     <a:ext uri="{FF2B5EF4-FFF2-40B4-BE49-F238E27FC236}">
-                      <a16:creationId xmlns="" xmlns:a16="http://schemas.microsoft.com/office/drawing/2014/main" id="{99360FF1-7996-43C2-A24E-1DB68F403FE0}"/>
+                      <a16:creationId xmlns:a16="http://schemas.microsoft.com/office/drawing/2014/main" xmlns="" id="{99360FF1-7996-43C2-A24E-1DB68F403FE0}"/>
                     </a:ext>
                   </a:extLst>
                 </p:cNvPr>
@@ -5031,7 +5115,7 @@
               <p:cNvPr id="25" name="グループ化 24">
                 <a:extLst>
                   <a:ext uri="{FF2B5EF4-FFF2-40B4-BE49-F238E27FC236}">
-                    <a16:creationId xmlns="" xmlns:a16="http://schemas.microsoft.com/office/drawing/2014/main" id="{2DC9847F-77D2-4405-8121-1FE5585768EA}"/>
+                    <a16:creationId xmlns:a16="http://schemas.microsoft.com/office/drawing/2014/main" xmlns="" id="{2DC9847F-77D2-4405-8121-1FE5585768EA}"/>
                   </a:ext>
                 </a:extLst>
               </p:cNvPr>
@@ -5051,7 +5135,7 @@
                 <p:cNvPr id="32" name="図 31" descr="物体 が含まれている画像&#10;&#10;自動的に生成された説明">
                   <a:extLst>
                     <a:ext uri="{FF2B5EF4-FFF2-40B4-BE49-F238E27FC236}">
-                      <a16:creationId xmlns="" xmlns:a16="http://schemas.microsoft.com/office/drawing/2014/main" id="{275FE74A-218C-4A15-9492-6A63781312F0}"/>
+                      <a16:creationId xmlns:a16="http://schemas.microsoft.com/office/drawing/2014/main" xmlns="" id="{275FE74A-218C-4A15-9492-6A63781312F0}"/>
                     </a:ext>
                   </a:extLst>
                 </p:cNvPr>
@@ -5087,7 +5171,7 @@
                 <p:cNvPr id="33" name="テキスト ボックス 32">
                   <a:extLst>
                     <a:ext uri="{FF2B5EF4-FFF2-40B4-BE49-F238E27FC236}">
-                      <a16:creationId xmlns="" xmlns:a16="http://schemas.microsoft.com/office/drawing/2014/main" id="{7FEA8835-C677-4EFC-9624-2596C7E0A572}"/>
+                      <a16:creationId xmlns:a16="http://schemas.microsoft.com/office/drawing/2014/main" xmlns="" id="{7FEA8835-C677-4EFC-9624-2596C7E0A572}"/>
                     </a:ext>
                   </a:extLst>
                 </p:cNvPr>
@@ -5131,7 +5215,7 @@
               <p:cNvPr id="11" name="図 10">
                 <a:extLst>
                   <a:ext uri="{FF2B5EF4-FFF2-40B4-BE49-F238E27FC236}">
-                    <a16:creationId xmlns="" xmlns:a16="http://schemas.microsoft.com/office/drawing/2014/main" id="{49264E83-2EAE-4079-9AD2-AC2D699F0D1F}"/>
+                    <a16:creationId xmlns:a16="http://schemas.microsoft.com/office/drawing/2014/main" xmlns="" id="{49264E83-2EAE-4079-9AD2-AC2D699F0D1F}"/>
                   </a:ext>
                 </a:extLst>
               </p:cNvPr>
@@ -5167,7 +5251,7 @@
               <p:cNvPr id="46" name="テキスト ボックス 45">
                 <a:extLst>
                   <a:ext uri="{FF2B5EF4-FFF2-40B4-BE49-F238E27FC236}">
-                    <a16:creationId xmlns="" xmlns:a16="http://schemas.microsoft.com/office/drawing/2014/main" id="{B4B7A388-F763-4A3C-B6C2-124C99BC6F42}"/>
+                    <a16:creationId xmlns:a16="http://schemas.microsoft.com/office/drawing/2014/main" xmlns="" id="{B4B7A388-F763-4A3C-B6C2-124C99BC6F42}"/>
                   </a:ext>
                 </a:extLst>
               </p:cNvPr>
@@ -5394,7 +5478,7 @@
           <p:cNvPr id="2" name="図 1">
             <a:extLst>
               <a:ext uri="{FF2B5EF4-FFF2-40B4-BE49-F238E27FC236}">
-                <a16:creationId xmlns="" xmlns:a16="http://schemas.microsoft.com/office/drawing/2014/main" id="{EE855DBA-71F3-4B0A-AD5F-4DC4FD57AF5C}"/>
+                <a16:creationId xmlns:a16="http://schemas.microsoft.com/office/drawing/2014/main" xmlns="" id="{EE855DBA-71F3-4B0A-AD5F-4DC4FD57AF5C}"/>
               </a:ext>
             </a:extLst>
           </p:cNvPr>
@@ -5423,7 +5507,7 @@
           <p:cNvPr id="17" name="楕円 16">
             <a:extLst>
               <a:ext uri="{FF2B5EF4-FFF2-40B4-BE49-F238E27FC236}">
-                <a16:creationId xmlns="" xmlns:a16="http://schemas.microsoft.com/office/drawing/2014/main" id="{787DCF27-FE5D-4F5F-93D9-6E5E3F66733B}"/>
+                <a16:creationId xmlns:a16="http://schemas.microsoft.com/office/drawing/2014/main" xmlns="" id="{787DCF27-FE5D-4F5F-93D9-6E5E3F66733B}"/>
               </a:ext>
             </a:extLst>
           </p:cNvPr>
@@ -5475,7 +5559,7 @@
           <p:cNvPr id="15" name="正方形/長方形 14">
             <a:extLst>
               <a:ext uri="{FF2B5EF4-FFF2-40B4-BE49-F238E27FC236}">
-                <a16:creationId xmlns="" xmlns:a16="http://schemas.microsoft.com/office/drawing/2014/main" id="{3833953A-B36A-4C17-AEC3-8ED45F7CC897}"/>
+                <a16:creationId xmlns:a16="http://schemas.microsoft.com/office/drawing/2014/main" xmlns="" id="{3833953A-B36A-4C17-AEC3-8ED45F7CC897}"/>
               </a:ext>
             </a:extLst>
           </p:cNvPr>
@@ -5527,7 +5611,7 @@
           <p:cNvPr id="16" name="正方形/長方形 15">
             <a:extLst>
               <a:ext uri="{FF2B5EF4-FFF2-40B4-BE49-F238E27FC236}">
-                <a16:creationId xmlns="" xmlns:a16="http://schemas.microsoft.com/office/drawing/2014/main" id="{0A0216B0-C84D-4309-9EC4-75086643960C}"/>
+                <a16:creationId xmlns:a16="http://schemas.microsoft.com/office/drawing/2014/main" xmlns="" id="{0A0216B0-C84D-4309-9EC4-75086643960C}"/>
               </a:ext>
             </a:extLst>
           </p:cNvPr>
@@ -5579,7 +5663,7 @@
           <p:cNvPr id="14" name="正方形/長方形 13">
             <a:extLst>
               <a:ext uri="{FF2B5EF4-FFF2-40B4-BE49-F238E27FC236}">
-                <a16:creationId xmlns="" xmlns:a16="http://schemas.microsoft.com/office/drawing/2014/main" id="{EAC81C78-DEAA-491D-B85A-42AB767010AE}"/>
+                <a16:creationId xmlns:a16="http://schemas.microsoft.com/office/drawing/2014/main" xmlns="" id="{EAC81C78-DEAA-491D-B85A-42AB767010AE}"/>
               </a:ext>
             </a:extLst>
           </p:cNvPr>
@@ -5631,7 +5715,7 @@
           <p:cNvPr id="6" name="テキスト ボックス 5">
             <a:extLst>
               <a:ext uri="{FF2B5EF4-FFF2-40B4-BE49-F238E27FC236}">
-                <a16:creationId xmlns="" xmlns:a16="http://schemas.microsoft.com/office/drawing/2014/main" id="{B35D99F0-6DC1-4BC2-88F1-81631344B7F9}"/>
+                <a16:creationId xmlns:a16="http://schemas.microsoft.com/office/drawing/2014/main" xmlns="" id="{B35D99F0-6DC1-4BC2-88F1-81631344B7F9}"/>
               </a:ext>
             </a:extLst>
           </p:cNvPr>
@@ -5676,7 +5760,7 @@
           <p:cNvPr id="7" name="吹き出し: 四角形 6">
             <a:extLst>
               <a:ext uri="{FF2B5EF4-FFF2-40B4-BE49-F238E27FC236}">
-                <a16:creationId xmlns="" xmlns:a16="http://schemas.microsoft.com/office/drawing/2014/main" id="{BA75D2B1-3296-4A6C-97CF-CD76A284141D}"/>
+                <a16:creationId xmlns:a16="http://schemas.microsoft.com/office/drawing/2014/main" xmlns="" id="{BA75D2B1-3296-4A6C-97CF-CD76A284141D}"/>
               </a:ext>
             </a:extLst>
           </p:cNvPr>
@@ -5742,7 +5826,7 @@
           <p:cNvPr id="8" name="吹き出し: 四角形 7">
             <a:extLst>
               <a:ext uri="{FF2B5EF4-FFF2-40B4-BE49-F238E27FC236}">
-                <a16:creationId xmlns="" xmlns:a16="http://schemas.microsoft.com/office/drawing/2014/main" id="{88AD402C-D557-4604-82F7-689D61968750}"/>
+                <a16:creationId xmlns:a16="http://schemas.microsoft.com/office/drawing/2014/main" xmlns="" id="{88AD402C-D557-4604-82F7-689D61968750}"/>
               </a:ext>
             </a:extLst>
           </p:cNvPr>
@@ -5818,7 +5902,7 @@
           <p:cNvPr id="9" name="吹き出し: 四角形 8">
             <a:extLst>
               <a:ext uri="{FF2B5EF4-FFF2-40B4-BE49-F238E27FC236}">
-                <a16:creationId xmlns="" xmlns:a16="http://schemas.microsoft.com/office/drawing/2014/main" id="{BF8E2C7C-205C-42CA-B382-A5D5630D39B2}"/>
+                <a16:creationId xmlns:a16="http://schemas.microsoft.com/office/drawing/2014/main" xmlns="" id="{BF8E2C7C-205C-42CA-B382-A5D5630D39B2}"/>
               </a:ext>
             </a:extLst>
           </p:cNvPr>
@@ -5891,7 +5975,7 @@
           <p:cNvPr id="10" name="吹き出し: 四角形 9">
             <a:extLst>
               <a:ext uri="{FF2B5EF4-FFF2-40B4-BE49-F238E27FC236}">
-                <a16:creationId xmlns="" xmlns:a16="http://schemas.microsoft.com/office/drawing/2014/main" id="{1E8E5AAD-2EFF-40AE-87B5-A62E3863DB06}"/>
+                <a16:creationId xmlns:a16="http://schemas.microsoft.com/office/drawing/2014/main" xmlns="" id="{1E8E5AAD-2EFF-40AE-87B5-A62E3863DB06}"/>
               </a:ext>
             </a:extLst>
           </p:cNvPr>
@@ -6027,7 +6111,7 @@
           <p:cNvPr id="11" name="吹き出し: 四角形 10">
             <a:extLst>
               <a:ext uri="{FF2B5EF4-FFF2-40B4-BE49-F238E27FC236}">
-                <a16:creationId xmlns="" xmlns:a16="http://schemas.microsoft.com/office/drawing/2014/main" id="{0876C132-70D4-4EE9-A059-2EE9BBCFA5AC}"/>
+                <a16:creationId xmlns:a16="http://schemas.microsoft.com/office/drawing/2014/main" xmlns="" id="{0876C132-70D4-4EE9-A059-2EE9BBCFA5AC}"/>
               </a:ext>
             </a:extLst>
           </p:cNvPr>
@@ -6093,7 +6177,7 @@
           <p:cNvPr id="12" name="吹き出し: 四角形 11">
             <a:extLst>
               <a:ext uri="{FF2B5EF4-FFF2-40B4-BE49-F238E27FC236}">
-                <a16:creationId xmlns="" xmlns:a16="http://schemas.microsoft.com/office/drawing/2014/main" id="{30266963-E240-4012-99DE-6906E5DDC8E7}"/>
+                <a16:creationId xmlns:a16="http://schemas.microsoft.com/office/drawing/2014/main" xmlns="" id="{30266963-E240-4012-99DE-6906E5DDC8E7}"/>
               </a:ext>
             </a:extLst>
           </p:cNvPr>
@@ -6216,7 +6300,7 @@
           <p:cNvPr id="13" name="正方形/長方形 12">
             <a:extLst>
               <a:ext uri="{FF2B5EF4-FFF2-40B4-BE49-F238E27FC236}">
-                <a16:creationId xmlns="" xmlns:a16="http://schemas.microsoft.com/office/drawing/2014/main" id="{C5B52C5E-840D-45E5-8E3C-3E2AD99D4E85}"/>
+                <a16:creationId xmlns:a16="http://schemas.microsoft.com/office/drawing/2014/main" xmlns="" id="{C5B52C5E-840D-45E5-8E3C-3E2AD99D4E85}"/>
               </a:ext>
             </a:extLst>
           </p:cNvPr>
@@ -6268,7 +6352,7 @@
           <p:cNvPr id="18" name="正方形/長方形 17">
             <a:extLst>
               <a:ext uri="{FF2B5EF4-FFF2-40B4-BE49-F238E27FC236}">
-                <a16:creationId xmlns="" xmlns:a16="http://schemas.microsoft.com/office/drawing/2014/main" id="{85B86C3D-1D0B-4CA9-A09E-F9104FAC8E9A}"/>
+                <a16:creationId xmlns:a16="http://schemas.microsoft.com/office/drawing/2014/main" xmlns="" id="{85B86C3D-1D0B-4CA9-A09E-F9104FAC8E9A}"/>
               </a:ext>
             </a:extLst>
           </p:cNvPr>
@@ -6320,7 +6404,7 @@
           <p:cNvPr id="3" name="L 字 2">
             <a:extLst>
               <a:ext uri="{FF2B5EF4-FFF2-40B4-BE49-F238E27FC236}">
-                <a16:creationId xmlns="" xmlns:a16="http://schemas.microsoft.com/office/drawing/2014/main" id="{CA56987B-B7BB-455B-A3DC-57F7BCD43222}"/>
+                <a16:creationId xmlns:a16="http://schemas.microsoft.com/office/drawing/2014/main" xmlns="" id="{CA56987B-B7BB-455B-A3DC-57F7BCD43222}"/>
               </a:ext>
             </a:extLst>
           </p:cNvPr>
@@ -6375,7 +6459,7 @@
           <p:cNvPr id="19" name="吹き出し: 四角形 18">
             <a:extLst>
               <a:ext uri="{FF2B5EF4-FFF2-40B4-BE49-F238E27FC236}">
-                <a16:creationId xmlns="" xmlns:a16="http://schemas.microsoft.com/office/drawing/2014/main" id="{D2673875-651C-40E4-8256-1F77677989CB}"/>
+                <a16:creationId xmlns:a16="http://schemas.microsoft.com/office/drawing/2014/main" xmlns="" id="{D2673875-651C-40E4-8256-1F77677989CB}"/>
               </a:ext>
             </a:extLst>
           </p:cNvPr>
@@ -6458,7 +6542,7 @@
           <p:cNvPr id="20" name="吹き出し: 四角形 19">
             <a:extLst>
               <a:ext uri="{FF2B5EF4-FFF2-40B4-BE49-F238E27FC236}">
-                <a16:creationId xmlns="" xmlns:a16="http://schemas.microsoft.com/office/drawing/2014/main" id="{F0A11592-BD25-49D2-8C1D-7500E79B7ADA}"/>
+                <a16:creationId xmlns:a16="http://schemas.microsoft.com/office/drawing/2014/main" xmlns="" id="{F0A11592-BD25-49D2-8C1D-7500E79B7ADA}"/>
               </a:ext>
             </a:extLst>
           </p:cNvPr>
@@ -6631,7 +6715,7 @@
           <p:cNvPr id="6" name="テキスト ボックス 5">
             <a:extLst>
               <a:ext uri="{FF2B5EF4-FFF2-40B4-BE49-F238E27FC236}">
-                <a16:creationId xmlns="" xmlns:a16="http://schemas.microsoft.com/office/drawing/2014/main" id="{83D9254C-066B-4A30-984B-189E5281BB91}"/>
+                <a16:creationId xmlns:a16="http://schemas.microsoft.com/office/drawing/2014/main" xmlns="" id="{83D9254C-066B-4A30-984B-189E5281BB91}"/>
               </a:ext>
             </a:extLst>
           </p:cNvPr>
@@ -6676,7 +6760,7 @@
           <p:cNvPr id="7" name="テキスト ボックス 6">
             <a:extLst>
               <a:ext uri="{FF2B5EF4-FFF2-40B4-BE49-F238E27FC236}">
-                <a16:creationId xmlns="" xmlns:a16="http://schemas.microsoft.com/office/drawing/2014/main" id="{A3B678AB-5F6D-47A2-AC3D-C9904D8B3FE5}"/>
+                <a16:creationId xmlns:a16="http://schemas.microsoft.com/office/drawing/2014/main" xmlns="" id="{A3B678AB-5F6D-47A2-AC3D-C9904D8B3FE5}"/>
               </a:ext>
             </a:extLst>
           </p:cNvPr>
@@ -6718,7 +6802,7 @@
           <p:cNvPr id="8" name="テキスト ボックス 7">
             <a:extLst>
               <a:ext uri="{FF2B5EF4-FFF2-40B4-BE49-F238E27FC236}">
-                <a16:creationId xmlns="" xmlns:a16="http://schemas.microsoft.com/office/drawing/2014/main" id="{81F92070-255F-4692-ABB1-F5486542D8FF}"/>
+                <a16:creationId xmlns:a16="http://schemas.microsoft.com/office/drawing/2014/main" xmlns="" id="{81F92070-255F-4692-ABB1-F5486542D8FF}"/>
               </a:ext>
             </a:extLst>
           </p:cNvPr>
@@ -6840,7 +6924,7 @@
           <p:cNvPr id="10" name="テキスト ボックス 9">
             <a:extLst>
               <a:ext uri="{FF2B5EF4-FFF2-40B4-BE49-F238E27FC236}">
-                <a16:creationId xmlns="" xmlns:a16="http://schemas.microsoft.com/office/drawing/2014/main" id="{946FF0DF-B758-41C2-85D3-67DA048E99B2}"/>
+                <a16:creationId xmlns:a16="http://schemas.microsoft.com/office/drawing/2014/main" xmlns="" id="{946FF0DF-B758-41C2-85D3-67DA048E99B2}"/>
               </a:ext>
             </a:extLst>
           </p:cNvPr>
@@ -6902,8 +6986,8 @@
         </p:nvSpPr>
         <p:spPr>
           <a:xfrm>
-            <a:off x="5912839" y="5116575"/>
-            <a:ext cx="7897090" cy="1200329"/>
+            <a:off x="5301672" y="5249530"/>
+            <a:ext cx="6890328" cy="923330"/>
           </a:xfrm>
           <a:prstGeom prst="rect">
             <a:avLst/>
@@ -6916,6 +7000,7 @@
           </a:bodyPr>
           <a:lstStyle/>
           <a:p>
+            <a:pPr algn="ctr"/>
             <a:r>
               <a:rPr lang="ja-JP" altLang="en-US" dirty="0" smtClean="0">
                 <a:solidFill>
@@ -6924,28 +7009,86 @@
                 <a:latin typeface="チェックポイント．（ピリオド）" panose="02000600000000000000" pitchFamily="50" charset="-128"/>
                 <a:ea typeface="チェックポイント．（ピリオド）" panose="02000600000000000000" pitchFamily="50" charset="-128"/>
               </a:rPr>
-              <a:t>矢印が白色</a:t>
+              <a:t>下向き矢印</a:t>
             </a:r>
             <a:r>
               <a:rPr lang="ja-JP" altLang="en-US" dirty="0" smtClean="0">
                 <a:latin typeface="チェックポイント．（ピリオド）" panose="02000600000000000000" pitchFamily="50" charset="-128"/>
                 <a:ea typeface="チェックポイント．（ピリオド）" panose="02000600000000000000" pitchFamily="50" charset="-128"/>
               </a:rPr>
-              <a:t>のアイコン</a:t>
-            </a:r>
-            <a:r>
-              <a:rPr lang="ja-JP" altLang="en-US" dirty="0">
-                <a:latin typeface="チェックポイント．（ピリオド）" panose="02000600000000000000" pitchFamily="50" charset="-128"/>
-                <a:ea typeface="チェックポイント．（ピリオド）" panose="02000600000000000000" pitchFamily="50" charset="-128"/>
-              </a:rPr>
-              <a:t>以外</a:t>
+              <a:t>のアイコンが</a:t>
+            </a:r>
+            <a:r>
+              <a:rPr kumimoji="1" lang="ja-JP" altLang="en-US" dirty="0" smtClean="0">
+                <a:latin typeface="チェックポイント．（ピリオド）" panose="02000600000000000000" pitchFamily="50" charset="-128"/>
+                <a:ea typeface="チェックポイント．（ピリオド）" panose="02000600000000000000" pitchFamily="50" charset="-128"/>
+              </a:rPr>
+              <a:t>出て</a:t>
+            </a:r>
+            <a:r>
+              <a:rPr kumimoji="1" lang="ja-JP" altLang="en-US" dirty="0" smtClean="0">
+                <a:latin typeface="チェックポイント．（ピリオド）" panose="02000600000000000000" pitchFamily="50" charset="-128"/>
+                <a:ea typeface="チェックポイント．（ピリオド）" panose="02000600000000000000" pitchFamily="50" charset="-128"/>
+              </a:rPr>
+              <a:t>いるときは</a:t>
             </a:r>
             <a:r>
               <a:rPr lang="ja-JP" altLang="en-US" dirty="0" smtClean="0">
-                <a:latin typeface="チェックポイント．（ピリオド）" panose="02000600000000000000" pitchFamily="50" charset="-128"/>
-                <a:ea typeface="チェックポイント．（ピリオド）" panose="02000600000000000000" pitchFamily="50" charset="-128"/>
-              </a:rPr>
-              <a:t>が</a:t>
+                <a:solidFill>
+                  <a:srgbClr val="FF0000"/>
+                </a:solidFill>
+                <a:latin typeface="チェックポイント．（ピリオド）" panose="02000600000000000000" pitchFamily="50" charset="-128"/>
+                <a:ea typeface="チェックポイント．（ピリオド）" panose="02000600000000000000" pitchFamily="50" charset="-128"/>
+              </a:rPr>
+              <a:t>防御力が下がっています</a:t>
+            </a:r>
+            <a:r>
+              <a:rPr lang="ja-JP" altLang="en-US" dirty="0" smtClean="0">
+                <a:latin typeface="チェックポイント．（ピリオド）" panose="02000600000000000000" pitchFamily="50" charset="-128"/>
+                <a:ea typeface="チェックポイント．（ピリオド）" panose="02000600000000000000" pitchFamily="50" charset="-128"/>
+              </a:rPr>
+              <a:t>。</a:t>
+            </a:r>
+            <a:endParaRPr lang="en-US" altLang="ja-JP" dirty="0" smtClean="0">
+              <a:latin typeface="チェックポイント．（ピリオド）" panose="02000600000000000000" pitchFamily="50" charset="-128"/>
+              <a:ea typeface="チェックポイント．（ピリオド）" panose="02000600000000000000" pitchFamily="50" charset="-128"/>
+            </a:endParaRPr>
+          </a:p>
+          <a:p>
+            <a:pPr algn="ctr"/>
+            <a:r>
+              <a:rPr kumimoji="1" lang="ja-JP" altLang="en-US" dirty="0" smtClean="0">
+                <a:solidFill>
+                  <a:srgbClr val="FF0000"/>
+                </a:solidFill>
+                <a:latin typeface="チェックポイント．（ピリオド）" panose="02000600000000000000" pitchFamily="50" charset="-128"/>
+                <a:ea typeface="チェックポイント．（ピリオド）" panose="02000600000000000000" pitchFamily="50" charset="-128"/>
+              </a:rPr>
+              <a:t>アイコンの色</a:t>
+            </a:r>
+            <a:r>
+              <a:rPr kumimoji="1" lang="ja-JP" altLang="en-US" dirty="0" smtClean="0">
+                <a:latin typeface="チェックポイント．（ピリオド）" panose="02000600000000000000" pitchFamily="50" charset="-128"/>
+                <a:ea typeface="チェックポイント．（ピリオド）" panose="02000600000000000000" pitchFamily="50" charset="-128"/>
+              </a:rPr>
+              <a:t>によって</a:t>
+            </a:r>
+            <a:r>
+              <a:rPr kumimoji="1" lang="ja-JP" altLang="en-US" dirty="0" smtClean="0">
+                <a:solidFill>
+                  <a:srgbClr val="FF0000"/>
+                </a:solidFill>
+                <a:latin typeface="チェックポイント．（ピリオド）" panose="02000600000000000000" pitchFamily="50" charset="-128"/>
+                <a:ea typeface="チェックポイント．（ピリオド）" panose="02000600000000000000" pitchFamily="50" charset="-128"/>
+              </a:rPr>
+              <a:t>防御力の下がり具合</a:t>
+            </a:r>
+            <a:r>
+              <a:rPr kumimoji="1" lang="ja-JP" altLang="en-US" dirty="0" smtClean="0">
+                <a:latin typeface="チェックポイント．（ピリオド）" panose="02000600000000000000" pitchFamily="50" charset="-128"/>
+                <a:ea typeface="チェックポイント．（ピリオド）" panose="02000600000000000000" pitchFamily="50" charset="-128"/>
+              </a:rPr>
+              <a:t>が違います。</a:t>
             </a:r>
             <a:endParaRPr kumimoji="1" lang="en-US" altLang="ja-JP" dirty="0" smtClean="0">
               <a:latin typeface="チェックポイント．（ピリオド）" panose="02000600000000000000" pitchFamily="50" charset="-128"/>
@@ -6953,26 +7096,16 @@
             </a:endParaRPr>
           </a:p>
           <a:p>
-            <a:r>
-              <a:rPr kumimoji="1" lang="ja-JP" altLang="en-US" dirty="0" smtClean="0">
-                <a:latin typeface="チェックポイント．（ピリオド）" panose="02000600000000000000" pitchFamily="50" charset="-128"/>
-                <a:ea typeface="チェックポイント．（ピリオド）" panose="02000600000000000000" pitchFamily="50" charset="-128"/>
-              </a:rPr>
-              <a:t>出て</a:t>
-            </a:r>
-            <a:r>
-              <a:rPr kumimoji="1" lang="ja-JP" altLang="en-US" dirty="0" smtClean="0">
-                <a:latin typeface="チェックポイント．（ピリオド）" panose="02000600000000000000" pitchFamily="50" charset="-128"/>
-                <a:ea typeface="チェックポイント．（ピリオド）" panose="02000600000000000000" pitchFamily="50" charset="-128"/>
-              </a:rPr>
-              <a:t>いるとき</a:t>
-            </a:r>
-            <a:r>
-              <a:rPr kumimoji="1" lang="ja-JP" altLang="en-US" dirty="0" smtClean="0">
-                <a:latin typeface="チェックポイント．（ピリオド）" panose="02000600000000000000" pitchFamily="50" charset="-128"/>
-                <a:ea typeface="チェックポイント．（ピリオド）" panose="02000600000000000000" pitchFamily="50" charset="-128"/>
-              </a:rPr>
-              <a:t>は</a:t>
+            <a:pPr algn="ctr"/>
+            <a:r>
+              <a:rPr lang="ja-JP" altLang="en-US" dirty="0">
+                <a:solidFill>
+                  <a:srgbClr val="FF0000"/>
+                </a:solidFill>
+                <a:latin typeface="チェックポイント．（ピリオド）" panose="02000600000000000000" pitchFamily="50" charset="-128"/>
+                <a:ea typeface="チェックポイント．（ピリオド）" panose="02000600000000000000" pitchFamily="50" charset="-128"/>
+              </a:rPr>
+              <a:t>赤</a:t>
             </a:r>
             <a:r>
               <a:rPr lang="ja-JP" altLang="en-US" dirty="0" smtClean="0">
@@ -6982,7 +7115,14 @@
                 <a:latin typeface="チェックポイント．（ピリオド）" panose="02000600000000000000" pitchFamily="50" charset="-128"/>
                 <a:ea typeface="チェックポイント．（ピリオド）" panose="02000600000000000000" pitchFamily="50" charset="-128"/>
               </a:rPr>
-              <a:t>防御力</a:t>
+              <a:t>みが深いほど</a:t>
+            </a:r>
+            <a:r>
+              <a:rPr lang="ja-JP" altLang="en-US" dirty="0" smtClean="0">
+                <a:latin typeface="チェックポイント．（ピリオド）" panose="02000600000000000000" pitchFamily="50" charset="-128"/>
+                <a:ea typeface="チェックポイント．（ピリオド）" panose="02000600000000000000" pitchFamily="50" charset="-128"/>
+              </a:rPr>
+              <a:t>受けるダメージが</a:t>
             </a:r>
             <a:r>
               <a:rPr lang="ja-JP" altLang="en-US" dirty="0" smtClean="0">
@@ -6992,103 +7132,6 @@
                 <a:latin typeface="チェックポイント．（ピリオド）" panose="02000600000000000000" pitchFamily="50" charset="-128"/>
                 <a:ea typeface="チェックポイント．（ピリオド）" panose="02000600000000000000" pitchFamily="50" charset="-128"/>
               </a:rPr>
-              <a:t>が下がっています</a:t>
-            </a:r>
-            <a:r>
-              <a:rPr lang="ja-JP" altLang="en-US" dirty="0" smtClean="0">
-                <a:latin typeface="チェックポイント．（ピリオド）" panose="02000600000000000000" pitchFamily="50" charset="-128"/>
-                <a:ea typeface="チェックポイント．（ピリオド）" panose="02000600000000000000" pitchFamily="50" charset="-128"/>
-              </a:rPr>
-              <a:t>。</a:t>
-            </a:r>
-            <a:endParaRPr lang="en-US" altLang="ja-JP" dirty="0" smtClean="0">
-              <a:latin typeface="チェックポイント．（ピリオド）" panose="02000600000000000000" pitchFamily="50" charset="-128"/>
-              <a:ea typeface="チェックポイント．（ピリオド）" panose="02000600000000000000" pitchFamily="50" charset="-128"/>
-            </a:endParaRPr>
-          </a:p>
-          <a:p>
-            <a:r>
-              <a:rPr kumimoji="1" lang="ja-JP" altLang="en-US" dirty="0" smtClean="0">
-                <a:solidFill>
-                  <a:srgbClr val="FF0000"/>
-                </a:solidFill>
-                <a:latin typeface="チェックポイント．（ピリオド）" panose="02000600000000000000" pitchFamily="50" charset="-128"/>
-                <a:ea typeface="チェックポイント．（ピリオド）" panose="02000600000000000000" pitchFamily="50" charset="-128"/>
-              </a:rPr>
-              <a:t>アイコンの色</a:t>
-            </a:r>
-            <a:r>
-              <a:rPr kumimoji="1" lang="ja-JP" altLang="en-US" dirty="0" smtClean="0">
-                <a:latin typeface="チェックポイント．（ピリオド）" panose="02000600000000000000" pitchFamily="50" charset="-128"/>
-                <a:ea typeface="チェックポイント．（ピリオド）" panose="02000600000000000000" pitchFamily="50" charset="-128"/>
-              </a:rPr>
-              <a:t>によって</a:t>
-            </a:r>
-            <a:r>
-              <a:rPr kumimoji="1" lang="ja-JP" altLang="en-US" dirty="0" smtClean="0">
-                <a:solidFill>
-                  <a:srgbClr val="FF0000"/>
-                </a:solidFill>
-                <a:latin typeface="チェックポイント．（ピリオド）" panose="02000600000000000000" pitchFamily="50" charset="-128"/>
-                <a:ea typeface="チェックポイント．（ピリオド）" panose="02000600000000000000" pitchFamily="50" charset="-128"/>
-              </a:rPr>
-              <a:t>防御力の下がり具合</a:t>
-            </a:r>
-            <a:r>
-              <a:rPr kumimoji="1" lang="ja-JP" altLang="en-US" dirty="0" smtClean="0">
-                <a:latin typeface="チェックポイント．（ピリオド）" panose="02000600000000000000" pitchFamily="50" charset="-128"/>
-                <a:ea typeface="チェックポイント．（ピリオド）" panose="02000600000000000000" pitchFamily="50" charset="-128"/>
-              </a:rPr>
-              <a:t>が違います</a:t>
-            </a:r>
-            <a:r>
-              <a:rPr kumimoji="1" lang="ja-JP" altLang="en-US" dirty="0" smtClean="0">
-                <a:latin typeface="チェックポイント．（ピリオド）" panose="02000600000000000000" pitchFamily="50" charset="-128"/>
-                <a:ea typeface="チェックポイント．（ピリオド）" panose="02000600000000000000" pitchFamily="50" charset="-128"/>
-              </a:rPr>
-              <a:t>。</a:t>
-            </a:r>
-            <a:endParaRPr kumimoji="1" lang="en-US" altLang="ja-JP" dirty="0" smtClean="0">
-              <a:latin typeface="チェックポイント．（ピリオド）" panose="02000600000000000000" pitchFamily="50" charset="-128"/>
-              <a:ea typeface="チェックポイント．（ピリオド）" panose="02000600000000000000" pitchFamily="50" charset="-128"/>
-            </a:endParaRPr>
-          </a:p>
-          <a:p>
-            <a:r>
-              <a:rPr lang="ja-JP" altLang="en-US" dirty="0">
-                <a:solidFill>
-                  <a:srgbClr val="FF0000"/>
-                </a:solidFill>
-                <a:latin typeface="チェックポイント．（ピリオド）" panose="02000600000000000000" pitchFamily="50" charset="-128"/>
-                <a:ea typeface="チェックポイント．（ピリオド）" panose="02000600000000000000" pitchFamily="50" charset="-128"/>
-              </a:rPr>
-              <a:t>赤</a:t>
-            </a:r>
-            <a:r>
-              <a:rPr lang="ja-JP" altLang="en-US" dirty="0" smtClean="0">
-                <a:solidFill>
-                  <a:srgbClr val="FF0000"/>
-                </a:solidFill>
-                <a:latin typeface="チェックポイント．（ピリオド）" panose="02000600000000000000" pitchFamily="50" charset="-128"/>
-                <a:ea typeface="チェックポイント．（ピリオド）" panose="02000600000000000000" pitchFamily="50" charset="-128"/>
-              </a:rPr>
-              <a:t>みが深いほど</a:t>
-            </a:r>
-            <a:r>
-              <a:rPr lang="ja-JP" altLang="en-US" dirty="0" smtClean="0">
-                <a:latin typeface="チェックポイント．（ピリオド）" panose="02000600000000000000" pitchFamily="50" charset="-128"/>
-                <a:ea typeface="チェックポイント．（ピリオド）" panose="02000600000000000000" pitchFamily="50" charset="-128"/>
-              </a:rPr>
-              <a:t>受けるダメージが</a:t>
-            </a:r>
-            <a:r>
-              <a:rPr lang="ja-JP" altLang="en-US" dirty="0" smtClean="0">
-                <a:solidFill>
-                  <a:srgbClr val="FF0000"/>
-                </a:solidFill>
-                <a:latin typeface="チェックポイント．（ピリオド）" panose="02000600000000000000" pitchFamily="50" charset="-128"/>
-                <a:ea typeface="チェックポイント．（ピリオド）" panose="02000600000000000000" pitchFamily="50" charset="-128"/>
-              </a:rPr>
               <a:t>増えてしまいます</a:t>
             </a:r>
             <a:r>
@@ -7105,453 +7148,438 @@
           </a:p>
         </p:txBody>
       </p:sp>
-      <p:grpSp>
-        <p:nvGrpSpPr>
-          <p:cNvPr id="5" name="グループ化 4"/>
-          <p:cNvGrpSpPr/>
+      <p:sp>
+        <p:nvSpPr>
+          <p:cNvPr id="4" name="テキスト ボックス 3"/>
+          <p:cNvSpPr txBox="1"/>
           <p:nvPr/>
-        </p:nvGrpSpPr>
-        <p:grpSpPr>
-          <a:xfrm>
-            <a:off x="468499" y="4998776"/>
-            <a:ext cx="4811655" cy="1392141"/>
-            <a:chOff x="135990" y="4928260"/>
-            <a:chExt cx="4811655" cy="1392141"/>
-          </a:xfrm>
-        </p:grpSpPr>
-        <p:pic>
-          <p:nvPicPr>
-            <p:cNvPr id="2" name="図 1"/>
-            <p:cNvPicPr>
-              <a:picLocks noChangeAspect="1"/>
-            </p:cNvPicPr>
-            <p:nvPr/>
-          </p:nvPicPr>
-          <p:blipFill rotWithShape="1">
-            <a:blip r:embed="rId2">
-              <a:extLst>
-                <a:ext uri="{28A0092B-C50C-407E-A947-70E740481C1C}">
-                  <a14:useLocalDpi xmlns:a14="http://schemas.microsoft.com/office/drawing/2010/main" val="0"/>
-                </a:ext>
-              </a:extLst>
-            </a:blip>
-            <a:srcRect r="83541"/>
-            <a:stretch/>
-          </p:blipFill>
-          <p:spPr>
-            <a:xfrm>
-              <a:off x="135990" y="4928260"/>
-              <a:ext cx="602243" cy="609846"/>
-            </a:xfrm>
-            <a:prstGeom prst="rect">
-              <a:avLst/>
-            </a:prstGeom>
-          </p:spPr>
-        </p:pic>
-        <p:pic>
-          <p:nvPicPr>
-            <p:cNvPr id="11" name="図 10"/>
-            <p:cNvPicPr>
-              <a:picLocks noChangeAspect="1"/>
-            </p:cNvPicPr>
-            <p:nvPr/>
-          </p:nvPicPr>
-          <p:blipFill rotWithShape="1">
-            <a:blip r:embed="rId2">
-              <a:extLst>
-                <a:ext uri="{28A0092B-C50C-407E-A947-70E740481C1C}">
-                  <a14:useLocalDpi xmlns:a14="http://schemas.microsoft.com/office/drawing/2010/main" val="0"/>
-                </a:ext>
-              </a:extLst>
-            </a:blip>
-            <a:srcRect l="16654" r="66859"/>
-            <a:stretch/>
-          </p:blipFill>
-          <p:spPr>
-            <a:xfrm>
-              <a:off x="151594" y="5710555"/>
-              <a:ext cx="603250" cy="609846"/>
-            </a:xfrm>
-            <a:prstGeom prst="rect">
-              <a:avLst/>
-            </a:prstGeom>
-          </p:spPr>
-        </p:pic>
-        <p:pic>
-          <p:nvPicPr>
-            <p:cNvPr id="12" name="図 11"/>
-            <p:cNvPicPr>
-              <a:picLocks noChangeAspect="1"/>
-            </p:cNvPicPr>
-            <p:nvPr/>
-          </p:nvPicPr>
-          <p:blipFill rotWithShape="1">
-            <a:blip r:embed="rId2">
-              <a:extLst>
-                <a:ext uri="{28A0092B-C50C-407E-A947-70E740481C1C}">
-                  <a14:useLocalDpi xmlns:a14="http://schemas.microsoft.com/office/drawing/2010/main" val="0"/>
-                </a:ext>
-              </a:extLst>
-            </a:blip>
-            <a:srcRect l="33271" r="50069"/>
-            <a:stretch/>
-          </p:blipFill>
-          <p:spPr>
-            <a:xfrm>
-              <a:off x="1754313" y="4928260"/>
-              <a:ext cx="609601" cy="609846"/>
-            </a:xfrm>
-            <a:prstGeom prst="rect">
-              <a:avLst/>
-            </a:prstGeom>
-          </p:spPr>
-        </p:pic>
-        <p:pic>
-          <p:nvPicPr>
-            <p:cNvPr id="14" name="図 13"/>
-            <p:cNvPicPr>
-              <a:picLocks noChangeAspect="1"/>
-            </p:cNvPicPr>
-            <p:nvPr/>
-          </p:nvPicPr>
-          <p:blipFill rotWithShape="1">
-            <a:blip r:embed="rId2">
-              <a:extLst>
-                <a:ext uri="{28A0092B-C50C-407E-A947-70E740481C1C}">
-                  <a14:useLocalDpi xmlns:a14="http://schemas.microsoft.com/office/drawing/2010/main" val="0"/>
-                </a:ext>
-              </a:extLst>
-            </a:blip>
-            <a:srcRect l="49584" r="33583"/>
-            <a:stretch/>
-          </p:blipFill>
-          <p:spPr>
-            <a:xfrm>
-              <a:off x="1747964" y="5694848"/>
-              <a:ext cx="615950" cy="609846"/>
-            </a:xfrm>
-            <a:prstGeom prst="rect">
-              <a:avLst/>
-            </a:prstGeom>
-          </p:spPr>
-        </p:pic>
-        <p:pic>
-          <p:nvPicPr>
-            <p:cNvPr id="15" name="図 14"/>
-            <p:cNvPicPr>
-              <a:picLocks noChangeAspect="1"/>
-            </p:cNvPicPr>
-            <p:nvPr/>
-          </p:nvPicPr>
-          <p:blipFill rotWithShape="1">
-            <a:blip r:embed="rId2">
-              <a:extLst>
-                <a:ext uri="{28A0092B-C50C-407E-A947-70E740481C1C}">
-                  <a14:useLocalDpi xmlns:a14="http://schemas.microsoft.com/office/drawing/2010/main" val="0"/>
-                </a:ext>
-              </a:extLst>
-            </a:blip>
-            <a:srcRect l="66938" r="16923"/>
-            <a:stretch/>
-          </p:blipFill>
-          <p:spPr>
-            <a:xfrm>
-              <a:off x="3277486" y="4928260"/>
-              <a:ext cx="590550" cy="609846"/>
-            </a:xfrm>
-            <a:prstGeom prst="rect">
-              <a:avLst/>
-            </a:prstGeom>
-          </p:spPr>
-        </p:pic>
-        <p:pic>
-          <p:nvPicPr>
-            <p:cNvPr id="16" name="図 15"/>
-            <p:cNvPicPr>
-              <a:picLocks noChangeAspect="1"/>
-            </p:cNvPicPr>
-            <p:nvPr/>
-          </p:nvPicPr>
-          <p:blipFill rotWithShape="1">
-            <a:blip r:embed="rId2">
-              <a:extLst>
-                <a:ext uri="{28A0092B-C50C-407E-A947-70E740481C1C}">
-                  <a14:useLocalDpi xmlns:a14="http://schemas.microsoft.com/office/drawing/2010/main" val="0"/>
-                </a:ext>
-              </a:extLst>
-            </a:blip>
-            <a:srcRect l="83077"/>
-            <a:stretch/>
-          </p:blipFill>
-          <p:spPr>
-            <a:xfrm>
-              <a:off x="3277486" y="5710555"/>
-              <a:ext cx="619229" cy="609846"/>
-            </a:xfrm>
-            <a:prstGeom prst="rect">
-              <a:avLst/>
-            </a:prstGeom>
-          </p:spPr>
-        </p:pic>
-        <p:sp>
-          <p:nvSpPr>
-            <p:cNvPr id="4" name="テキスト ボックス 3"/>
-            <p:cNvSpPr txBox="1"/>
-            <p:nvPr/>
-          </p:nvSpPr>
-          <p:spPr>
-            <a:xfrm>
-              <a:off x="719064" y="5048517"/>
-              <a:ext cx="1079609" cy="369332"/>
-            </a:xfrm>
-            <a:prstGeom prst="rect">
-              <a:avLst/>
-            </a:prstGeom>
-            <a:noFill/>
-          </p:spPr>
-          <p:txBody>
-            <a:bodyPr wrap="square" rtlCol="0">
-              <a:spAutoFit/>
-            </a:bodyPr>
-            <a:lstStyle/>
-            <a:p>
-              <a:r>
-                <a:rPr lang="en-US" altLang="ja-JP" dirty="0">
-                  <a:latin typeface="チェックポイント．（ピリオド）" panose="02000600000000000000" pitchFamily="50" charset="-128"/>
-                  <a:ea typeface="チェックポイント．（ピリオド）" panose="02000600000000000000" pitchFamily="50" charset="-128"/>
-                </a:rPr>
-                <a:t>1</a:t>
-              </a:r>
-              <a:r>
-                <a:rPr kumimoji="1" lang="ja-JP" altLang="en-US" dirty="0" smtClean="0">
-                  <a:latin typeface="チェックポイント．（ピリオド）" panose="02000600000000000000" pitchFamily="50" charset="-128"/>
-                  <a:ea typeface="チェックポイント．（ピリオド）" panose="02000600000000000000" pitchFamily="50" charset="-128"/>
-                </a:rPr>
-                <a:t>段階目</a:t>
-              </a:r>
-              <a:endParaRPr kumimoji="1" lang="ja-JP" altLang="en-US" dirty="0">
-                <a:latin typeface="チェックポイント．（ピリオド）" panose="02000600000000000000" pitchFamily="50" charset="-128"/>
-                <a:ea typeface="チェックポイント．（ピリオド）" panose="02000600000000000000" pitchFamily="50" charset="-128"/>
-              </a:endParaRPr>
-            </a:p>
-          </p:txBody>
-        </p:sp>
-        <p:sp>
-          <p:nvSpPr>
-            <p:cNvPr id="17" name="テキスト ボックス 16"/>
-            <p:cNvSpPr txBox="1"/>
-            <p:nvPr/>
-          </p:nvSpPr>
-          <p:spPr>
-            <a:xfrm>
-              <a:off x="705235" y="5801323"/>
-              <a:ext cx="1079609" cy="369332"/>
-            </a:xfrm>
-            <a:prstGeom prst="rect">
-              <a:avLst/>
-            </a:prstGeom>
-            <a:noFill/>
-          </p:spPr>
-          <p:txBody>
-            <a:bodyPr wrap="square" rtlCol="0">
-              <a:spAutoFit/>
-            </a:bodyPr>
-            <a:lstStyle/>
-            <a:p>
-              <a:r>
-                <a:rPr lang="en-US" altLang="ja-JP" dirty="0" smtClean="0">
-                  <a:latin typeface="チェックポイント．（ピリオド）" panose="02000600000000000000" pitchFamily="50" charset="-128"/>
-                  <a:ea typeface="チェックポイント．（ピリオド）" panose="02000600000000000000" pitchFamily="50" charset="-128"/>
-                </a:rPr>
-                <a:t>2</a:t>
-              </a:r>
-              <a:r>
-                <a:rPr kumimoji="1" lang="ja-JP" altLang="en-US" dirty="0" smtClean="0">
-                  <a:latin typeface="チェックポイント．（ピリオド）" panose="02000600000000000000" pitchFamily="50" charset="-128"/>
-                  <a:ea typeface="チェックポイント．（ピリオド）" panose="02000600000000000000" pitchFamily="50" charset="-128"/>
-                </a:rPr>
-                <a:t>段階目</a:t>
-              </a:r>
-              <a:endParaRPr kumimoji="1" lang="ja-JP" altLang="en-US" dirty="0">
-                <a:latin typeface="チェックポイント．（ピリオド）" panose="02000600000000000000" pitchFamily="50" charset="-128"/>
-                <a:ea typeface="チェックポイント．（ピリオド）" panose="02000600000000000000" pitchFamily="50" charset="-128"/>
-              </a:endParaRPr>
-            </a:p>
-          </p:txBody>
-        </p:sp>
-        <p:sp>
-          <p:nvSpPr>
-            <p:cNvPr id="18" name="テキスト ボックス 17"/>
-            <p:cNvSpPr txBox="1"/>
-            <p:nvPr/>
-          </p:nvSpPr>
-          <p:spPr>
-            <a:xfrm>
-              <a:off x="2274948" y="5046059"/>
-              <a:ext cx="1079609" cy="369332"/>
-            </a:xfrm>
-            <a:prstGeom prst="rect">
-              <a:avLst/>
-            </a:prstGeom>
-            <a:noFill/>
-          </p:spPr>
-          <p:txBody>
-            <a:bodyPr wrap="square" rtlCol="0">
-              <a:spAutoFit/>
-            </a:bodyPr>
-            <a:lstStyle/>
-            <a:p>
-              <a:r>
-                <a:rPr lang="en-US" altLang="ja-JP" dirty="0" smtClean="0">
-                  <a:latin typeface="チェックポイント．（ピリオド）" panose="02000600000000000000" pitchFamily="50" charset="-128"/>
-                  <a:ea typeface="チェックポイント．（ピリオド）" panose="02000600000000000000" pitchFamily="50" charset="-128"/>
-                </a:rPr>
-                <a:t>3</a:t>
-              </a:r>
-              <a:r>
-                <a:rPr kumimoji="1" lang="ja-JP" altLang="en-US" dirty="0" smtClean="0">
-                  <a:latin typeface="チェックポイント．（ピリオド）" panose="02000600000000000000" pitchFamily="50" charset="-128"/>
-                  <a:ea typeface="チェックポイント．（ピリオド）" panose="02000600000000000000" pitchFamily="50" charset="-128"/>
-                </a:rPr>
-                <a:t>段階目</a:t>
-              </a:r>
-              <a:endParaRPr kumimoji="1" lang="ja-JP" altLang="en-US" dirty="0">
-                <a:latin typeface="チェックポイント．（ピリオド）" panose="02000600000000000000" pitchFamily="50" charset="-128"/>
-                <a:ea typeface="チェックポイント．（ピリオド）" panose="02000600000000000000" pitchFamily="50" charset="-128"/>
-              </a:endParaRPr>
-            </a:p>
-          </p:txBody>
-        </p:sp>
-        <p:sp>
-          <p:nvSpPr>
-            <p:cNvPr id="19" name="テキスト ボックス 18"/>
-            <p:cNvSpPr txBox="1"/>
-            <p:nvPr/>
-          </p:nvSpPr>
-          <p:spPr>
-            <a:xfrm>
-              <a:off x="2280896" y="5801323"/>
-              <a:ext cx="1079609" cy="369332"/>
-            </a:xfrm>
-            <a:prstGeom prst="rect">
-              <a:avLst/>
-            </a:prstGeom>
-            <a:noFill/>
-          </p:spPr>
-          <p:txBody>
-            <a:bodyPr wrap="square" rtlCol="0">
-              <a:spAutoFit/>
-            </a:bodyPr>
-            <a:lstStyle/>
-            <a:p>
-              <a:r>
-                <a:rPr lang="en-US" altLang="ja-JP" dirty="0" smtClean="0">
-                  <a:latin typeface="チェックポイント．（ピリオド）" panose="02000600000000000000" pitchFamily="50" charset="-128"/>
-                  <a:ea typeface="チェックポイント．（ピリオド）" panose="02000600000000000000" pitchFamily="50" charset="-128"/>
-                </a:rPr>
-                <a:t>4</a:t>
-              </a:r>
-              <a:r>
-                <a:rPr kumimoji="1" lang="ja-JP" altLang="en-US" dirty="0" smtClean="0">
-                  <a:latin typeface="チェックポイント．（ピリオド）" panose="02000600000000000000" pitchFamily="50" charset="-128"/>
-                  <a:ea typeface="チェックポイント．（ピリオド）" panose="02000600000000000000" pitchFamily="50" charset="-128"/>
-                </a:rPr>
-                <a:t>段階目</a:t>
-              </a:r>
-              <a:endParaRPr kumimoji="1" lang="ja-JP" altLang="en-US" dirty="0">
-                <a:latin typeface="チェックポイント．（ピリオド）" panose="02000600000000000000" pitchFamily="50" charset="-128"/>
-                <a:ea typeface="チェックポイント．（ピリオド）" panose="02000600000000000000" pitchFamily="50" charset="-128"/>
-              </a:endParaRPr>
-            </a:p>
-          </p:txBody>
-        </p:sp>
-        <p:sp>
-          <p:nvSpPr>
-            <p:cNvPr id="20" name="テキスト ボックス 19"/>
-            <p:cNvSpPr txBox="1"/>
-            <p:nvPr/>
-          </p:nvSpPr>
-          <p:spPr>
-            <a:xfrm>
-              <a:off x="3868035" y="5046059"/>
-              <a:ext cx="1079609" cy="369332"/>
-            </a:xfrm>
-            <a:prstGeom prst="rect">
-              <a:avLst/>
-            </a:prstGeom>
-            <a:noFill/>
-          </p:spPr>
-          <p:txBody>
-            <a:bodyPr wrap="square" rtlCol="0">
-              <a:spAutoFit/>
-            </a:bodyPr>
-            <a:lstStyle/>
-            <a:p>
-              <a:r>
-                <a:rPr lang="en-US" altLang="ja-JP" dirty="0" smtClean="0">
-                  <a:latin typeface="チェックポイント．（ピリオド）" panose="02000600000000000000" pitchFamily="50" charset="-128"/>
-                  <a:ea typeface="チェックポイント．（ピリオド）" panose="02000600000000000000" pitchFamily="50" charset="-128"/>
-                </a:rPr>
-                <a:t>5</a:t>
-              </a:r>
-              <a:r>
-                <a:rPr kumimoji="1" lang="ja-JP" altLang="en-US" dirty="0" smtClean="0">
-                  <a:latin typeface="チェックポイント．（ピリオド）" panose="02000600000000000000" pitchFamily="50" charset="-128"/>
-                  <a:ea typeface="チェックポイント．（ピリオド）" panose="02000600000000000000" pitchFamily="50" charset="-128"/>
-                </a:rPr>
-                <a:t>段階目</a:t>
-              </a:r>
-              <a:endParaRPr kumimoji="1" lang="ja-JP" altLang="en-US" dirty="0">
-                <a:latin typeface="チェックポイント．（ピリオド）" panose="02000600000000000000" pitchFamily="50" charset="-128"/>
-                <a:ea typeface="チェックポイント．（ピリオド）" panose="02000600000000000000" pitchFamily="50" charset="-128"/>
-              </a:endParaRPr>
-            </a:p>
-          </p:txBody>
-        </p:sp>
-        <p:sp>
-          <p:nvSpPr>
-            <p:cNvPr id="21" name="テキスト ボックス 20"/>
-            <p:cNvSpPr txBox="1"/>
-            <p:nvPr/>
-          </p:nvSpPr>
-          <p:spPr>
-            <a:xfrm>
-              <a:off x="3868036" y="5801323"/>
-              <a:ext cx="1079609" cy="369332"/>
-            </a:xfrm>
-            <a:prstGeom prst="rect">
-              <a:avLst/>
-            </a:prstGeom>
-            <a:noFill/>
-          </p:spPr>
-          <p:txBody>
-            <a:bodyPr wrap="square" rtlCol="0">
-              <a:spAutoFit/>
-            </a:bodyPr>
-            <a:lstStyle/>
-            <a:p>
-              <a:r>
-                <a:rPr lang="en-US" altLang="ja-JP" dirty="0" smtClean="0">
-                  <a:latin typeface="チェックポイント．（ピリオド）" panose="02000600000000000000" pitchFamily="50" charset="-128"/>
-                  <a:ea typeface="チェックポイント．（ピリオド）" panose="02000600000000000000" pitchFamily="50" charset="-128"/>
-                </a:rPr>
-                <a:t>6</a:t>
-              </a:r>
-              <a:r>
-                <a:rPr kumimoji="1" lang="ja-JP" altLang="en-US" dirty="0" smtClean="0">
-                  <a:latin typeface="チェックポイント．（ピリオド）" panose="02000600000000000000" pitchFamily="50" charset="-128"/>
-                  <a:ea typeface="チェックポイント．（ピリオド）" panose="02000600000000000000" pitchFamily="50" charset="-128"/>
-                </a:rPr>
-                <a:t>段階目</a:t>
-              </a:r>
-              <a:endParaRPr kumimoji="1" lang="ja-JP" altLang="en-US" dirty="0">
-                <a:latin typeface="チェックポイント．（ピリオド）" panose="02000600000000000000" pitchFamily="50" charset="-128"/>
-                <a:ea typeface="チェックポイント．（ピリオド）" panose="02000600000000000000" pitchFamily="50" charset="-128"/>
-              </a:endParaRPr>
-            </a:p>
-          </p:txBody>
-        </p:sp>
-      </p:grpSp>
+        </p:nvSpPr>
+        <p:spPr>
+          <a:xfrm>
+            <a:off x="1067680" y="5151355"/>
+            <a:ext cx="1079609" cy="369332"/>
+          </a:xfrm>
+          <a:prstGeom prst="rect">
+            <a:avLst/>
+          </a:prstGeom>
+          <a:noFill/>
+        </p:spPr>
+        <p:txBody>
+          <a:bodyPr wrap="square" rtlCol="0">
+            <a:spAutoFit/>
+          </a:bodyPr>
+          <a:lstStyle/>
+          <a:p>
+            <a:r>
+              <a:rPr lang="en-US" altLang="ja-JP" dirty="0">
+                <a:latin typeface="チェックポイント．（ピリオド）" panose="02000600000000000000" pitchFamily="50" charset="-128"/>
+                <a:ea typeface="チェックポイント．（ピリオド）" panose="02000600000000000000" pitchFamily="50" charset="-128"/>
+              </a:rPr>
+              <a:t>1</a:t>
+            </a:r>
+            <a:r>
+              <a:rPr kumimoji="1" lang="ja-JP" altLang="en-US" dirty="0" smtClean="0">
+                <a:latin typeface="チェックポイント．（ピリオド）" panose="02000600000000000000" pitchFamily="50" charset="-128"/>
+                <a:ea typeface="チェックポイント．（ピリオド）" panose="02000600000000000000" pitchFamily="50" charset="-128"/>
+              </a:rPr>
+              <a:t>段階目</a:t>
+            </a:r>
+            <a:endParaRPr kumimoji="1" lang="ja-JP" altLang="en-US" dirty="0">
+              <a:latin typeface="チェックポイント．（ピリオド）" panose="02000600000000000000" pitchFamily="50" charset="-128"/>
+              <a:ea typeface="チェックポイント．（ピリオド）" panose="02000600000000000000" pitchFamily="50" charset="-128"/>
+            </a:endParaRPr>
+          </a:p>
+        </p:txBody>
+      </p:sp>
+      <p:sp>
+        <p:nvSpPr>
+          <p:cNvPr id="17" name="テキスト ボックス 16"/>
+          <p:cNvSpPr txBox="1"/>
+          <p:nvPr/>
+        </p:nvSpPr>
+        <p:spPr>
+          <a:xfrm>
+            <a:off x="1053851" y="5904161"/>
+            <a:ext cx="1079609" cy="369332"/>
+          </a:xfrm>
+          <a:prstGeom prst="rect">
+            <a:avLst/>
+          </a:prstGeom>
+          <a:noFill/>
+        </p:spPr>
+        <p:txBody>
+          <a:bodyPr wrap="square" rtlCol="0">
+            <a:spAutoFit/>
+          </a:bodyPr>
+          <a:lstStyle/>
+          <a:p>
+            <a:r>
+              <a:rPr lang="en-US" altLang="ja-JP" dirty="0" smtClean="0">
+                <a:latin typeface="チェックポイント．（ピリオド）" panose="02000600000000000000" pitchFamily="50" charset="-128"/>
+                <a:ea typeface="チェックポイント．（ピリオド）" panose="02000600000000000000" pitchFamily="50" charset="-128"/>
+              </a:rPr>
+              <a:t>2</a:t>
+            </a:r>
+            <a:r>
+              <a:rPr kumimoji="1" lang="ja-JP" altLang="en-US" dirty="0" smtClean="0">
+                <a:latin typeface="チェックポイント．（ピリオド）" panose="02000600000000000000" pitchFamily="50" charset="-128"/>
+                <a:ea typeface="チェックポイント．（ピリオド）" panose="02000600000000000000" pitchFamily="50" charset="-128"/>
+              </a:rPr>
+              <a:t>段階目</a:t>
+            </a:r>
+            <a:endParaRPr kumimoji="1" lang="ja-JP" altLang="en-US" dirty="0">
+              <a:latin typeface="チェックポイント．（ピリオド）" panose="02000600000000000000" pitchFamily="50" charset="-128"/>
+              <a:ea typeface="チェックポイント．（ピリオド）" panose="02000600000000000000" pitchFamily="50" charset="-128"/>
+            </a:endParaRPr>
+          </a:p>
+        </p:txBody>
+      </p:sp>
+      <p:sp>
+        <p:nvSpPr>
+          <p:cNvPr id="18" name="テキスト ボックス 17"/>
+          <p:cNvSpPr txBox="1"/>
+          <p:nvPr/>
+        </p:nvSpPr>
+        <p:spPr>
+          <a:xfrm>
+            <a:off x="2623564" y="5148897"/>
+            <a:ext cx="1079609" cy="369332"/>
+          </a:xfrm>
+          <a:prstGeom prst="rect">
+            <a:avLst/>
+          </a:prstGeom>
+          <a:noFill/>
+        </p:spPr>
+        <p:txBody>
+          <a:bodyPr wrap="square" rtlCol="0">
+            <a:spAutoFit/>
+          </a:bodyPr>
+          <a:lstStyle/>
+          <a:p>
+            <a:r>
+              <a:rPr lang="en-US" altLang="ja-JP" dirty="0" smtClean="0">
+                <a:latin typeface="チェックポイント．（ピリオド）" panose="02000600000000000000" pitchFamily="50" charset="-128"/>
+                <a:ea typeface="チェックポイント．（ピリオド）" panose="02000600000000000000" pitchFamily="50" charset="-128"/>
+              </a:rPr>
+              <a:t>3</a:t>
+            </a:r>
+            <a:r>
+              <a:rPr kumimoji="1" lang="ja-JP" altLang="en-US" dirty="0" smtClean="0">
+                <a:latin typeface="チェックポイント．（ピリオド）" panose="02000600000000000000" pitchFamily="50" charset="-128"/>
+                <a:ea typeface="チェックポイント．（ピリオド）" panose="02000600000000000000" pitchFamily="50" charset="-128"/>
+              </a:rPr>
+              <a:t>段階目</a:t>
+            </a:r>
+            <a:endParaRPr kumimoji="1" lang="ja-JP" altLang="en-US" dirty="0">
+              <a:latin typeface="チェックポイント．（ピリオド）" panose="02000600000000000000" pitchFamily="50" charset="-128"/>
+              <a:ea typeface="チェックポイント．（ピリオド）" panose="02000600000000000000" pitchFamily="50" charset="-128"/>
+            </a:endParaRPr>
+          </a:p>
+        </p:txBody>
+      </p:sp>
+      <p:sp>
+        <p:nvSpPr>
+          <p:cNvPr id="19" name="テキスト ボックス 18"/>
+          <p:cNvSpPr txBox="1"/>
+          <p:nvPr/>
+        </p:nvSpPr>
+        <p:spPr>
+          <a:xfrm>
+            <a:off x="2629512" y="5904161"/>
+            <a:ext cx="1079609" cy="369332"/>
+          </a:xfrm>
+          <a:prstGeom prst="rect">
+            <a:avLst/>
+          </a:prstGeom>
+          <a:noFill/>
+        </p:spPr>
+        <p:txBody>
+          <a:bodyPr wrap="square" rtlCol="0">
+            <a:spAutoFit/>
+          </a:bodyPr>
+          <a:lstStyle/>
+          <a:p>
+            <a:r>
+              <a:rPr lang="en-US" altLang="ja-JP" dirty="0" smtClean="0">
+                <a:latin typeface="チェックポイント．（ピリオド）" panose="02000600000000000000" pitchFamily="50" charset="-128"/>
+                <a:ea typeface="チェックポイント．（ピリオド）" panose="02000600000000000000" pitchFamily="50" charset="-128"/>
+              </a:rPr>
+              <a:t>4</a:t>
+            </a:r>
+            <a:r>
+              <a:rPr kumimoji="1" lang="ja-JP" altLang="en-US" dirty="0" smtClean="0">
+                <a:latin typeface="チェックポイント．（ピリオド）" panose="02000600000000000000" pitchFamily="50" charset="-128"/>
+                <a:ea typeface="チェックポイント．（ピリオド）" panose="02000600000000000000" pitchFamily="50" charset="-128"/>
+              </a:rPr>
+              <a:t>段階目</a:t>
+            </a:r>
+            <a:endParaRPr kumimoji="1" lang="ja-JP" altLang="en-US" dirty="0">
+              <a:latin typeface="チェックポイント．（ピリオド）" panose="02000600000000000000" pitchFamily="50" charset="-128"/>
+              <a:ea typeface="チェックポイント．（ピリオド）" panose="02000600000000000000" pitchFamily="50" charset="-128"/>
+            </a:endParaRPr>
+          </a:p>
+        </p:txBody>
+      </p:sp>
+      <p:sp>
+        <p:nvSpPr>
+          <p:cNvPr id="20" name="テキスト ボックス 19"/>
+          <p:cNvSpPr txBox="1"/>
+          <p:nvPr/>
+        </p:nvSpPr>
+        <p:spPr>
+          <a:xfrm>
+            <a:off x="4216651" y="5148897"/>
+            <a:ext cx="1079609" cy="369332"/>
+          </a:xfrm>
+          <a:prstGeom prst="rect">
+            <a:avLst/>
+          </a:prstGeom>
+          <a:noFill/>
+        </p:spPr>
+        <p:txBody>
+          <a:bodyPr wrap="square" rtlCol="0">
+            <a:spAutoFit/>
+          </a:bodyPr>
+          <a:lstStyle/>
+          <a:p>
+            <a:r>
+              <a:rPr lang="en-US" altLang="ja-JP" dirty="0" smtClean="0">
+                <a:latin typeface="チェックポイント．（ピリオド）" panose="02000600000000000000" pitchFamily="50" charset="-128"/>
+                <a:ea typeface="チェックポイント．（ピリオド）" panose="02000600000000000000" pitchFamily="50" charset="-128"/>
+              </a:rPr>
+              <a:t>5</a:t>
+            </a:r>
+            <a:r>
+              <a:rPr kumimoji="1" lang="ja-JP" altLang="en-US" dirty="0" smtClean="0">
+                <a:latin typeface="チェックポイント．（ピリオド）" panose="02000600000000000000" pitchFamily="50" charset="-128"/>
+                <a:ea typeface="チェックポイント．（ピリオド）" panose="02000600000000000000" pitchFamily="50" charset="-128"/>
+              </a:rPr>
+              <a:t>段階目</a:t>
+            </a:r>
+            <a:endParaRPr kumimoji="1" lang="ja-JP" altLang="en-US" dirty="0">
+              <a:latin typeface="チェックポイント．（ピリオド）" panose="02000600000000000000" pitchFamily="50" charset="-128"/>
+              <a:ea typeface="チェックポイント．（ピリオド）" panose="02000600000000000000" pitchFamily="50" charset="-128"/>
+            </a:endParaRPr>
+          </a:p>
+        </p:txBody>
+      </p:sp>
+      <p:sp>
+        <p:nvSpPr>
+          <p:cNvPr id="21" name="テキスト ボックス 20"/>
+          <p:cNvSpPr txBox="1"/>
+          <p:nvPr/>
+        </p:nvSpPr>
+        <p:spPr>
+          <a:xfrm>
+            <a:off x="4216652" y="5904161"/>
+            <a:ext cx="1079609" cy="369332"/>
+          </a:xfrm>
+          <a:prstGeom prst="rect">
+            <a:avLst/>
+          </a:prstGeom>
+          <a:noFill/>
+        </p:spPr>
+        <p:txBody>
+          <a:bodyPr wrap="square" rtlCol="0">
+            <a:spAutoFit/>
+          </a:bodyPr>
+          <a:lstStyle/>
+          <a:p>
+            <a:r>
+              <a:rPr lang="en-US" altLang="ja-JP" dirty="0" smtClean="0">
+                <a:latin typeface="チェックポイント．（ピリオド）" panose="02000600000000000000" pitchFamily="50" charset="-128"/>
+                <a:ea typeface="チェックポイント．（ピリオド）" panose="02000600000000000000" pitchFamily="50" charset="-128"/>
+              </a:rPr>
+              <a:t>6</a:t>
+            </a:r>
+            <a:r>
+              <a:rPr kumimoji="1" lang="ja-JP" altLang="en-US" dirty="0" smtClean="0">
+                <a:latin typeface="チェックポイント．（ピリオド）" panose="02000600000000000000" pitchFamily="50" charset="-128"/>
+                <a:ea typeface="チェックポイント．（ピリオド）" panose="02000600000000000000" pitchFamily="50" charset="-128"/>
+              </a:rPr>
+              <a:t>段階目</a:t>
+            </a:r>
+            <a:endParaRPr kumimoji="1" lang="ja-JP" altLang="en-US" dirty="0">
+              <a:latin typeface="チェックポイント．（ピリオド）" panose="02000600000000000000" pitchFamily="50" charset="-128"/>
+              <a:ea typeface="チェックポイント．（ピリオド）" panose="02000600000000000000" pitchFamily="50" charset="-128"/>
+            </a:endParaRPr>
+          </a:p>
+        </p:txBody>
+      </p:sp>
+      <p:pic>
+        <p:nvPicPr>
+          <p:cNvPr id="9" name="図 8"/>
+          <p:cNvPicPr>
+            <a:picLocks noChangeAspect="1"/>
+          </p:cNvPicPr>
+          <p:nvPr/>
+        </p:nvPicPr>
+        <p:blipFill rotWithShape="1">
+          <a:blip r:embed="rId3">
+            <a:extLst>
+              <a:ext uri="{28A0092B-C50C-407E-A947-70E740481C1C}">
+                <a14:useLocalDpi xmlns:a14="http://schemas.microsoft.com/office/drawing/2010/main" val="0"/>
+              </a:ext>
+            </a:extLst>
+          </a:blip>
+          <a:srcRect l="1" r="83319"/>
+          <a:stretch/>
+        </p:blipFill>
+        <p:spPr>
+          <a:xfrm>
+            <a:off x="515728" y="5011810"/>
+            <a:ext cx="610340" cy="609846"/>
+          </a:xfrm>
+          <a:prstGeom prst="rect">
+            <a:avLst/>
+          </a:prstGeom>
+        </p:spPr>
+      </p:pic>
+      <p:pic>
+        <p:nvPicPr>
+          <p:cNvPr id="23" name="図 22"/>
+          <p:cNvPicPr>
+            <a:picLocks noChangeAspect="1"/>
+          </p:cNvPicPr>
+          <p:nvPr/>
+        </p:nvPicPr>
+        <p:blipFill rotWithShape="1">
+          <a:blip r:embed="rId3">
+            <a:extLst>
+              <a:ext uri="{28A0092B-C50C-407E-A947-70E740481C1C}">
+                <a14:useLocalDpi xmlns:a14="http://schemas.microsoft.com/office/drawing/2010/main" val="0"/>
+              </a:ext>
+            </a:extLst>
+          </a:blip>
+          <a:srcRect l="16680" r="66747"/>
+          <a:stretch/>
+        </p:blipFill>
+        <p:spPr>
+          <a:xfrm>
+            <a:off x="519643" y="5783904"/>
+            <a:ext cx="606425" cy="609846"/>
+          </a:xfrm>
+          <a:prstGeom prst="rect">
+            <a:avLst/>
+          </a:prstGeom>
+        </p:spPr>
+      </p:pic>
+      <p:pic>
+        <p:nvPicPr>
+          <p:cNvPr id="25" name="図 24"/>
+          <p:cNvPicPr>
+            <a:picLocks noChangeAspect="1"/>
+          </p:cNvPicPr>
+          <p:nvPr/>
+        </p:nvPicPr>
+        <p:blipFill rotWithShape="1">
+          <a:blip r:embed="rId3">
+            <a:extLst>
+              <a:ext uri="{28A0092B-C50C-407E-A947-70E740481C1C}">
+                <a14:useLocalDpi xmlns:a14="http://schemas.microsoft.com/office/drawing/2010/main" val="0"/>
+              </a:ext>
+            </a:extLst>
+          </a:blip>
+          <a:srcRect l="33313" r="50027"/>
+          <a:stretch/>
+        </p:blipFill>
+        <p:spPr>
+          <a:xfrm>
+            <a:off x="2070217" y="5011810"/>
+            <a:ext cx="609600" cy="609846"/>
+          </a:xfrm>
+          <a:prstGeom prst="rect">
+            <a:avLst/>
+          </a:prstGeom>
+        </p:spPr>
+      </p:pic>
+      <p:pic>
+        <p:nvPicPr>
+          <p:cNvPr id="26" name="図 25"/>
+          <p:cNvPicPr>
+            <a:picLocks noChangeAspect="1"/>
+          </p:cNvPicPr>
+          <p:nvPr/>
+        </p:nvPicPr>
+        <p:blipFill rotWithShape="1">
+          <a:blip r:embed="rId3">
+            <a:extLst>
+              <a:ext uri="{28A0092B-C50C-407E-A947-70E740481C1C}">
+                <a14:useLocalDpi xmlns:a14="http://schemas.microsoft.com/office/drawing/2010/main" val="0"/>
+              </a:ext>
+            </a:extLst>
+          </a:blip>
+          <a:srcRect l="49973" r="33367"/>
+          <a:stretch/>
+        </p:blipFill>
+        <p:spPr>
+          <a:xfrm>
+            <a:off x="2070217" y="5784438"/>
+            <a:ext cx="609600" cy="609846"/>
+          </a:xfrm>
+          <a:prstGeom prst="rect">
+            <a:avLst/>
+          </a:prstGeom>
+        </p:spPr>
+      </p:pic>
+      <p:pic>
+        <p:nvPicPr>
+          <p:cNvPr id="27" name="図 26"/>
+          <p:cNvPicPr>
+            <a:picLocks noChangeAspect="1"/>
+          </p:cNvPicPr>
+          <p:nvPr/>
+        </p:nvPicPr>
+        <p:blipFill rotWithShape="1">
+          <a:blip r:embed="rId3">
+            <a:extLst>
+              <a:ext uri="{28A0092B-C50C-407E-A947-70E740481C1C}">
+                <a14:useLocalDpi xmlns:a14="http://schemas.microsoft.com/office/drawing/2010/main" val="0"/>
+              </a:ext>
+            </a:extLst>
+          </a:blip>
+          <a:srcRect l="66633" r="16707"/>
+          <a:stretch/>
+        </p:blipFill>
+        <p:spPr>
+          <a:xfrm>
+            <a:off x="3660688" y="5011810"/>
+            <a:ext cx="609600" cy="609846"/>
+          </a:xfrm>
+          <a:prstGeom prst="rect">
+            <a:avLst/>
+          </a:prstGeom>
+        </p:spPr>
+      </p:pic>
+      <p:pic>
+        <p:nvPicPr>
+          <p:cNvPr id="28" name="図 27"/>
+          <p:cNvPicPr>
+            <a:picLocks noChangeAspect="1"/>
+          </p:cNvPicPr>
+          <p:nvPr/>
+        </p:nvPicPr>
+        <p:blipFill rotWithShape="1">
+          <a:blip r:embed="rId3">
+            <a:extLst>
+              <a:ext uri="{28A0092B-C50C-407E-A947-70E740481C1C}">
+                <a14:useLocalDpi xmlns:a14="http://schemas.microsoft.com/office/drawing/2010/main" val="0"/>
+              </a:ext>
+            </a:extLst>
+          </a:blip>
+          <a:srcRect l="83466"/>
+          <a:stretch/>
+        </p:blipFill>
+        <p:spPr>
+          <a:xfrm>
+            <a:off x="3662999" y="5783904"/>
+            <a:ext cx="604978" cy="609846"/>
+          </a:xfrm>
+          <a:prstGeom prst="rect">
+            <a:avLst/>
+          </a:prstGeom>
+        </p:spPr>
+      </p:pic>
     </p:spTree>
     <p:extLst>
       <p:ext uri="{BB962C8B-B14F-4D97-AF65-F5344CB8AC3E}">
@@ -7594,7 +7622,7 @@
           <p:cNvPr id="4" name="テキスト ボックス 3">
             <a:extLst>
               <a:ext uri="{FF2B5EF4-FFF2-40B4-BE49-F238E27FC236}">
-                <a16:creationId xmlns="" xmlns:a16="http://schemas.microsoft.com/office/drawing/2014/main" id="{83D9254C-066B-4A30-984B-189E5281BB91}"/>
+                <a16:creationId xmlns:a16="http://schemas.microsoft.com/office/drawing/2014/main" xmlns="" id="{83D9254C-066B-4A30-984B-189E5281BB91}"/>
               </a:ext>
             </a:extLst>
           </p:cNvPr>
@@ -8040,7 +8068,7 @@
           <p:cNvPr id="5" name="テキスト ボックス 4">
             <a:extLst>
               <a:ext uri="{FF2B5EF4-FFF2-40B4-BE49-F238E27FC236}">
-                <a16:creationId xmlns="" xmlns:a16="http://schemas.microsoft.com/office/drawing/2014/main" id="{E7DA8156-9232-45DF-BDAB-F8BFA4989BF6}"/>
+                <a16:creationId xmlns:a16="http://schemas.microsoft.com/office/drawing/2014/main" xmlns="" id="{E7DA8156-9232-45DF-BDAB-F8BFA4989BF6}"/>
               </a:ext>
             </a:extLst>
           </p:cNvPr>
@@ -8084,7 +8112,7 @@
           <p:cNvPr id="7" name="テキスト ボックス 6">
             <a:extLst>
               <a:ext uri="{FF2B5EF4-FFF2-40B4-BE49-F238E27FC236}">
-                <a16:creationId xmlns="" xmlns:a16="http://schemas.microsoft.com/office/drawing/2014/main" id="{86562B00-1D31-41BF-8D0A-F3A64C35FA2F}"/>
+                <a16:creationId xmlns:a16="http://schemas.microsoft.com/office/drawing/2014/main" xmlns="" id="{86562B00-1D31-41BF-8D0A-F3A64C35FA2F}"/>
               </a:ext>
             </a:extLst>
           </p:cNvPr>
@@ -8136,7 +8164,7 @@
           <p:cNvPr id="8" name="テキスト ボックス 7">
             <a:extLst>
               <a:ext uri="{FF2B5EF4-FFF2-40B4-BE49-F238E27FC236}">
-                <a16:creationId xmlns="" xmlns:a16="http://schemas.microsoft.com/office/drawing/2014/main" id="{4B1A7519-3AB7-4FFE-8DC1-5D58D39C3087}"/>
+                <a16:creationId xmlns:a16="http://schemas.microsoft.com/office/drawing/2014/main" xmlns="" id="{4B1A7519-3AB7-4FFE-8DC1-5D58D39C3087}"/>
               </a:ext>
             </a:extLst>
           </p:cNvPr>
@@ -8185,7 +8213,7 @@
           <p:cNvPr id="16" name="テキスト ボックス 15">
             <a:extLst>
               <a:ext uri="{FF2B5EF4-FFF2-40B4-BE49-F238E27FC236}">
-                <a16:creationId xmlns="" xmlns:a16="http://schemas.microsoft.com/office/drawing/2014/main" id="{EAD140C4-19B0-40CF-8A7F-5B444A6FB643}"/>
+                <a16:creationId xmlns:a16="http://schemas.microsoft.com/office/drawing/2014/main" xmlns="" id="{EAD140C4-19B0-40CF-8A7F-5B444A6FB643}"/>
               </a:ext>
             </a:extLst>
           </p:cNvPr>
@@ -8223,7 +8251,7 @@
           <p:cNvPr id="17" name="テキスト ボックス 16">
             <a:extLst>
               <a:ext uri="{FF2B5EF4-FFF2-40B4-BE49-F238E27FC236}">
-                <a16:creationId xmlns="" xmlns:a16="http://schemas.microsoft.com/office/drawing/2014/main" id="{35A6466D-48F7-44F6-AA87-CA2E29ED1A92}"/>
+                <a16:creationId xmlns:a16="http://schemas.microsoft.com/office/drawing/2014/main" xmlns="" id="{35A6466D-48F7-44F6-AA87-CA2E29ED1A92}"/>
               </a:ext>
             </a:extLst>
           </p:cNvPr>
@@ -8261,7 +8289,7 @@
           <p:cNvPr id="20" name="グループ化 19">
             <a:extLst>
               <a:ext uri="{FF2B5EF4-FFF2-40B4-BE49-F238E27FC236}">
-                <a16:creationId xmlns="" xmlns:a16="http://schemas.microsoft.com/office/drawing/2014/main" id="{F2B7319D-4B0F-4E88-BF97-C6858CA42543}"/>
+                <a16:creationId xmlns:a16="http://schemas.microsoft.com/office/drawing/2014/main" xmlns="" id="{F2B7319D-4B0F-4E88-BF97-C6858CA42543}"/>
               </a:ext>
             </a:extLst>
           </p:cNvPr>
@@ -8281,7 +8309,7 @@
             <p:cNvPr id="10" name="図 9">
               <a:extLst>
                 <a:ext uri="{FF2B5EF4-FFF2-40B4-BE49-F238E27FC236}">
-                  <a16:creationId xmlns="" xmlns:a16="http://schemas.microsoft.com/office/drawing/2014/main" id="{CC45E600-B2B8-4EEF-9509-45C7FC593D21}"/>
+                  <a16:creationId xmlns:a16="http://schemas.microsoft.com/office/drawing/2014/main" xmlns="" id="{CC45E600-B2B8-4EEF-9509-45C7FC593D21}"/>
                 </a:ext>
               </a:extLst>
             </p:cNvPr>
@@ -8316,7 +8344,7 @@
             <p:cNvPr id="3" name="図 2">
               <a:extLst>
                 <a:ext uri="{FF2B5EF4-FFF2-40B4-BE49-F238E27FC236}">
-                  <a16:creationId xmlns="" xmlns:a16="http://schemas.microsoft.com/office/drawing/2014/main" id="{76874239-A564-450E-95B6-FA50B49D3D17}"/>
+                  <a16:creationId xmlns:a16="http://schemas.microsoft.com/office/drawing/2014/main" xmlns="" id="{76874239-A564-450E-95B6-FA50B49D3D17}"/>
                 </a:ext>
               </a:extLst>
             </p:cNvPr>
@@ -8352,7 +8380,7 @@
             <p:cNvPr id="18" name="図 17">
               <a:extLst>
                 <a:ext uri="{FF2B5EF4-FFF2-40B4-BE49-F238E27FC236}">
-                  <a16:creationId xmlns="" xmlns:a16="http://schemas.microsoft.com/office/drawing/2014/main" id="{0AB0B9E4-14DF-45A3-A28A-92DB7B5FED7E}"/>
+                  <a16:creationId xmlns:a16="http://schemas.microsoft.com/office/drawing/2014/main" xmlns="" id="{0AB0B9E4-14DF-45A3-A28A-92DB7B5FED7E}"/>
                 </a:ext>
               </a:extLst>
             </p:cNvPr>
@@ -8388,7 +8416,7 @@
             <p:cNvPr id="6" name="図 5" descr="歯車, 車輪 が含まれている画像&#10;&#10;自動的に生成された説明">
               <a:extLst>
                 <a:ext uri="{FF2B5EF4-FFF2-40B4-BE49-F238E27FC236}">
-                  <a16:creationId xmlns="" xmlns:a16="http://schemas.microsoft.com/office/drawing/2014/main" id="{719E7009-8045-4D66-A55A-5EE8D48EF64A}"/>
+                  <a16:creationId xmlns:a16="http://schemas.microsoft.com/office/drawing/2014/main" xmlns="" id="{719E7009-8045-4D66-A55A-5EE8D48EF64A}"/>
                 </a:ext>
               </a:extLst>
             </p:cNvPr>
@@ -8424,7 +8452,7 @@
             <p:cNvPr id="19" name="図 18" descr="車輪 が含まれている画像&#10;&#10;自動的に生成された説明">
               <a:extLst>
                 <a:ext uri="{FF2B5EF4-FFF2-40B4-BE49-F238E27FC236}">
-                  <a16:creationId xmlns="" xmlns:a16="http://schemas.microsoft.com/office/drawing/2014/main" id="{E345A25F-5D95-4CBD-ADD0-087829B4C775}"/>
+                  <a16:creationId xmlns:a16="http://schemas.microsoft.com/office/drawing/2014/main" xmlns="" id="{E345A25F-5D95-4CBD-ADD0-087829B4C775}"/>
                 </a:ext>
               </a:extLst>
             </p:cNvPr>
@@ -8498,7 +8526,7 @@
           <p:cNvPr id="7" name="テキスト ボックス 6">
             <a:extLst>
               <a:ext uri="{FF2B5EF4-FFF2-40B4-BE49-F238E27FC236}">
-                <a16:creationId xmlns="" xmlns:a16="http://schemas.microsoft.com/office/drawing/2014/main" id="{C41C563A-40AB-403A-8661-FE9944DE17B5}"/>
+                <a16:creationId xmlns:a16="http://schemas.microsoft.com/office/drawing/2014/main" xmlns="" id="{C41C563A-40AB-403A-8661-FE9944DE17B5}"/>
               </a:ext>
             </a:extLst>
           </p:cNvPr>
@@ -8919,6 +8947,13 @@
   <p:clrMapOvr>
     <a:masterClrMapping/>
   </p:clrMapOvr>
+  <p:timing>
+    <p:tnLst>
+      <p:par>
+        <p:cTn id="1" dur="indefinite" restart="never" nodeType="tmRoot"/>
+      </p:par>
+    </p:tnLst>
+  </p:timing>
 </p:sld>
 </file>
 
@@ -8944,7 +8979,7 @@
           <p:cNvPr id="4" name="テキスト ボックス 3">
             <a:extLst>
               <a:ext uri="{FF2B5EF4-FFF2-40B4-BE49-F238E27FC236}">
-                <a16:creationId xmlns="" xmlns:a16="http://schemas.microsoft.com/office/drawing/2014/main" id="{C41C563A-40AB-403A-8661-FE9944DE17B5}"/>
+                <a16:creationId xmlns:a16="http://schemas.microsoft.com/office/drawing/2014/main" xmlns="" id="{C41C563A-40AB-403A-8661-FE9944DE17B5}"/>
               </a:ext>
             </a:extLst>
           </p:cNvPr>
@@ -9364,7 +9399,7 @@
           <p:cNvPr id="2" name="図 1">
             <a:extLst>
               <a:ext uri="{FF2B5EF4-FFF2-40B4-BE49-F238E27FC236}">
-                <a16:creationId xmlns="" xmlns:a16="http://schemas.microsoft.com/office/drawing/2014/main" id="{ABA9EEB5-CD54-4299-B4B2-40DB1CEF4FD2}"/>
+                <a16:creationId xmlns:a16="http://schemas.microsoft.com/office/drawing/2014/main" xmlns="" id="{ABA9EEB5-CD54-4299-B4B2-40DB1CEF4FD2}"/>
               </a:ext>
             </a:extLst>
           </p:cNvPr>
@@ -9916,7 +9951,7 @@
           <p:cNvPr id="13" name="正方形/長方形 12">
             <a:extLst>
               <a:ext uri="{FF2B5EF4-FFF2-40B4-BE49-F238E27FC236}">
-                <a16:creationId xmlns="" xmlns:a16="http://schemas.microsoft.com/office/drawing/2014/main" id="{A37BEE43-2066-46D6-8830-D8556B22304D}"/>
+                <a16:creationId xmlns:a16="http://schemas.microsoft.com/office/drawing/2014/main" xmlns="" id="{A37BEE43-2066-46D6-8830-D8556B22304D}"/>
               </a:ext>
             </a:extLst>
           </p:cNvPr>
@@ -9968,7 +10003,7 @@
           <p:cNvPr id="14" name="正方形/長方形 13">
             <a:extLst>
               <a:ext uri="{FF2B5EF4-FFF2-40B4-BE49-F238E27FC236}">
-                <a16:creationId xmlns="" xmlns:a16="http://schemas.microsoft.com/office/drawing/2014/main" id="{BA56A8B8-81E8-409C-8A37-384626294E40}"/>
+                <a16:creationId xmlns:a16="http://schemas.microsoft.com/office/drawing/2014/main" xmlns="" id="{BA56A8B8-81E8-409C-8A37-384626294E40}"/>
               </a:ext>
             </a:extLst>
           </p:cNvPr>
@@ -10020,7 +10055,7 @@
           <p:cNvPr id="15" name="正方形/長方形 14">
             <a:extLst>
               <a:ext uri="{FF2B5EF4-FFF2-40B4-BE49-F238E27FC236}">
-                <a16:creationId xmlns="" xmlns:a16="http://schemas.microsoft.com/office/drawing/2014/main" id="{AF0DEFD2-0EA7-416C-9349-A86003C1114B}"/>
+                <a16:creationId xmlns:a16="http://schemas.microsoft.com/office/drawing/2014/main" xmlns="" id="{AF0DEFD2-0EA7-416C-9349-A86003C1114B}"/>
               </a:ext>
             </a:extLst>
           </p:cNvPr>
@@ -10072,7 +10107,7 @@
           <p:cNvPr id="18" name="正方形/長方形 17">
             <a:extLst>
               <a:ext uri="{FF2B5EF4-FFF2-40B4-BE49-F238E27FC236}">
-                <a16:creationId xmlns="" xmlns:a16="http://schemas.microsoft.com/office/drawing/2014/main" id="{DFCE669F-B98A-49D5-9CD8-578BB88718CC}"/>
+                <a16:creationId xmlns:a16="http://schemas.microsoft.com/office/drawing/2014/main" xmlns="" id="{DFCE669F-B98A-49D5-9CD8-578BB88718CC}"/>
               </a:ext>
             </a:extLst>
           </p:cNvPr>
@@ -10161,7 +10196,7 @@
           <p:cNvPr id="2" name="図 1">
             <a:extLst>
               <a:ext uri="{FF2B5EF4-FFF2-40B4-BE49-F238E27FC236}">
-                <a16:creationId xmlns="" xmlns:a16="http://schemas.microsoft.com/office/drawing/2014/main" id="{FACDA18E-C9A9-4595-A67B-3D09A78991DE}"/>
+                <a16:creationId xmlns:a16="http://schemas.microsoft.com/office/drawing/2014/main" xmlns="" id="{FACDA18E-C9A9-4595-A67B-3D09A78991DE}"/>
               </a:ext>
             </a:extLst>
           </p:cNvPr>
@@ -10680,7 +10715,7 @@
           <p:cNvPr id="10" name="正方形/長方形 9">
             <a:extLst>
               <a:ext uri="{FF2B5EF4-FFF2-40B4-BE49-F238E27FC236}">
-                <a16:creationId xmlns="" xmlns:a16="http://schemas.microsoft.com/office/drawing/2014/main" id="{6FFE011D-710D-4A4F-9825-141048483DC9}"/>
+                <a16:creationId xmlns:a16="http://schemas.microsoft.com/office/drawing/2014/main" xmlns="" id="{6FFE011D-710D-4A4F-9825-141048483DC9}"/>
               </a:ext>
             </a:extLst>
           </p:cNvPr>
@@ -10732,7 +10767,7 @@
           <p:cNvPr id="11" name="正方形/長方形 10">
             <a:extLst>
               <a:ext uri="{FF2B5EF4-FFF2-40B4-BE49-F238E27FC236}">
-                <a16:creationId xmlns="" xmlns:a16="http://schemas.microsoft.com/office/drawing/2014/main" id="{E20945F6-E8A3-4843-8AA8-C3CA375AAF01}"/>
+                <a16:creationId xmlns:a16="http://schemas.microsoft.com/office/drawing/2014/main" xmlns="" id="{E20945F6-E8A3-4843-8AA8-C3CA375AAF01}"/>
               </a:ext>
             </a:extLst>
           </p:cNvPr>
@@ -10784,7 +10819,7 @@
           <p:cNvPr id="12" name="正方形/長方形 11">
             <a:extLst>
               <a:ext uri="{FF2B5EF4-FFF2-40B4-BE49-F238E27FC236}">
-                <a16:creationId xmlns="" xmlns:a16="http://schemas.microsoft.com/office/drawing/2014/main" id="{7A027602-FE49-443B-B979-695A16DF3603}"/>
+                <a16:creationId xmlns:a16="http://schemas.microsoft.com/office/drawing/2014/main" xmlns="" id="{7A027602-FE49-443B-B979-695A16DF3603}"/>
               </a:ext>
             </a:extLst>
           </p:cNvPr>
@@ -10836,7 +10871,7 @@
           <p:cNvPr id="13" name="正方形/長方形 12">
             <a:extLst>
               <a:ext uri="{FF2B5EF4-FFF2-40B4-BE49-F238E27FC236}">
-                <a16:creationId xmlns="" xmlns:a16="http://schemas.microsoft.com/office/drawing/2014/main" id="{6D5653B2-A431-4E41-A84C-D2D0A59D8FFF}"/>
+                <a16:creationId xmlns:a16="http://schemas.microsoft.com/office/drawing/2014/main" xmlns="" id="{6D5653B2-A431-4E41-A84C-D2D0A59D8FFF}"/>
               </a:ext>
             </a:extLst>
           </p:cNvPr>
@@ -10888,7 +10923,7 @@
           <p:cNvPr id="15" name="正方形/長方形 14">
             <a:extLst>
               <a:ext uri="{FF2B5EF4-FFF2-40B4-BE49-F238E27FC236}">
-                <a16:creationId xmlns="" xmlns:a16="http://schemas.microsoft.com/office/drawing/2014/main" id="{E0E6CB0D-AD4F-4358-8DF1-ECAD7B65F9F5}"/>
+                <a16:creationId xmlns:a16="http://schemas.microsoft.com/office/drawing/2014/main" xmlns="" id="{E0E6CB0D-AD4F-4358-8DF1-ECAD7B65F9F5}"/>
               </a:ext>
             </a:extLst>
           </p:cNvPr>
@@ -10940,7 +10975,7 @@
           <p:cNvPr id="16" name="四角形吹き出し 4">
             <a:extLst>
               <a:ext uri="{FF2B5EF4-FFF2-40B4-BE49-F238E27FC236}">
-                <a16:creationId xmlns="" xmlns:a16="http://schemas.microsoft.com/office/drawing/2014/main" id="{63DDAF72-AE4E-4AAC-AC6F-2CCD1ADC7265}"/>
+                <a16:creationId xmlns:a16="http://schemas.microsoft.com/office/drawing/2014/main" xmlns="" id="{63DDAF72-AE4E-4AAC-AC6F-2CCD1ADC7265}"/>
               </a:ext>
             </a:extLst>
           </p:cNvPr>
@@ -11043,7 +11078,7 @@
           <p:cNvPr id="2" name="図 1">
             <a:extLst>
               <a:ext uri="{FF2B5EF4-FFF2-40B4-BE49-F238E27FC236}">
-                <a16:creationId xmlns="" xmlns:a16="http://schemas.microsoft.com/office/drawing/2014/main" id="{6D8FB80E-219E-48B7-8A76-83136658BD39}"/>
+                <a16:creationId xmlns:a16="http://schemas.microsoft.com/office/drawing/2014/main" xmlns="" id="{6D8FB80E-219E-48B7-8A76-83136658BD39}"/>
               </a:ext>
             </a:extLst>
           </p:cNvPr>
@@ -11445,7 +11480,7 @@
           <p:cNvPr id="8" name="正方形/長方形 7">
             <a:extLst>
               <a:ext uri="{FF2B5EF4-FFF2-40B4-BE49-F238E27FC236}">
-                <a16:creationId xmlns="" xmlns:a16="http://schemas.microsoft.com/office/drawing/2014/main" id="{F7BE2C32-C21E-4467-87D2-8052D2B5FDA7}"/>
+                <a16:creationId xmlns:a16="http://schemas.microsoft.com/office/drawing/2014/main" xmlns="" id="{F7BE2C32-C21E-4467-87D2-8052D2B5FDA7}"/>
               </a:ext>
             </a:extLst>
           </p:cNvPr>
@@ -11497,7 +11532,7 @@
           <p:cNvPr id="12" name="正方形/長方形 11">
             <a:extLst>
               <a:ext uri="{FF2B5EF4-FFF2-40B4-BE49-F238E27FC236}">
-                <a16:creationId xmlns="" xmlns:a16="http://schemas.microsoft.com/office/drawing/2014/main" id="{40ABF9C2-DF54-4877-A01A-A46FE482F6B4}"/>
+                <a16:creationId xmlns:a16="http://schemas.microsoft.com/office/drawing/2014/main" xmlns="" id="{40ABF9C2-DF54-4877-A01A-A46FE482F6B4}"/>
               </a:ext>
             </a:extLst>
           </p:cNvPr>
@@ -11549,7 +11584,7 @@
           <p:cNvPr id="14" name="正方形/長方形 13">
             <a:extLst>
               <a:ext uri="{FF2B5EF4-FFF2-40B4-BE49-F238E27FC236}">
-                <a16:creationId xmlns="" xmlns:a16="http://schemas.microsoft.com/office/drawing/2014/main" id="{04C836FE-EE43-45CD-B4BE-F7E0ABEE0088}"/>
+                <a16:creationId xmlns:a16="http://schemas.microsoft.com/office/drawing/2014/main" xmlns="" id="{04C836FE-EE43-45CD-B4BE-F7E0ABEE0088}"/>
               </a:ext>
             </a:extLst>
           </p:cNvPr>
@@ -11601,7 +11636,7 @@
           <p:cNvPr id="16" name="吹き出し: 四角形 15">
             <a:extLst>
               <a:ext uri="{FF2B5EF4-FFF2-40B4-BE49-F238E27FC236}">
-                <a16:creationId xmlns="" xmlns:a16="http://schemas.microsoft.com/office/drawing/2014/main" id="{3ECE61CD-6BC4-463C-897C-903CC3F098F0}"/>
+                <a16:creationId xmlns:a16="http://schemas.microsoft.com/office/drawing/2014/main" xmlns="" id="{3ECE61CD-6BC4-463C-897C-903CC3F098F0}"/>
               </a:ext>
             </a:extLst>
           </p:cNvPr>
@@ -11704,7 +11739,7 @@
           <p:cNvPr id="5" name="図 4">
             <a:extLst>
               <a:ext uri="{FF2B5EF4-FFF2-40B4-BE49-F238E27FC236}">
-                <a16:creationId xmlns="" xmlns:a16="http://schemas.microsoft.com/office/drawing/2014/main" id="{165CE0B9-374D-46A3-97C1-E7AFAFB5DEDF}"/>
+                <a16:creationId xmlns:a16="http://schemas.microsoft.com/office/drawing/2014/main" xmlns="" id="{165CE0B9-374D-46A3-97C1-E7AFAFB5DEDF}"/>
               </a:ext>
             </a:extLst>
           </p:cNvPr>
@@ -11739,7 +11774,7 @@
           <p:cNvPr id="6" name="テキスト ボックス 5">
             <a:extLst>
               <a:ext uri="{FF2B5EF4-FFF2-40B4-BE49-F238E27FC236}">
-                <a16:creationId xmlns="" xmlns:a16="http://schemas.microsoft.com/office/drawing/2014/main" id="{EEBBDC81-60E0-49FD-9EFB-874F038CCD29}"/>
+                <a16:creationId xmlns:a16="http://schemas.microsoft.com/office/drawing/2014/main" xmlns="" id="{EEBBDC81-60E0-49FD-9EFB-874F038CCD29}"/>
               </a:ext>
             </a:extLst>
           </p:cNvPr>
@@ -11791,7 +11826,7 @@
           <p:cNvPr id="12" name="グループ化 11">
             <a:extLst>
               <a:ext uri="{FF2B5EF4-FFF2-40B4-BE49-F238E27FC236}">
-                <a16:creationId xmlns="" xmlns:a16="http://schemas.microsoft.com/office/drawing/2014/main" id="{797C4648-EAB3-4303-9BBE-4050E32CDCAC}"/>
+                <a16:creationId xmlns:a16="http://schemas.microsoft.com/office/drawing/2014/main" xmlns="" id="{797C4648-EAB3-4303-9BBE-4050E32CDCAC}"/>
               </a:ext>
             </a:extLst>
           </p:cNvPr>
@@ -11811,7 +11846,7 @@
             <p:cNvPr id="8" name="テキスト ボックス 7">
               <a:extLst>
                 <a:ext uri="{FF2B5EF4-FFF2-40B4-BE49-F238E27FC236}">
-                  <a16:creationId xmlns="" xmlns:a16="http://schemas.microsoft.com/office/drawing/2014/main" id="{732F859C-017C-4DF8-8D5C-BAFB7C322941}"/>
+                  <a16:creationId xmlns:a16="http://schemas.microsoft.com/office/drawing/2014/main" xmlns="" id="{732F859C-017C-4DF8-8D5C-BAFB7C322941}"/>
                 </a:ext>
               </a:extLst>
             </p:cNvPr>
@@ -11852,7 +11887,7 @@
             <p:cNvPr id="9" name="テキスト ボックス 8">
               <a:extLst>
                 <a:ext uri="{FF2B5EF4-FFF2-40B4-BE49-F238E27FC236}">
-                  <a16:creationId xmlns="" xmlns:a16="http://schemas.microsoft.com/office/drawing/2014/main" id="{8712CBD0-DD3F-4A86-9652-7FFA75AD120B}"/>
+                  <a16:creationId xmlns:a16="http://schemas.microsoft.com/office/drawing/2014/main" xmlns="" id="{8712CBD0-DD3F-4A86-9652-7FFA75AD120B}"/>
                 </a:ext>
               </a:extLst>
             </p:cNvPr>
@@ -11915,7 +11950,7 @@
           <p:cNvPr id="13" name="グループ化 12">
             <a:extLst>
               <a:ext uri="{FF2B5EF4-FFF2-40B4-BE49-F238E27FC236}">
-                <a16:creationId xmlns="" xmlns:a16="http://schemas.microsoft.com/office/drawing/2014/main" id="{DED0F105-29CA-4D82-BF68-6B4A196F19AA}"/>
+                <a16:creationId xmlns:a16="http://schemas.microsoft.com/office/drawing/2014/main" xmlns="" id="{DED0F105-29CA-4D82-BF68-6B4A196F19AA}"/>
               </a:ext>
             </a:extLst>
           </p:cNvPr>
@@ -11935,7 +11970,7 @@
             <p:cNvPr id="7" name="テキスト ボックス 6">
               <a:extLst>
                 <a:ext uri="{FF2B5EF4-FFF2-40B4-BE49-F238E27FC236}">
-                  <a16:creationId xmlns="" xmlns:a16="http://schemas.microsoft.com/office/drawing/2014/main" id="{54618E3D-3C8D-4D29-8362-5B6918855191}"/>
+                  <a16:creationId xmlns:a16="http://schemas.microsoft.com/office/drawing/2014/main" xmlns="" id="{54618E3D-3C8D-4D29-8362-5B6918855191}"/>
                 </a:ext>
               </a:extLst>
             </p:cNvPr>
@@ -11976,7 +12011,7 @@
             <p:cNvPr id="11" name="テキスト ボックス 10">
               <a:extLst>
                 <a:ext uri="{FF2B5EF4-FFF2-40B4-BE49-F238E27FC236}">
-                  <a16:creationId xmlns="" xmlns:a16="http://schemas.microsoft.com/office/drawing/2014/main" id="{6825228E-EBCE-401A-B0BC-7661792A6F00}"/>
+                  <a16:creationId xmlns:a16="http://schemas.microsoft.com/office/drawing/2014/main" xmlns="" id="{6825228E-EBCE-401A-B0BC-7661792A6F00}"/>
                 </a:ext>
               </a:extLst>
             </p:cNvPr>
@@ -12125,7 +12160,7 @@
           <p:cNvPr id="5" name="テキスト ボックス 4">
             <a:extLst>
               <a:ext uri="{FF2B5EF4-FFF2-40B4-BE49-F238E27FC236}">
-                <a16:creationId xmlns="" xmlns:a16="http://schemas.microsoft.com/office/drawing/2014/main" id="{3EEDA683-E7C7-4A3A-9045-88BF1220584E}"/>
+                <a16:creationId xmlns:a16="http://schemas.microsoft.com/office/drawing/2014/main" xmlns="" id="{3EEDA683-E7C7-4A3A-9045-88BF1220584E}"/>
               </a:ext>
             </a:extLst>
           </p:cNvPr>
@@ -12177,7 +12212,7 @@
           <p:cNvPr id="6" name="テキスト ボックス 5">
             <a:extLst>
               <a:ext uri="{FF2B5EF4-FFF2-40B4-BE49-F238E27FC236}">
-                <a16:creationId xmlns="" xmlns:a16="http://schemas.microsoft.com/office/drawing/2014/main" id="{C9FCE914-94E5-4B3F-B2D2-96FDE0E6E9D8}"/>
+                <a16:creationId xmlns:a16="http://schemas.microsoft.com/office/drawing/2014/main" xmlns="" id="{C9FCE914-94E5-4B3F-B2D2-96FDE0E6E9D8}"/>
               </a:ext>
             </a:extLst>
           </p:cNvPr>
@@ -12218,7 +12253,7 @@
           <p:cNvPr id="7" name="テキスト ボックス 6">
             <a:extLst>
               <a:ext uri="{FF2B5EF4-FFF2-40B4-BE49-F238E27FC236}">
-                <a16:creationId xmlns="" xmlns:a16="http://schemas.microsoft.com/office/drawing/2014/main" id="{1A509F0D-124D-47C4-B5CD-4B9B8064082C}"/>
+                <a16:creationId xmlns:a16="http://schemas.microsoft.com/office/drawing/2014/main" xmlns="" id="{1A509F0D-124D-47C4-B5CD-4B9B8064082C}"/>
               </a:ext>
             </a:extLst>
           </p:cNvPr>
@@ -12269,7 +12304,7 @@
           <p:cNvPr id="8" name="テキスト ボックス 7">
             <a:extLst>
               <a:ext uri="{FF2B5EF4-FFF2-40B4-BE49-F238E27FC236}">
-                <a16:creationId xmlns="" xmlns:a16="http://schemas.microsoft.com/office/drawing/2014/main" id="{5F463387-8D23-460A-80ED-50E81FAAF3D9}"/>
+                <a16:creationId xmlns:a16="http://schemas.microsoft.com/office/drawing/2014/main" xmlns="" id="{5F463387-8D23-460A-80ED-50E81FAAF3D9}"/>
               </a:ext>
             </a:extLst>
           </p:cNvPr>
@@ -12330,7 +12365,7 @@
           <p:cNvPr id="9" name="テキスト ボックス 8">
             <a:extLst>
               <a:ext uri="{FF2B5EF4-FFF2-40B4-BE49-F238E27FC236}">
-                <a16:creationId xmlns="" xmlns:a16="http://schemas.microsoft.com/office/drawing/2014/main" id="{3E1D3977-A1EE-4011-94E0-9B60C81CA553}"/>
+                <a16:creationId xmlns:a16="http://schemas.microsoft.com/office/drawing/2014/main" xmlns="" id="{3E1D3977-A1EE-4011-94E0-9B60C81CA553}"/>
               </a:ext>
             </a:extLst>
           </p:cNvPr>
@@ -12419,7 +12454,7 @@
           <p:cNvPr id="41" name="グループ化 40">
             <a:extLst>
               <a:ext uri="{FF2B5EF4-FFF2-40B4-BE49-F238E27FC236}">
-                <a16:creationId xmlns="" xmlns:a16="http://schemas.microsoft.com/office/drawing/2014/main" id="{C42471E9-CEF7-4DD0-B2B9-A37027252951}"/>
+                <a16:creationId xmlns:a16="http://schemas.microsoft.com/office/drawing/2014/main" xmlns="" id="{C42471E9-CEF7-4DD0-B2B9-A37027252951}"/>
               </a:ext>
             </a:extLst>
           </p:cNvPr>
@@ -12439,7 +12474,7 @@
             <p:cNvPr id="22" name="グループ化 21">
               <a:extLst>
                 <a:ext uri="{FF2B5EF4-FFF2-40B4-BE49-F238E27FC236}">
-                  <a16:creationId xmlns="" xmlns:a16="http://schemas.microsoft.com/office/drawing/2014/main" id="{7D6E456E-2E26-4492-9279-169842641548}"/>
+                  <a16:creationId xmlns:a16="http://schemas.microsoft.com/office/drawing/2014/main" xmlns="" id="{7D6E456E-2E26-4492-9279-169842641548}"/>
                 </a:ext>
               </a:extLst>
             </p:cNvPr>
@@ -12459,7 +12494,7 @@
               <p:cNvPr id="11" name="図 10" descr="物体 が含まれている画像&#10;&#10;自動的に生成された説明">
                 <a:extLst>
                   <a:ext uri="{FF2B5EF4-FFF2-40B4-BE49-F238E27FC236}">
-                    <a16:creationId xmlns="" xmlns:a16="http://schemas.microsoft.com/office/drawing/2014/main" id="{9E2F2156-5A3C-4670-A7BB-42FF8EF7E4F0}"/>
+                    <a16:creationId xmlns:a16="http://schemas.microsoft.com/office/drawing/2014/main" xmlns="" id="{9E2F2156-5A3C-4670-A7BB-42FF8EF7E4F0}"/>
                   </a:ext>
                 </a:extLst>
               </p:cNvPr>
@@ -12495,7 +12530,7 @@
               <p:cNvPr id="18" name="テキスト ボックス 17">
                 <a:extLst>
                   <a:ext uri="{FF2B5EF4-FFF2-40B4-BE49-F238E27FC236}">
-                    <a16:creationId xmlns="" xmlns:a16="http://schemas.microsoft.com/office/drawing/2014/main" id="{85DB17C7-0CA8-4460-8B6A-1BBCF3C5CA75}"/>
+                    <a16:creationId xmlns:a16="http://schemas.microsoft.com/office/drawing/2014/main" xmlns="" id="{85DB17C7-0CA8-4460-8B6A-1BBCF3C5CA75}"/>
                   </a:ext>
                 </a:extLst>
               </p:cNvPr>
@@ -12534,7 +12569,7 @@
             <p:cNvPr id="23" name="グループ化 22">
               <a:extLst>
                 <a:ext uri="{FF2B5EF4-FFF2-40B4-BE49-F238E27FC236}">
-                  <a16:creationId xmlns="" xmlns:a16="http://schemas.microsoft.com/office/drawing/2014/main" id="{8FA97864-B0AC-4C37-AB57-3F511EE9B20A}"/>
+                  <a16:creationId xmlns:a16="http://schemas.microsoft.com/office/drawing/2014/main" xmlns="" id="{8FA97864-B0AC-4C37-AB57-3F511EE9B20A}"/>
                 </a:ext>
               </a:extLst>
             </p:cNvPr>
@@ -12554,7 +12589,7 @@
               <p:cNvPr id="13" name="図 12" descr="物体 が含まれている画像&#10;&#10;自動的に生成された説明">
                 <a:extLst>
                   <a:ext uri="{FF2B5EF4-FFF2-40B4-BE49-F238E27FC236}">
-                    <a16:creationId xmlns="" xmlns:a16="http://schemas.microsoft.com/office/drawing/2014/main" id="{539F0BC8-41E3-4ADD-9459-BE0E2D7ABA27}"/>
+                    <a16:creationId xmlns:a16="http://schemas.microsoft.com/office/drawing/2014/main" xmlns="" id="{539F0BC8-41E3-4ADD-9459-BE0E2D7ABA27}"/>
                   </a:ext>
                 </a:extLst>
               </p:cNvPr>
@@ -12590,7 +12625,7 @@
               <p:cNvPr id="19" name="テキスト ボックス 18">
                 <a:extLst>
                   <a:ext uri="{FF2B5EF4-FFF2-40B4-BE49-F238E27FC236}">
-                    <a16:creationId xmlns="" xmlns:a16="http://schemas.microsoft.com/office/drawing/2014/main" id="{9D08D78F-597A-41C6-9E61-E721135C20D1}"/>
+                    <a16:creationId xmlns:a16="http://schemas.microsoft.com/office/drawing/2014/main" xmlns="" id="{9D08D78F-597A-41C6-9E61-E721135C20D1}"/>
                   </a:ext>
                 </a:extLst>
               </p:cNvPr>
@@ -12629,7 +12664,7 @@
             <p:cNvPr id="25" name="グループ化 24">
               <a:extLst>
                 <a:ext uri="{FF2B5EF4-FFF2-40B4-BE49-F238E27FC236}">
-                  <a16:creationId xmlns="" xmlns:a16="http://schemas.microsoft.com/office/drawing/2014/main" id="{8F6624A7-F895-493A-8055-873B48C8C19C}"/>
+                  <a16:creationId xmlns:a16="http://schemas.microsoft.com/office/drawing/2014/main" xmlns="" id="{8F6624A7-F895-493A-8055-873B48C8C19C}"/>
                 </a:ext>
               </a:extLst>
             </p:cNvPr>
@@ -12649,7 +12684,7 @@
               <p:cNvPr id="15" name="図 14" descr="物体, 腕時計 が含まれている画像&#10;&#10;自動的に生成された説明">
                 <a:extLst>
                   <a:ext uri="{FF2B5EF4-FFF2-40B4-BE49-F238E27FC236}">
-                    <a16:creationId xmlns="" xmlns:a16="http://schemas.microsoft.com/office/drawing/2014/main" id="{53299244-26D0-4173-ACC6-BD241C768849}"/>
+                    <a16:creationId xmlns:a16="http://schemas.microsoft.com/office/drawing/2014/main" xmlns="" id="{53299244-26D0-4173-ACC6-BD241C768849}"/>
                   </a:ext>
                 </a:extLst>
               </p:cNvPr>
@@ -12685,7 +12720,7 @@
               <p:cNvPr id="20" name="テキスト ボックス 19">
                 <a:extLst>
                   <a:ext uri="{FF2B5EF4-FFF2-40B4-BE49-F238E27FC236}">
-                    <a16:creationId xmlns="" xmlns:a16="http://schemas.microsoft.com/office/drawing/2014/main" id="{BF9D5B9B-9876-443A-BE29-B4828D0A5D74}"/>
+                    <a16:creationId xmlns:a16="http://schemas.microsoft.com/office/drawing/2014/main" xmlns="" id="{BF9D5B9B-9876-443A-BE29-B4828D0A5D74}"/>
                   </a:ext>
                 </a:extLst>
               </p:cNvPr>
@@ -12724,7 +12759,7 @@
             <p:cNvPr id="26" name="グループ化 25">
               <a:extLst>
                 <a:ext uri="{FF2B5EF4-FFF2-40B4-BE49-F238E27FC236}">
-                  <a16:creationId xmlns="" xmlns:a16="http://schemas.microsoft.com/office/drawing/2014/main" id="{D317981A-38A9-4594-9159-8C77F7F6D8B4}"/>
+                  <a16:creationId xmlns:a16="http://schemas.microsoft.com/office/drawing/2014/main" xmlns="" id="{D317981A-38A9-4594-9159-8C77F7F6D8B4}"/>
                 </a:ext>
               </a:extLst>
             </p:cNvPr>
@@ -12744,7 +12779,7 @@
               <p:cNvPr id="17" name="図 16" descr="物体 が含まれている画像&#10;&#10;自動的に生成された説明">
                 <a:extLst>
                   <a:ext uri="{FF2B5EF4-FFF2-40B4-BE49-F238E27FC236}">
-                    <a16:creationId xmlns="" xmlns:a16="http://schemas.microsoft.com/office/drawing/2014/main" id="{93CD3867-4A7C-4138-9F28-8B9071FCE1AF}"/>
+                    <a16:creationId xmlns:a16="http://schemas.microsoft.com/office/drawing/2014/main" xmlns="" id="{93CD3867-4A7C-4138-9F28-8B9071FCE1AF}"/>
                   </a:ext>
                 </a:extLst>
               </p:cNvPr>
@@ -12780,7 +12815,7 @@
               <p:cNvPr id="21" name="テキスト ボックス 20">
                 <a:extLst>
                   <a:ext uri="{FF2B5EF4-FFF2-40B4-BE49-F238E27FC236}">
-                    <a16:creationId xmlns="" xmlns:a16="http://schemas.microsoft.com/office/drawing/2014/main" id="{C3C71671-55D6-4E40-BC27-288FCF91D2BB}"/>
+                    <a16:creationId xmlns:a16="http://schemas.microsoft.com/office/drawing/2014/main" xmlns="" id="{C3C71671-55D6-4E40-BC27-288FCF91D2BB}"/>
                   </a:ext>
                 </a:extLst>
               </p:cNvPr>
@@ -12823,7 +12858,7 @@
             <p:cNvPr id="28" name="直線矢印コネクタ 27">
               <a:extLst>
                 <a:ext uri="{FF2B5EF4-FFF2-40B4-BE49-F238E27FC236}">
-                  <a16:creationId xmlns="" xmlns:a16="http://schemas.microsoft.com/office/drawing/2014/main" id="{A84A16DD-57C4-4761-A446-249187106E51}"/>
+                  <a16:creationId xmlns:a16="http://schemas.microsoft.com/office/drawing/2014/main" xmlns="" id="{A84A16DD-57C4-4761-A446-249187106E51}"/>
                 </a:ext>
               </a:extLst>
             </p:cNvPr>
@@ -12867,7 +12902,7 @@
             <p:cNvPr id="29" name="直線矢印コネクタ 28">
               <a:extLst>
                 <a:ext uri="{FF2B5EF4-FFF2-40B4-BE49-F238E27FC236}">
-                  <a16:creationId xmlns="" xmlns:a16="http://schemas.microsoft.com/office/drawing/2014/main" id="{CE867472-33BD-4771-A53A-412FDCEAB859}"/>
+                  <a16:creationId xmlns:a16="http://schemas.microsoft.com/office/drawing/2014/main" xmlns="" id="{CE867472-33BD-4771-A53A-412FDCEAB859}"/>
                 </a:ext>
               </a:extLst>
             </p:cNvPr>
@@ -12911,7 +12946,7 @@
             <p:cNvPr id="32" name="直線矢印コネクタ 31">
               <a:extLst>
                 <a:ext uri="{FF2B5EF4-FFF2-40B4-BE49-F238E27FC236}">
-                  <a16:creationId xmlns="" xmlns:a16="http://schemas.microsoft.com/office/drawing/2014/main" id="{2F760955-CE29-4903-BDF0-C0EF1A34CD6F}"/>
+                  <a16:creationId xmlns:a16="http://schemas.microsoft.com/office/drawing/2014/main" xmlns="" id="{2F760955-CE29-4903-BDF0-C0EF1A34CD6F}"/>
                 </a:ext>
               </a:extLst>
             </p:cNvPr>
@@ -12955,7 +12990,7 @@
             <p:cNvPr id="33" name="直線矢印コネクタ 32">
               <a:extLst>
                 <a:ext uri="{FF2B5EF4-FFF2-40B4-BE49-F238E27FC236}">
-                  <a16:creationId xmlns="" xmlns:a16="http://schemas.microsoft.com/office/drawing/2014/main" id="{96E14F16-9B67-48C7-9985-746717E7D2CE}"/>
+                  <a16:creationId xmlns:a16="http://schemas.microsoft.com/office/drawing/2014/main" xmlns="" id="{96E14F16-9B67-48C7-9985-746717E7D2CE}"/>
                 </a:ext>
               </a:extLst>
             </p:cNvPr>
@@ -12999,7 +13034,7 @@
             <p:cNvPr id="34" name="正方形/長方形 33">
               <a:extLst>
                 <a:ext uri="{FF2B5EF4-FFF2-40B4-BE49-F238E27FC236}">
-                  <a16:creationId xmlns="" xmlns:a16="http://schemas.microsoft.com/office/drawing/2014/main" id="{6ADAFCEE-C028-416D-B257-90B41E02042A}"/>
+                  <a16:creationId xmlns:a16="http://schemas.microsoft.com/office/drawing/2014/main" xmlns="" id="{6ADAFCEE-C028-416D-B257-90B41E02042A}"/>
                 </a:ext>
               </a:extLst>
             </p:cNvPr>
@@ -13054,7 +13089,7 @@
             <p:cNvPr id="35" name="直線矢印コネクタ 34">
               <a:extLst>
                 <a:ext uri="{FF2B5EF4-FFF2-40B4-BE49-F238E27FC236}">
-                  <a16:creationId xmlns="" xmlns:a16="http://schemas.microsoft.com/office/drawing/2014/main" id="{A2A6B62C-1E0E-432C-9BEC-393C34A1C94C}"/>
+                  <a16:creationId xmlns:a16="http://schemas.microsoft.com/office/drawing/2014/main" xmlns="" id="{A2A6B62C-1E0E-432C-9BEC-393C34A1C94C}"/>
                 </a:ext>
               </a:extLst>
             </p:cNvPr>
@@ -13099,7 +13134,7 @@
           <p:cNvPr id="44" name="グループ化 43">
             <a:extLst>
               <a:ext uri="{FF2B5EF4-FFF2-40B4-BE49-F238E27FC236}">
-                <a16:creationId xmlns="" xmlns:a16="http://schemas.microsoft.com/office/drawing/2014/main" id="{7EEE5686-B5B9-4B20-8993-381AFDACF9AB}"/>
+                <a16:creationId xmlns:a16="http://schemas.microsoft.com/office/drawing/2014/main" xmlns="" id="{7EEE5686-B5B9-4B20-8993-381AFDACF9AB}"/>
               </a:ext>
             </a:extLst>
           </p:cNvPr>
@@ -13119,7 +13154,7 @@
             <p:cNvPr id="40" name="グループ化 39">
               <a:extLst>
                 <a:ext uri="{FF2B5EF4-FFF2-40B4-BE49-F238E27FC236}">
-                  <a16:creationId xmlns="" xmlns:a16="http://schemas.microsoft.com/office/drawing/2014/main" id="{80B432E5-1E61-4A1C-BB38-CE56CD67DAEC}"/>
+                  <a16:creationId xmlns:a16="http://schemas.microsoft.com/office/drawing/2014/main" xmlns="" id="{80B432E5-1E61-4A1C-BB38-CE56CD67DAEC}"/>
                 </a:ext>
               </a:extLst>
             </p:cNvPr>
@@ -13139,7 +13174,7 @@
               <p:cNvPr id="36" name="直線矢印コネクタ 35">
                 <a:extLst>
                   <a:ext uri="{FF2B5EF4-FFF2-40B4-BE49-F238E27FC236}">
-                    <a16:creationId xmlns="" xmlns:a16="http://schemas.microsoft.com/office/drawing/2014/main" id="{555429FE-F091-46AD-84F7-1B4256D762AB}"/>
+                    <a16:creationId xmlns:a16="http://schemas.microsoft.com/office/drawing/2014/main" xmlns="" id="{555429FE-F091-46AD-84F7-1B4256D762AB}"/>
                   </a:ext>
                 </a:extLst>
               </p:cNvPr>
@@ -13183,7 +13218,7 @@
               <p:cNvPr id="37" name="直線矢印コネクタ 36">
                 <a:extLst>
                   <a:ext uri="{FF2B5EF4-FFF2-40B4-BE49-F238E27FC236}">
-                    <a16:creationId xmlns="" xmlns:a16="http://schemas.microsoft.com/office/drawing/2014/main" id="{5030B8C7-7BED-40F6-B6D5-A7CD124D67A9}"/>
+                    <a16:creationId xmlns:a16="http://schemas.microsoft.com/office/drawing/2014/main" xmlns="" id="{5030B8C7-7BED-40F6-B6D5-A7CD124D67A9}"/>
                   </a:ext>
                 </a:extLst>
               </p:cNvPr>
@@ -13227,7 +13262,7 @@
               <p:cNvPr id="38" name="テキスト ボックス 37">
                 <a:extLst>
                   <a:ext uri="{FF2B5EF4-FFF2-40B4-BE49-F238E27FC236}">
-                    <a16:creationId xmlns="" xmlns:a16="http://schemas.microsoft.com/office/drawing/2014/main" id="{1BB9FF26-C1AD-43FF-B1A3-3D220E4BC3AA}"/>
+                    <a16:creationId xmlns:a16="http://schemas.microsoft.com/office/drawing/2014/main" xmlns="" id="{1BB9FF26-C1AD-43FF-B1A3-3D220E4BC3AA}"/>
                   </a:ext>
                 </a:extLst>
               </p:cNvPr>
@@ -13265,7 +13300,7 @@
               <p:cNvPr id="39" name="テキスト ボックス 38">
                 <a:extLst>
                   <a:ext uri="{FF2B5EF4-FFF2-40B4-BE49-F238E27FC236}">
-                    <a16:creationId xmlns="" xmlns:a16="http://schemas.microsoft.com/office/drawing/2014/main" id="{127090C9-FA03-47A3-B8E5-5AC843148C0C}"/>
+                    <a16:creationId xmlns:a16="http://schemas.microsoft.com/office/drawing/2014/main" xmlns="" id="{127090C9-FA03-47A3-B8E5-5AC843148C0C}"/>
                   </a:ext>
                 </a:extLst>
               </p:cNvPr>
@@ -13308,7 +13343,7 @@
             <p:cNvPr id="42" name="正方形/長方形 41">
               <a:extLst>
                 <a:ext uri="{FF2B5EF4-FFF2-40B4-BE49-F238E27FC236}">
-                  <a16:creationId xmlns="" xmlns:a16="http://schemas.microsoft.com/office/drawing/2014/main" id="{974D7591-C374-4FE7-98C6-F63D715B2F46}"/>
+                  <a16:creationId xmlns:a16="http://schemas.microsoft.com/office/drawing/2014/main" xmlns="" id="{974D7591-C374-4FE7-98C6-F63D715B2F46}"/>
                 </a:ext>
               </a:extLst>
             </p:cNvPr>
@@ -13364,7 +13399,7 @@
           <p:cNvPr id="43" name="正方形/長方形 42">
             <a:extLst>
               <a:ext uri="{FF2B5EF4-FFF2-40B4-BE49-F238E27FC236}">
-                <a16:creationId xmlns="" xmlns:a16="http://schemas.microsoft.com/office/drawing/2014/main" id="{A98ECFFF-731C-4C54-95F1-02A8CC15EA71}"/>
+                <a16:creationId xmlns:a16="http://schemas.microsoft.com/office/drawing/2014/main" xmlns="" id="{A98ECFFF-731C-4C54-95F1-02A8CC15EA71}"/>
               </a:ext>
             </a:extLst>
           </p:cNvPr>
@@ -13430,7 +13465,7 @@
             <p:cNvPr id="4" name="図 3">
               <a:extLst>
                 <a:ext uri="{FF2B5EF4-FFF2-40B4-BE49-F238E27FC236}">
-                  <a16:creationId xmlns="" xmlns:a16="http://schemas.microsoft.com/office/drawing/2014/main" id="{84E4BD2B-BD98-4D0D-BD92-46FAC62B133A}"/>
+                  <a16:creationId xmlns:a16="http://schemas.microsoft.com/office/drawing/2014/main" xmlns="" id="{84E4BD2B-BD98-4D0D-BD92-46FAC62B133A}"/>
                 </a:ext>
               </a:extLst>
             </p:cNvPr>
@@ -13465,7 +13500,7 @@
             <p:cNvPr id="45" name="図 44">
               <a:extLst>
                 <a:ext uri="{FF2B5EF4-FFF2-40B4-BE49-F238E27FC236}">
-                  <a16:creationId xmlns="" xmlns:a16="http://schemas.microsoft.com/office/drawing/2014/main" id="{84E4BD2B-BD98-4D0D-BD92-46FAC62B133A}"/>
+                  <a16:creationId xmlns:a16="http://schemas.microsoft.com/office/drawing/2014/main" xmlns="" id="{84E4BD2B-BD98-4D0D-BD92-46FAC62B133A}"/>
                 </a:ext>
               </a:extLst>
             </p:cNvPr>
@@ -13538,7 +13573,7 @@
           <p:cNvPr id="3" name="図 2">
             <a:extLst>
               <a:ext uri="{FF2B5EF4-FFF2-40B4-BE49-F238E27FC236}">
-                <a16:creationId xmlns="" xmlns:a16="http://schemas.microsoft.com/office/drawing/2014/main" id="{8EBC7496-D4A5-4E2C-9D16-11A12608F074}"/>
+                <a16:creationId xmlns:a16="http://schemas.microsoft.com/office/drawing/2014/main" xmlns="" id="{8EBC7496-D4A5-4E2C-9D16-11A12608F074}"/>
               </a:ext>
             </a:extLst>
           </p:cNvPr>
@@ -13567,7 +13602,7 @@
           <p:cNvPr id="10" name="テキスト ボックス 9">
             <a:extLst>
               <a:ext uri="{FF2B5EF4-FFF2-40B4-BE49-F238E27FC236}">
-                <a16:creationId xmlns="" xmlns:a16="http://schemas.microsoft.com/office/drawing/2014/main" id="{D5807289-5F94-4ABF-BB19-A244DE39AAB7}"/>
+                <a16:creationId xmlns:a16="http://schemas.microsoft.com/office/drawing/2014/main" xmlns="" id="{D5807289-5F94-4ABF-BB19-A244DE39AAB7}"/>
               </a:ext>
             </a:extLst>
           </p:cNvPr>
@@ -13612,7 +13647,7 @@
           <p:cNvPr id="11" name="テキスト ボックス 10">
             <a:extLst>
               <a:ext uri="{FF2B5EF4-FFF2-40B4-BE49-F238E27FC236}">
-                <a16:creationId xmlns="" xmlns:a16="http://schemas.microsoft.com/office/drawing/2014/main" id="{6D354EB7-7F73-4490-964D-300A57A3D0C5}"/>
+                <a16:creationId xmlns:a16="http://schemas.microsoft.com/office/drawing/2014/main" xmlns="" id="{6D354EB7-7F73-4490-964D-300A57A3D0C5}"/>
               </a:ext>
             </a:extLst>
           </p:cNvPr>
@@ -13650,7 +13685,7 @@
           <p:cNvPr id="12" name="楕円 11">
             <a:extLst>
               <a:ext uri="{FF2B5EF4-FFF2-40B4-BE49-F238E27FC236}">
-                <a16:creationId xmlns="" xmlns:a16="http://schemas.microsoft.com/office/drawing/2014/main" id="{27BE146F-8491-400F-AB07-2E26102463F2}"/>
+                <a16:creationId xmlns:a16="http://schemas.microsoft.com/office/drawing/2014/main" xmlns="" id="{27BE146F-8491-400F-AB07-2E26102463F2}"/>
               </a:ext>
             </a:extLst>
           </p:cNvPr>
@@ -13702,7 +13737,7 @@
           <p:cNvPr id="13" name="楕円 12">
             <a:extLst>
               <a:ext uri="{FF2B5EF4-FFF2-40B4-BE49-F238E27FC236}">
-                <a16:creationId xmlns="" xmlns:a16="http://schemas.microsoft.com/office/drawing/2014/main" id="{AC13EDC5-A927-451C-A8C6-2F68A75D9DB9}"/>
+                <a16:creationId xmlns:a16="http://schemas.microsoft.com/office/drawing/2014/main" xmlns="" id="{AC13EDC5-A927-451C-A8C6-2F68A75D9DB9}"/>
               </a:ext>
             </a:extLst>
           </p:cNvPr>
@@ -13754,7 +13789,7 @@
           <p:cNvPr id="14" name="楕円 13">
             <a:extLst>
               <a:ext uri="{FF2B5EF4-FFF2-40B4-BE49-F238E27FC236}">
-                <a16:creationId xmlns="" xmlns:a16="http://schemas.microsoft.com/office/drawing/2014/main" id="{A70D7407-0728-49A8-BDE2-7434759F1455}"/>
+                <a16:creationId xmlns:a16="http://schemas.microsoft.com/office/drawing/2014/main" xmlns="" id="{A70D7407-0728-49A8-BDE2-7434759F1455}"/>
               </a:ext>
             </a:extLst>
           </p:cNvPr>
@@ -13806,7 +13841,7 @@
           <p:cNvPr id="15" name="楕円 14">
             <a:extLst>
               <a:ext uri="{FF2B5EF4-FFF2-40B4-BE49-F238E27FC236}">
-                <a16:creationId xmlns="" xmlns:a16="http://schemas.microsoft.com/office/drawing/2014/main" id="{BA8A41E3-4961-4217-9C31-D8A81A9809A9}"/>
+                <a16:creationId xmlns:a16="http://schemas.microsoft.com/office/drawing/2014/main" xmlns="" id="{BA8A41E3-4961-4217-9C31-D8A81A9809A9}"/>
               </a:ext>
             </a:extLst>
           </p:cNvPr>
@@ -13858,7 +13893,7 @@
           <p:cNvPr id="16" name="テキスト ボックス 15">
             <a:extLst>
               <a:ext uri="{FF2B5EF4-FFF2-40B4-BE49-F238E27FC236}">
-                <a16:creationId xmlns="" xmlns:a16="http://schemas.microsoft.com/office/drawing/2014/main" id="{FBBAA09C-4BEB-47EA-BC7F-480BCC2226F1}"/>
+                <a16:creationId xmlns:a16="http://schemas.microsoft.com/office/drawing/2014/main" xmlns="" id="{FBBAA09C-4BEB-47EA-BC7F-480BCC2226F1}"/>
               </a:ext>
             </a:extLst>
           </p:cNvPr>
@@ -13976,7 +14011,7 @@
           <p:cNvPr id="17" name="正方形/長方形 16">
             <a:extLst>
               <a:ext uri="{FF2B5EF4-FFF2-40B4-BE49-F238E27FC236}">
-                <a16:creationId xmlns="" xmlns:a16="http://schemas.microsoft.com/office/drawing/2014/main" id="{A2CF4C31-1025-4708-B374-7F8887320A14}"/>
+                <a16:creationId xmlns:a16="http://schemas.microsoft.com/office/drawing/2014/main" xmlns="" id="{A2CF4C31-1025-4708-B374-7F8887320A14}"/>
               </a:ext>
             </a:extLst>
           </p:cNvPr>
@@ -14028,7 +14063,7 @@
           <p:cNvPr id="18" name="テキスト ボックス 17">
             <a:extLst>
               <a:ext uri="{FF2B5EF4-FFF2-40B4-BE49-F238E27FC236}">
-                <a16:creationId xmlns="" xmlns:a16="http://schemas.microsoft.com/office/drawing/2014/main" id="{594DFF38-A0BF-4052-92A8-115900A7F03B}"/>
+                <a16:creationId xmlns:a16="http://schemas.microsoft.com/office/drawing/2014/main" xmlns="" id="{594DFF38-A0BF-4052-92A8-115900A7F03B}"/>
               </a:ext>
             </a:extLst>
           </p:cNvPr>
@@ -14131,7 +14166,7 @@
           <p:cNvPr id="19" name="正方形/長方形 18">
             <a:extLst>
               <a:ext uri="{FF2B5EF4-FFF2-40B4-BE49-F238E27FC236}">
-                <a16:creationId xmlns="" xmlns:a16="http://schemas.microsoft.com/office/drawing/2014/main" id="{41DDEDAD-B76F-42FC-BD36-C4B4086365F3}"/>
+                <a16:creationId xmlns:a16="http://schemas.microsoft.com/office/drawing/2014/main" xmlns="" id="{41DDEDAD-B76F-42FC-BD36-C4B4086365F3}"/>
               </a:ext>
             </a:extLst>
           </p:cNvPr>
@@ -14183,7 +14218,7 @@
           <p:cNvPr id="21" name="正方形/長方形 20">
             <a:extLst>
               <a:ext uri="{FF2B5EF4-FFF2-40B4-BE49-F238E27FC236}">
-                <a16:creationId xmlns="" xmlns:a16="http://schemas.microsoft.com/office/drawing/2014/main" id="{B89D4E7D-0660-4D0D-912D-DF225C66A1D6}"/>
+                <a16:creationId xmlns:a16="http://schemas.microsoft.com/office/drawing/2014/main" xmlns="" id="{B89D4E7D-0660-4D0D-912D-DF225C66A1D6}"/>
               </a:ext>
             </a:extLst>
           </p:cNvPr>
@@ -14237,7 +14272,7 @@
           <p:cNvPr id="20" name="テキスト ボックス 19">
             <a:extLst>
               <a:ext uri="{FF2B5EF4-FFF2-40B4-BE49-F238E27FC236}">
-                <a16:creationId xmlns="" xmlns:a16="http://schemas.microsoft.com/office/drawing/2014/main" id="{4588D88C-0F6C-4A95-9191-7AC444B35B14}"/>
+                <a16:creationId xmlns:a16="http://schemas.microsoft.com/office/drawing/2014/main" xmlns="" id="{4588D88C-0F6C-4A95-9191-7AC444B35B14}"/>
               </a:ext>
             </a:extLst>
           </p:cNvPr>
@@ -14387,7 +14422,7 @@
           <p:cNvPr id="2" name="図 1">
             <a:extLst>
               <a:ext uri="{FF2B5EF4-FFF2-40B4-BE49-F238E27FC236}">
-                <a16:creationId xmlns="" xmlns:a16="http://schemas.microsoft.com/office/drawing/2014/main" id="{7FF69D48-0150-4CC7-838D-4781E53348B1}"/>
+                <a16:creationId xmlns:a16="http://schemas.microsoft.com/office/drawing/2014/main" xmlns="" id="{7FF69D48-0150-4CC7-838D-4781E53348B1}"/>
               </a:ext>
             </a:extLst>
           </p:cNvPr>
@@ -14416,7 +14451,7 @@
           <p:cNvPr id="6" name="テキスト ボックス 5">
             <a:extLst>
               <a:ext uri="{FF2B5EF4-FFF2-40B4-BE49-F238E27FC236}">
-                <a16:creationId xmlns="" xmlns:a16="http://schemas.microsoft.com/office/drawing/2014/main" id="{8305E55F-CE22-4A88-A8D4-3E4958510FE7}"/>
+                <a16:creationId xmlns:a16="http://schemas.microsoft.com/office/drawing/2014/main" xmlns="" id="{8305E55F-CE22-4A88-A8D4-3E4958510FE7}"/>
               </a:ext>
             </a:extLst>
           </p:cNvPr>
@@ -14461,7 +14496,7 @@
           <p:cNvPr id="7" name="吹き出し: 四角形 6">
             <a:extLst>
               <a:ext uri="{FF2B5EF4-FFF2-40B4-BE49-F238E27FC236}">
-                <a16:creationId xmlns="" xmlns:a16="http://schemas.microsoft.com/office/drawing/2014/main" id="{EC8402AE-3480-4CC7-905A-0776A28352DA}"/>
+                <a16:creationId xmlns:a16="http://schemas.microsoft.com/office/drawing/2014/main" xmlns="" id="{EC8402AE-3480-4CC7-905A-0776A28352DA}"/>
               </a:ext>
             </a:extLst>
           </p:cNvPr>
@@ -14554,7 +14589,7 @@
           <p:cNvPr id="8" name="吹き出し: 四角形 7">
             <a:extLst>
               <a:ext uri="{FF2B5EF4-FFF2-40B4-BE49-F238E27FC236}">
-                <a16:creationId xmlns="" xmlns:a16="http://schemas.microsoft.com/office/drawing/2014/main" id="{12F0A826-4C99-48A7-B36D-03DBE2118E07}"/>
+                <a16:creationId xmlns:a16="http://schemas.microsoft.com/office/drawing/2014/main" xmlns="" id="{12F0A826-4C99-48A7-B36D-03DBE2118E07}"/>
               </a:ext>
             </a:extLst>
           </p:cNvPr>
@@ -14650,7 +14685,7 @@
           <p:cNvPr id="9" name="吹き出し: 四角形 8">
             <a:extLst>
               <a:ext uri="{FF2B5EF4-FFF2-40B4-BE49-F238E27FC236}">
-                <a16:creationId xmlns="" xmlns:a16="http://schemas.microsoft.com/office/drawing/2014/main" id="{B25F11CC-0810-44FB-85E5-6AFA2E713B6D}"/>
+                <a16:creationId xmlns:a16="http://schemas.microsoft.com/office/drawing/2014/main" xmlns="" id="{B25F11CC-0810-44FB-85E5-6AFA2E713B6D}"/>
               </a:ext>
             </a:extLst>
           </p:cNvPr>
@@ -14773,7 +14808,7 @@
           <p:cNvPr id="3" name="正方形/長方形 2">
             <a:extLst>
               <a:ext uri="{FF2B5EF4-FFF2-40B4-BE49-F238E27FC236}">
-                <a16:creationId xmlns="" xmlns:a16="http://schemas.microsoft.com/office/drawing/2014/main" id="{A491271B-A222-4F11-B100-4D7A1B81E98A}"/>
+                <a16:creationId xmlns:a16="http://schemas.microsoft.com/office/drawing/2014/main" xmlns="" id="{A491271B-A222-4F11-B100-4D7A1B81E98A}"/>
               </a:ext>
             </a:extLst>
           </p:cNvPr>
@@ -14825,7 +14860,7 @@
           <p:cNvPr id="10" name="正方形/長方形 9">
             <a:extLst>
               <a:ext uri="{FF2B5EF4-FFF2-40B4-BE49-F238E27FC236}">
-                <a16:creationId xmlns="" xmlns:a16="http://schemas.microsoft.com/office/drawing/2014/main" id="{016D0004-D188-4E81-A1DB-65759A9B7E86}"/>
+                <a16:creationId xmlns:a16="http://schemas.microsoft.com/office/drawing/2014/main" xmlns="" id="{016D0004-D188-4E81-A1DB-65759A9B7E86}"/>
               </a:ext>
             </a:extLst>
           </p:cNvPr>
@@ -14877,7 +14912,7 @@
           <p:cNvPr id="11" name="正方形/長方形 10">
             <a:extLst>
               <a:ext uri="{FF2B5EF4-FFF2-40B4-BE49-F238E27FC236}">
-                <a16:creationId xmlns="" xmlns:a16="http://schemas.microsoft.com/office/drawing/2014/main" id="{CCF67B37-F0BC-41F6-A1E9-02DA2EAC5911}"/>
+                <a16:creationId xmlns:a16="http://schemas.microsoft.com/office/drawing/2014/main" xmlns="" id="{CCF67B37-F0BC-41F6-A1E9-02DA2EAC5911}"/>
               </a:ext>
             </a:extLst>
           </p:cNvPr>
@@ -14966,7 +15001,7 @@
           <p:cNvPr id="5" name="テキスト ボックス 4">
             <a:extLst>
               <a:ext uri="{FF2B5EF4-FFF2-40B4-BE49-F238E27FC236}">
-                <a16:creationId xmlns="" xmlns:a16="http://schemas.microsoft.com/office/drawing/2014/main" id="{D5807289-5F94-4ABF-BB19-A244DE39AAB7}"/>
+                <a16:creationId xmlns:a16="http://schemas.microsoft.com/office/drawing/2014/main" xmlns="" id="{D5807289-5F94-4ABF-BB19-A244DE39AAB7}"/>
               </a:ext>
             </a:extLst>
           </p:cNvPr>
